--- a/Курсовая работа.pptx
+++ b/Курсовая работа.pptx
@@ -5,7 +5,7 @@
     <p:sldMasterId id="2147483790" r:id="rId1"/>
   </p:sldMasterIdLst>
   <p:notesMasterIdLst>
-    <p:notesMasterId r:id="rId12"/>
+    <p:notesMasterId r:id="rId18"/>
   </p:notesMasterIdLst>
   <p:sldIdLst>
     <p:sldId id="256" r:id="rId2"/>
@@ -18,6 +18,12 @@
     <p:sldId id="263" r:id="rId9"/>
     <p:sldId id="264" r:id="rId10"/>
     <p:sldId id="265" r:id="rId11"/>
+    <p:sldId id="266" r:id="rId12"/>
+    <p:sldId id="267" r:id="rId13"/>
+    <p:sldId id="268" r:id="rId14"/>
+    <p:sldId id="269" r:id="rId15"/>
+    <p:sldId id="270" r:id="rId16"/>
+    <p:sldId id="271" r:id="rId17"/>
   </p:sldIdLst>
   <p:sldSz cx="12192000" cy="6858000"/>
   <p:notesSz cx="6858000" cy="9144000"/>
@@ -116,6 +122,11 @@
       </a:defRPr>
     </a:lvl9pPr>
   </p:defaultTextStyle>
+  <p:extLst>
+    <p:ext uri="{EFAFB233-063F-42B5-8137-9DF3F51BA10A}">
+      <p15:sldGuideLst xmlns:p15="http://schemas.microsoft.com/office/powerpoint/2012/main"/>
+    </p:ext>
+  </p:extLst>
 </p:presentation>
 </file>
 
@@ -201,7 +212,7 @@
           <a:p>
             <a:fld id="{7FB564F2-E882-43E8-B38A-618070AC5FB3}" type="datetimeFigureOut">
               <a:rPr lang="ru-RU" smtClean="0"/>
-              <a:t>19.12.2022</a:t>
+              <a:t>22.12.2022</a:t>
             </a:fld>
             <a:endParaRPr lang="ru-RU"/>
           </a:p>
@@ -265,38 +276,37 @@
           <a:p>
             <a:pPr lvl="0"/>
             <a:r>
-              <a:rPr lang="ru-RU" smtClean="0"/>
+              <a:rPr lang="ru-RU"/>
               <a:t>Образец текста</a:t>
             </a:r>
           </a:p>
           <a:p>
             <a:pPr lvl="1"/>
             <a:r>
-              <a:rPr lang="ru-RU" smtClean="0"/>
+              <a:rPr lang="ru-RU"/>
               <a:t>Второй уровень</a:t>
             </a:r>
           </a:p>
           <a:p>
             <a:pPr lvl="2"/>
             <a:r>
-              <a:rPr lang="ru-RU" smtClean="0"/>
+              <a:rPr lang="ru-RU"/>
               <a:t>Третий уровень</a:t>
             </a:r>
           </a:p>
           <a:p>
             <a:pPr lvl="3"/>
             <a:r>
-              <a:rPr lang="ru-RU" smtClean="0"/>
+              <a:rPr lang="ru-RU"/>
               <a:t>Четвертый уровень</a:t>
             </a:r>
           </a:p>
           <a:p>
             <a:pPr lvl="4"/>
             <a:r>
-              <a:rPr lang="ru-RU" smtClean="0"/>
+              <a:rPr lang="ru-RU"/>
               <a:t>Пятый уровень</a:t>
             </a:r>
-            <a:endParaRPr lang="ru-RU"/>
           </a:p>
         </p:txBody>
       </p:sp>
@@ -543,7 +553,7 @@
           </a:lstStyle>
           <a:p>
             <a:r>
-              <a:rPr lang="ru-RU" smtClean="0"/>
+              <a:rPr lang="ru-RU"/>
               <a:t>Образец заголовка</a:t>
             </a:r>
             <a:endParaRPr lang="en-US" dirty="0"/>
@@ -616,7 +626,7 @@
           </a:lstStyle>
           <a:p>
             <a:r>
-              <a:rPr lang="ru-RU" smtClean="0"/>
+              <a:rPr lang="ru-RU"/>
               <a:t>Образец подзаголовка</a:t>
             </a:r>
             <a:endParaRPr lang="en-US" dirty="0"/>
@@ -640,7 +650,7 @@
           <a:p>
             <a:fld id="{DDC647A9-AAA3-4641-ACE7-C285BA9E2E71}" type="datetimeFigureOut">
               <a:rPr lang="ru-RU" smtClean="0"/>
-              <a:t>19.12.2022</a:t>
+              <a:t>22.12.2022</a:t>
             </a:fld>
             <a:endParaRPr lang="ru-RU"/>
           </a:p>
@@ -773,7 +783,7 @@
           </a:lstStyle>
           <a:p>
             <a:r>
-              <a:rPr lang="ru-RU" smtClean="0"/>
+              <a:rPr lang="ru-RU"/>
               <a:t>Образец заголовка</a:t>
             </a:r>
             <a:endParaRPr lang="en-US" dirty="0"/>
@@ -863,7 +873,7 @@
           </a:lstStyle>
           <a:p>
             <a:r>
-              <a:rPr lang="ru-RU" smtClean="0"/>
+              <a:rPr lang="ru-RU"/>
               <a:t>Вставка рисунка</a:t>
             </a:r>
             <a:endParaRPr lang="en-US" dirty="0"/>
@@ -929,7 +939,7 @@
           <a:p>
             <a:pPr lvl="0"/>
             <a:r>
-              <a:rPr lang="ru-RU" smtClean="0"/>
+              <a:rPr lang="ru-RU"/>
               <a:t>Образец текста</a:t>
             </a:r>
           </a:p>
@@ -952,7 +962,7 @@
           <a:p>
             <a:fld id="{DDC647A9-AAA3-4641-ACE7-C285BA9E2E71}" type="datetimeFigureOut">
               <a:rPr lang="ru-RU" smtClean="0"/>
-              <a:t>19.12.2022</a:t>
+              <a:t>22.12.2022</a:t>
             </a:fld>
             <a:endParaRPr lang="ru-RU"/>
           </a:p>
@@ -1085,7 +1095,7 @@
           </a:lstStyle>
           <a:p>
             <a:r>
-              <a:rPr lang="ru-RU" smtClean="0"/>
+              <a:rPr lang="ru-RU"/>
               <a:t>Образец заголовка</a:t>
             </a:r>
             <a:endParaRPr lang="en-US" dirty="0"/>
@@ -1151,7 +1161,7 @@
           <a:p>
             <a:pPr lvl="0"/>
             <a:r>
-              <a:rPr lang="ru-RU" smtClean="0"/>
+              <a:rPr lang="ru-RU"/>
               <a:t>Образец текста</a:t>
             </a:r>
           </a:p>
@@ -1174,7 +1184,7 @@
           <a:p>
             <a:fld id="{DDC647A9-AAA3-4641-ACE7-C285BA9E2E71}" type="datetimeFigureOut">
               <a:rPr lang="ru-RU" smtClean="0"/>
-              <a:t>19.12.2022</a:t>
+              <a:t>22.12.2022</a:t>
             </a:fld>
             <a:endParaRPr lang="ru-RU"/>
           </a:p>
@@ -1307,7 +1317,7 @@
           </a:lstStyle>
           <a:p>
             <a:r>
-              <a:rPr lang="ru-RU" smtClean="0"/>
+              <a:rPr lang="ru-RU"/>
               <a:t>Образец заголовка</a:t>
             </a:r>
             <a:endParaRPr lang="en-US" dirty="0"/>
@@ -1375,7 +1385,7 @@
           <a:p>
             <a:pPr lvl="0"/>
             <a:r>
-              <a:rPr lang="ru-RU" smtClean="0"/>
+              <a:rPr lang="ru-RU"/>
               <a:t>Образец текста</a:t>
             </a:r>
           </a:p>
@@ -1442,7 +1452,7 @@
           <a:p>
             <a:pPr lvl="0"/>
             <a:r>
-              <a:rPr lang="ru-RU" smtClean="0"/>
+              <a:rPr lang="ru-RU"/>
               <a:t>Образец текста</a:t>
             </a:r>
           </a:p>
@@ -1465,7 +1475,7 @@
           <a:p>
             <a:fld id="{DDC647A9-AAA3-4641-ACE7-C285BA9E2E71}" type="datetimeFigureOut">
               <a:rPr lang="ru-RU" smtClean="0"/>
-              <a:t>19.12.2022</a:t>
+              <a:t>22.12.2022</a:t>
             </a:fld>
             <a:endParaRPr lang="ru-RU"/>
           </a:p>
@@ -1830,7 +1840,7 @@
           </a:lstStyle>
           <a:p>
             <a:r>
-              <a:rPr lang="ru-RU" smtClean="0"/>
+              <a:rPr lang="ru-RU"/>
               <a:t>Образец заголовка</a:t>
             </a:r>
             <a:endParaRPr lang="en-US" dirty="0"/>
@@ -1896,7 +1906,7 @@
           <a:p>
             <a:pPr lvl="0"/>
             <a:r>
-              <a:rPr lang="ru-RU" smtClean="0"/>
+              <a:rPr lang="ru-RU"/>
               <a:t>Образец текста</a:t>
             </a:r>
           </a:p>
@@ -1919,7 +1929,7 @@
           <a:p>
             <a:fld id="{DDC647A9-AAA3-4641-ACE7-C285BA9E2E71}" type="datetimeFigureOut">
               <a:rPr lang="ru-RU" smtClean="0"/>
-              <a:t>19.12.2022</a:t>
+              <a:t>22.12.2022</a:t>
             </a:fld>
             <a:endParaRPr lang="ru-RU"/>
           </a:p>
@@ -2048,7 +2058,7 @@
           <a:lstStyle/>
           <a:p>
             <a:r>
-              <a:rPr lang="ru-RU" smtClean="0"/>
+              <a:rPr lang="ru-RU"/>
               <a:t>Образец заголовка</a:t>
             </a:r>
             <a:endParaRPr lang="en-US" dirty="0"/>
@@ -2123,7 +2133,7 @@
           <a:p>
             <a:pPr lvl="0"/>
             <a:r>
-              <a:rPr lang="ru-RU" smtClean="0"/>
+              <a:rPr lang="ru-RU"/>
               <a:t>Образец текста</a:t>
             </a:r>
           </a:p>
@@ -2190,7 +2200,7 @@
           <a:p>
             <a:pPr lvl="0"/>
             <a:r>
-              <a:rPr lang="ru-RU" smtClean="0"/>
+              <a:rPr lang="ru-RU"/>
               <a:t>Образец текста</a:t>
             </a:r>
           </a:p>
@@ -2264,7 +2274,7 @@
           <a:p>
             <a:pPr lvl="0"/>
             <a:r>
-              <a:rPr lang="ru-RU" smtClean="0"/>
+              <a:rPr lang="ru-RU"/>
               <a:t>Образец текста</a:t>
             </a:r>
           </a:p>
@@ -2331,7 +2341,7 @@
           <a:p>
             <a:pPr lvl="0"/>
             <a:r>
-              <a:rPr lang="ru-RU" smtClean="0"/>
+              <a:rPr lang="ru-RU"/>
               <a:t>Образец текста</a:t>
             </a:r>
           </a:p>
@@ -2405,7 +2415,7 @@
           <a:p>
             <a:pPr lvl="0"/>
             <a:r>
-              <a:rPr lang="ru-RU" smtClean="0"/>
+              <a:rPr lang="ru-RU"/>
               <a:t>Образец текста</a:t>
             </a:r>
           </a:p>
@@ -2472,7 +2482,7 @@
           <a:p>
             <a:pPr lvl="0"/>
             <a:r>
-              <a:rPr lang="ru-RU" smtClean="0"/>
+              <a:rPr lang="ru-RU"/>
               <a:t>Образец текста</a:t>
             </a:r>
           </a:p>
@@ -2495,7 +2505,7 @@
           <a:p>
             <a:fld id="{DDC647A9-AAA3-4641-ACE7-C285BA9E2E71}" type="datetimeFigureOut">
               <a:rPr lang="ru-RU" smtClean="0"/>
-              <a:t>19.12.2022</a:t>
+              <a:t>22.12.2022</a:t>
             </a:fld>
             <a:endParaRPr lang="ru-RU"/>
           </a:p>
@@ -2624,7 +2634,7 @@
           <a:lstStyle/>
           <a:p>
             <a:r>
-              <a:rPr lang="ru-RU" smtClean="0"/>
+              <a:rPr lang="ru-RU"/>
               <a:t>Образец заголовка</a:t>
             </a:r>
             <a:endParaRPr lang="en-US" dirty="0"/>
@@ -2699,7 +2709,7 @@
           <a:p>
             <a:pPr lvl="0"/>
             <a:r>
-              <a:rPr lang="ru-RU" smtClean="0"/>
+              <a:rPr lang="ru-RU"/>
               <a:t>Образец текста</a:t>
             </a:r>
           </a:p>
@@ -2790,7 +2800,7 @@
           </a:lstStyle>
           <a:p>
             <a:r>
-              <a:rPr lang="ru-RU" smtClean="0"/>
+              <a:rPr lang="ru-RU"/>
               <a:t>Вставка рисунка</a:t>
             </a:r>
             <a:endParaRPr lang="en-US" dirty="0"/>
@@ -2858,7 +2868,7 @@
           <a:p>
             <a:pPr lvl="0"/>
             <a:r>
-              <a:rPr lang="ru-RU" smtClean="0"/>
+              <a:rPr lang="ru-RU"/>
               <a:t>Образец текста</a:t>
             </a:r>
           </a:p>
@@ -2932,7 +2942,7 @@
           <a:p>
             <a:pPr lvl="0"/>
             <a:r>
-              <a:rPr lang="ru-RU" smtClean="0"/>
+              <a:rPr lang="ru-RU"/>
               <a:t>Образец текста</a:t>
             </a:r>
           </a:p>
@@ -3023,7 +3033,7 @@
           </a:lstStyle>
           <a:p>
             <a:r>
-              <a:rPr lang="ru-RU" smtClean="0"/>
+              <a:rPr lang="ru-RU"/>
               <a:t>Вставка рисунка</a:t>
             </a:r>
             <a:endParaRPr lang="en-US" dirty="0"/>
@@ -3091,7 +3101,7 @@
           <a:p>
             <a:pPr lvl="0"/>
             <a:r>
-              <a:rPr lang="ru-RU" smtClean="0"/>
+              <a:rPr lang="ru-RU"/>
               <a:t>Образец текста</a:t>
             </a:r>
           </a:p>
@@ -3165,7 +3175,7 @@
           <a:p>
             <a:pPr lvl="0"/>
             <a:r>
-              <a:rPr lang="ru-RU" smtClean="0"/>
+              <a:rPr lang="ru-RU"/>
               <a:t>Образец текста</a:t>
             </a:r>
           </a:p>
@@ -3256,7 +3266,7 @@
           </a:lstStyle>
           <a:p>
             <a:r>
-              <a:rPr lang="ru-RU" smtClean="0"/>
+              <a:rPr lang="ru-RU"/>
               <a:t>Вставка рисунка</a:t>
             </a:r>
             <a:endParaRPr lang="en-US" dirty="0"/>
@@ -3324,7 +3334,7 @@
           <a:p>
             <a:pPr lvl="0"/>
             <a:r>
-              <a:rPr lang="ru-RU" smtClean="0"/>
+              <a:rPr lang="ru-RU"/>
               <a:t>Образец текста</a:t>
             </a:r>
           </a:p>
@@ -3347,7 +3357,7 @@
           <a:p>
             <a:fld id="{DDC647A9-AAA3-4641-ACE7-C285BA9E2E71}" type="datetimeFigureOut">
               <a:rPr lang="ru-RU" smtClean="0"/>
-              <a:t>19.12.2022</a:t>
+              <a:t>22.12.2022</a:t>
             </a:fld>
             <a:endParaRPr lang="ru-RU"/>
           </a:p>
@@ -3471,7 +3481,7 @@
           <a:lstStyle/>
           <a:p>
             <a:r>
-              <a:rPr lang="ru-RU" smtClean="0"/>
+              <a:rPr lang="ru-RU"/>
               <a:t>Образец заголовка</a:t>
             </a:r>
             <a:endParaRPr lang="en-US" dirty="0"/>
@@ -3500,35 +3510,35 @@
           <a:p>
             <a:pPr lvl="0"/>
             <a:r>
-              <a:rPr lang="ru-RU" smtClean="0"/>
+              <a:rPr lang="ru-RU"/>
               <a:t>Образец текста</a:t>
             </a:r>
           </a:p>
           <a:p>
             <a:pPr lvl="1"/>
             <a:r>
-              <a:rPr lang="ru-RU" smtClean="0"/>
+              <a:rPr lang="ru-RU"/>
               <a:t>Второй уровень</a:t>
             </a:r>
           </a:p>
           <a:p>
             <a:pPr lvl="2"/>
             <a:r>
-              <a:rPr lang="ru-RU" smtClean="0"/>
+              <a:rPr lang="ru-RU"/>
               <a:t>Третий уровень</a:t>
             </a:r>
           </a:p>
           <a:p>
             <a:pPr lvl="3"/>
             <a:r>
-              <a:rPr lang="ru-RU" smtClean="0"/>
+              <a:rPr lang="ru-RU"/>
               <a:t>Четвертый уровень</a:t>
             </a:r>
           </a:p>
           <a:p>
             <a:pPr lvl="4"/>
             <a:r>
-              <a:rPr lang="ru-RU" smtClean="0"/>
+              <a:rPr lang="ru-RU"/>
               <a:t>Пятый уровень</a:t>
             </a:r>
             <a:endParaRPr lang="en-US" dirty="0"/>
@@ -3552,7 +3562,7 @@
           <a:p>
             <a:fld id="{DDC647A9-AAA3-4641-ACE7-C285BA9E2E71}" type="datetimeFigureOut">
               <a:rPr lang="ru-RU" smtClean="0"/>
-              <a:t>19.12.2022</a:t>
+              <a:t>22.12.2022</a:t>
             </a:fld>
             <a:endParaRPr lang="ru-RU"/>
           </a:p>
@@ -3685,7 +3695,7 @@
           </a:lstStyle>
           <a:p>
             <a:r>
-              <a:rPr lang="ru-RU" smtClean="0"/>
+              <a:rPr lang="ru-RU"/>
               <a:t>Образец заголовка</a:t>
             </a:r>
             <a:endParaRPr lang="en-US" dirty="0"/>
@@ -3714,35 +3724,35 @@
           <a:p>
             <a:pPr lvl="0"/>
             <a:r>
-              <a:rPr lang="ru-RU" smtClean="0"/>
+              <a:rPr lang="ru-RU"/>
               <a:t>Образец текста</a:t>
             </a:r>
           </a:p>
           <a:p>
             <a:pPr lvl="1"/>
             <a:r>
-              <a:rPr lang="ru-RU" smtClean="0"/>
+              <a:rPr lang="ru-RU"/>
               <a:t>Второй уровень</a:t>
             </a:r>
           </a:p>
           <a:p>
             <a:pPr lvl="2"/>
             <a:r>
-              <a:rPr lang="ru-RU" smtClean="0"/>
+              <a:rPr lang="ru-RU"/>
               <a:t>Третий уровень</a:t>
             </a:r>
           </a:p>
           <a:p>
             <a:pPr lvl="3"/>
             <a:r>
-              <a:rPr lang="ru-RU" smtClean="0"/>
+              <a:rPr lang="ru-RU"/>
               <a:t>Четвертый уровень</a:t>
             </a:r>
           </a:p>
           <a:p>
             <a:pPr lvl="4"/>
             <a:r>
-              <a:rPr lang="ru-RU" smtClean="0"/>
+              <a:rPr lang="ru-RU"/>
               <a:t>Пятый уровень</a:t>
             </a:r>
             <a:endParaRPr lang="en-US" dirty="0"/>
@@ -3766,7 +3776,7 @@
           <a:p>
             <a:fld id="{DDC647A9-AAA3-4641-ACE7-C285BA9E2E71}" type="datetimeFigureOut">
               <a:rPr lang="ru-RU" smtClean="0"/>
-              <a:t>19.12.2022</a:t>
+              <a:t>22.12.2022</a:t>
             </a:fld>
             <a:endParaRPr lang="ru-RU"/>
           </a:p>
@@ -3860,7 +3870,7 @@
           <a:lstStyle/>
           <a:p>
             <a:r>
-              <a:rPr lang="ru-RU" smtClean="0"/>
+              <a:rPr lang="ru-RU"/>
               <a:t>Образец заголовка</a:t>
             </a:r>
             <a:endParaRPr lang="en-US" dirty="0"/>
@@ -3884,35 +3894,35 @@
           <a:p>
             <a:pPr lvl="0"/>
             <a:r>
-              <a:rPr lang="ru-RU" smtClean="0"/>
+              <a:rPr lang="ru-RU"/>
               <a:t>Образец текста</a:t>
             </a:r>
           </a:p>
           <a:p>
             <a:pPr lvl="1"/>
             <a:r>
-              <a:rPr lang="ru-RU" smtClean="0"/>
+              <a:rPr lang="ru-RU"/>
               <a:t>Второй уровень</a:t>
             </a:r>
           </a:p>
           <a:p>
             <a:pPr lvl="2"/>
             <a:r>
-              <a:rPr lang="ru-RU" smtClean="0"/>
+              <a:rPr lang="ru-RU"/>
               <a:t>Третий уровень</a:t>
             </a:r>
           </a:p>
           <a:p>
             <a:pPr lvl="3"/>
             <a:r>
-              <a:rPr lang="ru-RU" smtClean="0"/>
+              <a:rPr lang="ru-RU"/>
               <a:t>Четвертый уровень</a:t>
             </a:r>
           </a:p>
           <a:p>
             <a:pPr lvl="4"/>
             <a:r>
-              <a:rPr lang="ru-RU" smtClean="0"/>
+              <a:rPr lang="ru-RU"/>
               <a:t>Пятый уровень</a:t>
             </a:r>
             <a:endParaRPr lang="en-US" dirty="0"/>
@@ -3936,7 +3946,7 @@
           <a:p>
             <a:fld id="{DDC647A9-AAA3-4641-ACE7-C285BA9E2E71}" type="datetimeFigureOut">
               <a:rPr lang="ru-RU" smtClean="0"/>
-              <a:t>19.12.2022</a:t>
+              <a:t>22.12.2022</a:t>
             </a:fld>
             <a:endParaRPr lang="ru-RU"/>
           </a:p>
@@ -4060,7 +4070,7 @@
           <a:lstStyle/>
           <a:p>
             <a:r>
-              <a:rPr lang="ru-RU" smtClean="0"/>
+              <a:rPr lang="ru-RU"/>
               <a:t>Образец заголовка</a:t>
             </a:r>
             <a:endParaRPr lang="en-US" dirty="0"/>
@@ -4089,35 +4099,35 @@
           <a:p>
             <a:pPr lvl="0"/>
             <a:r>
-              <a:rPr lang="ru-RU" smtClean="0"/>
+              <a:rPr lang="ru-RU"/>
               <a:t>Образец текста</a:t>
             </a:r>
           </a:p>
           <a:p>
             <a:pPr lvl="1"/>
             <a:r>
-              <a:rPr lang="ru-RU" smtClean="0"/>
+              <a:rPr lang="ru-RU"/>
               <a:t>Второй уровень</a:t>
             </a:r>
           </a:p>
           <a:p>
             <a:pPr lvl="2"/>
             <a:r>
-              <a:rPr lang="ru-RU" smtClean="0"/>
+              <a:rPr lang="ru-RU"/>
               <a:t>Третий уровень</a:t>
             </a:r>
           </a:p>
           <a:p>
             <a:pPr lvl="3"/>
             <a:r>
-              <a:rPr lang="ru-RU" smtClean="0"/>
+              <a:rPr lang="ru-RU"/>
               <a:t>Четвертый уровень</a:t>
             </a:r>
           </a:p>
           <a:p>
             <a:pPr lvl="4"/>
             <a:r>
-              <a:rPr lang="ru-RU" smtClean="0"/>
+              <a:rPr lang="ru-RU"/>
               <a:t>Пятый уровень</a:t>
             </a:r>
             <a:endParaRPr lang="en-US" dirty="0"/>
@@ -4141,7 +4151,7 @@
           <a:p>
             <a:fld id="{DDC647A9-AAA3-4641-ACE7-C285BA9E2E71}" type="datetimeFigureOut">
               <a:rPr lang="ru-RU" smtClean="0"/>
-              <a:t>19.12.2022</a:t>
+              <a:t>22.12.2022</a:t>
             </a:fld>
             <a:endParaRPr lang="ru-RU"/>
           </a:p>
@@ -4276,7 +4286,7 @@
           </a:lstStyle>
           <a:p>
             <a:r>
-              <a:rPr lang="ru-RU" smtClean="0"/>
+              <a:rPr lang="ru-RU"/>
               <a:t>Образец заголовка</a:t>
             </a:r>
             <a:endParaRPr lang="en-US" dirty="0"/>
@@ -4398,7 +4408,7 @@
           <a:p>
             <a:pPr lvl="0"/>
             <a:r>
-              <a:rPr lang="ru-RU" smtClean="0"/>
+              <a:rPr lang="ru-RU"/>
               <a:t>Образец текста</a:t>
             </a:r>
           </a:p>
@@ -4421,7 +4431,7 @@
           <a:p>
             <a:fld id="{DDC647A9-AAA3-4641-ACE7-C285BA9E2E71}" type="datetimeFigureOut">
               <a:rPr lang="ru-RU" smtClean="0"/>
-              <a:t>19.12.2022</a:t>
+              <a:t>22.12.2022</a:t>
             </a:fld>
             <a:endParaRPr lang="ru-RU"/>
           </a:p>
@@ -4550,7 +4560,7 @@
           <a:lstStyle/>
           <a:p>
             <a:r>
-              <a:rPr lang="ru-RU" smtClean="0"/>
+              <a:rPr lang="ru-RU"/>
               <a:t>Образец заголовка</a:t>
             </a:r>
             <a:endParaRPr lang="en-US" dirty="0"/>
@@ -4579,35 +4589,35 @@
           <a:p>
             <a:pPr lvl="0"/>
             <a:r>
-              <a:rPr lang="ru-RU" smtClean="0"/>
+              <a:rPr lang="ru-RU"/>
               <a:t>Образец текста</a:t>
             </a:r>
           </a:p>
           <a:p>
             <a:pPr lvl="1"/>
             <a:r>
-              <a:rPr lang="ru-RU" smtClean="0"/>
+              <a:rPr lang="ru-RU"/>
               <a:t>Второй уровень</a:t>
             </a:r>
           </a:p>
           <a:p>
             <a:pPr lvl="2"/>
             <a:r>
-              <a:rPr lang="ru-RU" smtClean="0"/>
+              <a:rPr lang="ru-RU"/>
               <a:t>Третий уровень</a:t>
             </a:r>
           </a:p>
           <a:p>
             <a:pPr lvl="3"/>
             <a:r>
-              <a:rPr lang="ru-RU" smtClean="0"/>
+              <a:rPr lang="ru-RU"/>
               <a:t>Четвертый уровень</a:t>
             </a:r>
           </a:p>
           <a:p>
             <a:pPr lvl="4"/>
             <a:r>
-              <a:rPr lang="ru-RU" smtClean="0"/>
+              <a:rPr lang="ru-RU"/>
               <a:t>Пятый уровень</a:t>
             </a:r>
             <a:endParaRPr lang="en-US" dirty="0"/>
@@ -4636,35 +4646,35 @@
           <a:p>
             <a:pPr lvl="0"/>
             <a:r>
-              <a:rPr lang="ru-RU" smtClean="0"/>
+              <a:rPr lang="ru-RU"/>
               <a:t>Образец текста</a:t>
             </a:r>
           </a:p>
           <a:p>
             <a:pPr lvl="1"/>
             <a:r>
-              <a:rPr lang="ru-RU" smtClean="0"/>
+              <a:rPr lang="ru-RU"/>
               <a:t>Второй уровень</a:t>
             </a:r>
           </a:p>
           <a:p>
             <a:pPr lvl="2"/>
             <a:r>
-              <a:rPr lang="ru-RU" smtClean="0"/>
+              <a:rPr lang="ru-RU"/>
               <a:t>Третий уровень</a:t>
             </a:r>
           </a:p>
           <a:p>
             <a:pPr lvl="3"/>
             <a:r>
-              <a:rPr lang="ru-RU" smtClean="0"/>
+              <a:rPr lang="ru-RU"/>
               <a:t>Четвертый уровень</a:t>
             </a:r>
           </a:p>
           <a:p>
             <a:pPr lvl="4"/>
             <a:r>
-              <a:rPr lang="ru-RU" smtClean="0"/>
+              <a:rPr lang="ru-RU"/>
               <a:t>Пятый уровень</a:t>
             </a:r>
             <a:endParaRPr lang="en-US" dirty="0"/>
@@ -4688,7 +4698,7 @@
           <a:p>
             <a:fld id="{DDC647A9-AAA3-4641-ACE7-C285BA9E2E71}" type="datetimeFigureOut">
               <a:rPr lang="ru-RU" smtClean="0"/>
-              <a:t>19.12.2022</a:t>
+              <a:t>22.12.2022</a:t>
             </a:fld>
             <a:endParaRPr lang="ru-RU"/>
           </a:p>
@@ -4817,7 +4827,7 @@
           <a:lstStyle/>
           <a:p>
             <a:r>
-              <a:rPr lang="ru-RU" smtClean="0"/>
+              <a:rPr lang="ru-RU"/>
               <a:t>Образец заголовка</a:t>
             </a:r>
             <a:endParaRPr lang="en-US" dirty="0"/>
@@ -4892,7 +4902,7 @@
           <a:p>
             <a:pPr lvl="0"/>
             <a:r>
-              <a:rPr lang="ru-RU" smtClean="0"/>
+              <a:rPr lang="ru-RU"/>
               <a:t>Образец текста</a:t>
             </a:r>
           </a:p>
@@ -4920,35 +4930,35 @@
           <a:p>
             <a:pPr lvl="0"/>
             <a:r>
-              <a:rPr lang="ru-RU" smtClean="0"/>
+              <a:rPr lang="ru-RU"/>
               <a:t>Образец текста</a:t>
             </a:r>
           </a:p>
           <a:p>
             <a:pPr lvl="1"/>
             <a:r>
-              <a:rPr lang="ru-RU" smtClean="0"/>
+              <a:rPr lang="ru-RU"/>
               <a:t>Второй уровень</a:t>
             </a:r>
           </a:p>
           <a:p>
             <a:pPr lvl="2"/>
             <a:r>
-              <a:rPr lang="ru-RU" smtClean="0"/>
+              <a:rPr lang="ru-RU"/>
               <a:t>Третий уровень</a:t>
             </a:r>
           </a:p>
           <a:p>
             <a:pPr lvl="3"/>
             <a:r>
-              <a:rPr lang="ru-RU" smtClean="0"/>
+              <a:rPr lang="ru-RU"/>
               <a:t>Четвертый уровень</a:t>
             </a:r>
           </a:p>
           <a:p>
             <a:pPr lvl="4"/>
             <a:r>
-              <a:rPr lang="ru-RU" smtClean="0"/>
+              <a:rPr lang="ru-RU"/>
               <a:t>Пятый уровень</a:t>
             </a:r>
             <a:endParaRPr lang="en-US" dirty="0"/>
@@ -5023,7 +5033,7 @@
           <a:p>
             <a:pPr lvl="0"/>
             <a:r>
-              <a:rPr lang="ru-RU" smtClean="0"/>
+              <a:rPr lang="ru-RU"/>
               <a:t>Образец текста</a:t>
             </a:r>
           </a:p>
@@ -5051,35 +5061,35 @@
           <a:p>
             <a:pPr lvl="0"/>
             <a:r>
-              <a:rPr lang="ru-RU" smtClean="0"/>
+              <a:rPr lang="ru-RU"/>
               <a:t>Образец текста</a:t>
             </a:r>
           </a:p>
           <a:p>
             <a:pPr lvl="1"/>
             <a:r>
-              <a:rPr lang="ru-RU" smtClean="0"/>
+              <a:rPr lang="ru-RU"/>
               <a:t>Второй уровень</a:t>
             </a:r>
           </a:p>
           <a:p>
             <a:pPr lvl="2"/>
             <a:r>
-              <a:rPr lang="ru-RU" smtClean="0"/>
+              <a:rPr lang="ru-RU"/>
               <a:t>Третий уровень</a:t>
             </a:r>
           </a:p>
           <a:p>
             <a:pPr lvl="3"/>
             <a:r>
-              <a:rPr lang="ru-RU" smtClean="0"/>
+              <a:rPr lang="ru-RU"/>
               <a:t>Четвертый уровень</a:t>
             </a:r>
           </a:p>
           <a:p>
             <a:pPr lvl="4"/>
             <a:r>
-              <a:rPr lang="ru-RU" smtClean="0"/>
+              <a:rPr lang="ru-RU"/>
               <a:t>Пятый уровень</a:t>
             </a:r>
             <a:endParaRPr lang="en-US" dirty="0"/>
@@ -5103,7 +5113,7 @@
           <a:p>
             <a:fld id="{DDC647A9-AAA3-4641-ACE7-C285BA9E2E71}" type="datetimeFigureOut">
               <a:rPr lang="ru-RU" smtClean="0"/>
-              <a:t>19.12.2022</a:t>
+              <a:t>22.12.2022</a:t>
             </a:fld>
             <a:endParaRPr lang="ru-RU"/>
           </a:p>
@@ -5227,7 +5237,7 @@
           <a:lstStyle/>
           <a:p>
             <a:r>
-              <a:rPr lang="ru-RU" smtClean="0"/>
+              <a:rPr lang="ru-RU"/>
               <a:t>Образец заголовка</a:t>
             </a:r>
             <a:endParaRPr lang="en-US" dirty="0"/>
@@ -5251,7 +5261,7 @@
           <a:p>
             <a:fld id="{DDC647A9-AAA3-4641-ACE7-C285BA9E2E71}" type="datetimeFigureOut">
               <a:rPr lang="ru-RU" smtClean="0"/>
-              <a:t>19.12.2022</a:t>
+              <a:t>22.12.2022</a:t>
             </a:fld>
             <a:endParaRPr lang="ru-RU"/>
           </a:p>
@@ -5376,7 +5386,7 @@
           <a:p>
             <a:fld id="{DDC647A9-AAA3-4641-ACE7-C285BA9E2E71}" type="datetimeFigureOut">
               <a:rPr lang="ru-RU" smtClean="0"/>
-              <a:t>19.12.2022</a:t>
+              <a:t>22.12.2022</a:t>
             </a:fld>
             <a:endParaRPr lang="ru-RU"/>
           </a:p>
@@ -5509,7 +5519,7 @@
           </a:lstStyle>
           <a:p>
             <a:r>
-              <a:rPr lang="ru-RU" smtClean="0"/>
+              <a:rPr lang="ru-RU"/>
               <a:t>Образец заголовка</a:t>
             </a:r>
             <a:endParaRPr lang="en-US" dirty="0"/>
@@ -5538,35 +5548,35 @@
           <a:p>
             <a:pPr lvl="0"/>
             <a:r>
-              <a:rPr lang="ru-RU" smtClean="0"/>
+              <a:rPr lang="ru-RU"/>
               <a:t>Образец текста</a:t>
             </a:r>
           </a:p>
           <a:p>
             <a:pPr lvl="1"/>
             <a:r>
-              <a:rPr lang="ru-RU" smtClean="0"/>
+              <a:rPr lang="ru-RU"/>
               <a:t>Второй уровень</a:t>
             </a:r>
           </a:p>
           <a:p>
             <a:pPr lvl="2"/>
             <a:r>
-              <a:rPr lang="ru-RU" smtClean="0"/>
+              <a:rPr lang="ru-RU"/>
               <a:t>Третий уровень</a:t>
             </a:r>
           </a:p>
           <a:p>
             <a:pPr lvl="3"/>
             <a:r>
-              <a:rPr lang="ru-RU" smtClean="0"/>
+              <a:rPr lang="ru-RU"/>
               <a:t>Четвертый уровень</a:t>
             </a:r>
           </a:p>
           <a:p>
             <a:pPr lvl="4"/>
             <a:r>
-              <a:rPr lang="ru-RU" smtClean="0"/>
+              <a:rPr lang="ru-RU"/>
               <a:t>Пятый уровень</a:t>
             </a:r>
             <a:endParaRPr lang="en-US" dirty="0"/>
@@ -5632,7 +5642,7 @@
           <a:p>
             <a:pPr lvl="0"/>
             <a:r>
-              <a:rPr lang="ru-RU" smtClean="0"/>
+              <a:rPr lang="ru-RU"/>
               <a:t>Образец текста</a:t>
             </a:r>
           </a:p>
@@ -5655,7 +5665,7 @@
           <a:p>
             <a:fld id="{DDC647A9-AAA3-4641-ACE7-C285BA9E2E71}" type="datetimeFigureOut">
               <a:rPr lang="ru-RU" smtClean="0"/>
-              <a:t>19.12.2022</a:t>
+              <a:t>22.12.2022</a:t>
             </a:fld>
             <a:endParaRPr lang="ru-RU"/>
           </a:p>
@@ -5788,7 +5798,7 @@
           </a:lstStyle>
           <a:p>
             <a:r>
-              <a:rPr lang="ru-RU" smtClean="0"/>
+              <a:rPr lang="ru-RU"/>
               <a:t>Образец заголовка</a:t>
             </a:r>
             <a:endParaRPr lang="en-US" dirty="0"/>
@@ -5878,7 +5888,7 @@
           </a:lstStyle>
           <a:p>
             <a:r>
-              <a:rPr lang="ru-RU" smtClean="0"/>
+              <a:rPr lang="ru-RU"/>
               <a:t>Вставка рисунка</a:t>
             </a:r>
             <a:endParaRPr lang="en-US" dirty="0"/>
@@ -5944,7 +5954,7 @@
           <a:p>
             <a:pPr lvl="0"/>
             <a:r>
-              <a:rPr lang="ru-RU" smtClean="0"/>
+              <a:rPr lang="ru-RU"/>
               <a:t>Образец текста</a:t>
             </a:r>
           </a:p>
@@ -5967,7 +5977,7 @@
           <a:p>
             <a:fld id="{DDC647A9-AAA3-4641-ACE7-C285BA9E2E71}" type="datetimeFigureOut">
               <a:rPr lang="ru-RU" smtClean="0"/>
-              <a:t>19.12.2022</a:t>
+              <a:t>22.12.2022</a:t>
             </a:fld>
             <a:endParaRPr lang="ru-RU"/>
           </a:p>
@@ -6118,7 +6128,7 @@
           <a:lstStyle/>
           <a:p>
             <a:r>
-              <a:rPr lang="ru-RU" smtClean="0"/>
+              <a:rPr lang="ru-RU"/>
               <a:t>Образец заголовка</a:t>
             </a:r>
             <a:endParaRPr lang="en-US" dirty="0"/>
@@ -6152,35 +6162,35 @@
           <a:p>
             <a:pPr lvl="0"/>
             <a:r>
-              <a:rPr lang="ru-RU" smtClean="0"/>
+              <a:rPr lang="ru-RU"/>
               <a:t>Образец текста</a:t>
             </a:r>
           </a:p>
           <a:p>
             <a:pPr lvl="1"/>
             <a:r>
-              <a:rPr lang="ru-RU" smtClean="0"/>
+              <a:rPr lang="ru-RU"/>
               <a:t>Второй уровень</a:t>
             </a:r>
           </a:p>
           <a:p>
             <a:pPr lvl="2"/>
             <a:r>
-              <a:rPr lang="ru-RU" smtClean="0"/>
+              <a:rPr lang="ru-RU"/>
               <a:t>Третий уровень</a:t>
             </a:r>
           </a:p>
           <a:p>
             <a:pPr lvl="3"/>
             <a:r>
-              <a:rPr lang="ru-RU" smtClean="0"/>
+              <a:rPr lang="ru-RU"/>
               <a:t>Четвертый уровень</a:t>
             </a:r>
           </a:p>
           <a:p>
             <a:pPr lvl="4"/>
             <a:r>
-              <a:rPr lang="ru-RU" smtClean="0"/>
+              <a:rPr lang="ru-RU"/>
               <a:t>Пятый уровень</a:t>
             </a:r>
             <a:endParaRPr lang="en-US" dirty="0"/>
@@ -6220,7 +6230,7 @@
           <a:p>
             <a:fld id="{DDC647A9-AAA3-4641-ACE7-C285BA9E2E71}" type="datetimeFigureOut">
               <a:rPr lang="ru-RU" smtClean="0"/>
-              <a:t>19.12.2022</a:t>
+              <a:t>22.12.2022</a:t>
             </a:fld>
             <a:endParaRPr lang="ru-RU"/>
           </a:p>
@@ -6645,7 +6655,7 @@
       </a:lvl9pPr>
     </p:otherStyle>
   </p:txStyles>
-  <p:extLst>
+  <p:extLst mod="1">
     <p:ext uri="{27BBF7A9-308A-43DC-89C8-2F10F3537804}">
       <p15:sldGuideLst xmlns:p15="http://schemas.microsoft.com/office/powerpoint/2012/main"/>
     </p:ext>
@@ -6688,17 +6698,16 @@
           <a:lstStyle/>
           <a:p>
             <a:r>
-              <a:rPr lang="ru-RU" dirty="0" smtClean="0"/>
+              <a:rPr lang="ru-RU" dirty="0"/>
               <a:t>Курсовая работа </a:t>
             </a:r>
             <a:br>
-              <a:rPr lang="ru-RU" dirty="0" smtClean="0"/>
+              <a:rPr lang="ru-RU" dirty="0"/>
             </a:br>
             <a:r>
-              <a:rPr lang="ru-RU" dirty="0" smtClean="0"/>
+              <a:rPr lang="ru-RU" dirty="0"/>
               <a:t>Информационная система «Склад»</a:t>
             </a:r>
-            <a:endParaRPr lang="ru-RU" dirty="0"/>
           </a:p>
         </p:txBody>
       </p:sp>
@@ -6720,23 +6729,22 @@
           <a:lstStyle/>
           <a:p>
             <a:r>
-              <a:rPr lang="ru-RU" dirty="0" smtClean="0"/>
+              <a:rPr lang="ru-RU" dirty="0"/>
               <a:t>Выполнил: Козлов Д.В</a:t>
             </a:r>
           </a:p>
           <a:p>
             <a:r>
-              <a:rPr lang="ru-RU" dirty="0" smtClean="0"/>
+              <a:rPr lang="ru-RU" dirty="0"/>
               <a:t>Группа: ИС-20-1</a:t>
             </a:r>
             <a:br>
-              <a:rPr lang="ru-RU" dirty="0" smtClean="0"/>
+              <a:rPr lang="ru-RU" dirty="0"/>
             </a:br>
             <a:r>
-              <a:rPr lang="ru-RU" dirty="0" smtClean="0"/>
+              <a:rPr lang="ru-RU" dirty="0"/>
               <a:t>Руководитель: Кудрявцева М.А</a:t>
             </a:r>
-            <a:endParaRPr lang="ru-RU" dirty="0"/>
           </a:p>
         </p:txBody>
       </p:sp>
@@ -6750,13 +6758,6 @@
   <p:clrMapOvr>
     <a:masterClrMapping/>
   </p:clrMapOvr>
-  <p:timing>
-    <p:tnLst>
-      <p:par>
-        <p:cTn id="1" dur="indefinite" restart="never" nodeType="tmRoot"/>
-      </p:par>
-    </p:tnLst>
-  </p:timing>
 </p:sld>
 </file>
 
@@ -6793,10 +6794,9 @@
           <a:lstStyle/>
           <a:p>
             <a:r>
-              <a:rPr lang="ru-RU" dirty="0" smtClean="0"/>
+              <a:rPr lang="ru-RU" dirty="0"/>
               <a:t>Проектирование программного продукта</a:t>
             </a:r>
-            <a:endParaRPr lang="ru-RU" dirty="0"/>
           </a:p>
         </p:txBody>
       </p:sp>
@@ -6857,10 +6857,9 @@
           <a:p>
             <a:pPr algn="ctr"/>
             <a:r>
-              <a:rPr lang="ru-RU" sz="3200" dirty="0" smtClean="0"/>
+              <a:rPr lang="ru-RU" sz="3200" dirty="0"/>
               <a:t>Инфологическая модель базы данных</a:t>
             </a:r>
-            <a:endParaRPr lang="ru-RU" sz="3200" dirty="0"/>
           </a:p>
         </p:txBody>
       </p:sp>
@@ -6917,14 +6916,13 @@
           <a:p>
             <a:pPr algn="ctr"/>
             <a:r>
-              <a:rPr lang="en-US" sz="3200" dirty="0" smtClean="0"/>
+              <a:rPr lang="en-US" sz="3200" dirty="0"/>
               <a:t>ER-</a:t>
             </a:r>
             <a:r>
-              <a:rPr lang="ru-RU" sz="3200" dirty="0" smtClean="0"/>
+              <a:rPr lang="ru-RU" sz="3200" dirty="0"/>
               <a:t>Модель базы данных</a:t>
             </a:r>
-            <a:endParaRPr lang="ru-RU" sz="3200" dirty="0"/>
           </a:p>
         </p:txBody>
       </p:sp>
@@ -6938,13 +6936,1182 @@
   <p:clrMapOvr>
     <a:masterClrMapping/>
   </p:clrMapOvr>
-  <p:timing>
-    <p:tnLst>
-      <p:par>
-        <p:cTn id="1" dur="indefinite" restart="never" nodeType="tmRoot"/>
-      </p:par>
-    </p:tnLst>
-  </p:timing>
+</p:sld>
+</file>
+
+<file path=ppt/slides/slide11.xml><?xml version="1.0" encoding="utf-8"?>
+<p:sld xmlns:a="http://schemas.openxmlformats.org/drawingml/2006/main" xmlns:r="http://schemas.openxmlformats.org/officeDocument/2006/relationships" xmlns:p="http://schemas.openxmlformats.org/presentationml/2006/main">
+  <p:cSld>
+    <p:spTree>
+      <p:nvGrpSpPr>
+        <p:cNvPr id="1" name=""/>
+        <p:cNvGrpSpPr/>
+        <p:nvPr/>
+      </p:nvGrpSpPr>
+      <p:grpSpPr>
+        <a:xfrm>
+          <a:off x="0" y="0"/>
+          <a:ext cx="0" cy="0"/>
+          <a:chOff x="0" y="0"/>
+          <a:chExt cx="0" cy="0"/>
+        </a:xfrm>
+      </p:grpSpPr>
+      <p:sp>
+        <p:nvSpPr>
+          <p:cNvPr id="2" name="Заголовок 1"/>
+          <p:cNvSpPr>
+            <a:spLocks noGrp="1"/>
+          </p:cNvSpPr>
+          <p:nvPr>
+            <p:ph type="title"/>
+          </p:nvPr>
+        </p:nvSpPr>
+        <p:spPr/>
+        <p:txBody>
+          <a:bodyPr/>
+          <a:lstStyle/>
+          <a:p>
+            <a:r>
+              <a:rPr lang="ru-RU" dirty="0"/>
+              <a:t>Проектирование пользовательского интерфейса</a:t>
+            </a:r>
+            <a:br>
+              <a:rPr lang="ru-RU" dirty="0"/>
+            </a:br>
+            <a:r>
+              <a:rPr lang="ru-RU" b="1" dirty="0"/>
+              <a:t>главная страница</a:t>
+            </a:r>
+          </a:p>
+        </p:txBody>
+      </p:sp>
+      <p:pic>
+        <p:nvPicPr>
+          <p:cNvPr id="4" name="Объект 3"/>
+          <p:cNvPicPr>
+            <a:picLocks noGrp="1"/>
+          </p:cNvPicPr>
+          <p:nvPr>
+            <p:ph idx="1"/>
+          </p:nvPr>
+        </p:nvPicPr>
+        <p:blipFill>
+          <a:blip r:embed="rId2"/>
+          <a:stretch>
+            <a:fillRect/>
+          </a:stretch>
+        </p:blipFill>
+        <p:spPr>
+          <a:xfrm>
+            <a:off x="2773347" y="2366963"/>
+            <a:ext cx="6645306" cy="4012572"/>
+          </a:xfrm>
+          <a:prstGeom prst="rect">
+            <a:avLst/>
+          </a:prstGeom>
+          <a:ln w="3175">
+            <a:solidFill>
+              <a:srgbClr val="000000"/>
+            </a:solidFill>
+            <a:prstDash val="solid"/>
+          </a:ln>
+        </p:spPr>
+      </p:pic>
+    </p:spTree>
+    <p:extLst>
+      <p:ext uri="{BB962C8B-B14F-4D97-AF65-F5344CB8AC3E}">
+        <p14:creationId xmlns:p14="http://schemas.microsoft.com/office/powerpoint/2010/main" val="3800408669"/>
+      </p:ext>
+    </p:extLst>
+  </p:cSld>
+  <p:clrMapOvr>
+    <a:masterClrMapping/>
+  </p:clrMapOvr>
+</p:sld>
+</file>
+
+<file path=ppt/slides/slide12.xml><?xml version="1.0" encoding="utf-8"?>
+<p:sld xmlns:a="http://schemas.openxmlformats.org/drawingml/2006/main" xmlns:r="http://schemas.openxmlformats.org/officeDocument/2006/relationships" xmlns:p="http://schemas.openxmlformats.org/presentationml/2006/main">
+  <p:cSld>
+    <p:spTree>
+      <p:nvGrpSpPr>
+        <p:cNvPr id="1" name=""/>
+        <p:cNvGrpSpPr/>
+        <p:nvPr/>
+      </p:nvGrpSpPr>
+      <p:grpSpPr>
+        <a:xfrm>
+          <a:off x="0" y="0"/>
+          <a:ext cx="0" cy="0"/>
+          <a:chOff x="0" y="0"/>
+          <a:chExt cx="0" cy="0"/>
+        </a:xfrm>
+      </p:grpSpPr>
+      <p:sp>
+        <p:nvSpPr>
+          <p:cNvPr id="2" name="Заголовок 1"/>
+          <p:cNvSpPr>
+            <a:spLocks noGrp="1"/>
+          </p:cNvSpPr>
+          <p:nvPr>
+            <p:ph type="title"/>
+          </p:nvPr>
+        </p:nvSpPr>
+        <p:spPr/>
+        <p:txBody>
+          <a:bodyPr/>
+          <a:lstStyle/>
+          <a:p>
+            <a:r>
+              <a:rPr lang="ru-RU" dirty="0"/>
+              <a:t>Проектирование пользовательского интерфейса</a:t>
+            </a:r>
+            <a:br>
+              <a:rPr lang="ru-RU" dirty="0"/>
+            </a:br>
+            <a:r>
+              <a:rPr lang="ru-RU" b="1" dirty="0"/>
+              <a:t>авторизация</a:t>
+            </a:r>
+          </a:p>
+        </p:txBody>
+      </p:sp>
+      <p:pic>
+        <p:nvPicPr>
+          <p:cNvPr id="4" name="Объект 3"/>
+          <p:cNvPicPr>
+            <a:picLocks noGrp="1"/>
+          </p:cNvPicPr>
+          <p:nvPr>
+            <p:ph idx="1"/>
+          </p:nvPr>
+        </p:nvPicPr>
+        <p:blipFill>
+          <a:blip r:embed="rId2"/>
+          <a:stretch>
+            <a:fillRect/>
+          </a:stretch>
+        </p:blipFill>
+        <p:spPr>
+          <a:xfrm>
+            <a:off x="3102676" y="2214694"/>
+            <a:ext cx="5986648" cy="4491037"/>
+          </a:xfrm>
+          <a:prstGeom prst="rect">
+            <a:avLst/>
+          </a:prstGeom>
+          <a:ln w="3175">
+            <a:solidFill>
+              <a:srgbClr val="000000"/>
+            </a:solidFill>
+            <a:prstDash val="solid"/>
+          </a:ln>
+        </p:spPr>
+      </p:pic>
+    </p:spTree>
+    <p:extLst>
+      <p:ext uri="{BB962C8B-B14F-4D97-AF65-F5344CB8AC3E}">
+        <p14:creationId xmlns:p14="http://schemas.microsoft.com/office/powerpoint/2010/main" val="610373103"/>
+      </p:ext>
+    </p:extLst>
+  </p:cSld>
+  <p:clrMapOvr>
+    <a:masterClrMapping/>
+  </p:clrMapOvr>
+</p:sld>
+</file>
+
+<file path=ppt/slides/slide13.xml><?xml version="1.0" encoding="utf-8"?>
+<p:sld xmlns:a="http://schemas.openxmlformats.org/drawingml/2006/main" xmlns:r="http://schemas.openxmlformats.org/officeDocument/2006/relationships" xmlns:p="http://schemas.openxmlformats.org/presentationml/2006/main">
+  <p:cSld>
+    <p:spTree>
+      <p:nvGrpSpPr>
+        <p:cNvPr id="1" name=""/>
+        <p:cNvGrpSpPr/>
+        <p:nvPr/>
+      </p:nvGrpSpPr>
+      <p:grpSpPr>
+        <a:xfrm>
+          <a:off x="0" y="0"/>
+          <a:ext cx="0" cy="0"/>
+          <a:chOff x="0" y="0"/>
+          <a:chExt cx="0" cy="0"/>
+        </a:xfrm>
+      </p:grpSpPr>
+      <p:sp>
+        <p:nvSpPr>
+          <p:cNvPr id="2" name="Заголовок 1"/>
+          <p:cNvSpPr>
+            <a:spLocks noGrp="1"/>
+          </p:cNvSpPr>
+          <p:nvPr>
+            <p:ph type="title"/>
+          </p:nvPr>
+        </p:nvSpPr>
+        <p:spPr/>
+        <p:txBody>
+          <a:bodyPr/>
+          <a:lstStyle/>
+          <a:p>
+            <a:r>
+              <a:rPr lang="ru-RU" dirty="0"/>
+              <a:t>Архитектура программного продукта</a:t>
+            </a:r>
+          </a:p>
+        </p:txBody>
+      </p:sp>
+      <p:pic>
+        <p:nvPicPr>
+          <p:cNvPr id="1026" name="Picture 2" descr="https://pandia.ru/text/80/491/images/img10_27.jpg"/>
+          <p:cNvPicPr>
+            <a:picLocks noGrp="1" noChangeAspect="1" noChangeArrowheads="1"/>
+          </p:cNvPicPr>
+          <p:nvPr>
+            <p:ph idx="1"/>
+          </p:nvPr>
+        </p:nvPicPr>
+        <p:blipFill>
+          <a:blip r:embed="rId2">
+            <a:extLst>
+              <a:ext uri="{28A0092B-C50C-407E-A947-70E740481C1C}">
+                <a14:useLocalDpi xmlns:a14="http://schemas.microsoft.com/office/drawing/2010/main" val="0"/>
+              </a:ext>
+            </a:extLst>
+          </a:blip>
+          <a:srcRect/>
+          <a:stretch>
+            <a:fillRect/>
+          </a:stretch>
+        </p:blipFill>
+        <p:spPr bwMode="auto">
+          <a:xfrm>
+            <a:off x="866601" y="2618731"/>
+            <a:ext cx="4330047" cy="3424237"/>
+          </a:xfrm>
+          <a:prstGeom prst="rect">
+            <a:avLst/>
+          </a:prstGeom>
+          <a:ln w="3175">
+            <a:solidFill>
+              <a:srgbClr val="000000"/>
+            </a:solidFill>
+            <a:prstDash val="solid"/>
+          </a:ln>
+          <a:extLst>
+            <a:ext uri="{909E8E84-426E-40DD-AFC4-6F175D3DCCD1}">
+              <a14:hiddenFill xmlns:a14="http://schemas.microsoft.com/office/drawing/2010/main">
+                <a:solidFill>
+                  <a:srgbClr val="FFFFFF"/>
+                </a:solidFill>
+              </a14:hiddenFill>
+            </a:ext>
+          </a:extLst>
+        </p:spPr>
+      </p:pic>
+      <p:sp>
+        <p:nvSpPr>
+          <p:cNvPr id="4" name="TextBox 3"/>
+          <p:cNvSpPr txBox="1"/>
+          <p:nvPr/>
+        </p:nvSpPr>
+        <p:spPr>
+          <a:xfrm>
+            <a:off x="940004" y="1799195"/>
+            <a:ext cx="4183239" cy="830997"/>
+          </a:xfrm>
+          <a:prstGeom prst="rect">
+            <a:avLst/>
+          </a:prstGeom>
+          <a:noFill/>
+        </p:spPr>
+        <p:txBody>
+          <a:bodyPr wrap="square" rtlCol="0">
+            <a:spAutoFit/>
+          </a:bodyPr>
+          <a:lstStyle/>
+          <a:p>
+            <a:pPr algn="ctr"/>
+            <a:r>
+              <a:rPr lang="ru-RU" sz="2400" b="1" dirty="0"/>
+              <a:t>Клиент-серверная архитектура</a:t>
+            </a:r>
+          </a:p>
+        </p:txBody>
+      </p:sp>
+      <p:pic>
+        <p:nvPicPr>
+          <p:cNvPr id="6" name="Объект 5">
+            <a:extLst>
+              <a:ext uri="{FF2B5EF4-FFF2-40B4-BE49-F238E27FC236}">
+                <a16:creationId xmlns:a16="http://schemas.microsoft.com/office/drawing/2014/main" id="{1EF1CDB1-ABB7-4743-8C17-72747D75E4BC}"/>
+              </a:ext>
+            </a:extLst>
+          </p:cNvPr>
+          <p:cNvPicPr/>
+          <p:nvPr/>
+        </p:nvPicPr>
+        <p:blipFill>
+          <a:blip r:embed="rId3">
+            <a:duotone>
+              <a:srgbClr val="BD582C">
+                <a:shade val="45000"/>
+                <a:satMod val="135000"/>
+              </a:srgbClr>
+              <a:prstClr val="white"/>
+            </a:duotone>
+            <a:extLst>
+              <a:ext uri="{BEBA8EAE-BF5A-486C-A8C5-ECC9F3942E4B}">
+                <a14:imgProps xmlns:a14="http://schemas.microsoft.com/office/drawing/2010/main">
+                  <a14:imgLayer r:embed="rId4">
+                    <a14:imgEffect>
+                      <a14:backgroundRemoval t="10000" b="90000" l="10000" r="90000">
+                        <a14:foregroundMark x1="54331" y1="66818" x2="54331" y2="66818"/>
+                        <a14:foregroundMark x1="54331" y1="79773" x2="54331" y2="79773"/>
+                        <a14:foregroundMark x1="70276" y1="74091" x2="70276" y2="74091"/>
+                        <a14:foregroundMark x1="69291" y1="57955" x2="69291" y2="57955"/>
+                        <a14:foregroundMark x1="26969" y1="57955" x2="26969" y2="57955"/>
+                        <a14:foregroundMark x1="28150" y1="75227" x2="28150" y2="75227"/>
+                        <a14:foregroundMark x1="28346" y1="75227" x2="28346" y2="75227"/>
+                        <a14:foregroundMark x1="28740" y1="75227" x2="28740" y2="75227"/>
+                        <a14:foregroundMark x1="27165" y1="74545" x2="27165" y2="74545"/>
+                        <a14:foregroundMark x1="25787" y1="74318" x2="25787" y2="74318"/>
+                        <a14:foregroundMark x1="50787" y1="53864" x2="50787" y2="53864"/>
+                        <a14:foregroundMark x1="27362" y1="41364" x2="27362" y2="41364"/>
+                        <a14:foregroundMark x1="70079" y1="41364" x2="70079" y2="41364"/>
+                        <a14:backgroundMark x1="48819" y1="43182" x2="48819" y2="43182"/>
+                        <a14:backgroundMark x1="45866" y1="24091" x2="45866" y2="24091"/>
+                        <a14:backgroundMark x1="47441" y1="30455" x2="47441" y2="30455"/>
+                        <a14:backgroundMark x1="48819" y1="30455" x2="49606" y2="30455"/>
+                        <a14:backgroundMark x1="46850" y1="28864" x2="46850" y2="28864"/>
+                        <a14:backgroundMark x1="39173" y1="25455" x2="39173" y2="25455"/>
+                        <a14:backgroundMark x1="33465" y1="23409" x2="33465" y2="23409"/>
+                        <a14:backgroundMark x1="25591" y1="23409" x2="25591" y2="23409"/>
+                      </a14:backgroundRemoval>
+                    </a14:imgEffect>
+                    <a14:imgEffect>
+                      <a14:sharpenSoften amount="64000"/>
+                    </a14:imgEffect>
+                    <a14:imgEffect>
+                      <a14:saturation sat="400000"/>
+                    </a14:imgEffect>
+                    <a14:imgEffect>
+                      <a14:brightnessContrast bright="-33000" contrast="72000"/>
+                    </a14:imgEffect>
+                  </a14:imgLayer>
+                </a14:imgProps>
+              </a:ext>
+              <a:ext uri="{28A0092B-C50C-407E-A947-70E740481C1C}">
+                <a14:useLocalDpi xmlns:a14="http://schemas.microsoft.com/office/drawing/2010/main" val="0"/>
+              </a:ext>
+            </a:extLst>
+          </a:blip>
+          <a:srcRect/>
+          <a:stretch>
+            <a:fillRect/>
+          </a:stretch>
+        </p:blipFill>
+        <p:spPr bwMode="auto">
+          <a:xfrm>
+            <a:off x="6603259" y="2455831"/>
+            <a:ext cx="4756298" cy="4425186"/>
+          </a:xfrm>
+          <a:prstGeom prst="rect">
+            <a:avLst/>
+          </a:prstGeom>
+          <a:noFill/>
+          <a:ln w="3175">
+            <a:solidFill>
+              <a:schemeClr val="tx1">
+                <a:lumMod val="50000"/>
+                <a:lumOff val="50000"/>
+              </a:schemeClr>
+            </a:solidFill>
+          </a:ln>
+        </p:spPr>
+      </p:pic>
+      <p:grpSp>
+        <p:nvGrpSpPr>
+          <p:cNvPr id="5" name="Группа 4"/>
+          <p:cNvGrpSpPr/>
+          <p:nvPr/>
+        </p:nvGrpSpPr>
+        <p:grpSpPr>
+          <a:xfrm>
+            <a:off x="6841692" y="2838449"/>
+            <a:ext cx="4284917" cy="1236633"/>
+            <a:chOff x="6869072" y="2014739"/>
+            <a:chExt cx="4254797" cy="1498440"/>
+          </a:xfrm>
+        </p:grpSpPr>
+        <p:sp>
+          <p:nvSpPr>
+            <p:cNvPr id="7" name="Прямоугольник 6">
+              <a:extLst>
+                <a:ext uri="{FF2B5EF4-FFF2-40B4-BE49-F238E27FC236}">
+                  <a16:creationId xmlns:a16="http://schemas.microsoft.com/office/drawing/2014/main" id="{3677B01B-29A0-496F-8259-98952AC1D38E}"/>
+                </a:ext>
+              </a:extLst>
+            </p:cNvPr>
+            <p:cNvSpPr/>
+            <p:nvPr/>
+          </p:nvSpPr>
+          <p:spPr>
+            <a:xfrm>
+              <a:off x="7251405" y="2979873"/>
+              <a:ext cx="1291388" cy="533306"/>
+            </a:xfrm>
+            <a:prstGeom prst="rect">
+              <a:avLst/>
+            </a:prstGeom>
+            <a:solidFill>
+              <a:srgbClr val="F4950A"/>
+            </a:solidFill>
+            <a:ln>
+              <a:noFill/>
+            </a:ln>
+          </p:spPr>
+          <p:style>
+            <a:lnRef idx="2">
+              <a:schemeClr val="accent1">
+                <a:shade val="50000"/>
+              </a:schemeClr>
+            </a:lnRef>
+            <a:fillRef idx="1">
+              <a:schemeClr val="accent1"/>
+            </a:fillRef>
+            <a:effectRef idx="0">
+              <a:schemeClr val="accent1"/>
+            </a:effectRef>
+            <a:fontRef idx="minor">
+              <a:schemeClr val="lt1"/>
+            </a:fontRef>
+          </p:style>
+          <p:txBody>
+            <a:bodyPr lIns="85332" tIns="42666" rIns="85332" bIns="42666" rtlCol="0" anchor="ctr"/>
+            <a:lstStyle/>
+            <a:p>
+              <a:pPr algn="ctr"/>
+              <a:r>
+                <a:rPr lang="en-US" dirty="0"/>
+                <a:t>Template</a:t>
+              </a:r>
+              <a:endParaRPr lang="ru-RU" dirty="0"/>
+            </a:p>
+          </p:txBody>
+        </p:sp>
+        <p:sp>
+          <p:nvSpPr>
+            <p:cNvPr id="8" name="Прямоугольник 7">
+              <a:extLst>
+                <a:ext uri="{FF2B5EF4-FFF2-40B4-BE49-F238E27FC236}">
+                  <a16:creationId xmlns:a16="http://schemas.microsoft.com/office/drawing/2014/main" id="{69F9B16D-B9C1-4C0D-A57B-8D77BF986438}"/>
+                </a:ext>
+              </a:extLst>
+            </p:cNvPr>
+            <p:cNvSpPr/>
+            <p:nvPr/>
+          </p:nvSpPr>
+          <p:spPr>
+            <a:xfrm>
+              <a:off x="9221084" y="2979873"/>
+              <a:ext cx="1464607" cy="533306"/>
+            </a:xfrm>
+            <a:prstGeom prst="rect">
+              <a:avLst/>
+            </a:prstGeom>
+            <a:solidFill>
+              <a:srgbClr val="D18009"/>
+            </a:solidFill>
+            <a:ln>
+              <a:noFill/>
+            </a:ln>
+          </p:spPr>
+          <p:style>
+            <a:lnRef idx="2">
+              <a:schemeClr val="accent1">
+                <a:shade val="50000"/>
+              </a:schemeClr>
+            </a:lnRef>
+            <a:fillRef idx="1">
+              <a:schemeClr val="accent1"/>
+            </a:fillRef>
+            <a:effectRef idx="0">
+              <a:schemeClr val="accent1"/>
+            </a:effectRef>
+            <a:fontRef idx="minor">
+              <a:schemeClr val="lt1"/>
+            </a:fontRef>
+          </p:style>
+          <p:txBody>
+            <a:bodyPr lIns="85332" tIns="42666" rIns="85332" bIns="42666" rtlCol="0" anchor="ctr"/>
+            <a:lstStyle/>
+            <a:p>
+              <a:pPr algn="ctr"/>
+              <a:r>
+                <a:rPr lang="en-US" dirty="0" err="1"/>
+                <a:t>Url</a:t>
+              </a:r>
+              <a:r>
+                <a:rPr lang="en-US" dirty="0"/>
+                <a:t> dispatcher</a:t>
+              </a:r>
+              <a:endParaRPr lang="ru-RU" dirty="0"/>
+            </a:p>
+          </p:txBody>
+        </p:sp>
+        <p:sp>
+          <p:nvSpPr>
+            <p:cNvPr id="9" name="Прямоугольник 8">
+              <a:extLst>
+                <a:ext uri="{FF2B5EF4-FFF2-40B4-BE49-F238E27FC236}">
+                  <a16:creationId xmlns:a16="http://schemas.microsoft.com/office/drawing/2014/main" id="{BD0177AF-AFF1-42EA-80FE-7E7D569701F1}"/>
+                </a:ext>
+              </a:extLst>
+            </p:cNvPr>
+            <p:cNvSpPr/>
+            <p:nvPr/>
+          </p:nvSpPr>
+          <p:spPr>
+            <a:xfrm>
+              <a:off x="6869072" y="2014739"/>
+              <a:ext cx="4254797" cy="533306"/>
+            </a:xfrm>
+            <a:prstGeom prst="rect">
+              <a:avLst/>
+            </a:prstGeom>
+            <a:solidFill>
+              <a:srgbClr val="D18009"/>
+            </a:solidFill>
+            <a:ln>
+              <a:noFill/>
+            </a:ln>
+          </p:spPr>
+          <p:style>
+            <a:lnRef idx="2">
+              <a:schemeClr val="accent1">
+                <a:shade val="50000"/>
+              </a:schemeClr>
+            </a:lnRef>
+            <a:fillRef idx="1">
+              <a:schemeClr val="accent1"/>
+            </a:fillRef>
+            <a:effectRef idx="0">
+              <a:schemeClr val="accent1"/>
+            </a:effectRef>
+            <a:fontRef idx="minor">
+              <a:schemeClr val="lt1"/>
+            </a:fontRef>
+          </p:style>
+          <p:txBody>
+            <a:bodyPr lIns="85332" tIns="42666" rIns="85332" bIns="42666" rtlCol="0" anchor="ctr"/>
+            <a:lstStyle/>
+            <a:p>
+              <a:pPr algn="ctr"/>
+              <a:r>
+                <a:rPr lang="en-US" dirty="0"/>
+                <a:t>Browser</a:t>
+              </a:r>
+              <a:endParaRPr lang="ru-RU" dirty="0"/>
+            </a:p>
+          </p:txBody>
+        </p:sp>
+        <p:sp>
+          <p:nvSpPr>
+            <p:cNvPr id="10" name="Стрелка: вниз 1">
+              <a:extLst>
+                <a:ext uri="{FF2B5EF4-FFF2-40B4-BE49-F238E27FC236}">
+                  <a16:creationId xmlns:a16="http://schemas.microsoft.com/office/drawing/2014/main" id="{5DB67C4B-86AB-440E-A159-A62A70781CD9}"/>
+                </a:ext>
+              </a:extLst>
+            </p:cNvPr>
+            <p:cNvSpPr/>
+            <p:nvPr/>
+          </p:nvSpPr>
+          <p:spPr>
+            <a:xfrm rot="10800000">
+              <a:off x="7767382" y="2587698"/>
+              <a:ext cx="259433" cy="351782"/>
+            </a:xfrm>
+            <a:prstGeom prst="downArrow">
+              <a:avLst/>
+            </a:prstGeom>
+            <a:solidFill>
+              <a:srgbClr val="F4950A"/>
+            </a:solidFill>
+            <a:ln>
+              <a:noFill/>
+            </a:ln>
+          </p:spPr>
+          <p:style>
+            <a:lnRef idx="2">
+              <a:schemeClr val="accent1">
+                <a:shade val="50000"/>
+              </a:schemeClr>
+            </a:lnRef>
+            <a:fillRef idx="1">
+              <a:schemeClr val="accent1"/>
+            </a:fillRef>
+            <a:effectRef idx="0">
+              <a:schemeClr val="accent1"/>
+            </a:effectRef>
+            <a:fontRef idx="minor">
+              <a:schemeClr val="lt1"/>
+            </a:fontRef>
+          </p:style>
+          <p:txBody>
+            <a:bodyPr lIns="85332" tIns="42666" rIns="85332" bIns="42666" rtlCol="0" anchor="ctr"/>
+            <a:lstStyle/>
+            <a:p>
+              <a:pPr algn="ctr"/>
+              <a:endParaRPr lang="ru-RU"/>
+            </a:p>
+          </p:txBody>
+        </p:sp>
+        <p:sp>
+          <p:nvSpPr>
+            <p:cNvPr id="11" name="Стрелка: вниз 1">
+              <a:extLst>
+                <a:ext uri="{FF2B5EF4-FFF2-40B4-BE49-F238E27FC236}">
+                  <a16:creationId xmlns:a16="http://schemas.microsoft.com/office/drawing/2014/main" id="{5DB67C4B-86AB-440E-A159-A62A70781CD9}"/>
+                </a:ext>
+              </a:extLst>
+            </p:cNvPr>
+            <p:cNvSpPr/>
+            <p:nvPr/>
+          </p:nvSpPr>
+          <p:spPr>
+            <a:xfrm>
+              <a:off x="9823670" y="2568434"/>
+              <a:ext cx="259433" cy="351782"/>
+            </a:xfrm>
+            <a:prstGeom prst="downArrow">
+              <a:avLst/>
+            </a:prstGeom>
+            <a:solidFill>
+              <a:srgbClr val="F4950A"/>
+            </a:solidFill>
+            <a:ln>
+              <a:noFill/>
+            </a:ln>
+          </p:spPr>
+          <p:style>
+            <a:lnRef idx="2">
+              <a:schemeClr val="accent1">
+                <a:shade val="50000"/>
+              </a:schemeClr>
+            </a:lnRef>
+            <a:fillRef idx="1">
+              <a:schemeClr val="accent1"/>
+            </a:fillRef>
+            <a:effectRef idx="0">
+              <a:schemeClr val="accent1"/>
+            </a:effectRef>
+            <a:fontRef idx="minor">
+              <a:schemeClr val="lt1"/>
+            </a:fontRef>
+          </p:style>
+          <p:txBody>
+            <a:bodyPr lIns="85332" tIns="42666" rIns="85332" bIns="42666" rtlCol="0" anchor="ctr"/>
+            <a:lstStyle/>
+            <a:p>
+              <a:pPr algn="ctr"/>
+              <a:endParaRPr lang="ru-RU"/>
+            </a:p>
+          </p:txBody>
+        </p:sp>
+      </p:grpSp>
+      <p:sp>
+        <p:nvSpPr>
+          <p:cNvPr id="13" name="TextBox 12"/>
+          <p:cNvSpPr txBox="1"/>
+          <p:nvPr/>
+        </p:nvSpPr>
+        <p:spPr>
+          <a:xfrm>
+            <a:off x="6889788" y="1718439"/>
+            <a:ext cx="4183239" cy="830997"/>
+          </a:xfrm>
+          <a:prstGeom prst="rect">
+            <a:avLst/>
+          </a:prstGeom>
+          <a:noFill/>
+        </p:spPr>
+        <p:txBody>
+          <a:bodyPr wrap="square" rtlCol="0">
+            <a:spAutoFit/>
+          </a:bodyPr>
+          <a:lstStyle/>
+          <a:p>
+            <a:pPr algn="ctr"/>
+            <a:r>
+              <a:rPr lang="en-US" sz="2400" b="1" dirty="0"/>
+              <a:t>MVT(</a:t>
+            </a:r>
+            <a:r>
+              <a:rPr lang="ru-RU" sz="2400" b="1" dirty="0"/>
+              <a:t>Модель – представление)</a:t>
+            </a:r>
+          </a:p>
+        </p:txBody>
+      </p:sp>
+    </p:spTree>
+    <p:extLst>
+      <p:ext uri="{BB962C8B-B14F-4D97-AF65-F5344CB8AC3E}">
+        <p14:creationId xmlns:p14="http://schemas.microsoft.com/office/powerpoint/2010/main" val="821631556"/>
+      </p:ext>
+    </p:extLst>
+  </p:cSld>
+  <p:clrMapOvr>
+    <a:masterClrMapping/>
+  </p:clrMapOvr>
+</p:sld>
+</file>
+
+<file path=ppt/slides/slide14.xml><?xml version="1.0" encoding="utf-8"?>
+<p:sld xmlns:a="http://schemas.openxmlformats.org/drawingml/2006/main" xmlns:r="http://schemas.openxmlformats.org/officeDocument/2006/relationships" xmlns:p="http://schemas.openxmlformats.org/presentationml/2006/main">
+  <p:cSld>
+    <p:spTree>
+      <p:nvGrpSpPr>
+        <p:cNvPr id="1" name=""/>
+        <p:cNvGrpSpPr/>
+        <p:nvPr/>
+      </p:nvGrpSpPr>
+      <p:grpSpPr>
+        <a:xfrm>
+          <a:off x="0" y="0"/>
+          <a:ext cx="0" cy="0"/>
+          <a:chOff x="0" y="0"/>
+          <a:chExt cx="0" cy="0"/>
+        </a:xfrm>
+      </p:grpSpPr>
+      <p:sp>
+        <p:nvSpPr>
+          <p:cNvPr id="2" name="Заголовок 1"/>
+          <p:cNvSpPr>
+            <a:spLocks noGrp="1"/>
+          </p:cNvSpPr>
+          <p:nvPr>
+            <p:ph type="title"/>
+          </p:nvPr>
+        </p:nvSpPr>
+        <p:spPr>
+          <a:xfrm>
+            <a:off x="913774" y="382528"/>
+            <a:ext cx="10364451" cy="1596177"/>
+          </a:xfrm>
+        </p:spPr>
+        <p:txBody>
+          <a:bodyPr/>
+          <a:lstStyle/>
+          <a:p>
+            <a:r>
+              <a:rPr lang="ru-RU" dirty="0"/>
+              <a:t>Разработка программного продукта</a:t>
+            </a:r>
+          </a:p>
+        </p:txBody>
+      </p:sp>
+      <p:pic>
+        <p:nvPicPr>
+          <p:cNvPr id="4" name="Объект 3"/>
+          <p:cNvPicPr>
+            <a:picLocks noGrp="1"/>
+          </p:cNvPicPr>
+          <p:nvPr>
+            <p:ph idx="1"/>
+          </p:nvPr>
+        </p:nvPicPr>
+        <p:blipFill>
+          <a:blip r:embed="rId2"/>
+          <a:stretch>
+            <a:fillRect/>
+          </a:stretch>
+        </p:blipFill>
+        <p:spPr>
+          <a:xfrm>
+            <a:off x="466362" y="1735167"/>
+            <a:ext cx="4439275" cy="5005387"/>
+          </a:xfrm>
+          <a:prstGeom prst="rect">
+            <a:avLst/>
+          </a:prstGeom>
+          <a:ln w="3175">
+            <a:solidFill>
+              <a:srgbClr val="000000"/>
+            </a:solidFill>
+            <a:prstDash val="solid"/>
+          </a:ln>
+        </p:spPr>
+      </p:pic>
+      <p:pic>
+        <p:nvPicPr>
+          <p:cNvPr id="2050" name="Picture 2" descr="Без имени"/>
+          <p:cNvPicPr>
+            <a:picLocks noChangeAspect="1" noChangeArrowheads="1"/>
+          </p:cNvPicPr>
+          <p:nvPr/>
+        </p:nvPicPr>
+        <p:blipFill>
+          <a:blip r:embed="rId3" cstate="print">
+            <a:extLst>
+              <a:ext uri="{28A0092B-C50C-407E-A947-70E740481C1C}">
+                <a14:useLocalDpi xmlns:a14="http://schemas.microsoft.com/office/drawing/2010/main" val="0"/>
+              </a:ext>
+            </a:extLst>
+          </a:blip>
+          <a:srcRect/>
+          <a:stretch>
+            <a:fillRect/>
+          </a:stretch>
+        </p:blipFill>
+        <p:spPr bwMode="auto">
+          <a:xfrm>
+            <a:off x="6096000" y="2912268"/>
+            <a:ext cx="5353050" cy="2886075"/>
+          </a:xfrm>
+          <a:prstGeom prst="rect">
+            <a:avLst/>
+          </a:prstGeom>
+          <a:ln w="3175">
+            <a:solidFill>
+              <a:srgbClr val="000000"/>
+            </a:solidFill>
+            <a:prstDash val="solid"/>
+          </a:ln>
+          <a:extLst>
+            <a:ext uri="{909E8E84-426E-40DD-AFC4-6F175D3DCCD1}">
+              <a14:hiddenFill xmlns:a14="http://schemas.microsoft.com/office/drawing/2010/main">
+                <a:solidFill>
+                  <a:srgbClr val="FFFFFF"/>
+                </a:solidFill>
+              </a14:hiddenFill>
+            </a:ext>
+          </a:extLst>
+        </p:spPr>
+      </p:pic>
+      <p:sp>
+        <p:nvSpPr>
+          <p:cNvPr id="5" name="TextBox 4"/>
+          <p:cNvSpPr txBox="1"/>
+          <p:nvPr/>
+        </p:nvSpPr>
+        <p:spPr>
+          <a:xfrm>
+            <a:off x="6638925" y="1978705"/>
+            <a:ext cx="4267200" cy="584775"/>
+          </a:xfrm>
+          <a:prstGeom prst="rect">
+            <a:avLst/>
+          </a:prstGeom>
+          <a:noFill/>
+        </p:spPr>
+        <p:txBody>
+          <a:bodyPr wrap="square" rtlCol="0">
+            <a:spAutoFit/>
+          </a:bodyPr>
+          <a:lstStyle/>
+          <a:p>
+            <a:pPr algn="ctr"/>
+            <a:r>
+              <a:rPr lang="ru-RU" sz="3200" dirty="0"/>
+              <a:t>Главная страница</a:t>
+            </a:r>
+          </a:p>
+        </p:txBody>
+      </p:sp>
+    </p:spTree>
+    <p:extLst>
+      <p:ext uri="{BB962C8B-B14F-4D97-AF65-F5344CB8AC3E}">
+        <p14:creationId xmlns:p14="http://schemas.microsoft.com/office/powerpoint/2010/main" val="653197540"/>
+      </p:ext>
+    </p:extLst>
+  </p:cSld>
+  <p:clrMapOvr>
+    <a:masterClrMapping/>
+  </p:clrMapOvr>
+</p:sld>
+</file>
+
+<file path=ppt/slides/slide15.xml><?xml version="1.0" encoding="utf-8"?>
+<p:sld xmlns:a="http://schemas.openxmlformats.org/drawingml/2006/main" xmlns:r="http://schemas.openxmlformats.org/officeDocument/2006/relationships" xmlns:p="http://schemas.openxmlformats.org/presentationml/2006/main">
+  <p:cSld>
+    <p:spTree>
+      <p:nvGrpSpPr>
+        <p:cNvPr id="1" name=""/>
+        <p:cNvGrpSpPr/>
+        <p:nvPr/>
+      </p:nvGrpSpPr>
+      <p:grpSpPr>
+        <a:xfrm>
+          <a:off x="0" y="0"/>
+          <a:ext cx="0" cy="0"/>
+          <a:chOff x="0" y="0"/>
+          <a:chExt cx="0" cy="0"/>
+        </a:xfrm>
+      </p:grpSpPr>
+      <p:sp>
+        <p:nvSpPr>
+          <p:cNvPr id="2" name="Заголовок 1"/>
+          <p:cNvSpPr>
+            <a:spLocks noGrp="1"/>
+          </p:cNvSpPr>
+          <p:nvPr>
+            <p:ph type="title"/>
+          </p:nvPr>
+        </p:nvSpPr>
+        <p:spPr/>
+        <p:txBody>
+          <a:bodyPr/>
+          <a:lstStyle/>
+          <a:p>
+            <a:r>
+              <a:rPr lang="ru-RU" dirty="0"/>
+              <a:t>Разработка программного продукта</a:t>
+            </a:r>
+          </a:p>
+        </p:txBody>
+      </p:sp>
+      <p:pic>
+        <p:nvPicPr>
+          <p:cNvPr id="4" name="Объект 3"/>
+          <p:cNvPicPr>
+            <a:picLocks noGrp="1"/>
+          </p:cNvPicPr>
+          <p:nvPr>
+            <p:ph idx="1"/>
+          </p:nvPr>
+        </p:nvPicPr>
+        <p:blipFill>
+          <a:blip r:embed="rId2"/>
+          <a:stretch>
+            <a:fillRect/>
+          </a:stretch>
+        </p:blipFill>
+        <p:spPr>
+          <a:xfrm>
+            <a:off x="274797" y="2386013"/>
+            <a:ext cx="5821203" cy="3424237"/>
+          </a:xfrm>
+          <a:prstGeom prst="rect">
+            <a:avLst/>
+          </a:prstGeom>
+          <a:ln w="3175">
+            <a:solidFill>
+              <a:srgbClr val="000000"/>
+            </a:solidFill>
+            <a:prstDash val="solid"/>
+          </a:ln>
+        </p:spPr>
+      </p:pic>
+      <p:sp>
+        <p:nvSpPr>
+          <p:cNvPr id="5" name="TextBox 4"/>
+          <p:cNvSpPr txBox="1"/>
+          <p:nvPr/>
+        </p:nvSpPr>
+        <p:spPr>
+          <a:xfrm>
+            <a:off x="8134350" y="1801238"/>
+            <a:ext cx="4057650" cy="584775"/>
+          </a:xfrm>
+          <a:prstGeom prst="rect">
+            <a:avLst/>
+          </a:prstGeom>
+          <a:noFill/>
+        </p:spPr>
+        <p:txBody>
+          <a:bodyPr wrap="square" rtlCol="0">
+            <a:spAutoFit/>
+          </a:bodyPr>
+          <a:lstStyle/>
+          <a:p>
+            <a:r>
+              <a:rPr lang="ru-RU" sz="3200" dirty="0"/>
+              <a:t>Авторизация</a:t>
+            </a:r>
+          </a:p>
+        </p:txBody>
+      </p:sp>
+      <p:pic>
+        <p:nvPicPr>
+          <p:cNvPr id="6" name="Рисунок 5"/>
+          <p:cNvPicPr/>
+          <p:nvPr/>
+        </p:nvPicPr>
+        <p:blipFill>
+          <a:blip r:embed="rId3"/>
+          <a:stretch>
+            <a:fillRect/>
+          </a:stretch>
+        </p:blipFill>
+        <p:spPr>
+          <a:xfrm>
+            <a:off x="6703163" y="2778283"/>
+            <a:ext cx="5191125" cy="2639695"/>
+          </a:xfrm>
+          <a:prstGeom prst="rect">
+            <a:avLst/>
+          </a:prstGeom>
+          <a:ln w="3175">
+            <a:solidFill>
+              <a:srgbClr val="000000"/>
+            </a:solidFill>
+            <a:prstDash val="solid"/>
+          </a:ln>
+        </p:spPr>
+      </p:pic>
+    </p:spTree>
+    <p:extLst>
+      <p:ext uri="{BB962C8B-B14F-4D97-AF65-F5344CB8AC3E}">
+        <p14:creationId xmlns:p14="http://schemas.microsoft.com/office/powerpoint/2010/main" val="3226503101"/>
+      </p:ext>
+    </p:extLst>
+  </p:cSld>
+  <p:clrMapOvr>
+    <a:masterClrMapping/>
+  </p:clrMapOvr>
+</p:sld>
+</file>
+
+<file path=ppt/slides/slide16.xml><?xml version="1.0" encoding="utf-8"?>
+<p:sld xmlns:a="http://schemas.openxmlformats.org/drawingml/2006/main" xmlns:r="http://schemas.openxmlformats.org/officeDocument/2006/relationships" xmlns:p="http://schemas.openxmlformats.org/presentationml/2006/main">
+  <p:cSld>
+    <p:spTree>
+      <p:nvGrpSpPr>
+        <p:cNvPr id="1" name=""/>
+        <p:cNvGrpSpPr/>
+        <p:nvPr/>
+      </p:nvGrpSpPr>
+      <p:grpSpPr>
+        <a:xfrm>
+          <a:off x="0" y="0"/>
+          <a:ext cx="0" cy="0"/>
+          <a:chOff x="0" y="0"/>
+          <a:chExt cx="0" cy="0"/>
+        </a:xfrm>
+      </p:grpSpPr>
+      <p:sp>
+        <p:nvSpPr>
+          <p:cNvPr id="2" name="Заголовок 1"/>
+          <p:cNvSpPr>
+            <a:spLocks noGrp="1"/>
+          </p:cNvSpPr>
+          <p:nvPr>
+            <p:ph type="title"/>
+          </p:nvPr>
+        </p:nvSpPr>
+        <p:spPr/>
+        <p:txBody>
+          <a:bodyPr/>
+          <a:lstStyle/>
+          <a:p>
+            <a:r>
+              <a:rPr lang="ru-RU" dirty="0"/>
+              <a:t>Выводы</a:t>
+            </a:r>
+          </a:p>
+        </p:txBody>
+      </p:sp>
+      <p:sp>
+        <p:nvSpPr>
+          <p:cNvPr id="3" name="Объект 2"/>
+          <p:cNvSpPr>
+            <a:spLocks noGrp="1"/>
+          </p:cNvSpPr>
+          <p:nvPr>
+            <p:ph idx="1"/>
+          </p:nvPr>
+        </p:nvSpPr>
+        <p:spPr/>
+        <p:txBody>
+          <a:bodyPr/>
+          <a:lstStyle/>
+          <a:p>
+            <a:r>
+              <a:rPr lang="ru-RU" dirty="0"/>
+              <a:t>была разработана информационная система «Склад»</a:t>
+            </a:r>
+          </a:p>
+          <a:p>
+            <a:r>
+              <a:rPr lang="ru-RU" dirty="0">
+                <a:latin typeface="Franklin Gothic Demi" panose="020B0703020102020204" pitchFamily="34" charset="0"/>
+              </a:rPr>
+              <a:t>Реализован функционал программного продукта в соответствии с ТЗ.</a:t>
+            </a:r>
+            <a:r>
+              <a:rPr lang="en-US" dirty="0">
+                <a:latin typeface="Franklin Gothic Demi" panose="020B0703020102020204" pitchFamily="34" charset="0"/>
+              </a:rPr>
+              <a:t> </a:t>
+            </a:r>
+            <a:br>
+              <a:rPr lang="ru-RU" dirty="0">
+                <a:latin typeface="Franklin Gothic Demi" panose="020B0703020102020204" pitchFamily="34" charset="0"/>
+              </a:rPr>
+            </a:br>
+            <a:r>
+              <a:rPr lang="ru-RU" dirty="0">
+                <a:latin typeface="Franklin Gothic Demi" panose="020B0703020102020204" pitchFamily="34" charset="0"/>
+              </a:rPr>
+              <a:t>Серверная часть веб-приложения</a:t>
+            </a:r>
+            <a:r>
+              <a:rPr lang="en-US" dirty="0">
+                <a:latin typeface="Franklin Gothic Demi" panose="020B0703020102020204" pitchFamily="34" charset="0"/>
+              </a:rPr>
+              <a:t> </a:t>
+            </a:r>
+            <a:r>
+              <a:rPr lang="ru-RU" dirty="0">
+                <a:latin typeface="Franklin Gothic Demi" panose="020B0703020102020204" pitchFamily="34" charset="0"/>
+              </a:rPr>
+              <a:t>была реализована с использованием языка </a:t>
+            </a:r>
+            <a:r>
+              <a:rPr lang="en-US" sz="2400" b="1" dirty="0">
+                <a:latin typeface="Franklin Gothic Demi" panose="020B0703020102020204" pitchFamily="34" charset="0"/>
+              </a:rPr>
+              <a:t>PHP</a:t>
+            </a:r>
+            <a:r>
+              <a:rPr lang="ru-RU" dirty="0">
+                <a:latin typeface="Franklin Gothic Demi" panose="020B0703020102020204" pitchFamily="34" charset="0"/>
+              </a:rPr>
+              <a:t>.</a:t>
+            </a:r>
+          </a:p>
+          <a:p>
+            <a:r>
+              <a:rPr lang="ru-RU">
+                <a:latin typeface="Franklin Gothic Demi" panose="020B0703020102020204" pitchFamily="34" charset="0"/>
+              </a:rPr>
+              <a:t>Все поставленные задачи были выполнены.</a:t>
+            </a:r>
+            <a:br>
+              <a:rPr lang="ru-RU" dirty="0">
+                <a:latin typeface="Franklin Gothic Demi" panose="020B0703020102020204" pitchFamily="34" charset="0"/>
+              </a:rPr>
+            </a:br>
+            <a:br>
+              <a:rPr lang="ru-RU" dirty="0">
+                <a:latin typeface="Franklin Gothic Demi" panose="020B0703020102020204" pitchFamily="34" charset="0"/>
+              </a:rPr>
+            </a:br>
+            <a:endParaRPr lang="ru-RU" dirty="0"/>
+          </a:p>
+        </p:txBody>
+      </p:sp>
+    </p:spTree>
+    <p:extLst>
+      <p:ext uri="{BB962C8B-B14F-4D97-AF65-F5344CB8AC3E}">
+        <p14:creationId xmlns:p14="http://schemas.microsoft.com/office/powerpoint/2010/main" val="254034081"/>
+      </p:ext>
+    </p:extLst>
+  </p:cSld>
+  <p:clrMapOvr>
+    <a:masterClrMapping/>
+  </p:clrMapOvr>
 </p:sld>
 </file>
 
@@ -6986,10 +8153,9 @@
           <a:lstStyle/>
           <a:p>
             <a:r>
-              <a:rPr lang="ru-RU" dirty="0" smtClean="0"/>
+              <a:rPr lang="ru-RU" dirty="0"/>
               <a:t>Цели и задачи</a:t>
             </a:r>
-            <a:endParaRPr lang="ru-RU" dirty="0"/>
           </a:p>
         </p:txBody>
       </p:sp>
@@ -7016,11 +8182,11 @@
           <a:lstStyle/>
           <a:p>
             <a:r>
-              <a:rPr lang="ru-RU" sz="1600" dirty="0" smtClean="0"/>
+              <a:rPr lang="ru-RU" sz="1600" dirty="0"/>
               <a:t>Цель: </a:t>
             </a:r>
             <a:br>
-              <a:rPr lang="ru-RU" sz="1600" dirty="0" smtClean="0"/>
+              <a:rPr lang="ru-RU" sz="1600" dirty="0"/>
             </a:br>
             <a:r>
               <a:rPr lang="ru-RU" sz="1600" dirty="0"/>
@@ -7030,11 +8196,11 @@
           <a:p>
             <a:pPr lvl="0"/>
             <a:r>
-              <a:rPr lang="ru-RU" sz="1600" dirty="0" smtClean="0"/>
+              <a:rPr lang="ru-RU" sz="1600" dirty="0"/>
               <a:t>Задачи:</a:t>
             </a:r>
             <a:br>
-              <a:rPr lang="ru-RU" sz="1600" dirty="0" smtClean="0"/>
+              <a:rPr lang="ru-RU" sz="1600" dirty="0"/>
             </a:br>
             <a:r>
               <a:rPr lang="ru-RU" sz="1600" dirty="0"/>
@@ -7109,7 +8275,6 @@
               <a:rPr lang="ru-RU" sz="1600" dirty="0"/>
               <a:t>создать руководство пользователя по информационной системе.</a:t>
             </a:r>
-            <a:endParaRPr lang="ru-RU" sz="1600" dirty="0" smtClean="0"/>
           </a:p>
         </p:txBody>
       </p:sp>
@@ -7123,13 +8288,6 @@
   <p:clrMapOvr>
     <a:masterClrMapping/>
   </p:clrMapOvr>
-  <p:timing>
-    <p:tnLst>
-      <p:par>
-        <p:cTn id="1" dur="indefinite" restart="never" nodeType="tmRoot"/>
-      </p:par>
-    </p:tnLst>
-  </p:timing>
 </p:sld>
 </file>
 
@@ -7166,10 +8324,9 @@
           <a:lstStyle/>
           <a:p>
             <a:r>
-              <a:rPr lang="ru-RU" dirty="0" smtClean="0"/>
+              <a:rPr lang="ru-RU" dirty="0"/>
               <a:t>Предметная область </a:t>
             </a:r>
-            <a:endParaRPr lang="ru-RU" dirty="0"/>
           </a:p>
         </p:txBody>
       </p:sp>
@@ -7222,13 +8379,6 @@
   <p:clrMapOvr>
     <a:masterClrMapping/>
   </p:clrMapOvr>
-  <p:timing>
-    <p:tnLst>
-      <p:par>
-        <p:cTn id="1" dur="indefinite" restart="never" nodeType="tmRoot"/>
-      </p:par>
-    </p:tnLst>
-  </p:timing>
 </p:sld>
 </file>
 
@@ -7265,10 +8415,9 @@
           <a:lstStyle/>
           <a:p>
             <a:r>
-              <a:rPr lang="ru-RU" dirty="0" smtClean="0"/>
+              <a:rPr lang="ru-RU" dirty="0"/>
               <a:t>Инструментальные средства разработки</a:t>
             </a:r>
-            <a:endParaRPr lang="ru-RU" dirty="0"/>
           </a:p>
         </p:txBody>
       </p:sp>
@@ -7328,10 +8477,9 @@
                     <a:p>
                       <a:pPr algn="ctr"/>
                       <a:r>
-                        <a:rPr lang="ru-RU" dirty="0" smtClean="0"/>
+                        <a:rPr lang="ru-RU" dirty="0"/>
                         <a:t>Этап</a:t>
                       </a:r>
-                      <a:endParaRPr lang="ru-RU" dirty="0"/>
                     </a:p>
                   </a:txBody>
                   <a:tcPr/>
@@ -7343,10 +8491,9 @@
                     <a:p>
                       <a:pPr algn="ctr"/>
                       <a:r>
-                        <a:rPr lang="ru-RU" dirty="0" smtClean="0"/>
+                        <a:rPr lang="ru-RU" dirty="0"/>
                         <a:t>Изображение (логотип)</a:t>
                       </a:r>
-                      <a:endParaRPr lang="ru-RU" dirty="0"/>
                     </a:p>
                   </a:txBody>
                   <a:tcPr/>
@@ -7358,10 +8505,9 @@
                     <a:p>
                       <a:pPr algn="ctr"/>
                       <a:r>
-                        <a:rPr lang="ru-RU" dirty="0" smtClean="0"/>
+                        <a:rPr lang="ru-RU" dirty="0"/>
                         <a:t>Название инструмента</a:t>
                       </a:r>
-                      <a:endParaRPr lang="ru-RU" dirty="0"/>
                     </a:p>
                   </a:txBody>
                   <a:tcPr/>
@@ -7380,10 +8526,9 @@
                     <a:p>
                       <a:pPr algn="ctr"/>
                       <a:r>
-                        <a:rPr lang="ru-RU" dirty="0" smtClean="0"/>
+                        <a:rPr lang="ru-RU" dirty="0"/>
                         <a:t>Проектирование ИС</a:t>
                       </a:r>
-                      <a:endParaRPr lang="ru-RU" dirty="0"/>
                     </a:p>
                   </a:txBody>
                   <a:tcPr/>
@@ -7405,7 +8550,7 @@
                     <a:p>
                       <a:pPr algn="ctr"/>
                       <a:r>
-                        <a:rPr lang="en-US" dirty="0" smtClean="0"/>
+                        <a:rPr lang="en-US" dirty="0"/>
                         <a:t>Draw.io</a:t>
                       </a:r>
                       <a:endParaRPr lang="ru-RU" dirty="0"/>
@@ -7427,10 +8572,9 @@
                     <a:p>
                       <a:pPr algn="ctr"/>
                       <a:r>
-                        <a:rPr lang="ru-RU" dirty="0" smtClean="0"/>
+                        <a:rPr lang="ru-RU" dirty="0"/>
                         <a:t>БД</a:t>
                       </a:r>
-                      <a:endParaRPr lang="ru-RU" dirty="0"/>
                     </a:p>
                   </a:txBody>
                   <a:tcPr/>
@@ -7452,7 +8596,7 @@
                     <a:p>
                       <a:pPr algn="ctr"/>
                       <a:r>
-                        <a:rPr lang="en-US" dirty="0" err="1" smtClean="0"/>
+                        <a:rPr lang="en-US" dirty="0" err="1"/>
                         <a:t>MariaDB</a:t>
                       </a:r>
                       <a:endParaRPr lang="ru-RU" dirty="0"/>
@@ -7474,10 +8618,9 @@
                     <a:p>
                       <a:pPr algn="ctr"/>
                       <a:r>
-                        <a:rPr lang="ru-RU" dirty="0" smtClean="0"/>
+                        <a:rPr lang="ru-RU" dirty="0"/>
                         <a:t>Проектирование БД</a:t>
                       </a:r>
-                      <a:endParaRPr lang="ru-RU" dirty="0"/>
                     </a:p>
                   </a:txBody>
                   <a:tcPr/>
@@ -7499,11 +8642,11 @@
                     <a:p>
                       <a:pPr algn="ctr"/>
                       <a:r>
-                        <a:rPr lang="en-US" dirty="0" err="1" smtClean="0"/>
+                        <a:rPr lang="en-US" dirty="0" err="1"/>
                         <a:t>MySql</a:t>
                       </a:r>
                       <a:r>
-                        <a:rPr lang="en-US" dirty="0" smtClean="0"/>
+                        <a:rPr lang="en-US" dirty="0"/>
                         <a:t> Workbench</a:t>
                       </a:r>
                       <a:endParaRPr lang="ru-RU" dirty="0"/>
@@ -7525,10 +8668,9 @@
                     <a:p>
                       <a:pPr algn="ctr"/>
                       <a:r>
-                        <a:rPr lang="ru-RU" dirty="0" smtClean="0"/>
+                        <a:rPr lang="ru-RU" dirty="0"/>
                         <a:t>Проектирование интерфейса</a:t>
                       </a:r>
-                      <a:endParaRPr lang="ru-RU" dirty="0"/>
                     </a:p>
                   </a:txBody>
                   <a:tcPr/>
@@ -7550,7 +8692,7 @@
                     <a:p>
                       <a:pPr algn="ctr"/>
                       <a:r>
-                        <a:rPr lang="en-US" dirty="0" err="1" smtClean="0"/>
+                        <a:rPr lang="en-US" dirty="0" err="1"/>
                         <a:t>Figma</a:t>
                       </a:r>
                       <a:endParaRPr lang="ru-RU" dirty="0"/>
@@ -7572,11 +8714,11 @@
                     <a:p>
                       <a:pPr algn="ctr"/>
                       <a:r>
-                        <a:rPr lang="ru-RU" dirty="0" smtClean="0"/>
+                        <a:rPr lang="ru-RU" dirty="0"/>
                         <a:t>Разработка (среда</a:t>
                       </a:r>
                       <a:r>
-                        <a:rPr lang="ru-RU" baseline="0" dirty="0" smtClean="0"/>
+                        <a:rPr lang="ru-RU" baseline="0" dirty="0"/>
                         <a:t> разработки)</a:t>
                       </a:r>
                       <a:endParaRPr lang="ru-RU" dirty="0"/>
@@ -7601,7 +8743,7 @@
                     <a:p>
                       <a:pPr algn="ctr"/>
                       <a:r>
-                        <a:rPr lang="en-US" dirty="0" err="1" smtClean="0"/>
+                        <a:rPr lang="en-US" dirty="0" err="1"/>
                         <a:t>PhpStorm</a:t>
                       </a:r>
                       <a:endParaRPr lang="ru-RU" dirty="0"/>
@@ -7623,11 +8765,11 @@
                     <a:p>
                       <a:pPr algn="ctr"/>
                       <a:r>
-                        <a:rPr lang="ru-RU" dirty="0" smtClean="0"/>
+                        <a:rPr lang="ru-RU" dirty="0"/>
                         <a:t>Разработка (язык</a:t>
                       </a:r>
                       <a:r>
-                        <a:rPr lang="ru-RU" baseline="0" dirty="0" smtClean="0"/>
+                        <a:rPr lang="ru-RU" baseline="0" dirty="0"/>
                         <a:t> программирования)</a:t>
                       </a:r>
                       <a:endParaRPr lang="ru-RU" dirty="0"/>
@@ -7652,11 +8794,11 @@
                     <a:p>
                       <a:pPr algn="ctr"/>
                       <a:r>
-                        <a:rPr lang="en-US" dirty="0" err="1" smtClean="0"/>
+                        <a:rPr lang="en-US" dirty="0" err="1"/>
                         <a:t>Php</a:t>
                       </a:r>
                       <a:r>
-                        <a:rPr lang="en-US" dirty="0" smtClean="0"/>
+                        <a:rPr lang="en-US" dirty="0"/>
                         <a:t>, JS</a:t>
                       </a:r>
                       <a:endParaRPr lang="ru-RU" dirty="0"/>
@@ -7852,13 +8994,6 @@
   <p:clrMapOvr>
     <a:masterClrMapping/>
   </p:clrMapOvr>
-  <p:timing>
-    <p:tnLst>
-      <p:par>
-        <p:cTn id="1" dur="indefinite" restart="never" nodeType="tmRoot"/>
-      </p:par>
-    </p:tnLst>
-  </p:timing>
 </p:sld>
 </file>
 
@@ -7895,10 +9030,9 @@
           <a:lstStyle/>
           <a:p>
             <a:r>
-              <a:rPr lang="ru-RU" dirty="0" smtClean="0"/>
+              <a:rPr lang="ru-RU" dirty="0"/>
               <a:t>Проектирование программного продукта</a:t>
             </a:r>
-            <a:endParaRPr lang="ru-RU" dirty="0"/>
           </a:p>
         </p:txBody>
       </p:sp>
@@ -7958,11 +9092,11 @@
           <a:lstStyle/>
           <a:p>
             <a:r>
-              <a:rPr lang="ru-RU" sz="3600" dirty="0" smtClean="0"/>
+              <a:rPr lang="ru-RU" sz="3600" dirty="0"/>
               <a:t>Диаграмма </a:t>
             </a:r>
             <a:r>
-              <a:rPr lang="ru-RU" sz="3600" dirty="0" err="1" smtClean="0"/>
+              <a:rPr lang="ru-RU" sz="3600" dirty="0" err="1"/>
               <a:t>прецендентов</a:t>
             </a:r>
             <a:endParaRPr lang="ru-RU" sz="3600" dirty="0"/>
@@ -7979,13 +9113,6 @@
   <p:clrMapOvr>
     <a:masterClrMapping/>
   </p:clrMapOvr>
-  <p:timing>
-    <p:tnLst>
-      <p:par>
-        <p:cTn id="1" dur="indefinite" restart="never" nodeType="tmRoot"/>
-      </p:par>
-    </p:tnLst>
-  </p:timing>
 </p:sld>
 </file>
 
@@ -8084,10 +9211,9 @@
           <a:lstStyle/>
           <a:p>
             <a:r>
-              <a:rPr lang="ru-RU" sz="3600" dirty="0" smtClean="0"/>
+              <a:rPr lang="ru-RU" sz="3600" dirty="0"/>
               <a:t>Диаграмма деятельности</a:t>
             </a:r>
-            <a:endParaRPr lang="ru-RU" sz="3600" dirty="0"/>
           </a:p>
         </p:txBody>
       </p:sp>
@@ -8101,13 +9227,6 @@
   <p:clrMapOvr>
     <a:masterClrMapping/>
   </p:clrMapOvr>
-  <p:timing>
-    <p:tnLst>
-      <p:par>
-        <p:cTn id="1" dur="indefinite" restart="never" nodeType="tmRoot"/>
-      </p:par>
-    </p:tnLst>
-  </p:timing>
 </p:sld>
 </file>
 
@@ -8144,10 +9263,9 @@
           <a:lstStyle/>
           <a:p>
             <a:r>
-              <a:rPr lang="ru-RU" dirty="0" smtClean="0"/>
+              <a:rPr lang="ru-RU" dirty="0"/>
               <a:t>Проектирование программного продукта</a:t>
             </a:r>
-            <a:endParaRPr lang="ru-RU" dirty="0"/>
           </a:p>
         </p:txBody>
       </p:sp>
@@ -8208,10 +9326,9 @@
           <a:p>
             <a:pPr algn="ctr"/>
             <a:r>
-              <a:rPr lang="ru-RU" sz="3600" dirty="0" smtClean="0"/>
+              <a:rPr lang="ru-RU" sz="3600" dirty="0"/>
               <a:t>Диаграмма компонентов</a:t>
             </a:r>
-            <a:endParaRPr lang="ru-RU" sz="3600" dirty="0"/>
           </a:p>
         </p:txBody>
       </p:sp>
@@ -8267,10 +9384,9 @@
           <a:p>
             <a:pPr algn="ctr"/>
             <a:r>
-              <a:rPr lang="ru-RU" sz="3600" dirty="0" smtClean="0"/>
+              <a:rPr lang="ru-RU" sz="3600" dirty="0"/>
               <a:t>Диаграмма развёртывания</a:t>
             </a:r>
-            <a:endParaRPr lang="ru-RU" sz="3600" dirty="0"/>
           </a:p>
         </p:txBody>
       </p:sp>
@@ -8284,13 +9400,6 @@
   <p:clrMapOvr>
     <a:masterClrMapping/>
   </p:clrMapOvr>
-  <p:timing>
-    <p:tnLst>
-      <p:par>
-        <p:cTn id="1" dur="indefinite" restart="never" nodeType="tmRoot"/>
-      </p:par>
-    </p:tnLst>
-  </p:timing>
 </p:sld>
 </file>
 
@@ -8332,10 +9441,9 @@
           <a:lstStyle/>
           <a:p>
             <a:r>
-              <a:rPr lang="ru-RU" dirty="0" smtClean="0"/>
+              <a:rPr lang="ru-RU" dirty="0"/>
               <a:t>Проектирование программного продукта</a:t>
             </a:r>
-            <a:endParaRPr lang="ru-RU" dirty="0"/>
           </a:p>
         </p:txBody>
       </p:sp>
@@ -8392,18 +9500,17 @@
           <a:p>
             <a:pPr algn="ctr"/>
             <a:r>
-              <a:rPr lang="ru-RU" sz="3200" dirty="0" smtClean="0"/>
+              <a:rPr lang="ru-RU" sz="3200" dirty="0"/>
               <a:t>Контекстная диаграмма </a:t>
             </a:r>
             <a:r>
-              <a:rPr lang="en-US" sz="3200" dirty="0" smtClean="0"/>
+              <a:rPr lang="en-US" sz="3200" dirty="0"/>
               <a:t>IDEF0</a:t>
             </a:r>
             <a:r>
-              <a:rPr lang="ru-RU" sz="3200" dirty="0" smtClean="0"/>
+              <a:rPr lang="ru-RU" sz="3200" dirty="0"/>
               <a:t> </a:t>
             </a:r>
-            <a:endParaRPr lang="ru-RU" sz="3200" dirty="0"/>
           </a:p>
         </p:txBody>
       </p:sp>
@@ -8460,10 +9567,9 @@
           <a:p>
             <a:pPr algn="ctr"/>
             <a:r>
-              <a:rPr lang="ru-RU" sz="3200" dirty="0" smtClean="0"/>
+              <a:rPr lang="ru-RU" sz="3200" dirty="0"/>
               <a:t>Диаграмма декомпозиций А1</a:t>
             </a:r>
-            <a:endParaRPr lang="ru-RU" sz="3200" dirty="0"/>
           </a:p>
         </p:txBody>
       </p:sp>
@@ -8477,13 +9583,6 @@
   <p:clrMapOvr>
     <a:masterClrMapping/>
   </p:clrMapOvr>
-  <p:timing>
-    <p:tnLst>
-      <p:par>
-        <p:cTn id="1" dur="indefinite" restart="never" nodeType="tmRoot"/>
-      </p:par>
-    </p:tnLst>
-  </p:timing>
 </p:sld>
 </file>
 
@@ -8520,10 +9619,9 @@
           <a:lstStyle/>
           <a:p>
             <a:r>
-              <a:rPr lang="ru-RU" dirty="0" smtClean="0"/>
+              <a:rPr lang="ru-RU" dirty="0"/>
               <a:t>Проектирование программного продукта</a:t>
             </a:r>
-            <a:endParaRPr lang="ru-RU" dirty="0"/>
           </a:p>
         </p:txBody>
       </p:sp>
@@ -8584,10 +9682,9 @@
           <a:p>
             <a:pPr algn="ctr"/>
             <a:r>
-              <a:rPr lang="ru-RU" sz="3200" dirty="0" smtClean="0"/>
+              <a:rPr lang="ru-RU" sz="3200" dirty="0"/>
               <a:t>Диаграмма классов</a:t>
             </a:r>
-            <a:endParaRPr lang="ru-RU" sz="3200" dirty="0"/>
           </a:p>
         </p:txBody>
       </p:sp>
@@ -8644,10 +9741,9 @@
           <a:p>
             <a:pPr algn="ctr"/>
             <a:r>
-              <a:rPr lang="ru-RU" sz="3200" dirty="0" smtClean="0"/>
+              <a:rPr lang="ru-RU" sz="3200" dirty="0"/>
               <a:t>Диаграмма потоков данных</a:t>
             </a:r>
-            <a:endParaRPr lang="ru-RU" sz="3200" dirty="0"/>
           </a:p>
         </p:txBody>
       </p:sp>
@@ -8661,13 +9757,6 @@
   <p:clrMapOvr>
     <a:masterClrMapping/>
   </p:clrMapOvr>
-  <p:timing>
-    <p:tnLst>
-      <p:par>
-        <p:cTn id="1" dur="indefinite" restart="never" nodeType="tmRoot"/>
-      </p:par>
-    </p:tnLst>
-  </p:timing>
 </p:sld>
 </file>
 

--- a/Курсовая работа.pptx
+++ b/Курсовая работа.pptx
@@ -8431,7 +8431,7 @@
             <p:ph idx="1"/>
             <p:extLst>
               <p:ext uri="{D42A27DB-BD31-4B8C-83A1-F6EECF244321}">
-                <p14:modId xmlns:p14="http://schemas.microsoft.com/office/powerpoint/2010/main" val="310089869"/>
+                <p14:modId xmlns:p14="http://schemas.microsoft.com/office/powerpoint/2010/main" val="2429062498"/>
               </p:ext>
             </p:extLst>
           </p:nvPr>
@@ -8444,7 +8444,7 @@
           <a:graphicData uri="http://schemas.openxmlformats.org/drawingml/2006/table">
             <a:tbl>
               <a:tblPr firstRow="1" bandRow="1">
-                <a:tableStyleId>{5C22544A-7EE6-4342-B048-85BDC9FD1C3A}</a:tableStyleId>
+                <a:tableStyleId>{5940675A-B579-460E-94D1-54222C63F5DA}</a:tableStyleId>
               </a:tblPr>
               <a:tblGrid>
                 <a:gridCol w="3454400">

--- a/Курсовая работа.pptx
+++ b/Курсовая работа.pptx
@@ -8880,7 +8880,7 @@
         </p:blipFill>
         <p:spPr>
           <a:xfrm>
-            <a:off x="5798344" y="4099757"/>
+            <a:off x="5798344" y="4012047"/>
             <a:ext cx="595313" cy="595313"/>
           </a:xfrm>
           <a:prstGeom prst="rect">
@@ -8904,7 +8904,7 @@
         </p:blipFill>
         <p:spPr>
           <a:xfrm>
-            <a:off x="5798344" y="4786310"/>
+            <a:off x="5815533" y="4689115"/>
             <a:ext cx="560930" cy="560930"/>
           </a:xfrm>
           <a:prstGeom prst="rect">
@@ -8928,7 +8928,7 @@
         </p:blipFill>
         <p:spPr>
           <a:xfrm>
-            <a:off x="5779564" y="5377799"/>
+            <a:off x="5817666" y="5315858"/>
             <a:ext cx="575991" cy="575991"/>
           </a:xfrm>
           <a:prstGeom prst="rect">

--- a/Курсовая работа.pptx
+++ b/Курсовая работа.pptx
@@ -276,37 +276,38 @@
           <a:p>
             <a:pPr lvl="0"/>
             <a:r>
-              <a:rPr lang="ru-RU"/>
+              <a:rPr lang="ru-RU" smtClean="0"/>
               <a:t>Образец текста</a:t>
             </a:r>
           </a:p>
           <a:p>
             <a:pPr lvl="1"/>
             <a:r>
-              <a:rPr lang="ru-RU"/>
+              <a:rPr lang="ru-RU" smtClean="0"/>
               <a:t>Второй уровень</a:t>
             </a:r>
           </a:p>
           <a:p>
             <a:pPr lvl="2"/>
             <a:r>
-              <a:rPr lang="ru-RU"/>
+              <a:rPr lang="ru-RU" smtClean="0"/>
               <a:t>Третий уровень</a:t>
             </a:r>
           </a:p>
           <a:p>
             <a:pPr lvl="3"/>
             <a:r>
-              <a:rPr lang="ru-RU"/>
+              <a:rPr lang="ru-RU" smtClean="0"/>
               <a:t>Четвертый уровень</a:t>
             </a:r>
           </a:p>
           <a:p>
             <a:pPr lvl="4"/>
             <a:r>
-              <a:rPr lang="ru-RU"/>
+              <a:rPr lang="ru-RU" smtClean="0"/>
               <a:t>Пятый уровень</a:t>
             </a:r>
+            <a:endParaRPr lang="ru-RU"/>
           </a:p>
         </p:txBody>
       </p:sp>
@@ -553,7 +554,7 @@
           </a:lstStyle>
           <a:p>
             <a:r>
-              <a:rPr lang="ru-RU"/>
+              <a:rPr lang="ru-RU" smtClean="0"/>
               <a:t>Образец заголовка</a:t>
             </a:r>
             <a:endParaRPr lang="en-US" dirty="0"/>
@@ -626,7 +627,7 @@
           </a:lstStyle>
           <a:p>
             <a:r>
-              <a:rPr lang="ru-RU"/>
+              <a:rPr lang="ru-RU" smtClean="0"/>
               <a:t>Образец подзаголовка</a:t>
             </a:r>
             <a:endParaRPr lang="en-US" dirty="0"/>
@@ -783,7 +784,7 @@
           </a:lstStyle>
           <a:p>
             <a:r>
-              <a:rPr lang="ru-RU"/>
+              <a:rPr lang="ru-RU" smtClean="0"/>
               <a:t>Образец заголовка</a:t>
             </a:r>
             <a:endParaRPr lang="en-US" dirty="0"/>
@@ -873,7 +874,7 @@
           </a:lstStyle>
           <a:p>
             <a:r>
-              <a:rPr lang="ru-RU"/>
+              <a:rPr lang="ru-RU" smtClean="0"/>
               <a:t>Вставка рисунка</a:t>
             </a:r>
             <a:endParaRPr lang="en-US" dirty="0"/>
@@ -939,7 +940,7 @@
           <a:p>
             <a:pPr lvl="0"/>
             <a:r>
-              <a:rPr lang="ru-RU"/>
+              <a:rPr lang="ru-RU" smtClean="0"/>
               <a:t>Образец текста</a:t>
             </a:r>
           </a:p>
@@ -1095,7 +1096,7 @@
           </a:lstStyle>
           <a:p>
             <a:r>
-              <a:rPr lang="ru-RU"/>
+              <a:rPr lang="ru-RU" smtClean="0"/>
               <a:t>Образец заголовка</a:t>
             </a:r>
             <a:endParaRPr lang="en-US" dirty="0"/>
@@ -1161,7 +1162,7 @@
           <a:p>
             <a:pPr lvl="0"/>
             <a:r>
-              <a:rPr lang="ru-RU"/>
+              <a:rPr lang="ru-RU" smtClean="0"/>
               <a:t>Образец текста</a:t>
             </a:r>
           </a:p>
@@ -1317,7 +1318,7 @@
           </a:lstStyle>
           <a:p>
             <a:r>
-              <a:rPr lang="ru-RU"/>
+              <a:rPr lang="ru-RU" smtClean="0"/>
               <a:t>Образец заголовка</a:t>
             </a:r>
             <a:endParaRPr lang="en-US" dirty="0"/>
@@ -1385,7 +1386,7 @@
           <a:p>
             <a:pPr lvl="0"/>
             <a:r>
-              <a:rPr lang="ru-RU"/>
+              <a:rPr lang="ru-RU" smtClean="0"/>
               <a:t>Образец текста</a:t>
             </a:r>
           </a:p>
@@ -1452,7 +1453,7 @@
           <a:p>
             <a:pPr lvl="0"/>
             <a:r>
-              <a:rPr lang="ru-RU"/>
+              <a:rPr lang="ru-RU" smtClean="0"/>
               <a:t>Образец текста</a:t>
             </a:r>
           </a:p>
@@ -1840,7 +1841,7 @@
           </a:lstStyle>
           <a:p>
             <a:r>
-              <a:rPr lang="ru-RU"/>
+              <a:rPr lang="ru-RU" smtClean="0"/>
               <a:t>Образец заголовка</a:t>
             </a:r>
             <a:endParaRPr lang="en-US" dirty="0"/>
@@ -1906,7 +1907,7 @@
           <a:p>
             <a:pPr lvl="0"/>
             <a:r>
-              <a:rPr lang="ru-RU"/>
+              <a:rPr lang="ru-RU" smtClean="0"/>
               <a:t>Образец текста</a:t>
             </a:r>
           </a:p>
@@ -2058,7 +2059,7 @@
           <a:lstStyle/>
           <a:p>
             <a:r>
-              <a:rPr lang="ru-RU"/>
+              <a:rPr lang="ru-RU" smtClean="0"/>
               <a:t>Образец заголовка</a:t>
             </a:r>
             <a:endParaRPr lang="en-US" dirty="0"/>
@@ -2133,7 +2134,7 @@
           <a:p>
             <a:pPr lvl="0"/>
             <a:r>
-              <a:rPr lang="ru-RU"/>
+              <a:rPr lang="ru-RU" smtClean="0"/>
               <a:t>Образец текста</a:t>
             </a:r>
           </a:p>
@@ -2200,7 +2201,7 @@
           <a:p>
             <a:pPr lvl="0"/>
             <a:r>
-              <a:rPr lang="ru-RU"/>
+              <a:rPr lang="ru-RU" smtClean="0"/>
               <a:t>Образец текста</a:t>
             </a:r>
           </a:p>
@@ -2274,7 +2275,7 @@
           <a:p>
             <a:pPr lvl="0"/>
             <a:r>
-              <a:rPr lang="ru-RU"/>
+              <a:rPr lang="ru-RU" smtClean="0"/>
               <a:t>Образец текста</a:t>
             </a:r>
           </a:p>
@@ -2341,7 +2342,7 @@
           <a:p>
             <a:pPr lvl="0"/>
             <a:r>
-              <a:rPr lang="ru-RU"/>
+              <a:rPr lang="ru-RU" smtClean="0"/>
               <a:t>Образец текста</a:t>
             </a:r>
           </a:p>
@@ -2415,7 +2416,7 @@
           <a:p>
             <a:pPr lvl="0"/>
             <a:r>
-              <a:rPr lang="ru-RU"/>
+              <a:rPr lang="ru-RU" smtClean="0"/>
               <a:t>Образец текста</a:t>
             </a:r>
           </a:p>
@@ -2482,7 +2483,7 @@
           <a:p>
             <a:pPr lvl="0"/>
             <a:r>
-              <a:rPr lang="ru-RU"/>
+              <a:rPr lang="ru-RU" smtClean="0"/>
               <a:t>Образец текста</a:t>
             </a:r>
           </a:p>
@@ -2634,7 +2635,7 @@
           <a:lstStyle/>
           <a:p>
             <a:r>
-              <a:rPr lang="ru-RU"/>
+              <a:rPr lang="ru-RU" smtClean="0"/>
               <a:t>Образец заголовка</a:t>
             </a:r>
             <a:endParaRPr lang="en-US" dirty="0"/>
@@ -2709,7 +2710,7 @@
           <a:p>
             <a:pPr lvl="0"/>
             <a:r>
-              <a:rPr lang="ru-RU"/>
+              <a:rPr lang="ru-RU" smtClean="0"/>
               <a:t>Образец текста</a:t>
             </a:r>
           </a:p>
@@ -2800,7 +2801,7 @@
           </a:lstStyle>
           <a:p>
             <a:r>
-              <a:rPr lang="ru-RU"/>
+              <a:rPr lang="ru-RU" smtClean="0"/>
               <a:t>Вставка рисунка</a:t>
             </a:r>
             <a:endParaRPr lang="en-US" dirty="0"/>
@@ -2868,7 +2869,7 @@
           <a:p>
             <a:pPr lvl="0"/>
             <a:r>
-              <a:rPr lang="ru-RU"/>
+              <a:rPr lang="ru-RU" smtClean="0"/>
               <a:t>Образец текста</a:t>
             </a:r>
           </a:p>
@@ -2942,7 +2943,7 @@
           <a:p>
             <a:pPr lvl="0"/>
             <a:r>
-              <a:rPr lang="ru-RU"/>
+              <a:rPr lang="ru-RU" smtClean="0"/>
               <a:t>Образец текста</a:t>
             </a:r>
           </a:p>
@@ -3033,7 +3034,7 @@
           </a:lstStyle>
           <a:p>
             <a:r>
-              <a:rPr lang="ru-RU"/>
+              <a:rPr lang="ru-RU" smtClean="0"/>
               <a:t>Вставка рисунка</a:t>
             </a:r>
             <a:endParaRPr lang="en-US" dirty="0"/>
@@ -3101,7 +3102,7 @@
           <a:p>
             <a:pPr lvl="0"/>
             <a:r>
-              <a:rPr lang="ru-RU"/>
+              <a:rPr lang="ru-RU" smtClean="0"/>
               <a:t>Образец текста</a:t>
             </a:r>
           </a:p>
@@ -3175,7 +3176,7 @@
           <a:p>
             <a:pPr lvl="0"/>
             <a:r>
-              <a:rPr lang="ru-RU"/>
+              <a:rPr lang="ru-RU" smtClean="0"/>
               <a:t>Образец текста</a:t>
             </a:r>
           </a:p>
@@ -3266,7 +3267,7 @@
           </a:lstStyle>
           <a:p>
             <a:r>
-              <a:rPr lang="ru-RU"/>
+              <a:rPr lang="ru-RU" smtClean="0"/>
               <a:t>Вставка рисунка</a:t>
             </a:r>
             <a:endParaRPr lang="en-US" dirty="0"/>
@@ -3334,7 +3335,7 @@
           <a:p>
             <a:pPr lvl="0"/>
             <a:r>
-              <a:rPr lang="ru-RU"/>
+              <a:rPr lang="ru-RU" smtClean="0"/>
               <a:t>Образец текста</a:t>
             </a:r>
           </a:p>
@@ -3481,7 +3482,7 @@
           <a:lstStyle/>
           <a:p>
             <a:r>
-              <a:rPr lang="ru-RU"/>
+              <a:rPr lang="ru-RU" smtClean="0"/>
               <a:t>Образец заголовка</a:t>
             </a:r>
             <a:endParaRPr lang="en-US" dirty="0"/>
@@ -3510,35 +3511,35 @@
           <a:p>
             <a:pPr lvl="0"/>
             <a:r>
-              <a:rPr lang="ru-RU"/>
+              <a:rPr lang="ru-RU" smtClean="0"/>
               <a:t>Образец текста</a:t>
             </a:r>
           </a:p>
           <a:p>
             <a:pPr lvl="1"/>
             <a:r>
-              <a:rPr lang="ru-RU"/>
+              <a:rPr lang="ru-RU" smtClean="0"/>
               <a:t>Второй уровень</a:t>
             </a:r>
           </a:p>
           <a:p>
             <a:pPr lvl="2"/>
             <a:r>
-              <a:rPr lang="ru-RU"/>
+              <a:rPr lang="ru-RU" smtClean="0"/>
               <a:t>Третий уровень</a:t>
             </a:r>
           </a:p>
           <a:p>
             <a:pPr lvl="3"/>
             <a:r>
-              <a:rPr lang="ru-RU"/>
+              <a:rPr lang="ru-RU" smtClean="0"/>
               <a:t>Четвертый уровень</a:t>
             </a:r>
           </a:p>
           <a:p>
             <a:pPr lvl="4"/>
             <a:r>
-              <a:rPr lang="ru-RU"/>
+              <a:rPr lang="ru-RU" smtClean="0"/>
               <a:t>Пятый уровень</a:t>
             </a:r>
             <a:endParaRPr lang="en-US" dirty="0"/>
@@ -3695,7 +3696,7 @@
           </a:lstStyle>
           <a:p>
             <a:r>
-              <a:rPr lang="ru-RU"/>
+              <a:rPr lang="ru-RU" smtClean="0"/>
               <a:t>Образец заголовка</a:t>
             </a:r>
             <a:endParaRPr lang="en-US" dirty="0"/>
@@ -3724,35 +3725,35 @@
           <a:p>
             <a:pPr lvl="0"/>
             <a:r>
-              <a:rPr lang="ru-RU"/>
+              <a:rPr lang="ru-RU" smtClean="0"/>
               <a:t>Образец текста</a:t>
             </a:r>
           </a:p>
           <a:p>
             <a:pPr lvl="1"/>
             <a:r>
-              <a:rPr lang="ru-RU"/>
+              <a:rPr lang="ru-RU" smtClean="0"/>
               <a:t>Второй уровень</a:t>
             </a:r>
           </a:p>
           <a:p>
             <a:pPr lvl="2"/>
             <a:r>
-              <a:rPr lang="ru-RU"/>
+              <a:rPr lang="ru-RU" smtClean="0"/>
               <a:t>Третий уровень</a:t>
             </a:r>
           </a:p>
           <a:p>
             <a:pPr lvl="3"/>
             <a:r>
-              <a:rPr lang="ru-RU"/>
+              <a:rPr lang="ru-RU" smtClean="0"/>
               <a:t>Четвертый уровень</a:t>
             </a:r>
           </a:p>
           <a:p>
             <a:pPr lvl="4"/>
             <a:r>
-              <a:rPr lang="ru-RU"/>
+              <a:rPr lang="ru-RU" smtClean="0"/>
               <a:t>Пятый уровень</a:t>
             </a:r>
             <a:endParaRPr lang="en-US" dirty="0"/>
@@ -3870,7 +3871,7 @@
           <a:lstStyle/>
           <a:p>
             <a:r>
-              <a:rPr lang="ru-RU"/>
+              <a:rPr lang="ru-RU" smtClean="0"/>
               <a:t>Образец заголовка</a:t>
             </a:r>
             <a:endParaRPr lang="en-US" dirty="0"/>
@@ -3894,35 +3895,35 @@
           <a:p>
             <a:pPr lvl="0"/>
             <a:r>
-              <a:rPr lang="ru-RU"/>
+              <a:rPr lang="ru-RU" smtClean="0"/>
               <a:t>Образец текста</a:t>
             </a:r>
           </a:p>
           <a:p>
             <a:pPr lvl="1"/>
             <a:r>
-              <a:rPr lang="ru-RU"/>
+              <a:rPr lang="ru-RU" smtClean="0"/>
               <a:t>Второй уровень</a:t>
             </a:r>
           </a:p>
           <a:p>
             <a:pPr lvl="2"/>
             <a:r>
-              <a:rPr lang="ru-RU"/>
+              <a:rPr lang="ru-RU" smtClean="0"/>
               <a:t>Третий уровень</a:t>
             </a:r>
           </a:p>
           <a:p>
             <a:pPr lvl="3"/>
             <a:r>
-              <a:rPr lang="ru-RU"/>
+              <a:rPr lang="ru-RU" smtClean="0"/>
               <a:t>Четвертый уровень</a:t>
             </a:r>
           </a:p>
           <a:p>
             <a:pPr lvl="4"/>
             <a:r>
-              <a:rPr lang="ru-RU"/>
+              <a:rPr lang="ru-RU" smtClean="0"/>
               <a:t>Пятый уровень</a:t>
             </a:r>
             <a:endParaRPr lang="en-US" dirty="0"/>
@@ -4070,7 +4071,7 @@
           <a:lstStyle/>
           <a:p>
             <a:r>
-              <a:rPr lang="ru-RU"/>
+              <a:rPr lang="ru-RU" smtClean="0"/>
               <a:t>Образец заголовка</a:t>
             </a:r>
             <a:endParaRPr lang="en-US" dirty="0"/>
@@ -4099,35 +4100,35 @@
           <a:p>
             <a:pPr lvl="0"/>
             <a:r>
-              <a:rPr lang="ru-RU"/>
+              <a:rPr lang="ru-RU" smtClean="0"/>
               <a:t>Образец текста</a:t>
             </a:r>
           </a:p>
           <a:p>
             <a:pPr lvl="1"/>
             <a:r>
-              <a:rPr lang="ru-RU"/>
+              <a:rPr lang="ru-RU" smtClean="0"/>
               <a:t>Второй уровень</a:t>
             </a:r>
           </a:p>
           <a:p>
             <a:pPr lvl="2"/>
             <a:r>
-              <a:rPr lang="ru-RU"/>
+              <a:rPr lang="ru-RU" smtClean="0"/>
               <a:t>Третий уровень</a:t>
             </a:r>
           </a:p>
           <a:p>
             <a:pPr lvl="3"/>
             <a:r>
-              <a:rPr lang="ru-RU"/>
+              <a:rPr lang="ru-RU" smtClean="0"/>
               <a:t>Четвертый уровень</a:t>
             </a:r>
           </a:p>
           <a:p>
             <a:pPr lvl="4"/>
             <a:r>
-              <a:rPr lang="ru-RU"/>
+              <a:rPr lang="ru-RU" smtClean="0"/>
               <a:t>Пятый уровень</a:t>
             </a:r>
             <a:endParaRPr lang="en-US" dirty="0"/>
@@ -4286,7 +4287,7 @@
           </a:lstStyle>
           <a:p>
             <a:r>
-              <a:rPr lang="ru-RU"/>
+              <a:rPr lang="ru-RU" smtClean="0"/>
               <a:t>Образец заголовка</a:t>
             </a:r>
             <a:endParaRPr lang="en-US" dirty="0"/>
@@ -4408,7 +4409,7 @@
           <a:p>
             <a:pPr lvl="0"/>
             <a:r>
-              <a:rPr lang="ru-RU"/>
+              <a:rPr lang="ru-RU" smtClean="0"/>
               <a:t>Образец текста</a:t>
             </a:r>
           </a:p>
@@ -4560,7 +4561,7 @@
           <a:lstStyle/>
           <a:p>
             <a:r>
-              <a:rPr lang="ru-RU"/>
+              <a:rPr lang="ru-RU" smtClean="0"/>
               <a:t>Образец заголовка</a:t>
             </a:r>
             <a:endParaRPr lang="en-US" dirty="0"/>
@@ -4589,35 +4590,35 @@
           <a:p>
             <a:pPr lvl="0"/>
             <a:r>
-              <a:rPr lang="ru-RU"/>
+              <a:rPr lang="ru-RU" smtClean="0"/>
               <a:t>Образец текста</a:t>
             </a:r>
           </a:p>
           <a:p>
             <a:pPr lvl="1"/>
             <a:r>
-              <a:rPr lang="ru-RU"/>
+              <a:rPr lang="ru-RU" smtClean="0"/>
               <a:t>Второй уровень</a:t>
             </a:r>
           </a:p>
           <a:p>
             <a:pPr lvl="2"/>
             <a:r>
-              <a:rPr lang="ru-RU"/>
+              <a:rPr lang="ru-RU" smtClean="0"/>
               <a:t>Третий уровень</a:t>
             </a:r>
           </a:p>
           <a:p>
             <a:pPr lvl="3"/>
             <a:r>
-              <a:rPr lang="ru-RU"/>
+              <a:rPr lang="ru-RU" smtClean="0"/>
               <a:t>Четвертый уровень</a:t>
             </a:r>
           </a:p>
           <a:p>
             <a:pPr lvl="4"/>
             <a:r>
-              <a:rPr lang="ru-RU"/>
+              <a:rPr lang="ru-RU" smtClean="0"/>
               <a:t>Пятый уровень</a:t>
             </a:r>
             <a:endParaRPr lang="en-US" dirty="0"/>
@@ -4646,35 +4647,35 @@
           <a:p>
             <a:pPr lvl="0"/>
             <a:r>
-              <a:rPr lang="ru-RU"/>
+              <a:rPr lang="ru-RU" smtClean="0"/>
               <a:t>Образец текста</a:t>
             </a:r>
           </a:p>
           <a:p>
             <a:pPr lvl="1"/>
             <a:r>
-              <a:rPr lang="ru-RU"/>
+              <a:rPr lang="ru-RU" smtClean="0"/>
               <a:t>Второй уровень</a:t>
             </a:r>
           </a:p>
           <a:p>
             <a:pPr lvl="2"/>
             <a:r>
-              <a:rPr lang="ru-RU"/>
+              <a:rPr lang="ru-RU" smtClean="0"/>
               <a:t>Третий уровень</a:t>
             </a:r>
           </a:p>
           <a:p>
             <a:pPr lvl="3"/>
             <a:r>
-              <a:rPr lang="ru-RU"/>
+              <a:rPr lang="ru-RU" smtClean="0"/>
               <a:t>Четвертый уровень</a:t>
             </a:r>
           </a:p>
           <a:p>
             <a:pPr lvl="4"/>
             <a:r>
-              <a:rPr lang="ru-RU"/>
+              <a:rPr lang="ru-RU" smtClean="0"/>
               <a:t>Пятый уровень</a:t>
             </a:r>
             <a:endParaRPr lang="en-US" dirty="0"/>
@@ -4827,7 +4828,7 @@
           <a:lstStyle/>
           <a:p>
             <a:r>
-              <a:rPr lang="ru-RU"/>
+              <a:rPr lang="ru-RU" smtClean="0"/>
               <a:t>Образец заголовка</a:t>
             </a:r>
             <a:endParaRPr lang="en-US" dirty="0"/>
@@ -4902,7 +4903,7 @@
           <a:p>
             <a:pPr lvl="0"/>
             <a:r>
-              <a:rPr lang="ru-RU"/>
+              <a:rPr lang="ru-RU" smtClean="0"/>
               <a:t>Образец текста</a:t>
             </a:r>
           </a:p>
@@ -4930,35 +4931,35 @@
           <a:p>
             <a:pPr lvl="0"/>
             <a:r>
-              <a:rPr lang="ru-RU"/>
+              <a:rPr lang="ru-RU" smtClean="0"/>
               <a:t>Образец текста</a:t>
             </a:r>
           </a:p>
           <a:p>
             <a:pPr lvl="1"/>
             <a:r>
-              <a:rPr lang="ru-RU"/>
+              <a:rPr lang="ru-RU" smtClean="0"/>
               <a:t>Второй уровень</a:t>
             </a:r>
           </a:p>
           <a:p>
             <a:pPr lvl="2"/>
             <a:r>
-              <a:rPr lang="ru-RU"/>
+              <a:rPr lang="ru-RU" smtClean="0"/>
               <a:t>Третий уровень</a:t>
             </a:r>
           </a:p>
           <a:p>
             <a:pPr lvl="3"/>
             <a:r>
-              <a:rPr lang="ru-RU"/>
+              <a:rPr lang="ru-RU" smtClean="0"/>
               <a:t>Четвертый уровень</a:t>
             </a:r>
           </a:p>
           <a:p>
             <a:pPr lvl="4"/>
             <a:r>
-              <a:rPr lang="ru-RU"/>
+              <a:rPr lang="ru-RU" smtClean="0"/>
               <a:t>Пятый уровень</a:t>
             </a:r>
             <a:endParaRPr lang="en-US" dirty="0"/>
@@ -5033,7 +5034,7 @@
           <a:p>
             <a:pPr lvl="0"/>
             <a:r>
-              <a:rPr lang="ru-RU"/>
+              <a:rPr lang="ru-RU" smtClean="0"/>
               <a:t>Образец текста</a:t>
             </a:r>
           </a:p>
@@ -5061,35 +5062,35 @@
           <a:p>
             <a:pPr lvl="0"/>
             <a:r>
-              <a:rPr lang="ru-RU"/>
+              <a:rPr lang="ru-RU" smtClean="0"/>
               <a:t>Образец текста</a:t>
             </a:r>
           </a:p>
           <a:p>
             <a:pPr lvl="1"/>
             <a:r>
-              <a:rPr lang="ru-RU"/>
+              <a:rPr lang="ru-RU" smtClean="0"/>
               <a:t>Второй уровень</a:t>
             </a:r>
           </a:p>
           <a:p>
             <a:pPr lvl="2"/>
             <a:r>
-              <a:rPr lang="ru-RU"/>
+              <a:rPr lang="ru-RU" smtClean="0"/>
               <a:t>Третий уровень</a:t>
             </a:r>
           </a:p>
           <a:p>
             <a:pPr lvl="3"/>
             <a:r>
-              <a:rPr lang="ru-RU"/>
+              <a:rPr lang="ru-RU" smtClean="0"/>
               <a:t>Четвертый уровень</a:t>
             </a:r>
           </a:p>
           <a:p>
             <a:pPr lvl="4"/>
             <a:r>
-              <a:rPr lang="ru-RU"/>
+              <a:rPr lang="ru-RU" smtClean="0"/>
               <a:t>Пятый уровень</a:t>
             </a:r>
             <a:endParaRPr lang="en-US" dirty="0"/>
@@ -5237,7 +5238,7 @@
           <a:lstStyle/>
           <a:p>
             <a:r>
-              <a:rPr lang="ru-RU"/>
+              <a:rPr lang="ru-RU" smtClean="0"/>
               <a:t>Образец заголовка</a:t>
             </a:r>
             <a:endParaRPr lang="en-US" dirty="0"/>
@@ -5519,7 +5520,7 @@
           </a:lstStyle>
           <a:p>
             <a:r>
-              <a:rPr lang="ru-RU"/>
+              <a:rPr lang="ru-RU" smtClean="0"/>
               <a:t>Образец заголовка</a:t>
             </a:r>
             <a:endParaRPr lang="en-US" dirty="0"/>
@@ -5548,35 +5549,35 @@
           <a:p>
             <a:pPr lvl="0"/>
             <a:r>
-              <a:rPr lang="ru-RU"/>
+              <a:rPr lang="ru-RU" smtClean="0"/>
               <a:t>Образец текста</a:t>
             </a:r>
           </a:p>
           <a:p>
             <a:pPr lvl="1"/>
             <a:r>
-              <a:rPr lang="ru-RU"/>
+              <a:rPr lang="ru-RU" smtClean="0"/>
               <a:t>Второй уровень</a:t>
             </a:r>
           </a:p>
           <a:p>
             <a:pPr lvl="2"/>
             <a:r>
-              <a:rPr lang="ru-RU"/>
+              <a:rPr lang="ru-RU" smtClean="0"/>
               <a:t>Третий уровень</a:t>
             </a:r>
           </a:p>
           <a:p>
             <a:pPr lvl="3"/>
             <a:r>
-              <a:rPr lang="ru-RU"/>
+              <a:rPr lang="ru-RU" smtClean="0"/>
               <a:t>Четвертый уровень</a:t>
             </a:r>
           </a:p>
           <a:p>
             <a:pPr lvl="4"/>
             <a:r>
-              <a:rPr lang="ru-RU"/>
+              <a:rPr lang="ru-RU" smtClean="0"/>
               <a:t>Пятый уровень</a:t>
             </a:r>
             <a:endParaRPr lang="en-US" dirty="0"/>
@@ -5642,7 +5643,7 @@
           <a:p>
             <a:pPr lvl="0"/>
             <a:r>
-              <a:rPr lang="ru-RU"/>
+              <a:rPr lang="ru-RU" smtClean="0"/>
               <a:t>Образец текста</a:t>
             </a:r>
           </a:p>
@@ -5798,7 +5799,7 @@
           </a:lstStyle>
           <a:p>
             <a:r>
-              <a:rPr lang="ru-RU"/>
+              <a:rPr lang="ru-RU" smtClean="0"/>
               <a:t>Образец заголовка</a:t>
             </a:r>
             <a:endParaRPr lang="en-US" dirty="0"/>
@@ -5888,7 +5889,7 @@
           </a:lstStyle>
           <a:p>
             <a:r>
-              <a:rPr lang="ru-RU"/>
+              <a:rPr lang="ru-RU" smtClean="0"/>
               <a:t>Вставка рисунка</a:t>
             </a:r>
             <a:endParaRPr lang="en-US" dirty="0"/>
@@ -5954,7 +5955,7 @@
           <a:p>
             <a:pPr lvl="0"/>
             <a:r>
-              <a:rPr lang="ru-RU"/>
+              <a:rPr lang="ru-RU" smtClean="0"/>
               <a:t>Образец текста</a:t>
             </a:r>
           </a:p>
@@ -6128,7 +6129,7 @@
           <a:lstStyle/>
           <a:p>
             <a:r>
-              <a:rPr lang="ru-RU"/>
+              <a:rPr lang="ru-RU" smtClean="0"/>
               <a:t>Образец заголовка</a:t>
             </a:r>
             <a:endParaRPr lang="en-US" dirty="0"/>
@@ -6162,35 +6163,35 @@
           <a:p>
             <a:pPr lvl="0"/>
             <a:r>
-              <a:rPr lang="ru-RU"/>
+              <a:rPr lang="ru-RU" smtClean="0"/>
               <a:t>Образец текста</a:t>
             </a:r>
           </a:p>
           <a:p>
             <a:pPr lvl="1"/>
             <a:r>
-              <a:rPr lang="ru-RU"/>
+              <a:rPr lang="ru-RU" smtClean="0"/>
               <a:t>Второй уровень</a:t>
             </a:r>
           </a:p>
           <a:p>
             <a:pPr lvl="2"/>
             <a:r>
-              <a:rPr lang="ru-RU"/>
+              <a:rPr lang="ru-RU" smtClean="0"/>
               <a:t>Третий уровень</a:t>
             </a:r>
           </a:p>
           <a:p>
             <a:pPr lvl="3"/>
             <a:r>
-              <a:rPr lang="ru-RU"/>
+              <a:rPr lang="ru-RU" smtClean="0"/>
               <a:t>Четвертый уровень</a:t>
             </a:r>
           </a:p>
           <a:p>
             <a:pPr lvl="4"/>
             <a:r>
-              <a:rPr lang="ru-RU"/>
+              <a:rPr lang="ru-RU" smtClean="0"/>
               <a:t>Пятый уровень</a:t>
             </a:r>
             <a:endParaRPr lang="en-US" dirty="0"/>
@@ -6655,7 +6656,7 @@
       </a:lvl9pPr>
     </p:otherStyle>
   </p:txStyles>
-  <p:extLst mod="1">
+  <p:extLst>
     <p:ext uri="{27BBF7A9-308A-43DC-89C8-2F10F3537804}">
       <p15:sldGuideLst xmlns:p15="http://schemas.microsoft.com/office/powerpoint/2012/main"/>
     </p:ext>
@@ -6698,16 +6699,17 @@
           <a:lstStyle/>
           <a:p>
             <a:r>
-              <a:rPr lang="ru-RU" dirty="0"/>
+              <a:rPr lang="ru-RU" dirty="0" smtClean="0"/>
               <a:t>Курсовая работа </a:t>
             </a:r>
             <a:br>
-              <a:rPr lang="ru-RU" dirty="0"/>
+              <a:rPr lang="ru-RU" dirty="0" smtClean="0"/>
             </a:br>
             <a:r>
-              <a:rPr lang="ru-RU" dirty="0"/>
+              <a:rPr lang="ru-RU" dirty="0" smtClean="0"/>
               <a:t>Информационная система «Склад»</a:t>
             </a:r>
+            <a:endParaRPr lang="ru-RU" dirty="0"/>
           </a:p>
         </p:txBody>
       </p:sp>
@@ -6729,22 +6731,23 @@
           <a:lstStyle/>
           <a:p>
             <a:r>
-              <a:rPr lang="ru-RU" dirty="0"/>
+              <a:rPr lang="ru-RU" dirty="0" smtClean="0"/>
               <a:t>Выполнил: Козлов Д.В</a:t>
             </a:r>
           </a:p>
           <a:p>
             <a:r>
-              <a:rPr lang="ru-RU" dirty="0"/>
+              <a:rPr lang="ru-RU" dirty="0" smtClean="0"/>
               <a:t>Группа: ИС-20-1</a:t>
             </a:r>
             <a:br>
-              <a:rPr lang="ru-RU" dirty="0"/>
+              <a:rPr lang="ru-RU" dirty="0" smtClean="0"/>
             </a:br>
             <a:r>
-              <a:rPr lang="ru-RU" dirty="0"/>
+              <a:rPr lang="ru-RU" dirty="0" smtClean="0"/>
               <a:t>Руководитель: Кудрявцева М.А</a:t>
             </a:r>
+            <a:endParaRPr lang="ru-RU" dirty="0"/>
           </a:p>
         </p:txBody>
       </p:sp>
@@ -6758,6 +6761,13 @@
   <p:clrMapOvr>
     <a:masterClrMapping/>
   </p:clrMapOvr>
+  <p:timing>
+    <p:tnLst>
+      <p:par>
+        <p:cTn id="1" dur="indefinite" restart="never" nodeType="tmRoot"/>
+      </p:par>
+    </p:tnLst>
+  </p:timing>
 </p:sld>
 </file>
 
@@ -6794,9 +6804,10 @@
           <a:lstStyle/>
           <a:p>
             <a:r>
-              <a:rPr lang="ru-RU" dirty="0"/>
+              <a:rPr lang="ru-RU" dirty="0" smtClean="0"/>
               <a:t>Проектирование программного продукта</a:t>
             </a:r>
+            <a:endParaRPr lang="ru-RU" dirty="0"/>
           </a:p>
         </p:txBody>
       </p:sp>
@@ -6857,9 +6868,10 @@
           <a:p>
             <a:pPr algn="ctr"/>
             <a:r>
-              <a:rPr lang="ru-RU" sz="3200" dirty="0"/>
+              <a:rPr lang="ru-RU" sz="3200" dirty="0" smtClean="0"/>
               <a:t>Инфологическая модель базы данных</a:t>
             </a:r>
+            <a:endParaRPr lang="ru-RU" sz="3200" dirty="0"/>
           </a:p>
         </p:txBody>
       </p:sp>
@@ -6916,13 +6928,14 @@
           <a:p>
             <a:pPr algn="ctr"/>
             <a:r>
-              <a:rPr lang="en-US" sz="3200" dirty="0"/>
+              <a:rPr lang="en-US" sz="3200" dirty="0" smtClean="0"/>
               <a:t>ER-</a:t>
             </a:r>
             <a:r>
-              <a:rPr lang="ru-RU" sz="3200" dirty="0"/>
+              <a:rPr lang="ru-RU" sz="3200" dirty="0" smtClean="0"/>
               <a:t>Модель базы данных</a:t>
             </a:r>
+            <a:endParaRPr lang="ru-RU" sz="3200" dirty="0"/>
           </a:p>
         </p:txBody>
       </p:sp>
@@ -6936,6 +6949,13 @@
   <p:clrMapOvr>
     <a:masterClrMapping/>
   </p:clrMapOvr>
+  <p:timing>
+    <p:tnLst>
+      <p:par>
+        <p:cTn id="1" dur="indefinite" restart="never" nodeType="tmRoot"/>
+      </p:par>
+    </p:tnLst>
+  </p:timing>
 </p:sld>
 </file>
 
@@ -6972,16 +6992,17 @@
           <a:lstStyle/>
           <a:p>
             <a:r>
-              <a:rPr lang="ru-RU" dirty="0"/>
+              <a:rPr lang="ru-RU" dirty="0" smtClean="0"/>
               <a:t>Проектирование пользовательского интерфейса</a:t>
             </a:r>
             <a:br>
-              <a:rPr lang="ru-RU" dirty="0"/>
+              <a:rPr lang="ru-RU" dirty="0" smtClean="0"/>
             </a:br>
             <a:r>
-              <a:rPr lang="ru-RU" b="1" dirty="0"/>
+              <a:rPr lang="ru-RU" b="1" dirty="0" smtClean="0"/>
               <a:t>главная страница</a:t>
             </a:r>
+            <a:endParaRPr lang="ru-RU" b="1" dirty="0"/>
           </a:p>
         </p:txBody>
       </p:sp>
@@ -7063,16 +7084,17 @@
           <a:lstStyle/>
           <a:p>
             <a:r>
-              <a:rPr lang="ru-RU" dirty="0"/>
+              <a:rPr lang="ru-RU" dirty="0" smtClean="0"/>
               <a:t>Проектирование пользовательского интерфейса</a:t>
             </a:r>
             <a:br>
-              <a:rPr lang="ru-RU" dirty="0"/>
+              <a:rPr lang="ru-RU" dirty="0" smtClean="0"/>
             </a:br>
             <a:r>
-              <a:rPr lang="ru-RU" b="1" dirty="0"/>
+              <a:rPr lang="ru-RU" b="1" dirty="0" smtClean="0"/>
               <a:t>авторизация</a:t>
             </a:r>
+            <a:endParaRPr lang="ru-RU" b="1" dirty="0"/>
           </a:p>
         </p:txBody>
       </p:sp>
@@ -7154,9 +7176,10 @@
           <a:lstStyle/>
           <a:p>
             <a:r>
-              <a:rPr lang="ru-RU" dirty="0"/>
+              <a:rPr lang="ru-RU" dirty="0" smtClean="0"/>
               <a:t>Архитектура программного продукта</a:t>
             </a:r>
+            <a:endParaRPr lang="ru-RU" dirty="0"/>
           </a:p>
         </p:txBody>
       </p:sp>
@@ -7232,9 +7255,10 @@
           <a:p>
             <a:pPr algn="ctr"/>
             <a:r>
-              <a:rPr lang="ru-RU" sz="2400" b="1" dirty="0"/>
+              <a:rPr lang="ru-RU" sz="2400" b="1" dirty="0" smtClean="0"/>
               <a:t>Клиент-серверная архитектура</a:t>
             </a:r>
+            <a:endParaRPr lang="ru-RU" sz="2400" b="1" dirty="0"/>
           </a:p>
         </p:txBody>
       </p:sp>
@@ -7644,13 +7668,14 @@
           <a:p>
             <a:pPr algn="ctr"/>
             <a:r>
-              <a:rPr lang="en-US" sz="2400" b="1" dirty="0"/>
+              <a:rPr lang="en-US" sz="2400" b="1" dirty="0" smtClean="0"/>
               <a:t>MVT(</a:t>
             </a:r>
             <a:r>
-              <a:rPr lang="ru-RU" sz="2400" b="1" dirty="0"/>
+              <a:rPr lang="ru-RU" sz="2400" b="1" dirty="0" smtClean="0"/>
               <a:t>Модель – представление)</a:t>
             </a:r>
+            <a:endParaRPr lang="ru-RU" sz="2400" b="1" dirty="0"/>
           </a:p>
         </p:txBody>
       </p:sp>
@@ -7694,20 +7719,16 @@
             <p:ph type="title"/>
           </p:nvPr>
         </p:nvSpPr>
-        <p:spPr>
-          <a:xfrm>
-            <a:off x="913774" y="382528"/>
-            <a:ext cx="10364451" cy="1596177"/>
-          </a:xfrm>
-        </p:spPr>
+        <p:spPr/>
         <p:txBody>
           <a:bodyPr/>
           <a:lstStyle/>
           <a:p>
             <a:r>
-              <a:rPr lang="ru-RU" dirty="0"/>
+              <a:rPr lang="ru-RU" dirty="0" smtClean="0"/>
               <a:t>Разработка программного продукта</a:t>
             </a:r>
+            <a:endParaRPr lang="ru-RU" dirty="0"/>
           </a:p>
         </p:txBody>
       </p:sp>
@@ -7729,7 +7750,7 @@
         </p:blipFill>
         <p:spPr>
           <a:xfrm>
-            <a:off x="466362" y="1735167"/>
+            <a:off x="608975" y="1852613"/>
             <a:ext cx="4439275" cy="5005387"/>
           </a:xfrm>
           <a:prstGeom prst="rect">
@@ -7786,6 +7807,16 @@
                 </a:solidFill>
               </a14:hiddenFill>
             </a:ext>
+            <a:ext uri="{91240B29-F687-4F45-9708-019B960494DF}">
+              <a14:hiddenLine xmlns:a14="http://schemas.microsoft.com/office/drawing/2010/main" w="9525">
+                <a:solidFill>
+                  <a:srgbClr val="000000"/>
+                </a:solidFill>
+                <a:miter lim="800000"/>
+                <a:headEnd/>
+                <a:tailEnd/>
+              </a14:hiddenLine>
+            </a:ext>
           </a:extLst>
         </p:spPr>
       </p:pic>
@@ -7813,9 +7844,10 @@
           <a:p>
             <a:pPr algn="ctr"/>
             <a:r>
-              <a:rPr lang="ru-RU" sz="3200" dirty="0"/>
+              <a:rPr lang="ru-RU" sz="3200" dirty="0" smtClean="0"/>
               <a:t>Главная страница</a:t>
             </a:r>
+            <a:endParaRPr lang="ru-RU" sz="3200" dirty="0"/>
           </a:p>
         </p:txBody>
       </p:sp>
@@ -7865,9 +7897,10 @@
           <a:lstStyle/>
           <a:p>
             <a:r>
-              <a:rPr lang="ru-RU" dirty="0"/>
+              <a:rPr lang="ru-RU" dirty="0" smtClean="0"/>
               <a:t>Разработка программного продукта</a:t>
             </a:r>
+            <a:endParaRPr lang="ru-RU" dirty="0"/>
           </a:p>
         </p:txBody>
       </p:sp>
@@ -7926,9 +7959,10 @@
           <a:lstStyle/>
           <a:p>
             <a:r>
-              <a:rPr lang="ru-RU" sz="3200" dirty="0"/>
+              <a:rPr lang="ru-RU" sz="3200" dirty="0" smtClean="0"/>
               <a:t>Авторизация</a:t>
             </a:r>
+            <a:endParaRPr lang="ru-RU" sz="3200" dirty="0"/>
           </a:p>
         </p:txBody>
       </p:sp>
@@ -8006,30 +8040,43 @@
           <a:lstStyle/>
           <a:p>
             <a:r>
+              <a:rPr lang="ru-RU" dirty="0" smtClean="0"/>
+              <a:t>Выводы</a:t>
+            </a:r>
+            <a:endParaRPr lang="ru-RU" dirty="0"/>
+          </a:p>
+        </p:txBody>
+      </p:sp>
+      <p:sp>
+        <p:nvSpPr>
+          <p:cNvPr id="3" name="Объект 2"/>
+          <p:cNvSpPr>
+            <a:spLocks noGrp="1"/>
+          </p:cNvSpPr>
+          <p:nvPr>
+            <p:ph idx="1"/>
+          </p:nvPr>
+        </p:nvSpPr>
+        <p:spPr/>
+        <p:txBody>
+          <a:bodyPr/>
+          <a:lstStyle/>
+          <a:p>
+            <a:r>
               <a:rPr lang="ru-RU" dirty="0"/>
-              <a:t>Выводы</a:t>
-            </a:r>
-          </a:p>
-        </p:txBody>
-      </p:sp>
-      <p:sp>
-        <p:nvSpPr>
-          <p:cNvPr id="3" name="Объект 2"/>
-          <p:cNvSpPr>
-            <a:spLocks noGrp="1"/>
-          </p:cNvSpPr>
-          <p:nvPr>
-            <p:ph idx="1"/>
-          </p:nvPr>
-        </p:nvSpPr>
-        <p:spPr/>
-        <p:txBody>
-          <a:bodyPr/>
-          <a:lstStyle/>
-          <a:p>
+              <a:t>была </a:t>
+            </a:r>
+            <a:r>
+              <a:rPr lang="ru-RU" dirty="0" smtClean="0"/>
+              <a:t>разработана </a:t>
+            </a:r>
             <a:r>
               <a:rPr lang="ru-RU" dirty="0"/>
-              <a:t>была разработана информационная система «Склад»</a:t>
+              <a:t>информационная система «Склад</a:t>
+            </a:r>
+            <a:r>
+              <a:rPr lang="ru-RU" dirty="0" smtClean="0"/>
+              <a:t>»</a:t>
             </a:r>
           </a:p>
           <a:p>
@@ -8044,6 +8091,12 @@
                 <a:latin typeface="Franklin Gothic Demi" panose="020B0703020102020204" pitchFamily="34" charset="0"/>
               </a:rPr>
               <a:t> </a:t>
+            </a:r>
+            <a:r>
+              <a:rPr lang="ru-RU" dirty="0">
+                <a:latin typeface="Franklin Gothic Demi" panose="020B0703020102020204" pitchFamily="34" charset="0"/>
+              </a:rPr>
+              <a:t/>
             </a:r>
             <a:br>
               <a:rPr lang="ru-RU" dirty="0">
@@ -8075,7 +8128,7 @@
               <a:t>PHP</a:t>
             </a:r>
             <a:r>
-              <a:rPr lang="ru-RU" dirty="0">
+              <a:rPr lang="ru-RU" dirty="0" smtClean="0">
                 <a:latin typeface="Franklin Gothic Demi" panose="020B0703020102020204" pitchFamily="34" charset="0"/>
               </a:rPr>
               <a:t>.</a:t>
@@ -8087,12 +8140,24 @@
                 <a:latin typeface="Franklin Gothic Demi" panose="020B0703020102020204" pitchFamily="34" charset="0"/>
               </a:rPr>
               <a:t>Все поставленные задачи были выполнены.</a:t>
+            </a:r>
+            <a:r>
+              <a:rPr lang="ru-RU" dirty="0">
+                <a:latin typeface="Franklin Gothic Demi" panose="020B0703020102020204" pitchFamily="34" charset="0"/>
+              </a:rPr>
+              <a:t/>
             </a:r>
             <a:br>
               <a:rPr lang="ru-RU" dirty="0">
                 <a:latin typeface="Franklin Gothic Demi" panose="020B0703020102020204" pitchFamily="34" charset="0"/>
               </a:rPr>
             </a:br>
+            <a:r>
+              <a:rPr lang="ru-RU" dirty="0">
+                <a:latin typeface="Franklin Gothic Demi" panose="020B0703020102020204" pitchFamily="34" charset="0"/>
+              </a:rPr>
+              <a:t/>
+            </a:r>
             <a:br>
               <a:rPr lang="ru-RU" dirty="0">
                 <a:latin typeface="Franklin Gothic Demi" panose="020B0703020102020204" pitchFamily="34" charset="0"/>
@@ -8153,9 +8218,10 @@
           <a:lstStyle/>
           <a:p>
             <a:r>
-              <a:rPr lang="ru-RU" dirty="0"/>
+              <a:rPr lang="ru-RU" dirty="0" smtClean="0"/>
               <a:t>Цели и задачи</a:t>
             </a:r>
+            <a:endParaRPr lang="ru-RU" dirty="0"/>
           </a:p>
         </p:txBody>
       </p:sp>
@@ -8182,11 +8248,11 @@
           <a:lstStyle/>
           <a:p>
             <a:r>
-              <a:rPr lang="ru-RU" sz="1600" dirty="0"/>
+              <a:rPr lang="ru-RU" sz="1600" dirty="0" smtClean="0"/>
               <a:t>Цель: </a:t>
             </a:r>
             <a:br>
-              <a:rPr lang="ru-RU" sz="1600" dirty="0"/>
+              <a:rPr lang="ru-RU" sz="1600" dirty="0" smtClean="0"/>
             </a:br>
             <a:r>
               <a:rPr lang="ru-RU" sz="1600" dirty="0"/>
@@ -8196,11 +8262,11 @@
           <a:p>
             <a:pPr lvl="0"/>
             <a:r>
-              <a:rPr lang="ru-RU" sz="1600" dirty="0"/>
+              <a:rPr lang="ru-RU" sz="1600" dirty="0" smtClean="0"/>
               <a:t>Задачи:</a:t>
             </a:r>
             <a:br>
-              <a:rPr lang="ru-RU" sz="1600" dirty="0"/>
+              <a:rPr lang="ru-RU" sz="1600" dirty="0" smtClean="0"/>
             </a:br>
             <a:r>
               <a:rPr lang="ru-RU" sz="1600" dirty="0"/>
@@ -8275,6 +8341,7 @@
               <a:rPr lang="ru-RU" sz="1600" dirty="0"/>
               <a:t>создать руководство пользователя по информационной системе.</a:t>
             </a:r>
+            <a:endParaRPr lang="ru-RU" sz="1600" dirty="0" smtClean="0"/>
           </a:p>
         </p:txBody>
       </p:sp>
@@ -8288,6 +8355,13 @@
   <p:clrMapOvr>
     <a:masterClrMapping/>
   </p:clrMapOvr>
+  <p:timing>
+    <p:tnLst>
+      <p:par>
+        <p:cTn id="1" dur="indefinite" restart="never" nodeType="tmRoot"/>
+      </p:par>
+    </p:tnLst>
+  </p:timing>
 </p:sld>
 </file>
 
@@ -8324,9 +8398,10 @@
           <a:lstStyle/>
           <a:p>
             <a:r>
-              <a:rPr lang="ru-RU" dirty="0"/>
+              <a:rPr lang="ru-RU" dirty="0" smtClean="0"/>
               <a:t>Предметная область </a:t>
             </a:r>
+            <a:endParaRPr lang="ru-RU" dirty="0"/>
           </a:p>
         </p:txBody>
       </p:sp>
@@ -8379,6 +8454,13 @@
   <p:clrMapOvr>
     <a:masterClrMapping/>
   </p:clrMapOvr>
+  <p:timing>
+    <p:tnLst>
+      <p:par>
+        <p:cTn id="1" dur="indefinite" restart="never" nodeType="tmRoot"/>
+      </p:par>
+    </p:tnLst>
+  </p:timing>
 </p:sld>
 </file>
 
@@ -8415,9 +8497,10 @@
           <a:lstStyle/>
           <a:p>
             <a:r>
-              <a:rPr lang="ru-RU" dirty="0"/>
+              <a:rPr lang="ru-RU" dirty="0" smtClean="0"/>
               <a:t>Инструментальные средства разработки</a:t>
             </a:r>
+            <a:endParaRPr lang="ru-RU" dirty="0"/>
           </a:p>
         </p:txBody>
       </p:sp>
@@ -8431,7 +8514,7 @@
             <p:ph idx="1"/>
             <p:extLst>
               <p:ext uri="{D42A27DB-BD31-4B8C-83A1-F6EECF244321}">
-                <p14:modId xmlns:p14="http://schemas.microsoft.com/office/powerpoint/2010/main" val="2429062498"/>
+                <p14:modId xmlns:p14="http://schemas.microsoft.com/office/powerpoint/2010/main" val="310089869"/>
               </p:ext>
             </p:extLst>
           </p:nvPr>
@@ -8444,7 +8527,7 @@
           <a:graphicData uri="http://schemas.openxmlformats.org/drawingml/2006/table">
             <a:tbl>
               <a:tblPr firstRow="1" bandRow="1">
-                <a:tableStyleId>{5940675A-B579-460E-94D1-54222C63F5DA}</a:tableStyleId>
+                <a:tableStyleId>{5C22544A-7EE6-4342-B048-85BDC9FD1C3A}</a:tableStyleId>
               </a:tblPr>
               <a:tblGrid>
                 <a:gridCol w="3454400">
@@ -8477,9 +8560,10 @@
                     <a:p>
                       <a:pPr algn="ctr"/>
                       <a:r>
-                        <a:rPr lang="ru-RU" dirty="0"/>
+                        <a:rPr lang="ru-RU" dirty="0" smtClean="0"/>
                         <a:t>Этап</a:t>
                       </a:r>
+                      <a:endParaRPr lang="ru-RU" dirty="0"/>
                     </a:p>
                   </a:txBody>
                   <a:tcPr/>
@@ -8491,9 +8575,10 @@
                     <a:p>
                       <a:pPr algn="ctr"/>
                       <a:r>
-                        <a:rPr lang="ru-RU" dirty="0"/>
+                        <a:rPr lang="ru-RU" dirty="0" smtClean="0"/>
                         <a:t>Изображение (логотип)</a:t>
                       </a:r>
+                      <a:endParaRPr lang="ru-RU" dirty="0"/>
                     </a:p>
                   </a:txBody>
                   <a:tcPr/>
@@ -8505,9 +8590,10 @@
                     <a:p>
                       <a:pPr algn="ctr"/>
                       <a:r>
-                        <a:rPr lang="ru-RU" dirty="0"/>
+                        <a:rPr lang="ru-RU" dirty="0" smtClean="0"/>
                         <a:t>Название инструмента</a:t>
                       </a:r>
+                      <a:endParaRPr lang="ru-RU" dirty="0"/>
                     </a:p>
                   </a:txBody>
                   <a:tcPr/>
@@ -8526,9 +8612,10 @@
                     <a:p>
                       <a:pPr algn="ctr"/>
                       <a:r>
-                        <a:rPr lang="ru-RU" dirty="0"/>
+                        <a:rPr lang="ru-RU" dirty="0" smtClean="0"/>
                         <a:t>Проектирование ИС</a:t>
                       </a:r>
+                      <a:endParaRPr lang="ru-RU" dirty="0"/>
                     </a:p>
                   </a:txBody>
                   <a:tcPr/>
@@ -8550,7 +8637,7 @@
                     <a:p>
                       <a:pPr algn="ctr"/>
                       <a:r>
-                        <a:rPr lang="en-US" dirty="0"/>
+                        <a:rPr lang="en-US" dirty="0" smtClean="0"/>
                         <a:t>Draw.io</a:t>
                       </a:r>
                       <a:endParaRPr lang="ru-RU" dirty="0"/>
@@ -8572,9 +8659,10 @@
                     <a:p>
                       <a:pPr algn="ctr"/>
                       <a:r>
-                        <a:rPr lang="ru-RU" dirty="0"/>
+                        <a:rPr lang="ru-RU" dirty="0" smtClean="0"/>
                         <a:t>БД</a:t>
                       </a:r>
+                      <a:endParaRPr lang="ru-RU" dirty="0"/>
                     </a:p>
                   </a:txBody>
                   <a:tcPr/>
@@ -8596,7 +8684,7 @@
                     <a:p>
                       <a:pPr algn="ctr"/>
                       <a:r>
-                        <a:rPr lang="en-US" dirty="0" err="1"/>
+                        <a:rPr lang="en-US" dirty="0" err="1" smtClean="0"/>
                         <a:t>MariaDB</a:t>
                       </a:r>
                       <a:endParaRPr lang="ru-RU" dirty="0"/>
@@ -8618,9 +8706,10 @@
                     <a:p>
                       <a:pPr algn="ctr"/>
                       <a:r>
-                        <a:rPr lang="ru-RU" dirty="0"/>
+                        <a:rPr lang="ru-RU" dirty="0" smtClean="0"/>
                         <a:t>Проектирование БД</a:t>
                       </a:r>
+                      <a:endParaRPr lang="ru-RU" dirty="0"/>
                     </a:p>
                   </a:txBody>
                   <a:tcPr/>
@@ -8642,11 +8731,11 @@
                     <a:p>
                       <a:pPr algn="ctr"/>
                       <a:r>
-                        <a:rPr lang="en-US" dirty="0" err="1"/>
+                        <a:rPr lang="en-US" dirty="0" err="1" smtClean="0"/>
                         <a:t>MySql</a:t>
                       </a:r>
                       <a:r>
-                        <a:rPr lang="en-US" dirty="0"/>
+                        <a:rPr lang="en-US" dirty="0" smtClean="0"/>
                         <a:t> Workbench</a:t>
                       </a:r>
                       <a:endParaRPr lang="ru-RU" dirty="0"/>
@@ -8668,9 +8757,10 @@
                     <a:p>
                       <a:pPr algn="ctr"/>
                       <a:r>
-                        <a:rPr lang="ru-RU" dirty="0"/>
+                        <a:rPr lang="ru-RU" dirty="0" smtClean="0"/>
                         <a:t>Проектирование интерфейса</a:t>
                       </a:r>
+                      <a:endParaRPr lang="ru-RU" dirty="0"/>
                     </a:p>
                   </a:txBody>
                   <a:tcPr/>
@@ -8692,7 +8782,7 @@
                     <a:p>
                       <a:pPr algn="ctr"/>
                       <a:r>
-                        <a:rPr lang="en-US" dirty="0" err="1"/>
+                        <a:rPr lang="en-US" dirty="0" err="1" smtClean="0"/>
                         <a:t>Figma</a:t>
                       </a:r>
                       <a:endParaRPr lang="ru-RU" dirty="0"/>
@@ -8714,11 +8804,11 @@
                     <a:p>
                       <a:pPr algn="ctr"/>
                       <a:r>
-                        <a:rPr lang="ru-RU" dirty="0"/>
+                        <a:rPr lang="ru-RU" dirty="0" smtClean="0"/>
                         <a:t>Разработка (среда</a:t>
                       </a:r>
                       <a:r>
-                        <a:rPr lang="ru-RU" baseline="0" dirty="0"/>
+                        <a:rPr lang="ru-RU" baseline="0" dirty="0" smtClean="0"/>
                         <a:t> разработки)</a:t>
                       </a:r>
                       <a:endParaRPr lang="ru-RU" dirty="0"/>
@@ -8743,7 +8833,7 @@
                     <a:p>
                       <a:pPr algn="ctr"/>
                       <a:r>
-                        <a:rPr lang="en-US" dirty="0" err="1"/>
+                        <a:rPr lang="en-US" dirty="0" err="1" smtClean="0"/>
                         <a:t>PhpStorm</a:t>
                       </a:r>
                       <a:endParaRPr lang="ru-RU" dirty="0"/>
@@ -8765,11 +8855,11 @@
                     <a:p>
                       <a:pPr algn="ctr"/>
                       <a:r>
-                        <a:rPr lang="ru-RU" dirty="0"/>
+                        <a:rPr lang="ru-RU" dirty="0" smtClean="0"/>
                         <a:t>Разработка (язык</a:t>
                       </a:r>
                       <a:r>
-                        <a:rPr lang="ru-RU" baseline="0" dirty="0"/>
+                        <a:rPr lang="ru-RU" baseline="0" dirty="0" smtClean="0"/>
                         <a:t> программирования)</a:t>
                       </a:r>
                       <a:endParaRPr lang="ru-RU" dirty="0"/>
@@ -8794,11 +8884,11 @@
                     <a:p>
                       <a:pPr algn="ctr"/>
                       <a:r>
-                        <a:rPr lang="en-US" dirty="0" err="1"/>
+                        <a:rPr lang="en-US" dirty="0" err="1" smtClean="0"/>
                         <a:t>Php</a:t>
                       </a:r>
                       <a:r>
-                        <a:rPr lang="en-US" dirty="0"/>
+                        <a:rPr lang="en-US" dirty="0" smtClean="0"/>
                         <a:t>, JS</a:t>
                       </a:r>
                       <a:endParaRPr lang="ru-RU" dirty="0"/>
@@ -8880,7 +8970,7 @@
         </p:blipFill>
         <p:spPr>
           <a:xfrm>
-            <a:off x="5798344" y="4012047"/>
+            <a:off x="5798344" y="4099757"/>
             <a:ext cx="595313" cy="595313"/>
           </a:xfrm>
           <a:prstGeom prst="rect">
@@ -8904,7 +8994,7 @@
         </p:blipFill>
         <p:spPr>
           <a:xfrm>
-            <a:off x="5815533" y="4689115"/>
+            <a:off x="5798344" y="4786310"/>
             <a:ext cx="560930" cy="560930"/>
           </a:xfrm>
           <a:prstGeom prst="rect">
@@ -8928,7 +9018,7 @@
         </p:blipFill>
         <p:spPr>
           <a:xfrm>
-            <a:off x="5817666" y="5315858"/>
+            <a:off x="5779564" y="5377799"/>
             <a:ext cx="575991" cy="575991"/>
           </a:xfrm>
           <a:prstGeom prst="rect">
@@ -8994,6 +9084,13 @@
   <p:clrMapOvr>
     <a:masterClrMapping/>
   </p:clrMapOvr>
+  <p:timing>
+    <p:tnLst>
+      <p:par>
+        <p:cTn id="1" dur="indefinite" restart="never" nodeType="tmRoot"/>
+      </p:par>
+    </p:tnLst>
+  </p:timing>
 </p:sld>
 </file>
 
@@ -9030,9 +9127,10 @@
           <a:lstStyle/>
           <a:p>
             <a:r>
-              <a:rPr lang="ru-RU" dirty="0"/>
+              <a:rPr lang="ru-RU" dirty="0" smtClean="0"/>
               <a:t>Проектирование программного продукта</a:t>
             </a:r>
+            <a:endParaRPr lang="ru-RU" dirty="0"/>
           </a:p>
         </p:txBody>
       </p:sp>
@@ -9092,11 +9190,11 @@
           <a:lstStyle/>
           <a:p>
             <a:r>
-              <a:rPr lang="ru-RU" sz="3600" dirty="0"/>
+              <a:rPr lang="ru-RU" sz="3600" dirty="0" smtClean="0"/>
               <a:t>Диаграмма </a:t>
             </a:r>
             <a:r>
-              <a:rPr lang="ru-RU" sz="3600" dirty="0" err="1"/>
+              <a:rPr lang="ru-RU" sz="3600" dirty="0" err="1" smtClean="0"/>
               <a:t>прецендентов</a:t>
             </a:r>
             <a:endParaRPr lang="ru-RU" sz="3600" dirty="0"/>
@@ -9113,6 +9211,13 @@
   <p:clrMapOvr>
     <a:masterClrMapping/>
   </p:clrMapOvr>
+  <p:timing>
+    <p:tnLst>
+      <p:par>
+        <p:cTn id="1" dur="indefinite" restart="never" nodeType="tmRoot"/>
+      </p:par>
+    </p:tnLst>
+  </p:timing>
 </p:sld>
 </file>
 
@@ -9211,9 +9316,10 @@
           <a:lstStyle/>
           <a:p>
             <a:r>
-              <a:rPr lang="ru-RU" sz="3600" dirty="0"/>
+              <a:rPr lang="ru-RU" sz="3600" dirty="0" smtClean="0"/>
               <a:t>Диаграмма деятельности</a:t>
             </a:r>
+            <a:endParaRPr lang="ru-RU" sz="3600" dirty="0"/>
           </a:p>
         </p:txBody>
       </p:sp>
@@ -9227,6 +9333,13 @@
   <p:clrMapOvr>
     <a:masterClrMapping/>
   </p:clrMapOvr>
+  <p:timing>
+    <p:tnLst>
+      <p:par>
+        <p:cTn id="1" dur="indefinite" restart="never" nodeType="tmRoot"/>
+      </p:par>
+    </p:tnLst>
+  </p:timing>
 </p:sld>
 </file>
 
@@ -9263,9 +9376,10 @@
           <a:lstStyle/>
           <a:p>
             <a:r>
-              <a:rPr lang="ru-RU" dirty="0"/>
+              <a:rPr lang="ru-RU" dirty="0" smtClean="0"/>
               <a:t>Проектирование программного продукта</a:t>
             </a:r>
+            <a:endParaRPr lang="ru-RU" dirty="0"/>
           </a:p>
         </p:txBody>
       </p:sp>
@@ -9326,9 +9440,10 @@
           <a:p>
             <a:pPr algn="ctr"/>
             <a:r>
-              <a:rPr lang="ru-RU" sz="3600" dirty="0"/>
+              <a:rPr lang="ru-RU" sz="3600" dirty="0" smtClean="0"/>
               <a:t>Диаграмма компонентов</a:t>
             </a:r>
+            <a:endParaRPr lang="ru-RU" sz="3600" dirty="0"/>
           </a:p>
         </p:txBody>
       </p:sp>
@@ -9384,9 +9499,10 @@
           <a:p>
             <a:pPr algn="ctr"/>
             <a:r>
-              <a:rPr lang="ru-RU" sz="3600" dirty="0"/>
+              <a:rPr lang="ru-RU" sz="3600" dirty="0" smtClean="0"/>
               <a:t>Диаграмма развёртывания</a:t>
             </a:r>
+            <a:endParaRPr lang="ru-RU" sz="3600" dirty="0"/>
           </a:p>
         </p:txBody>
       </p:sp>
@@ -9400,6 +9516,13 @@
   <p:clrMapOvr>
     <a:masterClrMapping/>
   </p:clrMapOvr>
+  <p:timing>
+    <p:tnLst>
+      <p:par>
+        <p:cTn id="1" dur="indefinite" restart="never" nodeType="tmRoot"/>
+      </p:par>
+    </p:tnLst>
+  </p:timing>
 </p:sld>
 </file>
 
@@ -9441,9 +9564,10 @@
           <a:lstStyle/>
           <a:p>
             <a:r>
-              <a:rPr lang="ru-RU" dirty="0"/>
+              <a:rPr lang="ru-RU" dirty="0" smtClean="0"/>
               <a:t>Проектирование программного продукта</a:t>
             </a:r>
+            <a:endParaRPr lang="ru-RU" dirty="0"/>
           </a:p>
         </p:txBody>
       </p:sp>
@@ -9500,17 +9624,18 @@
           <a:p>
             <a:pPr algn="ctr"/>
             <a:r>
-              <a:rPr lang="ru-RU" sz="3200" dirty="0"/>
+              <a:rPr lang="ru-RU" sz="3200" dirty="0" smtClean="0"/>
               <a:t>Контекстная диаграмма </a:t>
             </a:r>
             <a:r>
-              <a:rPr lang="en-US" sz="3200" dirty="0"/>
+              <a:rPr lang="en-US" sz="3200" dirty="0" smtClean="0"/>
               <a:t>IDEF0</a:t>
             </a:r>
             <a:r>
-              <a:rPr lang="ru-RU" sz="3200" dirty="0"/>
+              <a:rPr lang="ru-RU" sz="3200" dirty="0" smtClean="0"/>
               <a:t> </a:t>
             </a:r>
+            <a:endParaRPr lang="ru-RU" sz="3200" dirty="0"/>
           </a:p>
         </p:txBody>
       </p:sp>
@@ -9567,9 +9692,10 @@
           <a:p>
             <a:pPr algn="ctr"/>
             <a:r>
-              <a:rPr lang="ru-RU" sz="3200" dirty="0"/>
+              <a:rPr lang="ru-RU" sz="3200" dirty="0" smtClean="0"/>
               <a:t>Диаграмма декомпозиций А1</a:t>
             </a:r>
+            <a:endParaRPr lang="ru-RU" sz="3200" dirty="0"/>
           </a:p>
         </p:txBody>
       </p:sp>
@@ -9583,6 +9709,13 @@
   <p:clrMapOvr>
     <a:masterClrMapping/>
   </p:clrMapOvr>
+  <p:timing>
+    <p:tnLst>
+      <p:par>
+        <p:cTn id="1" dur="indefinite" restart="never" nodeType="tmRoot"/>
+      </p:par>
+    </p:tnLst>
+  </p:timing>
 </p:sld>
 </file>
 
@@ -9619,9 +9752,10 @@
           <a:lstStyle/>
           <a:p>
             <a:r>
-              <a:rPr lang="ru-RU" dirty="0"/>
+              <a:rPr lang="ru-RU" dirty="0" smtClean="0"/>
               <a:t>Проектирование программного продукта</a:t>
             </a:r>
+            <a:endParaRPr lang="ru-RU" dirty="0"/>
           </a:p>
         </p:txBody>
       </p:sp>
@@ -9682,9 +9816,10 @@
           <a:p>
             <a:pPr algn="ctr"/>
             <a:r>
-              <a:rPr lang="ru-RU" sz="3200" dirty="0"/>
+              <a:rPr lang="ru-RU" sz="3200" dirty="0" smtClean="0"/>
               <a:t>Диаграмма классов</a:t>
             </a:r>
+            <a:endParaRPr lang="ru-RU" sz="3200" dirty="0"/>
           </a:p>
         </p:txBody>
       </p:sp>
@@ -9741,9 +9876,10 @@
           <a:p>
             <a:pPr algn="ctr"/>
             <a:r>
-              <a:rPr lang="ru-RU" sz="3200" dirty="0"/>
+              <a:rPr lang="ru-RU" sz="3200" dirty="0" smtClean="0"/>
               <a:t>Диаграмма потоков данных</a:t>
             </a:r>
+            <a:endParaRPr lang="ru-RU" sz="3200" dirty="0"/>
           </a:p>
         </p:txBody>
       </p:sp>
@@ -9757,6 +9893,13 @@
   <p:clrMapOvr>
     <a:masterClrMapping/>
   </p:clrMapOvr>
+  <p:timing>
+    <p:tnLst>
+      <p:par>
+        <p:cTn id="1" dur="indefinite" restart="never" nodeType="tmRoot"/>
+      </p:par>
+    </p:tnLst>
+  </p:timing>
 </p:sld>
 </file>
 

--- a/Курсовая работа.pptx
+++ b/Курсовая работа.pptx
@@ -2,7 +2,7 @@
 <file path=ppt/presentation.xml><?xml version="1.0" encoding="utf-8"?>
 <p:presentation xmlns:a="http://schemas.openxmlformats.org/drawingml/2006/main" xmlns:r="http://schemas.openxmlformats.org/officeDocument/2006/relationships" xmlns:p="http://schemas.openxmlformats.org/presentationml/2006/main" saveSubsetFonts="1">
   <p:sldMasterIdLst>
-    <p:sldMasterId id="2147483790" r:id="rId1"/>
+    <p:sldMasterId id="2147483809" r:id="rId1"/>
   </p:sldMasterIdLst>
   <p:notesMasterIdLst>
     <p:notesMasterId r:id="rId18"/>
@@ -29,9 +29,9 @@
   <p:notesSz cx="6858000" cy="9144000"/>
   <p:defaultTextStyle>
     <a:defPPr>
-      <a:defRPr lang="en-US"/>
+      <a:defRPr lang="ru-RU"/>
     </a:defPPr>
-    <a:lvl1pPr marL="0" algn="l" defTabSz="457200" rtl="0" eaLnBrk="1" latinLnBrk="0" hangingPunct="1">
+    <a:lvl1pPr marL="0" algn="l" defTabSz="914400" rtl="0" eaLnBrk="1" latinLnBrk="0" hangingPunct="1">
       <a:defRPr sz="1800" kern="1200">
         <a:solidFill>
           <a:schemeClr val="tx1"/>
@@ -41,7 +41,7 @@
         <a:cs typeface="+mn-cs"/>
       </a:defRPr>
     </a:lvl1pPr>
-    <a:lvl2pPr marL="457200" algn="l" defTabSz="457200" rtl="0" eaLnBrk="1" latinLnBrk="0" hangingPunct="1">
+    <a:lvl2pPr marL="457200" algn="l" defTabSz="914400" rtl="0" eaLnBrk="1" latinLnBrk="0" hangingPunct="1">
       <a:defRPr sz="1800" kern="1200">
         <a:solidFill>
           <a:schemeClr val="tx1"/>
@@ -51,7 +51,7 @@
         <a:cs typeface="+mn-cs"/>
       </a:defRPr>
     </a:lvl2pPr>
-    <a:lvl3pPr marL="914400" algn="l" defTabSz="457200" rtl="0" eaLnBrk="1" latinLnBrk="0" hangingPunct="1">
+    <a:lvl3pPr marL="914400" algn="l" defTabSz="914400" rtl="0" eaLnBrk="1" latinLnBrk="0" hangingPunct="1">
       <a:defRPr sz="1800" kern="1200">
         <a:solidFill>
           <a:schemeClr val="tx1"/>
@@ -61,7 +61,7 @@
         <a:cs typeface="+mn-cs"/>
       </a:defRPr>
     </a:lvl3pPr>
-    <a:lvl4pPr marL="1371600" algn="l" defTabSz="457200" rtl="0" eaLnBrk="1" latinLnBrk="0" hangingPunct="1">
+    <a:lvl4pPr marL="1371600" algn="l" defTabSz="914400" rtl="0" eaLnBrk="1" latinLnBrk="0" hangingPunct="1">
       <a:defRPr sz="1800" kern="1200">
         <a:solidFill>
           <a:schemeClr val="tx1"/>
@@ -71,7 +71,7 @@
         <a:cs typeface="+mn-cs"/>
       </a:defRPr>
     </a:lvl4pPr>
-    <a:lvl5pPr marL="1828800" algn="l" defTabSz="457200" rtl="0" eaLnBrk="1" latinLnBrk="0" hangingPunct="1">
+    <a:lvl5pPr marL="1828800" algn="l" defTabSz="914400" rtl="0" eaLnBrk="1" latinLnBrk="0" hangingPunct="1">
       <a:defRPr sz="1800" kern="1200">
         <a:solidFill>
           <a:schemeClr val="tx1"/>
@@ -81,7 +81,7 @@
         <a:cs typeface="+mn-cs"/>
       </a:defRPr>
     </a:lvl5pPr>
-    <a:lvl6pPr marL="2286000" algn="l" defTabSz="457200" rtl="0" eaLnBrk="1" latinLnBrk="0" hangingPunct="1">
+    <a:lvl6pPr marL="2286000" algn="l" defTabSz="914400" rtl="0" eaLnBrk="1" latinLnBrk="0" hangingPunct="1">
       <a:defRPr sz="1800" kern="1200">
         <a:solidFill>
           <a:schemeClr val="tx1"/>
@@ -91,7 +91,7 @@
         <a:cs typeface="+mn-cs"/>
       </a:defRPr>
     </a:lvl6pPr>
-    <a:lvl7pPr marL="2743200" algn="l" defTabSz="457200" rtl="0" eaLnBrk="1" latinLnBrk="0" hangingPunct="1">
+    <a:lvl7pPr marL="2743200" algn="l" defTabSz="914400" rtl="0" eaLnBrk="1" latinLnBrk="0" hangingPunct="1">
       <a:defRPr sz="1800" kern="1200">
         <a:solidFill>
           <a:schemeClr val="tx1"/>
@@ -101,7 +101,7 @@
         <a:cs typeface="+mn-cs"/>
       </a:defRPr>
     </a:lvl7pPr>
-    <a:lvl8pPr marL="3200400" algn="l" defTabSz="457200" rtl="0" eaLnBrk="1" latinLnBrk="0" hangingPunct="1">
+    <a:lvl8pPr marL="3200400" algn="l" defTabSz="914400" rtl="0" eaLnBrk="1" latinLnBrk="0" hangingPunct="1">
       <a:defRPr sz="1800" kern="1200">
         <a:solidFill>
           <a:schemeClr val="tx1"/>
@@ -111,7 +111,7 @@
         <a:cs typeface="+mn-cs"/>
       </a:defRPr>
     </a:lvl8pPr>
-    <a:lvl9pPr marL="3657600" algn="l" defTabSz="457200" rtl="0" eaLnBrk="1" latinLnBrk="0" hangingPunct="1">
+    <a:lvl9pPr marL="3657600" algn="l" defTabSz="914400" rtl="0" eaLnBrk="1" latinLnBrk="0" hangingPunct="1">
       <a:defRPr sz="1800" kern="1200">
         <a:solidFill>
           <a:schemeClr val="tx1"/>
@@ -212,7 +212,7 @@
           <a:p>
             <a:fld id="{7FB564F2-E882-43E8-B38A-618070AC5FB3}" type="datetimeFigureOut">
               <a:rPr lang="ru-RU" smtClean="0"/>
-              <a:t>22.12.2022</a:t>
+              <a:t>21.11.2023</a:t>
             </a:fld>
             <a:endParaRPr lang="ru-RU"/>
           </a:p>
@@ -276,38 +276,37 @@
           <a:p>
             <a:pPr lvl="0"/>
             <a:r>
-              <a:rPr lang="ru-RU" smtClean="0"/>
+              <a:rPr lang="ru-RU"/>
               <a:t>Образец текста</a:t>
             </a:r>
           </a:p>
           <a:p>
             <a:pPr lvl="1"/>
             <a:r>
-              <a:rPr lang="ru-RU" smtClean="0"/>
+              <a:rPr lang="ru-RU"/>
               <a:t>Второй уровень</a:t>
             </a:r>
           </a:p>
           <a:p>
             <a:pPr lvl="2"/>
             <a:r>
-              <a:rPr lang="ru-RU" smtClean="0"/>
+              <a:rPr lang="ru-RU"/>
               <a:t>Третий уровень</a:t>
             </a:r>
           </a:p>
           <a:p>
             <a:pPr lvl="3"/>
             <a:r>
-              <a:rPr lang="ru-RU" smtClean="0"/>
+              <a:rPr lang="ru-RU"/>
               <a:t>Четвертый уровень</a:t>
             </a:r>
           </a:p>
           <a:p>
             <a:pPr lvl="4"/>
             <a:r>
-              <a:rPr lang="ru-RU" smtClean="0"/>
+              <a:rPr lang="ru-RU"/>
               <a:t>Пятый уровень</a:t>
             </a:r>
-            <a:endParaRPr lang="ru-RU"/>
           </a:p>
         </p:txBody>
       </p:sp>
@@ -497,100 +496,71 @@
           <a:chExt cx="0" cy="0"/>
         </a:xfrm>
       </p:grpSpPr>
-      <p:pic>
-        <p:nvPicPr>
-          <p:cNvPr id="7" name="Picture 6" descr="Droplets-HD-Title-R1d.png"/>
-          <p:cNvPicPr>
-            <a:picLocks noChangeAspect="1"/>
-          </p:cNvPicPr>
-          <p:nvPr/>
-        </p:nvPicPr>
-        <p:blipFill>
-          <a:blip r:embed="rId2">
-            <a:extLst>
-              <a:ext uri="{28A0092B-C50C-407E-A947-70E740481C1C}">
-                <a14:useLocalDpi xmlns:a14="http://schemas.microsoft.com/office/drawing/2010/main" val="0"/>
-              </a:ext>
-            </a:extLst>
-          </a:blip>
-          <a:stretch>
-            <a:fillRect/>
-          </a:stretch>
-        </p:blipFill>
+      <p:sp>
+        <p:nvSpPr>
+          <p:cNvPr id="2" name="Заголовок 1">
+            <a:extLst>
+              <a:ext uri="{FF2B5EF4-FFF2-40B4-BE49-F238E27FC236}">
+                <a16:creationId xmlns:a16="http://schemas.microsoft.com/office/drawing/2014/main" id="{E3BFFC0A-0810-3A57-6B14-15B90CE50968}"/>
+              </a:ext>
+            </a:extLst>
+          </p:cNvPr>
+          <p:cNvSpPr>
+            <a:spLocks noGrp="1"/>
+          </p:cNvSpPr>
+          <p:nvPr>
+            <p:ph type="ctrTitle"/>
+          </p:nvPr>
+        </p:nvSpPr>
         <p:spPr>
           <a:xfrm>
-            <a:off x="0" y="0"/>
-            <a:ext cx="12192000" cy="6858000"/>
+            <a:off x="1524000" y="1122363"/>
+            <a:ext cx="9144000" cy="2387600"/>
           </a:xfrm>
-          <a:prstGeom prst="rect">
-            <a:avLst/>
-          </a:prstGeom>
         </p:spPr>
-      </p:pic>
-      <p:sp>
-        <p:nvSpPr>
-          <p:cNvPr id="2" name="Title 1"/>
-          <p:cNvSpPr>
-            <a:spLocks noGrp="1"/>
-          </p:cNvSpPr>
-          <p:nvPr>
-            <p:ph type="ctrTitle"/>
+        <p:txBody>
+          <a:bodyPr anchor="b"/>
+          <a:lstStyle>
+            <a:lvl1pPr algn="ctr">
+              <a:defRPr sz="6000"/>
+            </a:lvl1pPr>
+          </a:lstStyle>
+          <a:p>
+            <a:r>
+              <a:rPr lang="ru-RU"/>
+              <a:t>Образец заголовка</a:t>
+            </a:r>
+          </a:p>
+        </p:txBody>
+      </p:sp>
+      <p:sp>
+        <p:nvSpPr>
+          <p:cNvPr id="3" name="Подзаголовок 2">
+            <a:extLst>
+              <a:ext uri="{FF2B5EF4-FFF2-40B4-BE49-F238E27FC236}">
+                <a16:creationId xmlns:a16="http://schemas.microsoft.com/office/drawing/2014/main" id="{0C870A28-BEF5-0DD2-E81C-6990338CBCE9}"/>
+              </a:ext>
+            </a:extLst>
+          </p:cNvPr>
+          <p:cNvSpPr>
+            <a:spLocks noGrp="1"/>
+          </p:cNvSpPr>
+          <p:nvPr>
+            <p:ph type="subTitle" idx="1"/>
           </p:nvPr>
         </p:nvSpPr>
         <p:spPr>
           <a:xfrm>
-            <a:off x="1751012" y="1300785"/>
-            <a:ext cx="8689976" cy="2509213"/>
+            <a:off x="1524000" y="3602038"/>
+            <a:ext cx="9144000" cy="1655762"/>
           </a:xfrm>
         </p:spPr>
         <p:txBody>
-          <a:bodyPr anchor="b">
-            <a:normAutofit/>
-          </a:bodyPr>
-          <a:lstStyle>
-            <a:lvl1pPr algn="ctr">
-              <a:defRPr sz="4800"/>
-            </a:lvl1pPr>
-          </a:lstStyle>
-          <a:p>
-            <a:r>
-              <a:rPr lang="ru-RU" smtClean="0"/>
-              <a:t>Образец заголовка</a:t>
-            </a:r>
-            <a:endParaRPr lang="en-US" dirty="0"/>
-          </a:p>
-        </p:txBody>
-      </p:sp>
-      <p:sp>
-        <p:nvSpPr>
-          <p:cNvPr id="3" name="Subtitle 2"/>
-          <p:cNvSpPr>
-            <a:spLocks noGrp="1"/>
-          </p:cNvSpPr>
-          <p:nvPr>
-            <p:ph type="subTitle" idx="1"/>
-          </p:nvPr>
-        </p:nvSpPr>
-        <p:spPr>
-          <a:xfrm>
-            <a:off x="1751012" y="3886200"/>
-            <a:ext cx="8689976" cy="1371599"/>
-          </a:xfrm>
-        </p:spPr>
-        <p:txBody>
-          <a:bodyPr>
-            <a:normAutofit/>
-          </a:bodyPr>
+          <a:bodyPr/>
           <a:lstStyle>
             <a:lvl1pPr marL="0" indent="0" algn="ctr">
               <a:buNone/>
-              <a:defRPr sz="2200">
-                <a:solidFill>
-                  <a:schemeClr val="bg1">
-                    <a:lumMod val="50000"/>
-                  </a:schemeClr>
-                </a:solidFill>
-              </a:defRPr>
+              <a:defRPr sz="2400"/>
             </a:lvl1pPr>
             <a:lvl2pPr marL="457200" indent="0" algn="ctr">
               <a:buNone/>
@@ -627,16 +597,21 @@
           </a:lstStyle>
           <a:p>
             <a:r>
-              <a:rPr lang="ru-RU" smtClean="0"/>
+              <a:rPr lang="ru-RU"/>
               <a:t>Образец подзаголовка</a:t>
             </a:r>
-            <a:endParaRPr lang="en-US" dirty="0"/>
-          </a:p>
-        </p:txBody>
-      </p:sp>
-      <p:sp>
-        <p:nvSpPr>
-          <p:cNvPr id="4" name="Date Placeholder 3"/>
+          </a:p>
+        </p:txBody>
+      </p:sp>
+      <p:sp>
+        <p:nvSpPr>
+          <p:cNvPr id="4" name="Дата 3">
+            <a:extLst>
+              <a:ext uri="{FF2B5EF4-FFF2-40B4-BE49-F238E27FC236}">
+                <a16:creationId xmlns:a16="http://schemas.microsoft.com/office/drawing/2014/main" id="{56AF00C1-C919-2AB2-C3F3-0E300452B2E7}"/>
+              </a:ext>
+            </a:extLst>
+          </p:cNvPr>
           <p:cNvSpPr>
             <a:spLocks noGrp="1"/>
           </p:cNvSpPr>
@@ -651,7 +626,7 @@
           <a:p>
             <a:fld id="{DDC647A9-AAA3-4641-ACE7-C285BA9E2E71}" type="datetimeFigureOut">
               <a:rPr lang="ru-RU" smtClean="0"/>
-              <a:t>22.12.2022</a:t>
+              <a:t>21.11.2023</a:t>
             </a:fld>
             <a:endParaRPr lang="ru-RU"/>
           </a:p>
@@ -659,7 +634,13 @@
       </p:sp>
       <p:sp>
         <p:nvSpPr>
-          <p:cNvPr id="5" name="Footer Placeholder 4"/>
+          <p:cNvPr id="5" name="Нижний колонтитул 4">
+            <a:extLst>
+              <a:ext uri="{FF2B5EF4-FFF2-40B4-BE49-F238E27FC236}">
+                <a16:creationId xmlns:a16="http://schemas.microsoft.com/office/drawing/2014/main" id="{BDD2C005-C2C1-12E5-ED1C-D4E02E889555}"/>
+              </a:ext>
+            </a:extLst>
+          </p:cNvPr>
           <p:cNvSpPr>
             <a:spLocks noGrp="1"/>
           </p:cNvSpPr>
@@ -678,7 +659,13 @@
       </p:sp>
       <p:sp>
         <p:nvSpPr>
-          <p:cNvPr id="6" name="Slide Number Placeholder 5"/>
+          <p:cNvPr id="6" name="Номер слайда 5">
+            <a:extLst>
+              <a:ext uri="{FF2B5EF4-FFF2-40B4-BE49-F238E27FC236}">
+                <a16:creationId xmlns:a16="http://schemas.microsoft.com/office/drawing/2014/main" id="{0218D10A-9F53-A073-59D1-1691199F5771}"/>
+              </a:ext>
+            </a:extLst>
+          </p:cNvPr>
           <p:cNvSpPr>
             <a:spLocks noGrp="1"/>
           </p:cNvSpPr>
@@ -702,7 +689,7 @@
     </p:spTree>
     <p:extLst>
       <p:ext uri="{BB962C8B-B14F-4D97-AF65-F5344CB8AC3E}">
-        <p14:creationId xmlns:p14="http://schemas.microsoft.com/office/powerpoint/2010/main" val="1342840301"/>
+        <p14:creationId xmlns:p14="http://schemas.microsoft.com/office/powerpoint/2010/main" val="4289546162"/>
       </p:ext>
     </p:extLst>
   </p:cSld>
@@ -713,2713 +700,6 @@
 </file>
 
 <file path=ppt/slideLayouts/slideLayout10.xml><?xml version="1.0" encoding="utf-8"?>
-<p:sldLayout xmlns:a="http://schemas.openxmlformats.org/drawingml/2006/main" xmlns:r="http://schemas.openxmlformats.org/officeDocument/2006/relationships" xmlns:p="http://schemas.openxmlformats.org/presentationml/2006/main" preserve="1">
-  <p:cSld name="Панорамная фотография с подписью">
-    <p:spTree>
-      <p:nvGrpSpPr>
-        <p:cNvPr id="1" name=""/>
-        <p:cNvGrpSpPr/>
-        <p:nvPr/>
-      </p:nvGrpSpPr>
-      <p:grpSpPr>
-        <a:xfrm>
-          <a:off x="0" y="0"/>
-          <a:ext cx="0" cy="0"/>
-          <a:chOff x="0" y="0"/>
-          <a:chExt cx="0" cy="0"/>
-        </a:xfrm>
-      </p:grpSpPr>
-      <p:pic>
-        <p:nvPicPr>
-          <p:cNvPr id="10" name="Picture 9" descr="Droplets-HD-Content-R1d.png"/>
-          <p:cNvPicPr>
-            <a:picLocks noChangeAspect="1"/>
-          </p:cNvPicPr>
-          <p:nvPr/>
-        </p:nvPicPr>
-        <p:blipFill>
-          <a:blip r:embed="rId2">
-            <a:extLst>
-              <a:ext uri="{28A0092B-C50C-407E-A947-70E740481C1C}">
-                <a14:useLocalDpi xmlns:a14="http://schemas.microsoft.com/office/drawing/2010/main" val="0"/>
-              </a:ext>
-            </a:extLst>
-          </a:blip>
-          <a:stretch>
-            <a:fillRect/>
-          </a:stretch>
-        </p:blipFill>
-        <p:spPr>
-          <a:xfrm>
-            <a:off x="0" y="0"/>
-            <a:ext cx="12192000" cy="6858000"/>
-          </a:xfrm>
-          <a:prstGeom prst="rect">
-            <a:avLst/>
-          </a:prstGeom>
-        </p:spPr>
-      </p:pic>
-      <p:sp>
-        <p:nvSpPr>
-          <p:cNvPr id="2" name="Title 1"/>
-          <p:cNvSpPr>
-            <a:spLocks noGrp="1"/>
-          </p:cNvSpPr>
-          <p:nvPr>
-            <p:ph type="title"/>
-          </p:nvPr>
-        </p:nvSpPr>
-        <p:spPr>
-          <a:xfrm>
-            <a:off x="913794" y="4289374"/>
-            <a:ext cx="10364432" cy="811610"/>
-          </a:xfrm>
-        </p:spPr>
-        <p:txBody>
-          <a:bodyPr anchor="b"/>
-          <a:lstStyle>
-            <a:lvl1pPr>
-              <a:defRPr sz="3200"/>
-            </a:lvl1pPr>
-          </a:lstStyle>
-          <a:p>
-            <a:r>
-              <a:rPr lang="ru-RU" smtClean="0"/>
-              <a:t>Образец заголовка</a:t>
-            </a:r>
-            <a:endParaRPr lang="en-US" dirty="0"/>
-          </a:p>
-        </p:txBody>
-      </p:sp>
-      <p:sp>
-        <p:nvSpPr>
-          <p:cNvPr id="3" name="Picture Placeholder 2"/>
-          <p:cNvSpPr>
-            <a:spLocks noGrp="1" noChangeAspect="1"/>
-          </p:cNvSpPr>
-          <p:nvPr>
-            <p:ph type="pic" idx="1"/>
-          </p:nvPr>
-        </p:nvSpPr>
-        <p:spPr>
-          <a:xfrm>
-            <a:off x="1184744" y="698261"/>
-            <a:ext cx="9822532" cy="3214136"/>
-          </a:xfrm>
-          <a:prstGeom prst="roundRect">
-            <a:avLst>
-              <a:gd name="adj" fmla="val 4944"/>
-            </a:avLst>
-          </a:prstGeom>
-          <a:noFill/>
-          <a:ln w="82550" cap="sq">
-            <a:solidFill>
-              <a:srgbClr val="EAEAEA"/>
-            </a:solidFill>
-            <a:miter lim="800000"/>
-          </a:ln>
-          <a:effectLst/>
-          <a:scene3d>
-            <a:camera prst="orthographicFront"/>
-            <a:lightRig rig="threePt" dir="t">
-              <a:rot lat="0" lon="0" rev="2700000"/>
-            </a:lightRig>
-          </a:scene3d>
-          <a:sp3d contourW="6350">
-            <a:bevelT h="38100"/>
-            <a:contourClr>
-              <a:srgbClr val="C0C0C0"/>
-            </a:contourClr>
-          </a:sp3d>
-        </p:spPr>
-        <p:txBody>
-          <a:bodyPr anchor="t"/>
-          <a:lstStyle>
-            <a:lvl1pPr marL="0" indent="0" algn="ctr">
-              <a:buNone/>
-              <a:defRPr sz="3200"/>
-            </a:lvl1pPr>
-            <a:lvl2pPr marL="457200" indent="0">
-              <a:buNone/>
-              <a:defRPr sz="2800"/>
-            </a:lvl2pPr>
-            <a:lvl3pPr marL="914400" indent="0">
-              <a:buNone/>
-              <a:defRPr sz="2400"/>
-            </a:lvl3pPr>
-            <a:lvl4pPr marL="1371600" indent="0">
-              <a:buNone/>
-              <a:defRPr sz="2000"/>
-            </a:lvl4pPr>
-            <a:lvl5pPr marL="1828800" indent="0">
-              <a:buNone/>
-              <a:defRPr sz="2000"/>
-            </a:lvl5pPr>
-            <a:lvl6pPr marL="2286000" indent="0">
-              <a:buNone/>
-              <a:defRPr sz="2000"/>
-            </a:lvl6pPr>
-            <a:lvl7pPr marL="2743200" indent="0">
-              <a:buNone/>
-              <a:defRPr sz="2000"/>
-            </a:lvl7pPr>
-            <a:lvl8pPr marL="3200400" indent="0">
-              <a:buNone/>
-              <a:defRPr sz="2000"/>
-            </a:lvl8pPr>
-            <a:lvl9pPr marL="3657600" indent="0">
-              <a:buNone/>
-              <a:defRPr sz="2000"/>
-            </a:lvl9pPr>
-          </a:lstStyle>
-          <a:p>
-            <a:r>
-              <a:rPr lang="ru-RU" smtClean="0"/>
-              <a:t>Вставка рисунка</a:t>
-            </a:r>
-            <a:endParaRPr lang="en-US" dirty="0"/>
-          </a:p>
-        </p:txBody>
-      </p:sp>
-      <p:sp>
-        <p:nvSpPr>
-          <p:cNvPr id="4" name="Text Placeholder 3"/>
-          <p:cNvSpPr>
-            <a:spLocks noGrp="1"/>
-          </p:cNvSpPr>
-          <p:nvPr>
-            <p:ph type="body" sz="half" idx="2"/>
-          </p:nvPr>
-        </p:nvSpPr>
-        <p:spPr>
-          <a:xfrm>
-            <a:off x="913774" y="5108728"/>
-            <a:ext cx="10364452" cy="682472"/>
-          </a:xfrm>
-        </p:spPr>
-        <p:txBody>
-          <a:bodyPr/>
-          <a:lstStyle>
-            <a:lvl1pPr marL="0" indent="0" algn="ctr">
-              <a:buNone/>
-              <a:defRPr sz="1600"/>
-            </a:lvl1pPr>
-            <a:lvl2pPr marL="457200" indent="0">
-              <a:buNone/>
-              <a:defRPr sz="1400"/>
-            </a:lvl2pPr>
-            <a:lvl3pPr marL="914400" indent="0">
-              <a:buNone/>
-              <a:defRPr sz="1200"/>
-            </a:lvl3pPr>
-            <a:lvl4pPr marL="1371600" indent="0">
-              <a:buNone/>
-              <a:defRPr sz="1000"/>
-            </a:lvl4pPr>
-            <a:lvl5pPr marL="1828800" indent="0">
-              <a:buNone/>
-              <a:defRPr sz="1000"/>
-            </a:lvl5pPr>
-            <a:lvl6pPr marL="2286000" indent="0">
-              <a:buNone/>
-              <a:defRPr sz="1000"/>
-            </a:lvl6pPr>
-            <a:lvl7pPr marL="2743200" indent="0">
-              <a:buNone/>
-              <a:defRPr sz="1000"/>
-            </a:lvl7pPr>
-            <a:lvl8pPr marL="3200400" indent="0">
-              <a:buNone/>
-              <a:defRPr sz="1000"/>
-            </a:lvl8pPr>
-            <a:lvl9pPr marL="3657600" indent="0">
-              <a:buNone/>
-              <a:defRPr sz="1000"/>
-            </a:lvl9pPr>
-          </a:lstStyle>
-          <a:p>
-            <a:pPr lvl="0"/>
-            <a:r>
-              <a:rPr lang="ru-RU" smtClean="0"/>
-              <a:t>Образец текста</a:t>
-            </a:r>
-          </a:p>
-        </p:txBody>
-      </p:sp>
-      <p:sp>
-        <p:nvSpPr>
-          <p:cNvPr id="5" name="Date Placeholder 4"/>
-          <p:cNvSpPr>
-            <a:spLocks noGrp="1"/>
-          </p:cNvSpPr>
-          <p:nvPr>
-            <p:ph type="dt" sz="half" idx="10"/>
-          </p:nvPr>
-        </p:nvSpPr>
-        <p:spPr/>
-        <p:txBody>
-          <a:bodyPr/>
-          <a:lstStyle/>
-          <a:p>
-            <a:fld id="{DDC647A9-AAA3-4641-ACE7-C285BA9E2E71}" type="datetimeFigureOut">
-              <a:rPr lang="ru-RU" smtClean="0"/>
-              <a:t>22.12.2022</a:t>
-            </a:fld>
-            <a:endParaRPr lang="ru-RU"/>
-          </a:p>
-        </p:txBody>
-      </p:sp>
-      <p:sp>
-        <p:nvSpPr>
-          <p:cNvPr id="6" name="Footer Placeholder 5"/>
-          <p:cNvSpPr>
-            <a:spLocks noGrp="1"/>
-          </p:cNvSpPr>
-          <p:nvPr>
-            <p:ph type="ftr" sz="quarter" idx="11"/>
-          </p:nvPr>
-        </p:nvSpPr>
-        <p:spPr/>
-        <p:txBody>
-          <a:bodyPr/>
-          <a:lstStyle/>
-          <a:p>
-            <a:endParaRPr lang="ru-RU"/>
-          </a:p>
-        </p:txBody>
-      </p:sp>
-      <p:sp>
-        <p:nvSpPr>
-          <p:cNvPr id="7" name="Slide Number Placeholder 6"/>
-          <p:cNvSpPr>
-            <a:spLocks noGrp="1"/>
-          </p:cNvSpPr>
-          <p:nvPr>
-            <p:ph type="sldNum" sz="quarter" idx="12"/>
-          </p:nvPr>
-        </p:nvSpPr>
-        <p:spPr/>
-        <p:txBody>
-          <a:bodyPr/>
-          <a:lstStyle/>
-          <a:p>
-            <a:fld id="{D42F785C-AA4B-493A-80E4-B8A9DE114901}" type="slidenum">
-              <a:rPr lang="ru-RU" smtClean="0"/>
-              <a:t>‹#›</a:t>
-            </a:fld>
-            <a:endParaRPr lang="ru-RU"/>
-          </a:p>
-        </p:txBody>
-      </p:sp>
-    </p:spTree>
-    <p:extLst>
-      <p:ext uri="{BB962C8B-B14F-4D97-AF65-F5344CB8AC3E}">
-        <p14:creationId xmlns:p14="http://schemas.microsoft.com/office/powerpoint/2010/main" val="339443391"/>
-      </p:ext>
-    </p:extLst>
-  </p:cSld>
-  <p:clrMapOvr>
-    <a:masterClrMapping/>
-  </p:clrMapOvr>
-</p:sldLayout>
-</file>
-
-<file path=ppt/slideLayouts/slideLayout11.xml><?xml version="1.0" encoding="utf-8"?>
-<p:sldLayout xmlns:a="http://schemas.openxmlformats.org/drawingml/2006/main" xmlns:r="http://schemas.openxmlformats.org/officeDocument/2006/relationships" xmlns:p="http://schemas.openxmlformats.org/presentationml/2006/main" preserve="1">
-  <p:cSld name="Заголовок и подпись">
-    <p:spTree>
-      <p:nvGrpSpPr>
-        <p:cNvPr id="1" name=""/>
-        <p:cNvGrpSpPr/>
-        <p:nvPr/>
-      </p:nvGrpSpPr>
-      <p:grpSpPr>
-        <a:xfrm>
-          <a:off x="0" y="0"/>
-          <a:ext cx="0" cy="0"/>
-          <a:chOff x="0" y="0"/>
-          <a:chExt cx="0" cy="0"/>
-        </a:xfrm>
-      </p:grpSpPr>
-      <p:pic>
-        <p:nvPicPr>
-          <p:cNvPr id="8" name="Picture 7" descr="Droplets-HD-Content-R1d.png"/>
-          <p:cNvPicPr>
-            <a:picLocks noChangeAspect="1"/>
-          </p:cNvPicPr>
-          <p:nvPr/>
-        </p:nvPicPr>
-        <p:blipFill>
-          <a:blip r:embed="rId2">
-            <a:extLst>
-              <a:ext uri="{28A0092B-C50C-407E-A947-70E740481C1C}">
-                <a14:useLocalDpi xmlns:a14="http://schemas.microsoft.com/office/drawing/2010/main" val="0"/>
-              </a:ext>
-            </a:extLst>
-          </a:blip>
-          <a:stretch>
-            <a:fillRect/>
-          </a:stretch>
-        </p:blipFill>
-        <p:spPr>
-          <a:xfrm>
-            <a:off x="0" y="0"/>
-            <a:ext cx="12192000" cy="6858000"/>
-          </a:xfrm>
-          <a:prstGeom prst="rect">
-            <a:avLst/>
-          </a:prstGeom>
-        </p:spPr>
-      </p:pic>
-      <p:sp>
-        <p:nvSpPr>
-          <p:cNvPr id="2" name="Title 1"/>
-          <p:cNvSpPr>
-            <a:spLocks noGrp="1"/>
-          </p:cNvSpPr>
-          <p:nvPr>
-            <p:ph type="title"/>
-          </p:nvPr>
-        </p:nvSpPr>
-        <p:spPr>
-          <a:xfrm>
-            <a:off x="913774" y="609599"/>
-            <a:ext cx="10364452" cy="3427245"/>
-          </a:xfrm>
-        </p:spPr>
-        <p:txBody>
-          <a:bodyPr anchor="ctr"/>
-          <a:lstStyle>
-            <a:lvl1pPr algn="ctr">
-              <a:defRPr sz="3200"/>
-            </a:lvl1pPr>
-          </a:lstStyle>
-          <a:p>
-            <a:r>
-              <a:rPr lang="ru-RU" smtClean="0"/>
-              <a:t>Образец заголовка</a:t>
-            </a:r>
-            <a:endParaRPr lang="en-US" dirty="0"/>
-          </a:p>
-        </p:txBody>
-      </p:sp>
-      <p:sp>
-        <p:nvSpPr>
-          <p:cNvPr id="4" name="Text Placeholder 3"/>
-          <p:cNvSpPr>
-            <a:spLocks noGrp="1"/>
-          </p:cNvSpPr>
-          <p:nvPr>
-            <p:ph type="body" sz="half" idx="2"/>
-          </p:nvPr>
-        </p:nvSpPr>
-        <p:spPr>
-          <a:xfrm>
-            <a:off x="913775" y="4204821"/>
-            <a:ext cx="10364452" cy="1586380"/>
-          </a:xfrm>
-        </p:spPr>
-        <p:txBody>
-          <a:bodyPr anchor="ctr"/>
-          <a:lstStyle>
-            <a:lvl1pPr marL="0" indent="0" algn="ctr">
-              <a:buNone/>
-              <a:defRPr sz="1600"/>
-            </a:lvl1pPr>
-            <a:lvl2pPr marL="457200" indent="0">
-              <a:buNone/>
-              <a:defRPr sz="1400"/>
-            </a:lvl2pPr>
-            <a:lvl3pPr marL="914400" indent="0">
-              <a:buNone/>
-              <a:defRPr sz="1200"/>
-            </a:lvl3pPr>
-            <a:lvl4pPr marL="1371600" indent="0">
-              <a:buNone/>
-              <a:defRPr sz="1000"/>
-            </a:lvl4pPr>
-            <a:lvl5pPr marL="1828800" indent="0">
-              <a:buNone/>
-              <a:defRPr sz="1000"/>
-            </a:lvl5pPr>
-            <a:lvl6pPr marL="2286000" indent="0">
-              <a:buNone/>
-              <a:defRPr sz="1000"/>
-            </a:lvl6pPr>
-            <a:lvl7pPr marL="2743200" indent="0">
-              <a:buNone/>
-              <a:defRPr sz="1000"/>
-            </a:lvl7pPr>
-            <a:lvl8pPr marL="3200400" indent="0">
-              <a:buNone/>
-              <a:defRPr sz="1000"/>
-            </a:lvl8pPr>
-            <a:lvl9pPr marL="3657600" indent="0">
-              <a:buNone/>
-              <a:defRPr sz="1000"/>
-            </a:lvl9pPr>
-          </a:lstStyle>
-          <a:p>
-            <a:pPr lvl="0"/>
-            <a:r>
-              <a:rPr lang="ru-RU" smtClean="0"/>
-              <a:t>Образец текста</a:t>
-            </a:r>
-          </a:p>
-        </p:txBody>
-      </p:sp>
-      <p:sp>
-        <p:nvSpPr>
-          <p:cNvPr id="5" name="Date Placeholder 4"/>
-          <p:cNvSpPr>
-            <a:spLocks noGrp="1"/>
-          </p:cNvSpPr>
-          <p:nvPr>
-            <p:ph type="dt" sz="half" idx="10"/>
-          </p:nvPr>
-        </p:nvSpPr>
-        <p:spPr/>
-        <p:txBody>
-          <a:bodyPr/>
-          <a:lstStyle/>
-          <a:p>
-            <a:fld id="{DDC647A9-AAA3-4641-ACE7-C285BA9E2E71}" type="datetimeFigureOut">
-              <a:rPr lang="ru-RU" smtClean="0"/>
-              <a:t>22.12.2022</a:t>
-            </a:fld>
-            <a:endParaRPr lang="ru-RU"/>
-          </a:p>
-        </p:txBody>
-      </p:sp>
-      <p:sp>
-        <p:nvSpPr>
-          <p:cNvPr id="6" name="Footer Placeholder 5"/>
-          <p:cNvSpPr>
-            <a:spLocks noGrp="1"/>
-          </p:cNvSpPr>
-          <p:nvPr>
-            <p:ph type="ftr" sz="quarter" idx="11"/>
-          </p:nvPr>
-        </p:nvSpPr>
-        <p:spPr/>
-        <p:txBody>
-          <a:bodyPr/>
-          <a:lstStyle/>
-          <a:p>
-            <a:endParaRPr lang="ru-RU"/>
-          </a:p>
-        </p:txBody>
-      </p:sp>
-      <p:sp>
-        <p:nvSpPr>
-          <p:cNvPr id="7" name="Slide Number Placeholder 6"/>
-          <p:cNvSpPr>
-            <a:spLocks noGrp="1"/>
-          </p:cNvSpPr>
-          <p:nvPr>
-            <p:ph type="sldNum" sz="quarter" idx="12"/>
-          </p:nvPr>
-        </p:nvSpPr>
-        <p:spPr/>
-        <p:txBody>
-          <a:bodyPr/>
-          <a:lstStyle/>
-          <a:p>
-            <a:fld id="{D42F785C-AA4B-493A-80E4-B8A9DE114901}" type="slidenum">
-              <a:rPr lang="ru-RU" smtClean="0"/>
-              <a:t>‹#›</a:t>
-            </a:fld>
-            <a:endParaRPr lang="ru-RU"/>
-          </a:p>
-        </p:txBody>
-      </p:sp>
-    </p:spTree>
-    <p:extLst>
-      <p:ext uri="{BB962C8B-B14F-4D97-AF65-F5344CB8AC3E}">
-        <p14:creationId xmlns:p14="http://schemas.microsoft.com/office/powerpoint/2010/main" val="459830540"/>
-      </p:ext>
-    </p:extLst>
-  </p:cSld>
-  <p:clrMapOvr>
-    <a:masterClrMapping/>
-  </p:clrMapOvr>
-</p:sldLayout>
-</file>
-
-<file path=ppt/slideLayouts/slideLayout12.xml><?xml version="1.0" encoding="utf-8"?>
-<p:sldLayout xmlns:a="http://schemas.openxmlformats.org/drawingml/2006/main" xmlns:r="http://schemas.openxmlformats.org/officeDocument/2006/relationships" xmlns:p="http://schemas.openxmlformats.org/presentationml/2006/main" preserve="1">
-  <p:cSld name="Цитата с подписью">
-    <p:spTree>
-      <p:nvGrpSpPr>
-        <p:cNvPr id="1" name=""/>
-        <p:cNvGrpSpPr/>
-        <p:nvPr/>
-      </p:nvGrpSpPr>
-      <p:grpSpPr>
-        <a:xfrm>
-          <a:off x="0" y="0"/>
-          <a:ext cx="0" cy="0"/>
-          <a:chOff x="0" y="0"/>
-          <a:chExt cx="0" cy="0"/>
-        </a:xfrm>
-      </p:grpSpPr>
-      <p:pic>
-        <p:nvPicPr>
-          <p:cNvPr id="11" name="Picture 10" descr="Droplets-HD-Content-R1d.png"/>
-          <p:cNvPicPr>
-            <a:picLocks noChangeAspect="1"/>
-          </p:cNvPicPr>
-          <p:nvPr/>
-        </p:nvPicPr>
-        <p:blipFill>
-          <a:blip r:embed="rId2">
-            <a:extLst>
-              <a:ext uri="{28A0092B-C50C-407E-A947-70E740481C1C}">
-                <a14:useLocalDpi xmlns:a14="http://schemas.microsoft.com/office/drawing/2010/main" val="0"/>
-              </a:ext>
-            </a:extLst>
-          </a:blip>
-          <a:stretch>
-            <a:fillRect/>
-          </a:stretch>
-        </p:blipFill>
-        <p:spPr>
-          <a:xfrm>
-            <a:off x="0" y="0"/>
-            <a:ext cx="12192000" cy="6858000"/>
-          </a:xfrm>
-          <a:prstGeom prst="rect">
-            <a:avLst/>
-          </a:prstGeom>
-        </p:spPr>
-      </p:pic>
-      <p:sp>
-        <p:nvSpPr>
-          <p:cNvPr id="2" name="Title 1"/>
-          <p:cNvSpPr>
-            <a:spLocks noGrp="1"/>
-          </p:cNvSpPr>
-          <p:nvPr>
-            <p:ph type="title"/>
-          </p:nvPr>
-        </p:nvSpPr>
-        <p:spPr>
-          <a:xfrm>
-            <a:off x="1446212" y="609600"/>
-            <a:ext cx="9302752" cy="2992904"/>
-          </a:xfrm>
-        </p:spPr>
-        <p:txBody>
-          <a:bodyPr anchor="ctr"/>
-          <a:lstStyle>
-            <a:lvl1pPr>
-              <a:defRPr sz="3200"/>
-            </a:lvl1pPr>
-          </a:lstStyle>
-          <a:p>
-            <a:r>
-              <a:rPr lang="ru-RU" smtClean="0"/>
-              <a:t>Образец заголовка</a:t>
-            </a:r>
-            <a:endParaRPr lang="en-US" dirty="0"/>
-          </a:p>
-        </p:txBody>
-      </p:sp>
-      <p:sp>
-        <p:nvSpPr>
-          <p:cNvPr id="12" name="Text Placeholder 3"/>
-          <p:cNvSpPr>
-            <a:spLocks noGrp="1"/>
-          </p:cNvSpPr>
-          <p:nvPr>
-            <p:ph type="body" sz="half" idx="13"/>
-          </p:nvPr>
-        </p:nvSpPr>
-        <p:spPr>
-          <a:xfrm>
-            <a:off x="1720644" y="3610032"/>
-            <a:ext cx="8752299" cy="594788"/>
-          </a:xfrm>
-        </p:spPr>
-        <p:txBody>
-          <a:bodyPr anchor="t">
-            <a:normAutofit/>
-          </a:bodyPr>
-          <a:lstStyle>
-            <a:lvl1pPr marL="0" indent="0">
-              <a:buNone/>
-              <a:defRPr sz="1400"/>
-            </a:lvl1pPr>
-            <a:lvl2pPr marL="457200" indent="0">
-              <a:buNone/>
-              <a:defRPr sz="1400"/>
-            </a:lvl2pPr>
-            <a:lvl3pPr marL="914400" indent="0">
-              <a:buNone/>
-              <a:defRPr sz="1200"/>
-            </a:lvl3pPr>
-            <a:lvl4pPr marL="1371600" indent="0">
-              <a:buNone/>
-              <a:defRPr sz="1000"/>
-            </a:lvl4pPr>
-            <a:lvl5pPr marL="1828800" indent="0">
-              <a:buNone/>
-              <a:defRPr sz="1000"/>
-            </a:lvl5pPr>
-            <a:lvl6pPr marL="2286000" indent="0">
-              <a:buNone/>
-              <a:defRPr sz="1000"/>
-            </a:lvl6pPr>
-            <a:lvl7pPr marL="2743200" indent="0">
-              <a:buNone/>
-              <a:defRPr sz="1000"/>
-            </a:lvl7pPr>
-            <a:lvl8pPr marL="3200400" indent="0">
-              <a:buNone/>
-              <a:defRPr sz="1000"/>
-            </a:lvl8pPr>
-            <a:lvl9pPr marL="3657600" indent="0">
-              <a:buNone/>
-              <a:defRPr sz="1000"/>
-            </a:lvl9pPr>
-          </a:lstStyle>
-          <a:p>
-            <a:pPr lvl="0"/>
-            <a:r>
-              <a:rPr lang="ru-RU" smtClean="0"/>
-              <a:t>Образец текста</a:t>
-            </a:r>
-          </a:p>
-        </p:txBody>
-      </p:sp>
-      <p:sp>
-        <p:nvSpPr>
-          <p:cNvPr id="4" name="Text Placeholder 3"/>
-          <p:cNvSpPr>
-            <a:spLocks noGrp="1"/>
-          </p:cNvSpPr>
-          <p:nvPr>
-            <p:ph type="body" sz="half" idx="2"/>
-          </p:nvPr>
-        </p:nvSpPr>
-        <p:spPr>
-          <a:xfrm>
-            <a:off x="913774" y="4372796"/>
-            <a:ext cx="10364452" cy="1421053"/>
-          </a:xfrm>
-        </p:spPr>
-        <p:txBody>
-          <a:bodyPr anchor="ctr">
-            <a:normAutofit/>
-          </a:bodyPr>
-          <a:lstStyle>
-            <a:lvl1pPr marL="0" indent="0" algn="ctr">
-              <a:buNone/>
-              <a:defRPr sz="1600"/>
-            </a:lvl1pPr>
-            <a:lvl2pPr marL="457200" indent="0">
-              <a:buNone/>
-              <a:defRPr sz="1400"/>
-            </a:lvl2pPr>
-            <a:lvl3pPr marL="914400" indent="0">
-              <a:buNone/>
-              <a:defRPr sz="1200"/>
-            </a:lvl3pPr>
-            <a:lvl4pPr marL="1371600" indent="0">
-              <a:buNone/>
-              <a:defRPr sz="1000"/>
-            </a:lvl4pPr>
-            <a:lvl5pPr marL="1828800" indent="0">
-              <a:buNone/>
-              <a:defRPr sz="1000"/>
-            </a:lvl5pPr>
-            <a:lvl6pPr marL="2286000" indent="0">
-              <a:buNone/>
-              <a:defRPr sz="1000"/>
-            </a:lvl6pPr>
-            <a:lvl7pPr marL="2743200" indent="0">
-              <a:buNone/>
-              <a:defRPr sz="1000"/>
-            </a:lvl7pPr>
-            <a:lvl8pPr marL="3200400" indent="0">
-              <a:buNone/>
-              <a:defRPr sz="1000"/>
-            </a:lvl8pPr>
-            <a:lvl9pPr marL="3657600" indent="0">
-              <a:buNone/>
-              <a:defRPr sz="1000"/>
-            </a:lvl9pPr>
-          </a:lstStyle>
-          <a:p>
-            <a:pPr lvl="0"/>
-            <a:r>
-              <a:rPr lang="ru-RU" smtClean="0"/>
-              <a:t>Образец текста</a:t>
-            </a:r>
-          </a:p>
-        </p:txBody>
-      </p:sp>
-      <p:sp>
-        <p:nvSpPr>
-          <p:cNvPr id="5" name="Date Placeholder 4"/>
-          <p:cNvSpPr>
-            <a:spLocks noGrp="1"/>
-          </p:cNvSpPr>
-          <p:nvPr>
-            <p:ph type="dt" sz="half" idx="10"/>
-          </p:nvPr>
-        </p:nvSpPr>
-        <p:spPr/>
-        <p:txBody>
-          <a:bodyPr/>
-          <a:lstStyle/>
-          <a:p>
-            <a:fld id="{DDC647A9-AAA3-4641-ACE7-C285BA9E2E71}" type="datetimeFigureOut">
-              <a:rPr lang="ru-RU" smtClean="0"/>
-              <a:t>22.12.2022</a:t>
-            </a:fld>
-            <a:endParaRPr lang="ru-RU"/>
-          </a:p>
-        </p:txBody>
-      </p:sp>
-      <p:sp>
-        <p:nvSpPr>
-          <p:cNvPr id="6" name="Footer Placeholder 5"/>
-          <p:cNvSpPr>
-            <a:spLocks noGrp="1"/>
-          </p:cNvSpPr>
-          <p:nvPr>
-            <p:ph type="ftr" sz="quarter" idx="11"/>
-          </p:nvPr>
-        </p:nvSpPr>
-        <p:spPr/>
-        <p:txBody>
-          <a:bodyPr/>
-          <a:lstStyle/>
-          <a:p>
-            <a:endParaRPr lang="ru-RU"/>
-          </a:p>
-        </p:txBody>
-      </p:sp>
-      <p:sp>
-        <p:nvSpPr>
-          <p:cNvPr id="7" name="Slide Number Placeholder 6"/>
-          <p:cNvSpPr>
-            <a:spLocks noGrp="1"/>
-          </p:cNvSpPr>
-          <p:nvPr>
-            <p:ph type="sldNum" sz="quarter" idx="12"/>
-          </p:nvPr>
-        </p:nvSpPr>
-        <p:spPr/>
-        <p:txBody>
-          <a:bodyPr/>
-          <a:lstStyle/>
-          <a:p>
-            <a:fld id="{D42F785C-AA4B-493A-80E4-B8A9DE114901}" type="slidenum">
-              <a:rPr lang="ru-RU" smtClean="0"/>
-              <a:t>‹#›</a:t>
-            </a:fld>
-            <a:endParaRPr lang="ru-RU"/>
-          </a:p>
-        </p:txBody>
-      </p:sp>
-      <p:sp>
-        <p:nvSpPr>
-          <p:cNvPr id="13" name="TextBox 12"/>
-          <p:cNvSpPr txBox="1"/>
-          <p:nvPr/>
-        </p:nvSpPr>
-        <p:spPr>
-          <a:xfrm>
-            <a:off x="1001488" y="754166"/>
-            <a:ext cx="609600" cy="584776"/>
-          </a:xfrm>
-          <a:prstGeom prst="rect">
-            <a:avLst/>
-          </a:prstGeom>
-        </p:spPr>
-        <p:txBody>
-          <a:bodyPr vert="horz" lIns="91440" tIns="45720" rIns="91440" bIns="45720" rtlCol="0" anchor="ctr">
-            <a:noAutofit/>
-          </a:bodyPr>
-          <a:lstStyle>
-            <a:lvl1pPr>
-              <a:spcBef>
-                <a:spcPct val="0"/>
-              </a:spcBef>
-              <a:buNone/>
-              <a:defRPr sz="3200" b="0" cap="all">
-                <a:ln w="3175" cmpd="sng">
-                  <a:noFill/>
-                </a:ln>
-                <a:effectLst>
-                  <a:glow rad="38100">
-                    <a:schemeClr val="bg1">
-                      <a:lumMod val="65000"/>
-                      <a:lumOff val="35000"/>
-                      <a:alpha val="40000"/>
-                    </a:schemeClr>
-                  </a:glow>
-                  <a:outerShdw blurRad="28575" dist="38100" dir="14040000" algn="tl" rotWithShape="0">
-                    <a:srgbClr val="000000">
-                      <a:alpha val="25000"/>
-                    </a:srgbClr>
-                  </a:outerShdw>
-                </a:effectLst>
-              </a:defRPr>
-            </a:lvl1pPr>
-            <a:lvl2pPr>
-              <a:defRPr>
-                <a:solidFill>
-                  <a:schemeClr val="tx2"/>
-                </a:solidFill>
-              </a:defRPr>
-            </a:lvl2pPr>
-            <a:lvl3pPr>
-              <a:defRPr>
-                <a:solidFill>
-                  <a:schemeClr val="tx2"/>
-                </a:solidFill>
-              </a:defRPr>
-            </a:lvl3pPr>
-            <a:lvl4pPr>
-              <a:defRPr>
-                <a:solidFill>
-                  <a:schemeClr val="tx2"/>
-                </a:solidFill>
-              </a:defRPr>
-            </a:lvl4pPr>
-            <a:lvl5pPr>
-              <a:defRPr>
-                <a:solidFill>
-                  <a:schemeClr val="tx2"/>
-                </a:solidFill>
-              </a:defRPr>
-            </a:lvl5pPr>
-            <a:lvl6pPr>
-              <a:defRPr>
-                <a:solidFill>
-                  <a:schemeClr val="tx2"/>
-                </a:solidFill>
-              </a:defRPr>
-            </a:lvl6pPr>
-            <a:lvl7pPr>
-              <a:defRPr>
-                <a:solidFill>
-                  <a:schemeClr val="tx2"/>
-                </a:solidFill>
-              </a:defRPr>
-            </a:lvl7pPr>
-            <a:lvl8pPr>
-              <a:defRPr>
-                <a:solidFill>
-                  <a:schemeClr val="tx2"/>
-                </a:solidFill>
-              </a:defRPr>
-            </a:lvl8pPr>
-            <a:lvl9pPr>
-              <a:defRPr>
-                <a:solidFill>
-                  <a:schemeClr val="tx2"/>
-                </a:solidFill>
-              </a:defRPr>
-            </a:lvl9pPr>
-          </a:lstStyle>
-          <a:p>
-            <a:pPr lvl="0"/>
-            <a:r>
-              <a:rPr lang="en-US" sz="8000" dirty="0">
-                <a:solidFill>
-                  <a:schemeClr val="tx1"/>
-                </a:solidFill>
-                <a:effectLst/>
-              </a:rPr>
-              <a:t>“</a:t>
-            </a:r>
-          </a:p>
-        </p:txBody>
-      </p:sp>
-      <p:sp>
-        <p:nvSpPr>
-          <p:cNvPr id="14" name="TextBox 13"/>
-          <p:cNvSpPr txBox="1"/>
-          <p:nvPr/>
-        </p:nvSpPr>
-        <p:spPr>
-          <a:xfrm>
-            <a:off x="10557558" y="2993578"/>
-            <a:ext cx="609600" cy="584776"/>
-          </a:xfrm>
-          <a:prstGeom prst="rect">
-            <a:avLst/>
-          </a:prstGeom>
-        </p:spPr>
-        <p:txBody>
-          <a:bodyPr vert="horz" lIns="91440" tIns="45720" rIns="91440" bIns="45720" rtlCol="0" anchor="ctr">
-            <a:noAutofit/>
-          </a:bodyPr>
-          <a:lstStyle>
-            <a:lvl1pPr>
-              <a:spcBef>
-                <a:spcPct val="0"/>
-              </a:spcBef>
-              <a:buNone/>
-              <a:defRPr sz="3200" b="0" cap="all">
-                <a:ln w="3175" cmpd="sng">
-                  <a:noFill/>
-                </a:ln>
-                <a:effectLst>
-                  <a:glow rad="38100">
-                    <a:schemeClr val="bg1">
-                      <a:lumMod val="65000"/>
-                      <a:lumOff val="35000"/>
-                      <a:alpha val="40000"/>
-                    </a:schemeClr>
-                  </a:glow>
-                  <a:outerShdw blurRad="28575" dist="38100" dir="14040000" algn="tl" rotWithShape="0">
-                    <a:srgbClr val="000000">
-                      <a:alpha val="25000"/>
-                    </a:srgbClr>
-                  </a:outerShdw>
-                </a:effectLst>
-              </a:defRPr>
-            </a:lvl1pPr>
-            <a:lvl2pPr>
-              <a:defRPr>
-                <a:solidFill>
-                  <a:schemeClr val="tx2"/>
-                </a:solidFill>
-              </a:defRPr>
-            </a:lvl2pPr>
-            <a:lvl3pPr>
-              <a:defRPr>
-                <a:solidFill>
-                  <a:schemeClr val="tx2"/>
-                </a:solidFill>
-              </a:defRPr>
-            </a:lvl3pPr>
-            <a:lvl4pPr>
-              <a:defRPr>
-                <a:solidFill>
-                  <a:schemeClr val="tx2"/>
-                </a:solidFill>
-              </a:defRPr>
-            </a:lvl4pPr>
-            <a:lvl5pPr>
-              <a:defRPr>
-                <a:solidFill>
-                  <a:schemeClr val="tx2"/>
-                </a:solidFill>
-              </a:defRPr>
-            </a:lvl5pPr>
-            <a:lvl6pPr>
-              <a:defRPr>
-                <a:solidFill>
-                  <a:schemeClr val="tx2"/>
-                </a:solidFill>
-              </a:defRPr>
-            </a:lvl6pPr>
-            <a:lvl7pPr>
-              <a:defRPr>
-                <a:solidFill>
-                  <a:schemeClr val="tx2"/>
-                </a:solidFill>
-              </a:defRPr>
-            </a:lvl7pPr>
-            <a:lvl8pPr>
-              <a:defRPr>
-                <a:solidFill>
-                  <a:schemeClr val="tx2"/>
-                </a:solidFill>
-              </a:defRPr>
-            </a:lvl8pPr>
-            <a:lvl9pPr>
-              <a:defRPr>
-                <a:solidFill>
-                  <a:schemeClr val="tx2"/>
-                </a:solidFill>
-              </a:defRPr>
-            </a:lvl9pPr>
-          </a:lstStyle>
-          <a:p>
-            <a:pPr lvl="0" algn="r"/>
-            <a:r>
-              <a:rPr lang="en-US" sz="8000" dirty="0">
-                <a:solidFill>
-                  <a:schemeClr val="tx1"/>
-                </a:solidFill>
-                <a:effectLst/>
-              </a:rPr>
-              <a:t>”</a:t>
-            </a:r>
-          </a:p>
-        </p:txBody>
-      </p:sp>
-    </p:spTree>
-    <p:extLst>
-      <p:ext uri="{BB962C8B-B14F-4D97-AF65-F5344CB8AC3E}">
-        <p14:creationId xmlns:p14="http://schemas.microsoft.com/office/powerpoint/2010/main" val="3593462192"/>
-      </p:ext>
-    </p:extLst>
-  </p:cSld>
-  <p:clrMapOvr>
-    <a:masterClrMapping/>
-  </p:clrMapOvr>
-</p:sldLayout>
-</file>
-
-<file path=ppt/slideLayouts/slideLayout13.xml><?xml version="1.0" encoding="utf-8"?>
-<p:sldLayout xmlns:a="http://schemas.openxmlformats.org/drawingml/2006/main" xmlns:r="http://schemas.openxmlformats.org/officeDocument/2006/relationships" xmlns:p="http://schemas.openxmlformats.org/presentationml/2006/main" preserve="1">
-  <p:cSld name="Карточка имени">
-    <p:spTree>
-      <p:nvGrpSpPr>
-        <p:cNvPr id="1" name=""/>
-        <p:cNvGrpSpPr/>
-        <p:nvPr/>
-      </p:nvGrpSpPr>
-      <p:grpSpPr>
-        <a:xfrm>
-          <a:off x="0" y="0"/>
-          <a:ext cx="0" cy="0"/>
-          <a:chOff x="0" y="0"/>
-          <a:chExt cx="0" cy="0"/>
-        </a:xfrm>
-      </p:grpSpPr>
-      <p:pic>
-        <p:nvPicPr>
-          <p:cNvPr id="8" name="Picture 7" descr="Droplets-HD-Content-R1d.png"/>
-          <p:cNvPicPr>
-            <a:picLocks noChangeAspect="1"/>
-          </p:cNvPicPr>
-          <p:nvPr/>
-        </p:nvPicPr>
-        <p:blipFill>
-          <a:blip r:embed="rId2">
-            <a:extLst>
-              <a:ext uri="{28A0092B-C50C-407E-A947-70E740481C1C}">
-                <a14:useLocalDpi xmlns:a14="http://schemas.microsoft.com/office/drawing/2010/main" val="0"/>
-              </a:ext>
-            </a:extLst>
-          </a:blip>
-          <a:stretch>
-            <a:fillRect/>
-          </a:stretch>
-        </p:blipFill>
-        <p:spPr>
-          <a:xfrm>
-            <a:off x="0" y="0"/>
-            <a:ext cx="12192000" cy="6858000"/>
-          </a:xfrm>
-          <a:prstGeom prst="rect">
-            <a:avLst/>
-          </a:prstGeom>
-        </p:spPr>
-      </p:pic>
-      <p:sp>
-        <p:nvSpPr>
-          <p:cNvPr id="2" name="Title 1"/>
-          <p:cNvSpPr>
-            <a:spLocks noGrp="1"/>
-          </p:cNvSpPr>
-          <p:nvPr>
-            <p:ph type="title"/>
-          </p:nvPr>
-        </p:nvSpPr>
-        <p:spPr>
-          <a:xfrm>
-            <a:off x="913775" y="2138721"/>
-            <a:ext cx="10364452" cy="2511835"/>
-          </a:xfrm>
-        </p:spPr>
-        <p:txBody>
-          <a:bodyPr anchor="b"/>
-          <a:lstStyle>
-            <a:lvl1pPr algn="ctr">
-              <a:defRPr sz="3200"/>
-            </a:lvl1pPr>
-          </a:lstStyle>
-          <a:p>
-            <a:r>
-              <a:rPr lang="ru-RU" smtClean="0"/>
-              <a:t>Образец заголовка</a:t>
-            </a:r>
-            <a:endParaRPr lang="en-US" dirty="0"/>
-          </a:p>
-        </p:txBody>
-      </p:sp>
-      <p:sp>
-        <p:nvSpPr>
-          <p:cNvPr id="4" name="Text Placeholder 3"/>
-          <p:cNvSpPr>
-            <a:spLocks noGrp="1"/>
-          </p:cNvSpPr>
-          <p:nvPr>
-            <p:ph type="body" sz="half" idx="2"/>
-          </p:nvPr>
-        </p:nvSpPr>
-        <p:spPr>
-          <a:xfrm>
-            <a:off x="913775" y="4662335"/>
-            <a:ext cx="10364452" cy="1140644"/>
-          </a:xfrm>
-        </p:spPr>
-        <p:txBody>
-          <a:bodyPr anchor="t"/>
-          <a:lstStyle>
-            <a:lvl1pPr marL="0" indent="0" algn="ctr">
-              <a:buNone/>
-              <a:defRPr sz="1600"/>
-            </a:lvl1pPr>
-            <a:lvl2pPr marL="457200" indent="0">
-              <a:buNone/>
-              <a:defRPr sz="1400"/>
-            </a:lvl2pPr>
-            <a:lvl3pPr marL="914400" indent="0">
-              <a:buNone/>
-              <a:defRPr sz="1200"/>
-            </a:lvl3pPr>
-            <a:lvl4pPr marL="1371600" indent="0">
-              <a:buNone/>
-              <a:defRPr sz="1000"/>
-            </a:lvl4pPr>
-            <a:lvl5pPr marL="1828800" indent="0">
-              <a:buNone/>
-              <a:defRPr sz="1000"/>
-            </a:lvl5pPr>
-            <a:lvl6pPr marL="2286000" indent="0">
-              <a:buNone/>
-              <a:defRPr sz="1000"/>
-            </a:lvl6pPr>
-            <a:lvl7pPr marL="2743200" indent="0">
-              <a:buNone/>
-              <a:defRPr sz="1000"/>
-            </a:lvl7pPr>
-            <a:lvl8pPr marL="3200400" indent="0">
-              <a:buNone/>
-              <a:defRPr sz="1000"/>
-            </a:lvl8pPr>
-            <a:lvl9pPr marL="3657600" indent="0">
-              <a:buNone/>
-              <a:defRPr sz="1000"/>
-            </a:lvl9pPr>
-          </a:lstStyle>
-          <a:p>
-            <a:pPr lvl="0"/>
-            <a:r>
-              <a:rPr lang="ru-RU" smtClean="0"/>
-              <a:t>Образец текста</a:t>
-            </a:r>
-          </a:p>
-        </p:txBody>
-      </p:sp>
-      <p:sp>
-        <p:nvSpPr>
-          <p:cNvPr id="5" name="Date Placeholder 4"/>
-          <p:cNvSpPr>
-            <a:spLocks noGrp="1"/>
-          </p:cNvSpPr>
-          <p:nvPr>
-            <p:ph type="dt" sz="half" idx="10"/>
-          </p:nvPr>
-        </p:nvSpPr>
-        <p:spPr/>
-        <p:txBody>
-          <a:bodyPr/>
-          <a:lstStyle/>
-          <a:p>
-            <a:fld id="{DDC647A9-AAA3-4641-ACE7-C285BA9E2E71}" type="datetimeFigureOut">
-              <a:rPr lang="ru-RU" smtClean="0"/>
-              <a:t>22.12.2022</a:t>
-            </a:fld>
-            <a:endParaRPr lang="ru-RU"/>
-          </a:p>
-        </p:txBody>
-      </p:sp>
-      <p:sp>
-        <p:nvSpPr>
-          <p:cNvPr id="6" name="Footer Placeholder 5"/>
-          <p:cNvSpPr>
-            <a:spLocks noGrp="1"/>
-          </p:cNvSpPr>
-          <p:nvPr>
-            <p:ph type="ftr" sz="quarter" idx="11"/>
-          </p:nvPr>
-        </p:nvSpPr>
-        <p:spPr/>
-        <p:txBody>
-          <a:bodyPr/>
-          <a:lstStyle/>
-          <a:p>
-            <a:endParaRPr lang="ru-RU"/>
-          </a:p>
-        </p:txBody>
-      </p:sp>
-      <p:sp>
-        <p:nvSpPr>
-          <p:cNvPr id="7" name="Slide Number Placeholder 6"/>
-          <p:cNvSpPr>
-            <a:spLocks noGrp="1"/>
-          </p:cNvSpPr>
-          <p:nvPr>
-            <p:ph type="sldNum" sz="quarter" idx="12"/>
-          </p:nvPr>
-        </p:nvSpPr>
-        <p:spPr/>
-        <p:txBody>
-          <a:bodyPr/>
-          <a:lstStyle/>
-          <a:p>
-            <a:fld id="{D42F785C-AA4B-493A-80E4-B8A9DE114901}" type="slidenum">
-              <a:rPr lang="ru-RU" smtClean="0"/>
-              <a:t>‹#›</a:t>
-            </a:fld>
-            <a:endParaRPr lang="ru-RU"/>
-          </a:p>
-        </p:txBody>
-      </p:sp>
-    </p:spTree>
-    <p:extLst>
-      <p:ext uri="{BB962C8B-B14F-4D97-AF65-F5344CB8AC3E}">
-        <p14:creationId xmlns:p14="http://schemas.microsoft.com/office/powerpoint/2010/main" val="3788603515"/>
-      </p:ext>
-    </p:extLst>
-  </p:cSld>
-  <p:clrMapOvr>
-    <a:masterClrMapping/>
-  </p:clrMapOvr>
-</p:sldLayout>
-</file>
-
-<file path=ppt/slideLayouts/slideLayout14.xml><?xml version="1.0" encoding="utf-8"?>
-<p:sldLayout xmlns:a="http://schemas.openxmlformats.org/drawingml/2006/main" xmlns:r="http://schemas.openxmlformats.org/officeDocument/2006/relationships" xmlns:p="http://schemas.openxmlformats.org/presentationml/2006/main" preserve="1">
-  <p:cSld name="Три колонки">
-    <p:spTree>
-      <p:nvGrpSpPr>
-        <p:cNvPr id="1" name=""/>
-        <p:cNvGrpSpPr/>
-        <p:nvPr/>
-      </p:nvGrpSpPr>
-      <p:grpSpPr>
-        <a:xfrm>
-          <a:off x="0" y="0"/>
-          <a:ext cx="0" cy="0"/>
-          <a:chOff x="0" y="0"/>
-          <a:chExt cx="0" cy="0"/>
-        </a:xfrm>
-      </p:grpSpPr>
-      <p:pic>
-        <p:nvPicPr>
-          <p:cNvPr id="13" name="Picture 12" descr="Droplets-HD-Content-R1d.png"/>
-          <p:cNvPicPr>
-            <a:picLocks noChangeAspect="1"/>
-          </p:cNvPicPr>
-          <p:nvPr/>
-        </p:nvPicPr>
-        <p:blipFill>
-          <a:blip r:embed="rId2">
-            <a:extLst>
-              <a:ext uri="{28A0092B-C50C-407E-A947-70E740481C1C}">
-                <a14:useLocalDpi xmlns:a14="http://schemas.microsoft.com/office/drawing/2010/main" val="0"/>
-              </a:ext>
-            </a:extLst>
-          </a:blip>
-          <a:stretch>
-            <a:fillRect/>
-          </a:stretch>
-        </p:blipFill>
-        <p:spPr>
-          <a:xfrm>
-            <a:off x="0" y="0"/>
-            <a:ext cx="12192000" cy="6858000"/>
-          </a:xfrm>
-          <a:prstGeom prst="rect">
-            <a:avLst/>
-          </a:prstGeom>
-        </p:spPr>
-      </p:pic>
-      <p:sp>
-        <p:nvSpPr>
-          <p:cNvPr id="15" name="Title 1"/>
-          <p:cNvSpPr>
-            <a:spLocks noGrp="1"/>
-          </p:cNvSpPr>
-          <p:nvPr>
-            <p:ph type="title"/>
-          </p:nvPr>
-        </p:nvSpPr>
-        <p:spPr>
-          <a:xfrm>
-            <a:off x="913774" y="609600"/>
-            <a:ext cx="10364452" cy="1605094"/>
-          </a:xfrm>
-        </p:spPr>
-        <p:txBody>
-          <a:bodyPr/>
-          <a:lstStyle/>
-          <a:p>
-            <a:r>
-              <a:rPr lang="ru-RU" smtClean="0"/>
-              <a:t>Образец заголовка</a:t>
-            </a:r>
-            <a:endParaRPr lang="en-US" dirty="0"/>
-          </a:p>
-        </p:txBody>
-      </p:sp>
-      <p:sp>
-        <p:nvSpPr>
-          <p:cNvPr id="7" name="Text Placeholder 2"/>
-          <p:cNvSpPr>
-            <a:spLocks noGrp="1"/>
-          </p:cNvSpPr>
-          <p:nvPr>
-            <p:ph type="body" idx="1"/>
-          </p:nvPr>
-        </p:nvSpPr>
-        <p:spPr>
-          <a:xfrm>
-            <a:off x="913774" y="2367093"/>
-            <a:ext cx="3298976" cy="576262"/>
-          </a:xfrm>
-        </p:spPr>
-        <p:txBody>
-          <a:bodyPr anchor="b">
-            <a:noAutofit/>
-          </a:bodyPr>
-          <a:lstStyle>
-            <a:lvl1pPr marL="0" indent="0" algn="ctr">
-              <a:lnSpc>
-                <a:spcPct val="85000"/>
-              </a:lnSpc>
-              <a:buNone/>
-              <a:defRPr sz="2400" b="0">
-                <a:solidFill>
-                  <a:schemeClr val="tx1"/>
-                </a:solidFill>
-              </a:defRPr>
-            </a:lvl1pPr>
-            <a:lvl2pPr marL="457200" indent="0">
-              <a:buNone/>
-              <a:defRPr sz="2000" b="1"/>
-            </a:lvl2pPr>
-            <a:lvl3pPr marL="914400" indent="0">
-              <a:buNone/>
-              <a:defRPr sz="1800" b="1"/>
-            </a:lvl3pPr>
-            <a:lvl4pPr marL="1371600" indent="0">
-              <a:buNone/>
-              <a:defRPr sz="1600" b="1"/>
-            </a:lvl4pPr>
-            <a:lvl5pPr marL="1828800" indent="0">
-              <a:buNone/>
-              <a:defRPr sz="1600" b="1"/>
-            </a:lvl5pPr>
-            <a:lvl6pPr marL="2286000" indent="0">
-              <a:buNone/>
-              <a:defRPr sz="1600" b="1"/>
-            </a:lvl6pPr>
-            <a:lvl7pPr marL="2743200" indent="0">
-              <a:buNone/>
-              <a:defRPr sz="1600" b="1"/>
-            </a:lvl7pPr>
-            <a:lvl8pPr marL="3200400" indent="0">
-              <a:buNone/>
-              <a:defRPr sz="1600" b="1"/>
-            </a:lvl8pPr>
-            <a:lvl9pPr marL="3657600" indent="0">
-              <a:buNone/>
-              <a:defRPr sz="1600" b="1"/>
-            </a:lvl9pPr>
-          </a:lstStyle>
-          <a:p>
-            <a:pPr lvl="0"/>
-            <a:r>
-              <a:rPr lang="ru-RU" smtClean="0"/>
-              <a:t>Образец текста</a:t>
-            </a:r>
-          </a:p>
-        </p:txBody>
-      </p:sp>
-      <p:sp>
-        <p:nvSpPr>
-          <p:cNvPr id="8" name="Text Placeholder 3"/>
-          <p:cNvSpPr>
-            <a:spLocks noGrp="1"/>
-          </p:cNvSpPr>
-          <p:nvPr>
-            <p:ph type="body" sz="half" idx="15"/>
-          </p:nvPr>
-        </p:nvSpPr>
-        <p:spPr>
-          <a:xfrm>
-            <a:off x="913774" y="2943355"/>
-            <a:ext cx="3298976" cy="2847845"/>
-          </a:xfrm>
-        </p:spPr>
-        <p:txBody>
-          <a:bodyPr anchor="t">
-            <a:normAutofit/>
-          </a:bodyPr>
-          <a:lstStyle>
-            <a:lvl1pPr marL="0" indent="0" algn="ctr">
-              <a:buNone/>
-              <a:defRPr sz="1400"/>
-            </a:lvl1pPr>
-            <a:lvl2pPr marL="457200" indent="0">
-              <a:buNone/>
-              <a:defRPr sz="1200"/>
-            </a:lvl2pPr>
-            <a:lvl3pPr marL="914400" indent="0">
-              <a:buNone/>
-              <a:defRPr sz="1000"/>
-            </a:lvl3pPr>
-            <a:lvl4pPr marL="1371600" indent="0">
-              <a:buNone/>
-              <a:defRPr sz="900"/>
-            </a:lvl4pPr>
-            <a:lvl5pPr marL="1828800" indent="0">
-              <a:buNone/>
-              <a:defRPr sz="900"/>
-            </a:lvl5pPr>
-            <a:lvl6pPr marL="2286000" indent="0">
-              <a:buNone/>
-              <a:defRPr sz="900"/>
-            </a:lvl6pPr>
-            <a:lvl7pPr marL="2743200" indent="0">
-              <a:buNone/>
-              <a:defRPr sz="900"/>
-            </a:lvl7pPr>
-            <a:lvl8pPr marL="3200400" indent="0">
-              <a:buNone/>
-              <a:defRPr sz="900"/>
-            </a:lvl8pPr>
-            <a:lvl9pPr marL="3657600" indent="0">
-              <a:buNone/>
-              <a:defRPr sz="900"/>
-            </a:lvl9pPr>
-          </a:lstStyle>
-          <a:p>
-            <a:pPr lvl="0"/>
-            <a:r>
-              <a:rPr lang="ru-RU" smtClean="0"/>
-              <a:t>Образец текста</a:t>
-            </a:r>
-          </a:p>
-        </p:txBody>
-      </p:sp>
-      <p:sp>
-        <p:nvSpPr>
-          <p:cNvPr id="9" name="Text Placeholder 4"/>
-          <p:cNvSpPr>
-            <a:spLocks noGrp="1"/>
-          </p:cNvSpPr>
-          <p:nvPr>
-            <p:ph type="body" sz="quarter" idx="3"/>
-          </p:nvPr>
-        </p:nvSpPr>
-        <p:spPr>
-          <a:xfrm>
-            <a:off x="4452389" y="2367093"/>
-            <a:ext cx="3291521" cy="576262"/>
-          </a:xfrm>
-        </p:spPr>
-        <p:txBody>
-          <a:bodyPr anchor="b">
-            <a:noAutofit/>
-          </a:bodyPr>
-          <a:lstStyle>
-            <a:lvl1pPr marL="0" indent="0" algn="ctr">
-              <a:lnSpc>
-                <a:spcPct val="85000"/>
-              </a:lnSpc>
-              <a:buNone/>
-              <a:defRPr sz="2400" b="0">
-                <a:solidFill>
-                  <a:schemeClr val="tx1"/>
-                </a:solidFill>
-              </a:defRPr>
-            </a:lvl1pPr>
-            <a:lvl2pPr marL="457200" indent="0">
-              <a:buNone/>
-              <a:defRPr sz="2000" b="1"/>
-            </a:lvl2pPr>
-            <a:lvl3pPr marL="914400" indent="0">
-              <a:buNone/>
-              <a:defRPr sz="1800" b="1"/>
-            </a:lvl3pPr>
-            <a:lvl4pPr marL="1371600" indent="0">
-              <a:buNone/>
-              <a:defRPr sz="1600" b="1"/>
-            </a:lvl4pPr>
-            <a:lvl5pPr marL="1828800" indent="0">
-              <a:buNone/>
-              <a:defRPr sz="1600" b="1"/>
-            </a:lvl5pPr>
-            <a:lvl6pPr marL="2286000" indent="0">
-              <a:buNone/>
-              <a:defRPr sz="1600" b="1"/>
-            </a:lvl6pPr>
-            <a:lvl7pPr marL="2743200" indent="0">
-              <a:buNone/>
-              <a:defRPr sz="1600" b="1"/>
-            </a:lvl7pPr>
-            <a:lvl8pPr marL="3200400" indent="0">
-              <a:buNone/>
-              <a:defRPr sz="1600" b="1"/>
-            </a:lvl8pPr>
-            <a:lvl9pPr marL="3657600" indent="0">
-              <a:buNone/>
-              <a:defRPr sz="1600" b="1"/>
-            </a:lvl9pPr>
-          </a:lstStyle>
-          <a:p>
-            <a:pPr lvl="0"/>
-            <a:r>
-              <a:rPr lang="ru-RU" smtClean="0"/>
-              <a:t>Образец текста</a:t>
-            </a:r>
-          </a:p>
-        </p:txBody>
-      </p:sp>
-      <p:sp>
-        <p:nvSpPr>
-          <p:cNvPr id="10" name="Text Placeholder 3"/>
-          <p:cNvSpPr>
-            <a:spLocks noGrp="1"/>
-          </p:cNvSpPr>
-          <p:nvPr>
-            <p:ph type="body" sz="half" idx="16"/>
-          </p:nvPr>
-        </p:nvSpPr>
-        <p:spPr>
-          <a:xfrm>
-            <a:off x="4441348" y="2943355"/>
-            <a:ext cx="3303351" cy="2847845"/>
-          </a:xfrm>
-        </p:spPr>
-        <p:txBody>
-          <a:bodyPr anchor="t">
-            <a:normAutofit/>
-          </a:bodyPr>
-          <a:lstStyle>
-            <a:lvl1pPr marL="0" indent="0" algn="ctr">
-              <a:buNone/>
-              <a:defRPr sz="1400"/>
-            </a:lvl1pPr>
-            <a:lvl2pPr marL="457200" indent="0">
-              <a:buNone/>
-              <a:defRPr sz="1200"/>
-            </a:lvl2pPr>
-            <a:lvl3pPr marL="914400" indent="0">
-              <a:buNone/>
-              <a:defRPr sz="1000"/>
-            </a:lvl3pPr>
-            <a:lvl4pPr marL="1371600" indent="0">
-              <a:buNone/>
-              <a:defRPr sz="900"/>
-            </a:lvl4pPr>
-            <a:lvl5pPr marL="1828800" indent="0">
-              <a:buNone/>
-              <a:defRPr sz="900"/>
-            </a:lvl5pPr>
-            <a:lvl6pPr marL="2286000" indent="0">
-              <a:buNone/>
-              <a:defRPr sz="900"/>
-            </a:lvl6pPr>
-            <a:lvl7pPr marL="2743200" indent="0">
-              <a:buNone/>
-              <a:defRPr sz="900"/>
-            </a:lvl7pPr>
-            <a:lvl8pPr marL="3200400" indent="0">
-              <a:buNone/>
-              <a:defRPr sz="900"/>
-            </a:lvl8pPr>
-            <a:lvl9pPr marL="3657600" indent="0">
-              <a:buNone/>
-              <a:defRPr sz="900"/>
-            </a:lvl9pPr>
-          </a:lstStyle>
-          <a:p>
-            <a:pPr lvl="0"/>
-            <a:r>
-              <a:rPr lang="ru-RU" smtClean="0"/>
-              <a:t>Образец текста</a:t>
-            </a:r>
-          </a:p>
-        </p:txBody>
-      </p:sp>
-      <p:sp>
-        <p:nvSpPr>
-          <p:cNvPr id="11" name="Text Placeholder 4"/>
-          <p:cNvSpPr>
-            <a:spLocks noGrp="1"/>
-          </p:cNvSpPr>
-          <p:nvPr>
-            <p:ph type="body" sz="quarter" idx="13"/>
-          </p:nvPr>
-        </p:nvSpPr>
-        <p:spPr>
-          <a:xfrm>
-            <a:off x="7973298" y="2367093"/>
-            <a:ext cx="3304928" cy="576262"/>
-          </a:xfrm>
-        </p:spPr>
-        <p:txBody>
-          <a:bodyPr anchor="b">
-            <a:noAutofit/>
-          </a:bodyPr>
-          <a:lstStyle>
-            <a:lvl1pPr marL="0" indent="0" algn="ctr">
-              <a:lnSpc>
-                <a:spcPct val="85000"/>
-              </a:lnSpc>
-              <a:buNone/>
-              <a:defRPr sz="2400" b="0">
-                <a:solidFill>
-                  <a:schemeClr val="tx1"/>
-                </a:solidFill>
-              </a:defRPr>
-            </a:lvl1pPr>
-            <a:lvl2pPr marL="457200" indent="0">
-              <a:buNone/>
-              <a:defRPr sz="2000" b="1"/>
-            </a:lvl2pPr>
-            <a:lvl3pPr marL="914400" indent="0">
-              <a:buNone/>
-              <a:defRPr sz="1800" b="1"/>
-            </a:lvl3pPr>
-            <a:lvl4pPr marL="1371600" indent="0">
-              <a:buNone/>
-              <a:defRPr sz="1600" b="1"/>
-            </a:lvl4pPr>
-            <a:lvl5pPr marL="1828800" indent="0">
-              <a:buNone/>
-              <a:defRPr sz="1600" b="1"/>
-            </a:lvl5pPr>
-            <a:lvl6pPr marL="2286000" indent="0">
-              <a:buNone/>
-              <a:defRPr sz="1600" b="1"/>
-            </a:lvl6pPr>
-            <a:lvl7pPr marL="2743200" indent="0">
-              <a:buNone/>
-              <a:defRPr sz="1600" b="1"/>
-            </a:lvl7pPr>
-            <a:lvl8pPr marL="3200400" indent="0">
-              <a:buNone/>
-              <a:defRPr sz="1600" b="1"/>
-            </a:lvl8pPr>
-            <a:lvl9pPr marL="3657600" indent="0">
-              <a:buNone/>
-              <a:defRPr sz="1600" b="1"/>
-            </a:lvl9pPr>
-          </a:lstStyle>
-          <a:p>
-            <a:pPr lvl="0"/>
-            <a:r>
-              <a:rPr lang="ru-RU" smtClean="0"/>
-              <a:t>Образец текста</a:t>
-            </a:r>
-          </a:p>
-        </p:txBody>
-      </p:sp>
-      <p:sp>
-        <p:nvSpPr>
-          <p:cNvPr id="12" name="Text Placeholder 3"/>
-          <p:cNvSpPr>
-            <a:spLocks noGrp="1"/>
-          </p:cNvSpPr>
-          <p:nvPr>
-            <p:ph type="body" sz="half" idx="17"/>
-          </p:nvPr>
-        </p:nvSpPr>
-        <p:spPr>
-          <a:xfrm>
-            <a:off x="7973298" y="2943355"/>
-            <a:ext cx="3304928" cy="2847845"/>
-          </a:xfrm>
-        </p:spPr>
-        <p:txBody>
-          <a:bodyPr anchor="t">
-            <a:normAutofit/>
-          </a:bodyPr>
-          <a:lstStyle>
-            <a:lvl1pPr marL="0" indent="0" algn="ctr">
-              <a:buNone/>
-              <a:defRPr sz="1400"/>
-            </a:lvl1pPr>
-            <a:lvl2pPr marL="457200" indent="0">
-              <a:buNone/>
-              <a:defRPr sz="1200"/>
-            </a:lvl2pPr>
-            <a:lvl3pPr marL="914400" indent="0">
-              <a:buNone/>
-              <a:defRPr sz="1000"/>
-            </a:lvl3pPr>
-            <a:lvl4pPr marL="1371600" indent="0">
-              <a:buNone/>
-              <a:defRPr sz="900"/>
-            </a:lvl4pPr>
-            <a:lvl5pPr marL="1828800" indent="0">
-              <a:buNone/>
-              <a:defRPr sz="900"/>
-            </a:lvl5pPr>
-            <a:lvl6pPr marL="2286000" indent="0">
-              <a:buNone/>
-              <a:defRPr sz="900"/>
-            </a:lvl6pPr>
-            <a:lvl7pPr marL="2743200" indent="0">
-              <a:buNone/>
-              <a:defRPr sz="900"/>
-            </a:lvl7pPr>
-            <a:lvl8pPr marL="3200400" indent="0">
-              <a:buNone/>
-              <a:defRPr sz="900"/>
-            </a:lvl8pPr>
-            <a:lvl9pPr marL="3657600" indent="0">
-              <a:buNone/>
-              <a:defRPr sz="900"/>
-            </a:lvl9pPr>
-          </a:lstStyle>
-          <a:p>
-            <a:pPr lvl="0"/>
-            <a:r>
-              <a:rPr lang="ru-RU" smtClean="0"/>
-              <a:t>Образец текста</a:t>
-            </a:r>
-          </a:p>
-        </p:txBody>
-      </p:sp>
-      <p:sp>
-        <p:nvSpPr>
-          <p:cNvPr id="3" name="Date Placeholder 2"/>
-          <p:cNvSpPr>
-            <a:spLocks noGrp="1"/>
-          </p:cNvSpPr>
-          <p:nvPr>
-            <p:ph type="dt" sz="half" idx="10"/>
-          </p:nvPr>
-        </p:nvSpPr>
-        <p:spPr/>
-        <p:txBody>
-          <a:bodyPr/>
-          <a:lstStyle/>
-          <a:p>
-            <a:fld id="{DDC647A9-AAA3-4641-ACE7-C285BA9E2E71}" type="datetimeFigureOut">
-              <a:rPr lang="ru-RU" smtClean="0"/>
-              <a:t>22.12.2022</a:t>
-            </a:fld>
-            <a:endParaRPr lang="ru-RU"/>
-          </a:p>
-        </p:txBody>
-      </p:sp>
-      <p:sp>
-        <p:nvSpPr>
-          <p:cNvPr id="4" name="Footer Placeholder 3"/>
-          <p:cNvSpPr>
-            <a:spLocks noGrp="1"/>
-          </p:cNvSpPr>
-          <p:nvPr>
-            <p:ph type="ftr" sz="quarter" idx="11"/>
-          </p:nvPr>
-        </p:nvSpPr>
-        <p:spPr/>
-        <p:txBody>
-          <a:bodyPr/>
-          <a:lstStyle/>
-          <a:p>
-            <a:endParaRPr lang="ru-RU"/>
-          </a:p>
-        </p:txBody>
-      </p:sp>
-      <p:sp>
-        <p:nvSpPr>
-          <p:cNvPr id="5" name="Slide Number Placeholder 4"/>
-          <p:cNvSpPr>
-            <a:spLocks noGrp="1"/>
-          </p:cNvSpPr>
-          <p:nvPr>
-            <p:ph type="sldNum" sz="quarter" idx="12"/>
-          </p:nvPr>
-        </p:nvSpPr>
-        <p:spPr/>
-        <p:txBody>
-          <a:bodyPr/>
-          <a:lstStyle/>
-          <a:p>
-            <a:fld id="{D42F785C-AA4B-493A-80E4-B8A9DE114901}" type="slidenum">
-              <a:rPr lang="ru-RU" smtClean="0"/>
-              <a:t>‹#›</a:t>
-            </a:fld>
-            <a:endParaRPr lang="ru-RU"/>
-          </a:p>
-        </p:txBody>
-      </p:sp>
-    </p:spTree>
-    <p:extLst>
-      <p:ext uri="{BB962C8B-B14F-4D97-AF65-F5344CB8AC3E}">
-        <p14:creationId xmlns:p14="http://schemas.microsoft.com/office/powerpoint/2010/main" val="3133924980"/>
-      </p:ext>
-    </p:extLst>
-  </p:cSld>
-  <p:clrMapOvr>
-    <a:masterClrMapping/>
-  </p:clrMapOvr>
-</p:sldLayout>
-</file>
-
-<file path=ppt/slideLayouts/slideLayout15.xml><?xml version="1.0" encoding="utf-8"?>
-<p:sldLayout xmlns:a="http://schemas.openxmlformats.org/drawingml/2006/main" xmlns:r="http://schemas.openxmlformats.org/officeDocument/2006/relationships" xmlns:p="http://schemas.openxmlformats.org/presentationml/2006/main" preserve="1">
-  <p:cSld name="Столбец с тремя рисунками">
-    <p:spTree>
-      <p:nvGrpSpPr>
-        <p:cNvPr id="1" name=""/>
-        <p:cNvGrpSpPr/>
-        <p:nvPr/>
-      </p:nvGrpSpPr>
-      <p:grpSpPr>
-        <a:xfrm>
-          <a:off x="0" y="0"/>
-          <a:ext cx="0" cy="0"/>
-          <a:chOff x="0" y="0"/>
-          <a:chExt cx="0" cy="0"/>
-        </a:xfrm>
-      </p:grpSpPr>
-      <p:pic>
-        <p:nvPicPr>
-          <p:cNvPr id="16" name="Picture 15" descr="Droplets-HD-Content-R1d.png"/>
-          <p:cNvPicPr>
-            <a:picLocks noChangeAspect="1"/>
-          </p:cNvPicPr>
-          <p:nvPr/>
-        </p:nvPicPr>
-        <p:blipFill>
-          <a:blip r:embed="rId2">
-            <a:extLst>
-              <a:ext uri="{28A0092B-C50C-407E-A947-70E740481C1C}">
-                <a14:useLocalDpi xmlns:a14="http://schemas.microsoft.com/office/drawing/2010/main" val="0"/>
-              </a:ext>
-            </a:extLst>
-          </a:blip>
-          <a:stretch>
-            <a:fillRect/>
-          </a:stretch>
-        </p:blipFill>
-        <p:spPr>
-          <a:xfrm>
-            <a:off x="0" y="0"/>
-            <a:ext cx="12192000" cy="6858000"/>
-          </a:xfrm>
-          <a:prstGeom prst="rect">
-            <a:avLst/>
-          </a:prstGeom>
-        </p:spPr>
-      </p:pic>
-      <p:sp>
-        <p:nvSpPr>
-          <p:cNvPr id="30" name="Title 1"/>
-          <p:cNvSpPr>
-            <a:spLocks noGrp="1"/>
-          </p:cNvSpPr>
-          <p:nvPr>
-            <p:ph type="title"/>
-          </p:nvPr>
-        </p:nvSpPr>
-        <p:spPr>
-          <a:xfrm>
-            <a:off x="913774" y="610772"/>
-            <a:ext cx="10364452" cy="1603922"/>
-          </a:xfrm>
-        </p:spPr>
-        <p:txBody>
-          <a:bodyPr/>
-          <a:lstStyle/>
-          <a:p>
-            <a:r>
-              <a:rPr lang="ru-RU" smtClean="0"/>
-              <a:t>Образец заголовка</a:t>
-            </a:r>
-            <a:endParaRPr lang="en-US" dirty="0"/>
-          </a:p>
-        </p:txBody>
-      </p:sp>
-      <p:sp>
-        <p:nvSpPr>
-          <p:cNvPr id="19" name="Text Placeholder 2"/>
-          <p:cNvSpPr>
-            <a:spLocks noGrp="1"/>
-          </p:cNvSpPr>
-          <p:nvPr>
-            <p:ph type="body" idx="1"/>
-          </p:nvPr>
-        </p:nvSpPr>
-        <p:spPr>
-          <a:xfrm>
-            <a:off x="913774" y="4204820"/>
-            <a:ext cx="3296409" cy="576262"/>
-          </a:xfrm>
-        </p:spPr>
-        <p:txBody>
-          <a:bodyPr anchor="b">
-            <a:noAutofit/>
-          </a:bodyPr>
-          <a:lstStyle>
-            <a:lvl1pPr marL="0" indent="0" algn="ctr">
-              <a:lnSpc>
-                <a:spcPct val="85000"/>
-              </a:lnSpc>
-              <a:buNone/>
-              <a:defRPr sz="2200" b="0">
-                <a:solidFill>
-                  <a:schemeClr val="tx1"/>
-                </a:solidFill>
-              </a:defRPr>
-            </a:lvl1pPr>
-            <a:lvl2pPr marL="457200" indent="0">
-              <a:buNone/>
-              <a:defRPr sz="2000" b="1"/>
-            </a:lvl2pPr>
-            <a:lvl3pPr marL="914400" indent="0">
-              <a:buNone/>
-              <a:defRPr sz="1800" b="1"/>
-            </a:lvl3pPr>
-            <a:lvl4pPr marL="1371600" indent="0">
-              <a:buNone/>
-              <a:defRPr sz="1600" b="1"/>
-            </a:lvl4pPr>
-            <a:lvl5pPr marL="1828800" indent="0">
-              <a:buNone/>
-              <a:defRPr sz="1600" b="1"/>
-            </a:lvl5pPr>
-            <a:lvl6pPr marL="2286000" indent="0">
-              <a:buNone/>
-              <a:defRPr sz="1600" b="1"/>
-            </a:lvl6pPr>
-            <a:lvl7pPr marL="2743200" indent="0">
-              <a:buNone/>
-              <a:defRPr sz="1600" b="1"/>
-            </a:lvl7pPr>
-            <a:lvl8pPr marL="3200400" indent="0">
-              <a:buNone/>
-              <a:defRPr sz="1600" b="1"/>
-            </a:lvl8pPr>
-            <a:lvl9pPr marL="3657600" indent="0">
-              <a:buNone/>
-              <a:defRPr sz="1600" b="1"/>
-            </a:lvl9pPr>
-          </a:lstStyle>
-          <a:p>
-            <a:pPr lvl="0"/>
-            <a:r>
-              <a:rPr lang="ru-RU" smtClean="0"/>
-              <a:t>Образец текста</a:t>
-            </a:r>
-          </a:p>
-        </p:txBody>
-      </p:sp>
-      <p:sp>
-        <p:nvSpPr>
-          <p:cNvPr id="20" name="Picture Placeholder 2"/>
-          <p:cNvSpPr>
-            <a:spLocks noGrp="1" noChangeAspect="1"/>
-          </p:cNvSpPr>
-          <p:nvPr>
-            <p:ph type="pic" idx="15"/>
-          </p:nvPr>
-        </p:nvSpPr>
-        <p:spPr>
-          <a:xfrm>
-            <a:off x="913774" y="2367093"/>
-            <a:ext cx="3296409" cy="1524000"/>
-          </a:xfrm>
-          <a:prstGeom prst="roundRect">
-            <a:avLst>
-              <a:gd name="adj" fmla="val 9363"/>
-            </a:avLst>
-          </a:prstGeom>
-          <a:noFill/>
-          <a:ln w="82550" cap="sq">
-            <a:solidFill>
-              <a:srgbClr val="EAEAEA"/>
-            </a:solidFill>
-            <a:miter lim="800000"/>
-          </a:ln>
-          <a:effectLst/>
-          <a:scene3d>
-            <a:camera prst="orthographicFront"/>
-            <a:lightRig rig="threePt" dir="t">
-              <a:rot lat="0" lon="0" rev="2700000"/>
-            </a:lightRig>
-          </a:scene3d>
-          <a:sp3d contourW="6350">
-            <a:bevelT h="38100"/>
-            <a:contourClr>
-              <a:srgbClr val="C0C0C0"/>
-            </a:contourClr>
-          </a:sp3d>
-        </p:spPr>
-        <p:txBody>
-          <a:bodyPr anchor="t">
-            <a:normAutofit/>
-          </a:bodyPr>
-          <a:lstStyle>
-            <a:lvl1pPr marL="0" indent="0" algn="ctr">
-              <a:buNone/>
-              <a:defRPr sz="1600"/>
-            </a:lvl1pPr>
-            <a:lvl2pPr marL="457200" indent="0">
-              <a:buNone/>
-              <a:defRPr sz="1600"/>
-            </a:lvl2pPr>
-            <a:lvl3pPr marL="914400" indent="0">
-              <a:buNone/>
-              <a:defRPr sz="1600"/>
-            </a:lvl3pPr>
-            <a:lvl4pPr marL="1371600" indent="0">
-              <a:buNone/>
-              <a:defRPr sz="1600"/>
-            </a:lvl4pPr>
-            <a:lvl5pPr marL="1828800" indent="0">
-              <a:buNone/>
-              <a:defRPr sz="1600"/>
-            </a:lvl5pPr>
-            <a:lvl6pPr marL="2286000" indent="0">
-              <a:buNone/>
-              <a:defRPr sz="1600"/>
-            </a:lvl6pPr>
-            <a:lvl7pPr marL="2743200" indent="0">
-              <a:buNone/>
-              <a:defRPr sz="1600"/>
-            </a:lvl7pPr>
-            <a:lvl8pPr marL="3200400" indent="0">
-              <a:buNone/>
-              <a:defRPr sz="1600"/>
-            </a:lvl8pPr>
-            <a:lvl9pPr marL="3657600" indent="0">
-              <a:buNone/>
-              <a:defRPr sz="1600"/>
-            </a:lvl9pPr>
-          </a:lstStyle>
-          <a:p>
-            <a:r>
-              <a:rPr lang="ru-RU" smtClean="0"/>
-              <a:t>Вставка рисунка</a:t>
-            </a:r>
-            <a:endParaRPr lang="en-US" dirty="0"/>
-          </a:p>
-        </p:txBody>
-      </p:sp>
-      <p:sp>
-        <p:nvSpPr>
-          <p:cNvPr id="21" name="Text Placeholder 3"/>
-          <p:cNvSpPr>
-            <a:spLocks noGrp="1"/>
-          </p:cNvSpPr>
-          <p:nvPr>
-            <p:ph type="body" sz="half" idx="18"/>
-          </p:nvPr>
-        </p:nvSpPr>
-        <p:spPr>
-          <a:xfrm>
-            <a:off x="913774" y="4781082"/>
-            <a:ext cx="3296409" cy="1010118"/>
-          </a:xfrm>
-        </p:spPr>
-        <p:txBody>
-          <a:bodyPr anchor="t">
-            <a:normAutofit/>
-          </a:bodyPr>
-          <a:lstStyle>
-            <a:lvl1pPr marL="0" indent="0" algn="ctr">
-              <a:buNone/>
-              <a:defRPr sz="1400"/>
-            </a:lvl1pPr>
-            <a:lvl2pPr marL="457200" indent="0">
-              <a:buNone/>
-              <a:defRPr sz="1200"/>
-            </a:lvl2pPr>
-            <a:lvl3pPr marL="914400" indent="0">
-              <a:buNone/>
-              <a:defRPr sz="1000"/>
-            </a:lvl3pPr>
-            <a:lvl4pPr marL="1371600" indent="0">
-              <a:buNone/>
-              <a:defRPr sz="900"/>
-            </a:lvl4pPr>
-            <a:lvl5pPr marL="1828800" indent="0">
-              <a:buNone/>
-              <a:defRPr sz="900"/>
-            </a:lvl5pPr>
-            <a:lvl6pPr marL="2286000" indent="0">
-              <a:buNone/>
-              <a:defRPr sz="900"/>
-            </a:lvl6pPr>
-            <a:lvl7pPr marL="2743200" indent="0">
-              <a:buNone/>
-              <a:defRPr sz="900"/>
-            </a:lvl7pPr>
-            <a:lvl8pPr marL="3200400" indent="0">
-              <a:buNone/>
-              <a:defRPr sz="900"/>
-            </a:lvl8pPr>
-            <a:lvl9pPr marL="3657600" indent="0">
-              <a:buNone/>
-              <a:defRPr sz="900"/>
-            </a:lvl9pPr>
-          </a:lstStyle>
-          <a:p>
-            <a:pPr lvl="0"/>
-            <a:r>
-              <a:rPr lang="ru-RU" smtClean="0"/>
-              <a:t>Образец текста</a:t>
-            </a:r>
-          </a:p>
-        </p:txBody>
-      </p:sp>
-      <p:sp>
-        <p:nvSpPr>
-          <p:cNvPr id="22" name="Text Placeholder 4"/>
-          <p:cNvSpPr>
-            <a:spLocks noGrp="1"/>
-          </p:cNvSpPr>
-          <p:nvPr>
-            <p:ph type="body" sz="quarter" idx="3"/>
-          </p:nvPr>
-        </p:nvSpPr>
-        <p:spPr>
-          <a:xfrm>
-            <a:off x="4442759" y="4204820"/>
-            <a:ext cx="3301828" cy="576262"/>
-          </a:xfrm>
-        </p:spPr>
-        <p:txBody>
-          <a:bodyPr anchor="b">
-            <a:noAutofit/>
-          </a:bodyPr>
-          <a:lstStyle>
-            <a:lvl1pPr marL="0" indent="0" algn="ctr">
-              <a:lnSpc>
-                <a:spcPct val="85000"/>
-              </a:lnSpc>
-              <a:buNone/>
-              <a:defRPr sz="2200" b="0">
-                <a:solidFill>
-                  <a:schemeClr val="tx1"/>
-                </a:solidFill>
-              </a:defRPr>
-            </a:lvl1pPr>
-            <a:lvl2pPr marL="457200" indent="0">
-              <a:buNone/>
-              <a:defRPr sz="2000" b="1"/>
-            </a:lvl2pPr>
-            <a:lvl3pPr marL="914400" indent="0">
-              <a:buNone/>
-              <a:defRPr sz="1800" b="1"/>
-            </a:lvl3pPr>
-            <a:lvl4pPr marL="1371600" indent="0">
-              <a:buNone/>
-              <a:defRPr sz="1600" b="1"/>
-            </a:lvl4pPr>
-            <a:lvl5pPr marL="1828800" indent="0">
-              <a:buNone/>
-              <a:defRPr sz="1600" b="1"/>
-            </a:lvl5pPr>
-            <a:lvl6pPr marL="2286000" indent="0">
-              <a:buNone/>
-              <a:defRPr sz="1600" b="1"/>
-            </a:lvl6pPr>
-            <a:lvl7pPr marL="2743200" indent="0">
-              <a:buNone/>
-              <a:defRPr sz="1600" b="1"/>
-            </a:lvl7pPr>
-            <a:lvl8pPr marL="3200400" indent="0">
-              <a:buNone/>
-              <a:defRPr sz="1600" b="1"/>
-            </a:lvl8pPr>
-            <a:lvl9pPr marL="3657600" indent="0">
-              <a:buNone/>
-              <a:defRPr sz="1600" b="1"/>
-            </a:lvl9pPr>
-          </a:lstStyle>
-          <a:p>
-            <a:pPr lvl="0"/>
-            <a:r>
-              <a:rPr lang="ru-RU" smtClean="0"/>
-              <a:t>Образец текста</a:t>
-            </a:r>
-          </a:p>
-        </p:txBody>
-      </p:sp>
-      <p:sp>
-        <p:nvSpPr>
-          <p:cNvPr id="23" name="Picture Placeholder 2"/>
-          <p:cNvSpPr>
-            <a:spLocks noGrp="1" noChangeAspect="1"/>
-          </p:cNvSpPr>
-          <p:nvPr>
-            <p:ph type="pic" idx="21"/>
-          </p:nvPr>
-        </p:nvSpPr>
-        <p:spPr>
-          <a:xfrm>
-            <a:off x="4441348" y="2367093"/>
-            <a:ext cx="3303352" cy="1524000"/>
-          </a:xfrm>
-          <a:prstGeom prst="roundRect">
-            <a:avLst>
-              <a:gd name="adj" fmla="val 8841"/>
-            </a:avLst>
-          </a:prstGeom>
-          <a:noFill/>
-          <a:ln w="82550" cap="sq">
-            <a:solidFill>
-              <a:srgbClr val="EAEAEA"/>
-            </a:solidFill>
-            <a:miter lim="800000"/>
-          </a:ln>
-          <a:effectLst/>
-          <a:scene3d>
-            <a:camera prst="orthographicFront"/>
-            <a:lightRig rig="threePt" dir="t">
-              <a:rot lat="0" lon="0" rev="2700000"/>
-            </a:lightRig>
-          </a:scene3d>
-          <a:sp3d contourW="6350">
-            <a:bevelT h="38100"/>
-            <a:contourClr>
-              <a:srgbClr val="C0C0C0"/>
-            </a:contourClr>
-          </a:sp3d>
-        </p:spPr>
-        <p:txBody>
-          <a:bodyPr anchor="t">
-            <a:normAutofit/>
-          </a:bodyPr>
-          <a:lstStyle>
-            <a:lvl1pPr marL="0" indent="0" algn="ctr">
-              <a:buNone/>
-              <a:defRPr sz="1600"/>
-            </a:lvl1pPr>
-            <a:lvl2pPr marL="457200" indent="0">
-              <a:buNone/>
-              <a:defRPr sz="1600"/>
-            </a:lvl2pPr>
-            <a:lvl3pPr marL="914400" indent="0">
-              <a:buNone/>
-              <a:defRPr sz="1600"/>
-            </a:lvl3pPr>
-            <a:lvl4pPr marL="1371600" indent="0">
-              <a:buNone/>
-              <a:defRPr sz="1600"/>
-            </a:lvl4pPr>
-            <a:lvl5pPr marL="1828800" indent="0">
-              <a:buNone/>
-              <a:defRPr sz="1600"/>
-            </a:lvl5pPr>
-            <a:lvl6pPr marL="2286000" indent="0">
-              <a:buNone/>
-              <a:defRPr sz="1600"/>
-            </a:lvl6pPr>
-            <a:lvl7pPr marL="2743200" indent="0">
-              <a:buNone/>
-              <a:defRPr sz="1600"/>
-            </a:lvl7pPr>
-            <a:lvl8pPr marL="3200400" indent="0">
-              <a:buNone/>
-              <a:defRPr sz="1600"/>
-            </a:lvl8pPr>
-            <a:lvl9pPr marL="3657600" indent="0">
-              <a:buNone/>
-              <a:defRPr sz="1600"/>
-            </a:lvl9pPr>
-          </a:lstStyle>
-          <a:p>
-            <a:r>
-              <a:rPr lang="ru-RU" smtClean="0"/>
-              <a:t>Вставка рисунка</a:t>
-            </a:r>
-            <a:endParaRPr lang="en-US" dirty="0"/>
-          </a:p>
-        </p:txBody>
-      </p:sp>
-      <p:sp>
-        <p:nvSpPr>
-          <p:cNvPr id="24" name="Text Placeholder 3"/>
-          <p:cNvSpPr>
-            <a:spLocks noGrp="1"/>
-          </p:cNvSpPr>
-          <p:nvPr>
-            <p:ph type="body" sz="half" idx="19"/>
-          </p:nvPr>
-        </p:nvSpPr>
-        <p:spPr>
-          <a:xfrm>
-            <a:off x="4441348" y="4781080"/>
-            <a:ext cx="3303352" cy="1010119"/>
-          </a:xfrm>
-        </p:spPr>
-        <p:txBody>
-          <a:bodyPr anchor="t">
-            <a:normAutofit/>
-          </a:bodyPr>
-          <a:lstStyle>
-            <a:lvl1pPr marL="0" indent="0" algn="ctr">
-              <a:buNone/>
-              <a:defRPr sz="1400"/>
-            </a:lvl1pPr>
-            <a:lvl2pPr marL="457200" indent="0">
-              <a:buNone/>
-              <a:defRPr sz="1200"/>
-            </a:lvl2pPr>
-            <a:lvl3pPr marL="914400" indent="0">
-              <a:buNone/>
-              <a:defRPr sz="1000"/>
-            </a:lvl3pPr>
-            <a:lvl4pPr marL="1371600" indent="0">
-              <a:buNone/>
-              <a:defRPr sz="900"/>
-            </a:lvl4pPr>
-            <a:lvl5pPr marL="1828800" indent="0">
-              <a:buNone/>
-              <a:defRPr sz="900"/>
-            </a:lvl5pPr>
-            <a:lvl6pPr marL="2286000" indent="0">
-              <a:buNone/>
-              <a:defRPr sz="900"/>
-            </a:lvl6pPr>
-            <a:lvl7pPr marL="2743200" indent="0">
-              <a:buNone/>
-              <a:defRPr sz="900"/>
-            </a:lvl7pPr>
-            <a:lvl8pPr marL="3200400" indent="0">
-              <a:buNone/>
-              <a:defRPr sz="900"/>
-            </a:lvl8pPr>
-            <a:lvl9pPr marL="3657600" indent="0">
-              <a:buNone/>
-              <a:defRPr sz="900"/>
-            </a:lvl9pPr>
-          </a:lstStyle>
-          <a:p>
-            <a:pPr lvl="0"/>
-            <a:r>
-              <a:rPr lang="ru-RU" smtClean="0"/>
-              <a:t>Образец текста</a:t>
-            </a:r>
-          </a:p>
-        </p:txBody>
-      </p:sp>
-      <p:sp>
-        <p:nvSpPr>
-          <p:cNvPr id="25" name="Text Placeholder 4"/>
-          <p:cNvSpPr>
-            <a:spLocks noGrp="1"/>
-          </p:cNvSpPr>
-          <p:nvPr>
-            <p:ph type="body" sz="quarter" idx="13"/>
-          </p:nvPr>
-        </p:nvSpPr>
-        <p:spPr>
-          <a:xfrm>
-            <a:off x="7973298" y="4204820"/>
-            <a:ext cx="3300681" cy="576262"/>
-          </a:xfrm>
-        </p:spPr>
-        <p:txBody>
-          <a:bodyPr anchor="b">
-            <a:noAutofit/>
-          </a:bodyPr>
-          <a:lstStyle>
-            <a:lvl1pPr marL="0" indent="0" algn="ctr">
-              <a:lnSpc>
-                <a:spcPct val="85000"/>
-              </a:lnSpc>
-              <a:buNone/>
-              <a:defRPr sz="2200" b="0">
-                <a:solidFill>
-                  <a:schemeClr val="tx1"/>
-                </a:solidFill>
-              </a:defRPr>
-            </a:lvl1pPr>
-            <a:lvl2pPr marL="457200" indent="0">
-              <a:buNone/>
-              <a:defRPr sz="2000" b="1"/>
-            </a:lvl2pPr>
-            <a:lvl3pPr marL="914400" indent="0">
-              <a:buNone/>
-              <a:defRPr sz="1800" b="1"/>
-            </a:lvl3pPr>
-            <a:lvl4pPr marL="1371600" indent="0">
-              <a:buNone/>
-              <a:defRPr sz="1600" b="1"/>
-            </a:lvl4pPr>
-            <a:lvl5pPr marL="1828800" indent="0">
-              <a:buNone/>
-              <a:defRPr sz="1600" b="1"/>
-            </a:lvl5pPr>
-            <a:lvl6pPr marL="2286000" indent="0">
-              <a:buNone/>
-              <a:defRPr sz="1600" b="1"/>
-            </a:lvl6pPr>
-            <a:lvl7pPr marL="2743200" indent="0">
-              <a:buNone/>
-              <a:defRPr sz="1600" b="1"/>
-            </a:lvl7pPr>
-            <a:lvl8pPr marL="3200400" indent="0">
-              <a:buNone/>
-              <a:defRPr sz="1600" b="1"/>
-            </a:lvl8pPr>
-            <a:lvl9pPr marL="3657600" indent="0">
-              <a:buNone/>
-              <a:defRPr sz="1600" b="1"/>
-            </a:lvl9pPr>
-          </a:lstStyle>
-          <a:p>
-            <a:pPr lvl="0"/>
-            <a:r>
-              <a:rPr lang="ru-RU" smtClean="0"/>
-              <a:t>Образец текста</a:t>
-            </a:r>
-          </a:p>
-        </p:txBody>
-      </p:sp>
-      <p:sp>
-        <p:nvSpPr>
-          <p:cNvPr id="26" name="Picture Placeholder 2"/>
-          <p:cNvSpPr>
-            <a:spLocks noGrp="1" noChangeAspect="1"/>
-          </p:cNvSpPr>
-          <p:nvPr>
-            <p:ph type="pic" idx="22"/>
-          </p:nvPr>
-        </p:nvSpPr>
-        <p:spPr>
-          <a:xfrm>
-            <a:off x="7973298" y="2367093"/>
-            <a:ext cx="3304928" cy="1524000"/>
-          </a:xfrm>
-          <a:prstGeom prst="roundRect">
-            <a:avLst>
-              <a:gd name="adj" fmla="val 8841"/>
-            </a:avLst>
-          </a:prstGeom>
-          <a:noFill/>
-          <a:ln w="82550" cap="sq">
-            <a:solidFill>
-              <a:srgbClr val="EAEAEA"/>
-            </a:solidFill>
-            <a:miter lim="800000"/>
-          </a:ln>
-          <a:effectLst/>
-          <a:scene3d>
-            <a:camera prst="orthographicFront"/>
-            <a:lightRig rig="threePt" dir="t">
-              <a:rot lat="0" lon="0" rev="2700000"/>
-            </a:lightRig>
-          </a:scene3d>
-          <a:sp3d contourW="6350">
-            <a:bevelT h="38100"/>
-            <a:contourClr>
-              <a:srgbClr val="C0C0C0"/>
-            </a:contourClr>
-          </a:sp3d>
-        </p:spPr>
-        <p:txBody>
-          <a:bodyPr anchor="t">
-            <a:normAutofit/>
-          </a:bodyPr>
-          <a:lstStyle>
-            <a:lvl1pPr marL="0" indent="0" algn="ctr">
-              <a:buNone/>
-              <a:defRPr sz="1600"/>
-            </a:lvl1pPr>
-            <a:lvl2pPr marL="457200" indent="0">
-              <a:buNone/>
-              <a:defRPr sz="1600"/>
-            </a:lvl2pPr>
-            <a:lvl3pPr marL="914400" indent="0">
-              <a:buNone/>
-              <a:defRPr sz="1600"/>
-            </a:lvl3pPr>
-            <a:lvl4pPr marL="1371600" indent="0">
-              <a:buNone/>
-              <a:defRPr sz="1600"/>
-            </a:lvl4pPr>
-            <a:lvl5pPr marL="1828800" indent="0">
-              <a:buNone/>
-              <a:defRPr sz="1600"/>
-            </a:lvl5pPr>
-            <a:lvl6pPr marL="2286000" indent="0">
-              <a:buNone/>
-              <a:defRPr sz="1600"/>
-            </a:lvl6pPr>
-            <a:lvl7pPr marL="2743200" indent="0">
-              <a:buNone/>
-              <a:defRPr sz="1600"/>
-            </a:lvl7pPr>
-            <a:lvl8pPr marL="3200400" indent="0">
-              <a:buNone/>
-              <a:defRPr sz="1600"/>
-            </a:lvl8pPr>
-            <a:lvl9pPr marL="3657600" indent="0">
-              <a:buNone/>
-              <a:defRPr sz="1600"/>
-            </a:lvl9pPr>
-          </a:lstStyle>
-          <a:p>
-            <a:r>
-              <a:rPr lang="ru-RU" smtClean="0"/>
-              <a:t>Вставка рисунка</a:t>
-            </a:r>
-            <a:endParaRPr lang="en-US" dirty="0"/>
-          </a:p>
-        </p:txBody>
-      </p:sp>
-      <p:sp>
-        <p:nvSpPr>
-          <p:cNvPr id="27" name="Text Placeholder 3"/>
-          <p:cNvSpPr>
-            <a:spLocks noGrp="1"/>
-          </p:cNvSpPr>
-          <p:nvPr>
-            <p:ph type="body" sz="half" idx="20"/>
-          </p:nvPr>
-        </p:nvSpPr>
-        <p:spPr>
-          <a:xfrm>
-            <a:off x="7973173" y="4781078"/>
-            <a:ext cx="3305053" cy="1010121"/>
-          </a:xfrm>
-        </p:spPr>
-        <p:txBody>
-          <a:bodyPr anchor="t">
-            <a:normAutofit/>
-          </a:bodyPr>
-          <a:lstStyle>
-            <a:lvl1pPr marL="0" indent="0" algn="ctr">
-              <a:buNone/>
-              <a:defRPr sz="1400"/>
-            </a:lvl1pPr>
-            <a:lvl2pPr marL="457200" indent="0">
-              <a:buNone/>
-              <a:defRPr sz="1200"/>
-            </a:lvl2pPr>
-            <a:lvl3pPr marL="914400" indent="0">
-              <a:buNone/>
-              <a:defRPr sz="1000"/>
-            </a:lvl3pPr>
-            <a:lvl4pPr marL="1371600" indent="0">
-              <a:buNone/>
-              <a:defRPr sz="900"/>
-            </a:lvl4pPr>
-            <a:lvl5pPr marL="1828800" indent="0">
-              <a:buNone/>
-              <a:defRPr sz="900"/>
-            </a:lvl5pPr>
-            <a:lvl6pPr marL="2286000" indent="0">
-              <a:buNone/>
-              <a:defRPr sz="900"/>
-            </a:lvl6pPr>
-            <a:lvl7pPr marL="2743200" indent="0">
-              <a:buNone/>
-              <a:defRPr sz="900"/>
-            </a:lvl7pPr>
-            <a:lvl8pPr marL="3200400" indent="0">
-              <a:buNone/>
-              <a:defRPr sz="900"/>
-            </a:lvl8pPr>
-            <a:lvl9pPr marL="3657600" indent="0">
-              <a:buNone/>
-              <a:defRPr sz="900"/>
-            </a:lvl9pPr>
-          </a:lstStyle>
-          <a:p>
-            <a:pPr lvl="0"/>
-            <a:r>
-              <a:rPr lang="ru-RU" smtClean="0"/>
-              <a:t>Образец текста</a:t>
-            </a:r>
-          </a:p>
-        </p:txBody>
-      </p:sp>
-      <p:sp>
-        <p:nvSpPr>
-          <p:cNvPr id="3" name="Date Placeholder 2"/>
-          <p:cNvSpPr>
-            <a:spLocks noGrp="1"/>
-          </p:cNvSpPr>
-          <p:nvPr>
-            <p:ph type="dt" sz="half" idx="10"/>
-          </p:nvPr>
-        </p:nvSpPr>
-        <p:spPr/>
-        <p:txBody>
-          <a:bodyPr/>
-          <a:lstStyle/>
-          <a:p>
-            <a:fld id="{DDC647A9-AAA3-4641-ACE7-C285BA9E2E71}" type="datetimeFigureOut">
-              <a:rPr lang="ru-RU" smtClean="0"/>
-              <a:t>22.12.2022</a:t>
-            </a:fld>
-            <a:endParaRPr lang="ru-RU"/>
-          </a:p>
-        </p:txBody>
-      </p:sp>
-      <p:sp>
-        <p:nvSpPr>
-          <p:cNvPr id="4" name="Footer Placeholder 3"/>
-          <p:cNvSpPr>
-            <a:spLocks noGrp="1"/>
-          </p:cNvSpPr>
-          <p:nvPr>
-            <p:ph type="ftr" sz="quarter" idx="11"/>
-          </p:nvPr>
-        </p:nvSpPr>
-        <p:spPr/>
-        <p:txBody>
-          <a:bodyPr/>
-          <a:lstStyle/>
-          <a:p>
-            <a:endParaRPr lang="ru-RU"/>
-          </a:p>
-        </p:txBody>
-      </p:sp>
-      <p:sp>
-        <p:nvSpPr>
-          <p:cNvPr id="5" name="Slide Number Placeholder 4"/>
-          <p:cNvSpPr>
-            <a:spLocks noGrp="1"/>
-          </p:cNvSpPr>
-          <p:nvPr>
-            <p:ph type="sldNum" sz="quarter" idx="12"/>
-          </p:nvPr>
-        </p:nvSpPr>
-        <p:spPr/>
-        <p:txBody>
-          <a:bodyPr/>
-          <a:lstStyle/>
-          <a:p>
-            <a:fld id="{D42F785C-AA4B-493A-80E4-B8A9DE114901}" type="slidenum">
-              <a:rPr lang="ru-RU" smtClean="0"/>
-              <a:t>‹#›</a:t>
-            </a:fld>
-            <a:endParaRPr lang="ru-RU"/>
-          </a:p>
-        </p:txBody>
-      </p:sp>
-    </p:spTree>
-    <p:extLst>
-      <p:ext uri="{BB962C8B-B14F-4D97-AF65-F5344CB8AC3E}">
-        <p14:creationId xmlns:p14="http://schemas.microsoft.com/office/powerpoint/2010/main" val="3121191716"/>
-      </p:ext>
-    </p:extLst>
-  </p:cSld>
-  <p:clrMapOvr>
-    <a:masterClrMapping/>
-  </p:clrMapOvr>
-</p:sldLayout>
-</file>
-
-<file path=ppt/slideLayouts/slideLayout16.xml><?xml version="1.0" encoding="utf-8"?>
 <p:sldLayout xmlns:a="http://schemas.openxmlformats.org/drawingml/2006/main" xmlns:r="http://schemas.openxmlformats.org/officeDocument/2006/relationships" xmlns:p="http://schemas.openxmlformats.org/presentationml/2006/main" type="vertTx" preserve="1">
   <p:cSld name="Заголовок и вертикальный текст">
     <p:spTree>
@@ -3436,39 +716,15 @@
           <a:chExt cx="0" cy="0"/>
         </a:xfrm>
       </p:grpSpPr>
-      <p:pic>
-        <p:nvPicPr>
-          <p:cNvPr id="8" name="Picture 7" descr="Droplets-HD-Content-R1d.png"/>
-          <p:cNvPicPr>
-            <a:picLocks noChangeAspect="1"/>
-          </p:cNvPicPr>
-          <p:nvPr/>
-        </p:nvPicPr>
-        <p:blipFill>
-          <a:blip r:embed="rId2">
-            <a:extLst>
-              <a:ext uri="{28A0092B-C50C-407E-A947-70E740481C1C}">
-                <a14:useLocalDpi xmlns:a14="http://schemas.microsoft.com/office/drawing/2010/main" val="0"/>
-              </a:ext>
-            </a:extLst>
-          </a:blip>
-          <a:stretch>
-            <a:fillRect/>
-          </a:stretch>
-        </p:blipFill>
-        <p:spPr>
-          <a:xfrm>
-            <a:off x="0" y="0"/>
-            <a:ext cx="12192000" cy="6858000"/>
-          </a:xfrm>
-          <a:prstGeom prst="rect">
-            <a:avLst/>
-          </a:prstGeom>
-        </p:spPr>
-      </p:pic>
-      <p:sp>
-        <p:nvSpPr>
-          <p:cNvPr id="2" name="Title 1"/>
+      <p:sp>
+        <p:nvSpPr>
+          <p:cNvPr id="2" name="Заголовок 1">
+            <a:extLst>
+              <a:ext uri="{FF2B5EF4-FFF2-40B4-BE49-F238E27FC236}">
+                <a16:creationId xmlns:a16="http://schemas.microsoft.com/office/drawing/2014/main" id="{D849FD79-5386-65B5-AB82-39412E8BBD74}"/>
+              </a:ext>
+            </a:extLst>
+          </p:cNvPr>
           <p:cNvSpPr>
             <a:spLocks noGrp="1"/>
           </p:cNvSpPr>
@@ -3482,73 +738,78 @@
           <a:lstStyle/>
           <a:p>
             <a:r>
-              <a:rPr lang="ru-RU" smtClean="0"/>
+              <a:rPr lang="ru-RU"/>
               <a:t>Образец заголовка</a:t>
             </a:r>
-            <a:endParaRPr lang="en-US" dirty="0"/>
-          </a:p>
-        </p:txBody>
-      </p:sp>
-      <p:sp>
-        <p:nvSpPr>
-          <p:cNvPr id="11" name="Vertical Text Placeholder 2"/>
-          <p:cNvSpPr>
-            <a:spLocks noGrp="1"/>
-          </p:cNvSpPr>
-          <p:nvPr>
-            <p:ph type="body" orient="vert" sz="quarter" idx="13"/>
-          </p:nvPr>
-        </p:nvSpPr>
-        <p:spPr>
-          <a:xfrm>
-            <a:off x="913775" y="2367093"/>
-            <a:ext cx="10364452" cy="3424107"/>
-          </a:xfrm>
-        </p:spPr>
+          </a:p>
+        </p:txBody>
+      </p:sp>
+      <p:sp>
+        <p:nvSpPr>
+          <p:cNvPr id="3" name="Вертикальный текст 2">
+            <a:extLst>
+              <a:ext uri="{FF2B5EF4-FFF2-40B4-BE49-F238E27FC236}">
+                <a16:creationId xmlns:a16="http://schemas.microsoft.com/office/drawing/2014/main" id="{E6CE94EE-EAB8-F182-C732-84140F5B9F5E}"/>
+              </a:ext>
+            </a:extLst>
+          </p:cNvPr>
+          <p:cNvSpPr>
+            <a:spLocks noGrp="1"/>
+          </p:cNvSpPr>
+          <p:nvPr>
+            <p:ph type="body" orient="vert" idx="1"/>
+          </p:nvPr>
+        </p:nvSpPr>
+        <p:spPr/>
         <p:txBody>
           <a:bodyPr vert="eaVert"/>
           <a:lstStyle/>
           <a:p>
             <a:pPr lvl="0"/>
             <a:r>
-              <a:rPr lang="ru-RU" smtClean="0"/>
+              <a:rPr lang="ru-RU"/>
               <a:t>Образец текста</a:t>
             </a:r>
           </a:p>
           <a:p>
             <a:pPr lvl="1"/>
             <a:r>
-              <a:rPr lang="ru-RU" smtClean="0"/>
+              <a:rPr lang="ru-RU"/>
               <a:t>Второй уровень</a:t>
             </a:r>
           </a:p>
           <a:p>
             <a:pPr lvl="2"/>
             <a:r>
-              <a:rPr lang="ru-RU" smtClean="0"/>
+              <a:rPr lang="ru-RU"/>
               <a:t>Третий уровень</a:t>
             </a:r>
           </a:p>
           <a:p>
             <a:pPr lvl="3"/>
             <a:r>
-              <a:rPr lang="ru-RU" smtClean="0"/>
+              <a:rPr lang="ru-RU"/>
               <a:t>Четвертый уровень</a:t>
             </a:r>
           </a:p>
           <a:p>
             <a:pPr lvl="4"/>
             <a:r>
-              <a:rPr lang="ru-RU" smtClean="0"/>
+              <a:rPr lang="ru-RU"/>
               <a:t>Пятый уровень</a:t>
             </a:r>
-            <a:endParaRPr lang="en-US" dirty="0"/>
-          </a:p>
-        </p:txBody>
-      </p:sp>
-      <p:sp>
-        <p:nvSpPr>
-          <p:cNvPr id="4" name="Date Placeholder 3"/>
+          </a:p>
+        </p:txBody>
+      </p:sp>
+      <p:sp>
+        <p:nvSpPr>
+          <p:cNvPr id="4" name="Дата 3">
+            <a:extLst>
+              <a:ext uri="{FF2B5EF4-FFF2-40B4-BE49-F238E27FC236}">
+                <a16:creationId xmlns:a16="http://schemas.microsoft.com/office/drawing/2014/main" id="{9CC9441B-A520-195B-04E4-E8F84CCB28E1}"/>
+              </a:ext>
+            </a:extLst>
+          </p:cNvPr>
           <p:cNvSpPr>
             <a:spLocks noGrp="1"/>
           </p:cNvSpPr>
@@ -3563,7 +824,7 @@
           <a:p>
             <a:fld id="{DDC647A9-AAA3-4641-ACE7-C285BA9E2E71}" type="datetimeFigureOut">
               <a:rPr lang="ru-RU" smtClean="0"/>
-              <a:t>22.12.2022</a:t>
+              <a:t>21.11.2023</a:t>
             </a:fld>
             <a:endParaRPr lang="ru-RU"/>
           </a:p>
@@ -3571,7 +832,13 @@
       </p:sp>
       <p:sp>
         <p:nvSpPr>
-          <p:cNvPr id="5" name="Footer Placeholder 4"/>
+          <p:cNvPr id="5" name="Нижний колонтитул 4">
+            <a:extLst>
+              <a:ext uri="{FF2B5EF4-FFF2-40B4-BE49-F238E27FC236}">
+                <a16:creationId xmlns:a16="http://schemas.microsoft.com/office/drawing/2014/main" id="{2ACBA400-A9BF-1825-EE71-AC68EDB6E8B4}"/>
+              </a:ext>
+            </a:extLst>
+          </p:cNvPr>
           <p:cNvSpPr>
             <a:spLocks noGrp="1"/>
           </p:cNvSpPr>
@@ -3590,7 +857,13 @@
       </p:sp>
       <p:sp>
         <p:nvSpPr>
-          <p:cNvPr id="6" name="Slide Number Placeholder 5"/>
+          <p:cNvPr id="6" name="Номер слайда 5">
+            <a:extLst>
+              <a:ext uri="{FF2B5EF4-FFF2-40B4-BE49-F238E27FC236}">
+                <a16:creationId xmlns:a16="http://schemas.microsoft.com/office/drawing/2014/main" id="{04129AC5-7B1D-6086-0387-283C3B54291C}"/>
+              </a:ext>
+            </a:extLst>
+          </p:cNvPr>
           <p:cNvSpPr>
             <a:spLocks noGrp="1"/>
           </p:cNvSpPr>
@@ -3614,7 +887,7 @@
     </p:spTree>
     <p:extLst>
       <p:ext uri="{BB962C8B-B14F-4D97-AF65-F5344CB8AC3E}">
-        <p14:creationId xmlns:p14="http://schemas.microsoft.com/office/powerpoint/2010/main" val="2172923181"/>
+        <p14:creationId xmlns:p14="http://schemas.microsoft.com/office/powerpoint/2010/main" val="2771211208"/>
       </p:ext>
     </p:extLst>
   </p:cSld>
@@ -3624,7 +897,7 @@
 </p:sldLayout>
 </file>
 
-<file path=ppt/slideLayouts/slideLayout17.xml><?xml version="1.0" encoding="utf-8"?>
+<file path=ppt/slideLayouts/slideLayout11.xml><?xml version="1.0" encoding="utf-8"?>
 <p:sldLayout xmlns:a="http://schemas.openxmlformats.org/drawingml/2006/main" xmlns:r="http://schemas.openxmlformats.org/officeDocument/2006/relationships" xmlns:p="http://schemas.openxmlformats.org/presentationml/2006/main" type="vertTitleAndTx" preserve="1">
   <p:cSld name="Вертикальный заголовок и текст">
     <p:spTree>
@@ -3641,128 +914,110 @@
           <a:chExt cx="0" cy="0"/>
         </a:xfrm>
       </p:grpSpPr>
-      <p:pic>
-        <p:nvPicPr>
-          <p:cNvPr id="9" name="Picture 8" descr="Droplets-HD-Content-R1d.png"/>
-          <p:cNvPicPr>
-            <a:picLocks noChangeAspect="1"/>
-          </p:cNvPicPr>
-          <p:nvPr/>
-        </p:nvPicPr>
-        <p:blipFill>
-          <a:blip r:embed="rId2">
-            <a:extLst>
-              <a:ext uri="{28A0092B-C50C-407E-A947-70E740481C1C}">
-                <a14:useLocalDpi xmlns:a14="http://schemas.microsoft.com/office/drawing/2010/main" val="0"/>
-              </a:ext>
-            </a:extLst>
-          </a:blip>
-          <a:stretch>
-            <a:fillRect/>
-          </a:stretch>
-        </p:blipFill>
+      <p:sp>
+        <p:nvSpPr>
+          <p:cNvPr id="2" name="Вертикальный заголовок 1">
+            <a:extLst>
+              <a:ext uri="{FF2B5EF4-FFF2-40B4-BE49-F238E27FC236}">
+                <a16:creationId xmlns:a16="http://schemas.microsoft.com/office/drawing/2014/main" id="{309BD835-150D-ECF4-9688-82FD62A699CC}"/>
+              </a:ext>
+            </a:extLst>
+          </p:cNvPr>
+          <p:cNvSpPr>
+            <a:spLocks noGrp="1"/>
+          </p:cNvSpPr>
+          <p:nvPr>
+            <p:ph type="title" orient="vert"/>
+          </p:nvPr>
+        </p:nvSpPr>
         <p:spPr>
           <a:xfrm>
-            <a:off x="0" y="0"/>
-            <a:ext cx="12192000" cy="6858000"/>
+            <a:off x="8724900" y="365125"/>
+            <a:ext cx="2628900" cy="5811838"/>
           </a:xfrm>
-          <a:prstGeom prst="rect">
-            <a:avLst/>
-          </a:prstGeom>
         </p:spPr>
-      </p:pic>
-      <p:sp>
-        <p:nvSpPr>
-          <p:cNvPr id="2" name="Vertical Title 1"/>
-          <p:cNvSpPr>
-            <a:spLocks noGrp="1"/>
-          </p:cNvSpPr>
-          <p:nvPr>
-            <p:ph type="title" orient="vert"/>
+        <p:txBody>
+          <a:bodyPr vert="eaVert"/>
+          <a:lstStyle/>
+          <a:p>
+            <a:r>
+              <a:rPr lang="ru-RU"/>
+              <a:t>Образец заголовка</a:t>
+            </a:r>
+          </a:p>
+        </p:txBody>
+      </p:sp>
+      <p:sp>
+        <p:nvSpPr>
+          <p:cNvPr id="3" name="Вертикальный текст 2">
+            <a:extLst>
+              <a:ext uri="{FF2B5EF4-FFF2-40B4-BE49-F238E27FC236}">
+                <a16:creationId xmlns:a16="http://schemas.microsoft.com/office/drawing/2014/main" id="{2D18BC5B-FE1C-0E9E-BDFB-A4DC7EA7C129}"/>
+              </a:ext>
+            </a:extLst>
+          </p:cNvPr>
+          <p:cNvSpPr>
+            <a:spLocks noGrp="1"/>
+          </p:cNvSpPr>
+          <p:nvPr>
+            <p:ph type="body" orient="vert" idx="1"/>
           </p:nvPr>
         </p:nvSpPr>
         <p:spPr>
           <a:xfrm>
-            <a:off x="8724900" y="609601"/>
-            <a:ext cx="2553326" cy="5181599"/>
+            <a:off x="838200" y="365125"/>
+            <a:ext cx="7734300" cy="5811838"/>
           </a:xfrm>
         </p:spPr>
         <p:txBody>
           <a:bodyPr vert="eaVert"/>
-          <a:lstStyle>
-            <a:lvl1pPr algn="l">
-              <a:defRPr/>
-            </a:lvl1pPr>
-          </a:lstStyle>
-          <a:p>
-            <a:r>
-              <a:rPr lang="ru-RU" smtClean="0"/>
-              <a:t>Образец заголовка</a:t>
-            </a:r>
-            <a:endParaRPr lang="en-US" dirty="0"/>
-          </a:p>
-        </p:txBody>
-      </p:sp>
-      <p:sp>
-        <p:nvSpPr>
-          <p:cNvPr id="8" name="Vertical Text Placeholder 2"/>
-          <p:cNvSpPr>
-            <a:spLocks noGrp="1"/>
-          </p:cNvSpPr>
-          <p:nvPr>
-            <p:ph type="body" orient="vert" sz="quarter" idx="13"/>
-          </p:nvPr>
-        </p:nvSpPr>
-        <p:spPr>
-          <a:xfrm>
-            <a:off x="913775" y="609601"/>
-            <a:ext cx="7658724" cy="5181599"/>
-          </a:xfrm>
-        </p:spPr>
-        <p:txBody>
-          <a:bodyPr vert="eaVert"/>
           <a:lstStyle/>
           <a:p>
             <a:pPr lvl="0"/>
             <a:r>
-              <a:rPr lang="ru-RU" smtClean="0"/>
+              <a:rPr lang="ru-RU"/>
               <a:t>Образец текста</a:t>
             </a:r>
           </a:p>
           <a:p>
             <a:pPr lvl="1"/>
             <a:r>
-              <a:rPr lang="ru-RU" smtClean="0"/>
+              <a:rPr lang="ru-RU"/>
               <a:t>Второй уровень</a:t>
             </a:r>
           </a:p>
           <a:p>
             <a:pPr lvl="2"/>
             <a:r>
-              <a:rPr lang="ru-RU" smtClean="0"/>
+              <a:rPr lang="ru-RU"/>
               <a:t>Третий уровень</a:t>
             </a:r>
           </a:p>
           <a:p>
             <a:pPr lvl="3"/>
             <a:r>
-              <a:rPr lang="ru-RU" smtClean="0"/>
+              <a:rPr lang="ru-RU"/>
               <a:t>Четвертый уровень</a:t>
             </a:r>
           </a:p>
           <a:p>
             <a:pPr lvl="4"/>
             <a:r>
-              <a:rPr lang="ru-RU" smtClean="0"/>
+              <a:rPr lang="ru-RU"/>
               <a:t>Пятый уровень</a:t>
             </a:r>
-            <a:endParaRPr lang="en-US" dirty="0"/>
-          </a:p>
-        </p:txBody>
-      </p:sp>
-      <p:sp>
-        <p:nvSpPr>
-          <p:cNvPr id="4" name="Date Placeholder 3"/>
+          </a:p>
+        </p:txBody>
+      </p:sp>
+      <p:sp>
+        <p:nvSpPr>
+          <p:cNvPr id="4" name="Дата 3">
+            <a:extLst>
+              <a:ext uri="{FF2B5EF4-FFF2-40B4-BE49-F238E27FC236}">
+                <a16:creationId xmlns:a16="http://schemas.microsoft.com/office/drawing/2014/main" id="{A792527A-8E6F-CB52-0B93-97C621029470}"/>
+              </a:ext>
+            </a:extLst>
+          </p:cNvPr>
           <p:cNvSpPr>
             <a:spLocks noGrp="1"/>
           </p:cNvSpPr>
@@ -3777,7 +1032,7 @@
           <a:p>
             <a:fld id="{DDC647A9-AAA3-4641-ACE7-C285BA9E2E71}" type="datetimeFigureOut">
               <a:rPr lang="ru-RU" smtClean="0"/>
-              <a:t>22.12.2022</a:t>
+              <a:t>21.11.2023</a:t>
             </a:fld>
             <a:endParaRPr lang="ru-RU"/>
           </a:p>
@@ -3785,7 +1040,13 @@
       </p:sp>
       <p:sp>
         <p:nvSpPr>
-          <p:cNvPr id="5" name="Footer Placeholder 4"/>
+          <p:cNvPr id="5" name="Нижний колонтитул 4">
+            <a:extLst>
+              <a:ext uri="{FF2B5EF4-FFF2-40B4-BE49-F238E27FC236}">
+                <a16:creationId xmlns:a16="http://schemas.microsoft.com/office/drawing/2014/main" id="{DC1C44A7-3051-C8F5-76C8-B150991143E9}"/>
+              </a:ext>
+            </a:extLst>
+          </p:cNvPr>
           <p:cNvSpPr>
             <a:spLocks noGrp="1"/>
           </p:cNvSpPr>
@@ -3804,7 +1065,13 @@
       </p:sp>
       <p:sp>
         <p:nvSpPr>
-          <p:cNvPr id="6" name="Slide Number Placeholder 5"/>
+          <p:cNvPr id="6" name="Номер слайда 5">
+            <a:extLst>
+              <a:ext uri="{FF2B5EF4-FFF2-40B4-BE49-F238E27FC236}">
+                <a16:creationId xmlns:a16="http://schemas.microsoft.com/office/drawing/2014/main" id="{C5D90D90-456E-7008-0B3E-C040C1C7DAAB}"/>
+              </a:ext>
+            </a:extLst>
+          </p:cNvPr>
           <p:cNvSpPr>
             <a:spLocks noGrp="1"/>
           </p:cNvSpPr>
@@ -3828,177 +1095,7 @@
     </p:spTree>
     <p:extLst>
       <p:ext uri="{BB962C8B-B14F-4D97-AF65-F5344CB8AC3E}">
-        <p14:creationId xmlns:p14="http://schemas.microsoft.com/office/powerpoint/2010/main" val="2218579924"/>
-      </p:ext>
-    </p:extLst>
-  </p:cSld>
-  <p:clrMapOvr>
-    <a:masterClrMapping/>
-  </p:clrMapOvr>
-</p:sldLayout>
-</file>
-
-<file path=ppt/slideLayouts/slideLayout18.xml><?xml version="1.0" encoding="utf-8"?>
-<p:sldLayout xmlns:a="http://schemas.openxmlformats.org/drawingml/2006/main" xmlns:r="http://schemas.openxmlformats.org/officeDocument/2006/relationships" xmlns:p="http://schemas.openxmlformats.org/presentationml/2006/main" type="obj">
-  <p:cSld name="1_Заголовок и объект">
-    <p:spTree>
-      <p:nvGrpSpPr>
-        <p:cNvPr id="1" name=""/>
-        <p:cNvGrpSpPr/>
-        <p:nvPr/>
-      </p:nvGrpSpPr>
-      <p:grpSpPr>
-        <a:xfrm>
-          <a:off x="0" y="0"/>
-          <a:ext cx="0" cy="0"/>
-          <a:chOff x="0" y="0"/>
-          <a:chExt cx="0" cy="0"/>
-        </a:xfrm>
-      </p:grpSpPr>
-      <p:sp>
-        <p:nvSpPr>
-          <p:cNvPr id="2" name="Title 1"/>
-          <p:cNvSpPr>
-            <a:spLocks noGrp="1"/>
-          </p:cNvSpPr>
-          <p:nvPr>
-            <p:ph type="title"/>
-          </p:nvPr>
-        </p:nvSpPr>
-        <p:spPr/>
-        <p:txBody>
-          <a:bodyPr/>
-          <a:lstStyle/>
-          <a:p>
-            <a:r>
-              <a:rPr lang="ru-RU" smtClean="0"/>
-              <a:t>Образец заголовка</a:t>
-            </a:r>
-            <a:endParaRPr lang="en-US" dirty="0"/>
-          </a:p>
-        </p:txBody>
-      </p:sp>
-      <p:sp>
-        <p:nvSpPr>
-          <p:cNvPr id="3" name="Content Placeholder 2"/>
-          <p:cNvSpPr>
-            <a:spLocks noGrp="1"/>
-          </p:cNvSpPr>
-          <p:nvPr>
-            <p:ph idx="1"/>
-          </p:nvPr>
-        </p:nvSpPr>
-        <p:spPr/>
-        <p:txBody>
-          <a:bodyPr/>
-          <a:lstStyle/>
-          <a:p>
-            <a:pPr lvl="0"/>
-            <a:r>
-              <a:rPr lang="ru-RU" smtClean="0"/>
-              <a:t>Образец текста</a:t>
-            </a:r>
-          </a:p>
-          <a:p>
-            <a:pPr lvl="1"/>
-            <a:r>
-              <a:rPr lang="ru-RU" smtClean="0"/>
-              <a:t>Второй уровень</a:t>
-            </a:r>
-          </a:p>
-          <a:p>
-            <a:pPr lvl="2"/>
-            <a:r>
-              <a:rPr lang="ru-RU" smtClean="0"/>
-              <a:t>Третий уровень</a:t>
-            </a:r>
-          </a:p>
-          <a:p>
-            <a:pPr lvl="3"/>
-            <a:r>
-              <a:rPr lang="ru-RU" smtClean="0"/>
-              <a:t>Четвертый уровень</a:t>
-            </a:r>
-          </a:p>
-          <a:p>
-            <a:pPr lvl="4"/>
-            <a:r>
-              <a:rPr lang="ru-RU" smtClean="0"/>
-              <a:t>Пятый уровень</a:t>
-            </a:r>
-            <a:endParaRPr lang="en-US" dirty="0"/>
-          </a:p>
-        </p:txBody>
-      </p:sp>
-      <p:sp>
-        <p:nvSpPr>
-          <p:cNvPr id="4" name="Date Placeholder 3"/>
-          <p:cNvSpPr>
-            <a:spLocks noGrp="1"/>
-          </p:cNvSpPr>
-          <p:nvPr>
-            <p:ph type="dt" sz="half" idx="10"/>
-          </p:nvPr>
-        </p:nvSpPr>
-        <p:spPr/>
-        <p:txBody>
-          <a:bodyPr/>
-          <a:lstStyle/>
-          <a:p>
-            <a:fld id="{DDC647A9-AAA3-4641-ACE7-C285BA9E2E71}" type="datetimeFigureOut">
-              <a:rPr lang="ru-RU" smtClean="0"/>
-              <a:t>22.12.2022</a:t>
-            </a:fld>
-            <a:endParaRPr lang="ru-RU"/>
-          </a:p>
-        </p:txBody>
-      </p:sp>
-      <p:sp>
-        <p:nvSpPr>
-          <p:cNvPr id="5" name="Footer Placeholder 4"/>
-          <p:cNvSpPr>
-            <a:spLocks noGrp="1"/>
-          </p:cNvSpPr>
-          <p:nvPr>
-            <p:ph type="ftr" sz="quarter" idx="11"/>
-          </p:nvPr>
-        </p:nvSpPr>
-        <p:spPr/>
-        <p:txBody>
-          <a:bodyPr/>
-          <a:lstStyle/>
-          <a:p>
-            <a:endParaRPr lang="ru-RU"/>
-          </a:p>
-        </p:txBody>
-      </p:sp>
-      <p:sp>
-        <p:nvSpPr>
-          <p:cNvPr id="6" name="Slide Number Placeholder 5"/>
-          <p:cNvSpPr>
-            <a:spLocks noGrp="1"/>
-          </p:cNvSpPr>
-          <p:nvPr>
-            <p:ph type="sldNum" sz="quarter" idx="12"/>
-          </p:nvPr>
-        </p:nvSpPr>
-        <p:spPr/>
-        <p:txBody>
-          <a:bodyPr/>
-          <a:lstStyle/>
-          <a:p>
-            <a:fld id="{D42F785C-AA4B-493A-80E4-B8A9DE114901}" type="slidenum">
-              <a:rPr lang="ru-RU" smtClean="0"/>
-              <a:t>‹#›</a:t>
-            </a:fld>
-            <a:endParaRPr lang="ru-RU"/>
-          </a:p>
-        </p:txBody>
-      </p:sp>
-    </p:spTree>
-    <p:extLst>
-      <p:ext uri="{BB962C8B-B14F-4D97-AF65-F5344CB8AC3E}">
-        <p14:creationId xmlns:p14="http://schemas.microsoft.com/office/powerpoint/2010/main" val="2265558589"/>
+        <p14:creationId xmlns:p14="http://schemas.microsoft.com/office/powerpoint/2010/main" val="3928757618"/>
       </p:ext>
     </p:extLst>
   </p:cSld>
@@ -4025,39 +1122,15 @@
           <a:chExt cx="0" cy="0"/>
         </a:xfrm>
       </p:grpSpPr>
-      <p:pic>
-        <p:nvPicPr>
-          <p:cNvPr id="3" name="Picture 2" descr="Droplets-HD-Content-R1d.png"/>
-          <p:cNvPicPr>
-            <a:picLocks noChangeAspect="1"/>
-          </p:cNvPicPr>
-          <p:nvPr/>
-        </p:nvPicPr>
-        <p:blipFill>
-          <a:blip r:embed="rId2">
-            <a:extLst>
-              <a:ext uri="{28A0092B-C50C-407E-A947-70E740481C1C}">
-                <a14:useLocalDpi xmlns:a14="http://schemas.microsoft.com/office/drawing/2010/main" val="0"/>
-              </a:ext>
-            </a:extLst>
-          </a:blip>
-          <a:stretch>
-            <a:fillRect/>
-          </a:stretch>
-        </p:blipFill>
-        <p:spPr>
-          <a:xfrm>
-            <a:off x="0" y="0"/>
-            <a:ext cx="12192000" cy="6858000"/>
-          </a:xfrm>
-          <a:prstGeom prst="rect">
-            <a:avLst/>
-          </a:prstGeom>
-        </p:spPr>
-      </p:pic>
-      <p:sp>
-        <p:nvSpPr>
-          <p:cNvPr id="2" name="Title 1"/>
+      <p:sp>
+        <p:nvSpPr>
+          <p:cNvPr id="2" name="Заголовок 1">
+            <a:extLst>
+              <a:ext uri="{FF2B5EF4-FFF2-40B4-BE49-F238E27FC236}">
+                <a16:creationId xmlns:a16="http://schemas.microsoft.com/office/drawing/2014/main" id="{DC85B38A-C653-EEC6-0FEC-FAB34361DED3}"/>
+              </a:ext>
+            </a:extLst>
+          </p:cNvPr>
           <p:cNvSpPr>
             <a:spLocks noGrp="1"/>
           </p:cNvSpPr>
@@ -4071,73 +1144,78 @@
           <a:lstStyle/>
           <a:p>
             <a:r>
-              <a:rPr lang="ru-RU" smtClean="0"/>
+              <a:rPr lang="ru-RU"/>
               <a:t>Образец заголовка</a:t>
             </a:r>
-            <a:endParaRPr lang="en-US" dirty="0"/>
-          </a:p>
-        </p:txBody>
-      </p:sp>
-      <p:sp>
-        <p:nvSpPr>
-          <p:cNvPr id="12" name="Content Placeholder 2"/>
-          <p:cNvSpPr>
-            <a:spLocks noGrp="1"/>
-          </p:cNvSpPr>
-          <p:nvPr>
-            <p:ph sz="quarter" idx="13"/>
-          </p:nvPr>
-        </p:nvSpPr>
-        <p:spPr>
-          <a:xfrm>
-            <a:off x="913774" y="2367092"/>
-            <a:ext cx="10363826" cy="3424107"/>
-          </a:xfrm>
-        </p:spPr>
+          </a:p>
+        </p:txBody>
+      </p:sp>
+      <p:sp>
+        <p:nvSpPr>
+          <p:cNvPr id="3" name="Объект 2">
+            <a:extLst>
+              <a:ext uri="{FF2B5EF4-FFF2-40B4-BE49-F238E27FC236}">
+                <a16:creationId xmlns:a16="http://schemas.microsoft.com/office/drawing/2014/main" id="{B1DDCC93-17AC-79E6-B066-97BC3C3927C0}"/>
+              </a:ext>
+            </a:extLst>
+          </p:cNvPr>
+          <p:cNvSpPr>
+            <a:spLocks noGrp="1"/>
+          </p:cNvSpPr>
+          <p:nvPr>
+            <p:ph idx="1"/>
+          </p:nvPr>
+        </p:nvSpPr>
+        <p:spPr/>
         <p:txBody>
           <a:bodyPr/>
           <a:lstStyle/>
           <a:p>
             <a:pPr lvl="0"/>
             <a:r>
-              <a:rPr lang="ru-RU" smtClean="0"/>
+              <a:rPr lang="ru-RU"/>
               <a:t>Образец текста</a:t>
             </a:r>
           </a:p>
           <a:p>
             <a:pPr lvl="1"/>
             <a:r>
-              <a:rPr lang="ru-RU" smtClean="0"/>
+              <a:rPr lang="ru-RU"/>
               <a:t>Второй уровень</a:t>
             </a:r>
           </a:p>
           <a:p>
             <a:pPr lvl="2"/>
             <a:r>
-              <a:rPr lang="ru-RU" smtClean="0"/>
+              <a:rPr lang="ru-RU"/>
               <a:t>Третий уровень</a:t>
             </a:r>
           </a:p>
           <a:p>
             <a:pPr lvl="3"/>
             <a:r>
-              <a:rPr lang="ru-RU" smtClean="0"/>
+              <a:rPr lang="ru-RU"/>
               <a:t>Четвертый уровень</a:t>
             </a:r>
           </a:p>
           <a:p>
             <a:pPr lvl="4"/>
             <a:r>
-              <a:rPr lang="ru-RU" smtClean="0"/>
+              <a:rPr lang="ru-RU"/>
               <a:t>Пятый уровень</a:t>
             </a:r>
-            <a:endParaRPr lang="en-US" dirty="0"/>
-          </a:p>
-        </p:txBody>
-      </p:sp>
-      <p:sp>
-        <p:nvSpPr>
-          <p:cNvPr id="4" name="Date Placeholder 3"/>
+          </a:p>
+        </p:txBody>
+      </p:sp>
+      <p:sp>
+        <p:nvSpPr>
+          <p:cNvPr id="4" name="Дата 3">
+            <a:extLst>
+              <a:ext uri="{FF2B5EF4-FFF2-40B4-BE49-F238E27FC236}">
+                <a16:creationId xmlns:a16="http://schemas.microsoft.com/office/drawing/2014/main" id="{A43A2EEA-2633-8C46-518D-8B2F56132802}"/>
+              </a:ext>
+            </a:extLst>
+          </p:cNvPr>
           <p:cNvSpPr>
             <a:spLocks noGrp="1"/>
           </p:cNvSpPr>
@@ -4152,7 +1230,7 @@
           <a:p>
             <a:fld id="{DDC647A9-AAA3-4641-ACE7-C285BA9E2E71}" type="datetimeFigureOut">
               <a:rPr lang="ru-RU" smtClean="0"/>
-              <a:t>22.12.2022</a:t>
+              <a:t>21.11.2023</a:t>
             </a:fld>
             <a:endParaRPr lang="ru-RU"/>
           </a:p>
@@ -4160,7 +1238,13 @@
       </p:sp>
       <p:sp>
         <p:nvSpPr>
-          <p:cNvPr id="5" name="Footer Placeholder 4"/>
+          <p:cNvPr id="5" name="Нижний колонтитул 4">
+            <a:extLst>
+              <a:ext uri="{FF2B5EF4-FFF2-40B4-BE49-F238E27FC236}">
+                <a16:creationId xmlns:a16="http://schemas.microsoft.com/office/drawing/2014/main" id="{3DFA8F81-1F79-ADB3-7BB8-C57711DE6D65}"/>
+              </a:ext>
+            </a:extLst>
+          </p:cNvPr>
           <p:cNvSpPr>
             <a:spLocks noGrp="1"/>
           </p:cNvSpPr>
@@ -4179,7 +1263,13 @@
       </p:sp>
       <p:sp>
         <p:nvSpPr>
-          <p:cNvPr id="6" name="Slide Number Placeholder 5"/>
+          <p:cNvPr id="6" name="Номер слайда 5">
+            <a:extLst>
+              <a:ext uri="{FF2B5EF4-FFF2-40B4-BE49-F238E27FC236}">
+                <a16:creationId xmlns:a16="http://schemas.microsoft.com/office/drawing/2014/main" id="{F62145D3-3F32-ADC8-911F-89964D7702BB}"/>
+              </a:ext>
+            </a:extLst>
+          </p:cNvPr>
           <p:cNvSpPr>
             <a:spLocks noGrp="1"/>
           </p:cNvSpPr>
@@ -4203,7 +1293,7 @@
     </p:spTree>
     <p:extLst>
       <p:ext uri="{BB962C8B-B14F-4D97-AF65-F5344CB8AC3E}">
-        <p14:creationId xmlns:p14="http://schemas.microsoft.com/office/powerpoint/2010/main" val="2547410973"/>
+        <p14:creationId xmlns:p14="http://schemas.microsoft.com/office/powerpoint/2010/main" val="314144233"/>
       </p:ext>
     </p:extLst>
   </p:cSld>
@@ -4230,97 +1320,74 @@
           <a:chExt cx="0" cy="0"/>
         </a:xfrm>
       </p:grpSpPr>
-      <p:pic>
-        <p:nvPicPr>
-          <p:cNvPr id="9" name="Picture 8" descr="Droplets-HD-Content-R1d.png"/>
-          <p:cNvPicPr>
-            <a:picLocks noChangeAspect="1"/>
-          </p:cNvPicPr>
-          <p:nvPr/>
-        </p:nvPicPr>
-        <p:blipFill>
-          <a:blip r:embed="rId2">
-            <a:extLst>
-              <a:ext uri="{28A0092B-C50C-407E-A947-70E740481C1C}">
-                <a14:useLocalDpi xmlns:a14="http://schemas.microsoft.com/office/drawing/2010/main" val="0"/>
-              </a:ext>
-            </a:extLst>
-          </a:blip>
-          <a:stretch>
-            <a:fillRect/>
-          </a:stretch>
-        </p:blipFill>
+      <p:sp>
+        <p:nvSpPr>
+          <p:cNvPr id="2" name="Заголовок 1">
+            <a:extLst>
+              <a:ext uri="{FF2B5EF4-FFF2-40B4-BE49-F238E27FC236}">
+                <a16:creationId xmlns:a16="http://schemas.microsoft.com/office/drawing/2014/main" id="{8692D4E5-D06C-ACB0-C0A8-4B8D33E9EF60}"/>
+              </a:ext>
+            </a:extLst>
+          </p:cNvPr>
+          <p:cNvSpPr>
+            <a:spLocks noGrp="1"/>
+          </p:cNvSpPr>
+          <p:nvPr>
+            <p:ph type="title"/>
+          </p:nvPr>
+        </p:nvSpPr>
         <p:spPr>
           <a:xfrm>
-            <a:off x="0" y="0"/>
-            <a:ext cx="12192000" cy="6858000"/>
+            <a:off x="831850" y="1709738"/>
+            <a:ext cx="10515600" cy="2852737"/>
           </a:xfrm>
-          <a:prstGeom prst="rect">
-            <a:avLst/>
-          </a:prstGeom>
         </p:spPr>
-      </p:pic>
-      <p:sp>
-        <p:nvSpPr>
-          <p:cNvPr id="2" name="Title 1"/>
-          <p:cNvSpPr>
-            <a:spLocks noGrp="1"/>
-          </p:cNvSpPr>
-          <p:nvPr>
-            <p:ph type="title"/>
+        <p:txBody>
+          <a:bodyPr anchor="b"/>
+          <a:lstStyle>
+            <a:lvl1pPr>
+              <a:defRPr sz="6000"/>
+            </a:lvl1pPr>
+          </a:lstStyle>
+          <a:p>
+            <a:r>
+              <a:rPr lang="ru-RU"/>
+              <a:t>Образец заголовка</a:t>
+            </a:r>
+          </a:p>
+        </p:txBody>
+      </p:sp>
+      <p:sp>
+        <p:nvSpPr>
+          <p:cNvPr id="3" name="Текст 2">
+            <a:extLst>
+              <a:ext uri="{FF2B5EF4-FFF2-40B4-BE49-F238E27FC236}">
+                <a16:creationId xmlns:a16="http://schemas.microsoft.com/office/drawing/2014/main" id="{50D7CC9D-6656-EAEB-A63E-9D420FA0998F}"/>
+              </a:ext>
+            </a:extLst>
+          </p:cNvPr>
+          <p:cNvSpPr>
+            <a:spLocks noGrp="1"/>
+          </p:cNvSpPr>
+          <p:nvPr>
+            <p:ph type="body" idx="1"/>
           </p:nvPr>
         </p:nvSpPr>
         <p:spPr>
           <a:xfrm>
-            <a:off x="913774" y="828563"/>
-            <a:ext cx="10351752" cy="2736819"/>
+            <a:off x="831850" y="4589463"/>
+            <a:ext cx="10515600" cy="1500187"/>
           </a:xfrm>
         </p:spPr>
         <p:txBody>
-          <a:bodyPr anchor="b">
-            <a:normAutofit/>
-          </a:bodyPr>
+          <a:bodyPr/>
           <a:lstStyle>
-            <a:lvl1pPr>
-              <a:defRPr sz="4000"/>
-            </a:lvl1pPr>
-          </a:lstStyle>
-          <a:p>
-            <a:r>
-              <a:rPr lang="ru-RU" smtClean="0"/>
-              <a:t>Образец заголовка</a:t>
-            </a:r>
-            <a:endParaRPr lang="en-US" dirty="0"/>
-          </a:p>
-        </p:txBody>
-      </p:sp>
-      <p:sp>
-        <p:nvSpPr>
-          <p:cNvPr id="3" name="Text Placeholder 2"/>
-          <p:cNvSpPr>
-            <a:spLocks noGrp="1"/>
-          </p:cNvSpPr>
-          <p:nvPr>
-            <p:ph type="body" idx="1"/>
-          </p:nvPr>
-        </p:nvSpPr>
-        <p:spPr>
-          <a:xfrm>
-            <a:off x="913774" y="3657457"/>
-            <a:ext cx="10351752" cy="1368183"/>
-          </a:xfrm>
-        </p:spPr>
-        <p:txBody>
-          <a:bodyPr>
-            <a:normAutofit/>
-          </a:bodyPr>
-          <a:lstStyle>
-            <a:lvl1pPr marL="0" indent="0" algn="ctr">
+            <a:lvl1pPr marL="0" indent="0">
               <a:buNone/>
-              <a:defRPr sz="2000">
+              <a:defRPr sz="2400">
                 <a:solidFill>
-                  <a:schemeClr val="bg1">
-                    <a:lumMod val="50000"/>
+                  <a:schemeClr val="tx1">
+                    <a:tint val="75000"/>
                   </a:schemeClr>
                 </a:solidFill>
               </a:defRPr>
@@ -4409,7 +1476,7 @@
           <a:p>
             <a:pPr lvl="0"/>
             <a:r>
-              <a:rPr lang="ru-RU" smtClean="0"/>
+              <a:rPr lang="ru-RU"/>
               <a:t>Образец текста</a:t>
             </a:r>
           </a:p>
@@ -4417,7 +1484,13 @@
       </p:sp>
       <p:sp>
         <p:nvSpPr>
-          <p:cNvPr id="4" name="Date Placeholder 3"/>
+          <p:cNvPr id="4" name="Дата 3">
+            <a:extLst>
+              <a:ext uri="{FF2B5EF4-FFF2-40B4-BE49-F238E27FC236}">
+                <a16:creationId xmlns:a16="http://schemas.microsoft.com/office/drawing/2014/main" id="{59C64B9C-3BB5-341C-E46A-5A485C3DC78C}"/>
+              </a:ext>
+            </a:extLst>
+          </p:cNvPr>
           <p:cNvSpPr>
             <a:spLocks noGrp="1"/>
           </p:cNvSpPr>
@@ -4432,7 +1505,7 @@
           <a:p>
             <a:fld id="{DDC647A9-AAA3-4641-ACE7-C285BA9E2E71}" type="datetimeFigureOut">
               <a:rPr lang="ru-RU" smtClean="0"/>
-              <a:t>22.12.2022</a:t>
+              <a:t>21.11.2023</a:t>
             </a:fld>
             <a:endParaRPr lang="ru-RU"/>
           </a:p>
@@ -4440,7 +1513,13 @@
       </p:sp>
       <p:sp>
         <p:nvSpPr>
-          <p:cNvPr id="5" name="Footer Placeholder 4"/>
+          <p:cNvPr id="5" name="Нижний колонтитул 4">
+            <a:extLst>
+              <a:ext uri="{FF2B5EF4-FFF2-40B4-BE49-F238E27FC236}">
+                <a16:creationId xmlns:a16="http://schemas.microsoft.com/office/drawing/2014/main" id="{F60120C0-2F50-BC76-B51F-5C7A65983ABE}"/>
+              </a:ext>
+            </a:extLst>
+          </p:cNvPr>
           <p:cNvSpPr>
             <a:spLocks noGrp="1"/>
           </p:cNvSpPr>
@@ -4459,7 +1538,13 @@
       </p:sp>
       <p:sp>
         <p:nvSpPr>
-          <p:cNvPr id="6" name="Slide Number Placeholder 5"/>
+          <p:cNvPr id="6" name="Номер слайда 5">
+            <a:extLst>
+              <a:ext uri="{FF2B5EF4-FFF2-40B4-BE49-F238E27FC236}">
+                <a16:creationId xmlns:a16="http://schemas.microsoft.com/office/drawing/2014/main" id="{A58EE2D7-3E2C-9A03-5C7D-9E708CAAB577}"/>
+              </a:ext>
+            </a:extLst>
+          </p:cNvPr>
           <p:cNvSpPr>
             <a:spLocks noGrp="1"/>
           </p:cNvSpPr>
@@ -4483,7 +1568,7 @@
     </p:spTree>
     <p:extLst>
       <p:ext uri="{BB962C8B-B14F-4D97-AF65-F5344CB8AC3E}">
-        <p14:creationId xmlns:p14="http://schemas.microsoft.com/office/powerpoint/2010/main" val="529169362"/>
+        <p14:creationId xmlns:p14="http://schemas.microsoft.com/office/powerpoint/2010/main" val="1504817603"/>
       </p:ext>
     </p:extLst>
   </p:cSld>
@@ -4510,181 +1595,167 @@
           <a:chExt cx="0" cy="0"/>
         </a:xfrm>
       </p:grpSpPr>
-      <p:pic>
-        <p:nvPicPr>
-          <p:cNvPr id="10" name="Picture 9" descr="Droplets-HD-Content-R1d.png"/>
-          <p:cNvPicPr>
-            <a:picLocks noChangeAspect="1"/>
-          </p:cNvPicPr>
-          <p:nvPr/>
-        </p:nvPicPr>
-        <p:blipFill>
-          <a:blip r:embed="rId2">
-            <a:extLst>
-              <a:ext uri="{28A0092B-C50C-407E-A947-70E740481C1C}">
-                <a14:useLocalDpi xmlns:a14="http://schemas.microsoft.com/office/drawing/2010/main" val="0"/>
-              </a:ext>
-            </a:extLst>
-          </a:blip>
-          <a:stretch>
-            <a:fillRect/>
-          </a:stretch>
-        </p:blipFill>
+      <p:sp>
+        <p:nvSpPr>
+          <p:cNvPr id="2" name="Заголовок 1">
+            <a:extLst>
+              <a:ext uri="{FF2B5EF4-FFF2-40B4-BE49-F238E27FC236}">
+                <a16:creationId xmlns:a16="http://schemas.microsoft.com/office/drawing/2014/main" id="{8D76D6A8-4C98-60F2-D12D-0D17CB485CD1}"/>
+              </a:ext>
+            </a:extLst>
+          </p:cNvPr>
+          <p:cNvSpPr>
+            <a:spLocks noGrp="1"/>
+          </p:cNvSpPr>
+          <p:nvPr>
+            <p:ph type="title"/>
+          </p:nvPr>
+        </p:nvSpPr>
+        <p:spPr/>
+        <p:txBody>
+          <a:bodyPr/>
+          <a:lstStyle/>
+          <a:p>
+            <a:r>
+              <a:rPr lang="ru-RU"/>
+              <a:t>Образец заголовка</a:t>
+            </a:r>
+          </a:p>
+        </p:txBody>
+      </p:sp>
+      <p:sp>
+        <p:nvSpPr>
+          <p:cNvPr id="3" name="Объект 2">
+            <a:extLst>
+              <a:ext uri="{FF2B5EF4-FFF2-40B4-BE49-F238E27FC236}">
+                <a16:creationId xmlns:a16="http://schemas.microsoft.com/office/drawing/2014/main" id="{259F2051-80A5-4780-ED82-3E68F0DE58EC}"/>
+              </a:ext>
+            </a:extLst>
+          </p:cNvPr>
+          <p:cNvSpPr>
+            <a:spLocks noGrp="1"/>
+          </p:cNvSpPr>
+          <p:nvPr>
+            <p:ph sz="half" idx="1"/>
+          </p:nvPr>
+        </p:nvSpPr>
         <p:spPr>
           <a:xfrm>
-            <a:off x="0" y="0"/>
-            <a:ext cx="12192000" cy="6858000"/>
+            <a:off x="838200" y="1825625"/>
+            <a:ext cx="5181600" cy="4351338"/>
           </a:xfrm>
-          <a:prstGeom prst="rect">
-            <a:avLst/>
-          </a:prstGeom>
         </p:spPr>
-      </p:pic>
-      <p:sp>
-        <p:nvSpPr>
-          <p:cNvPr id="14" name="Title 1"/>
-          <p:cNvSpPr>
-            <a:spLocks noGrp="1"/>
-          </p:cNvSpPr>
-          <p:nvPr>
-            <p:ph type="title"/>
+        <p:txBody>
+          <a:bodyPr/>
+          <a:lstStyle/>
+          <a:p>
+            <a:pPr lvl="0"/>
+            <a:r>
+              <a:rPr lang="ru-RU"/>
+              <a:t>Образец текста</a:t>
+            </a:r>
+          </a:p>
+          <a:p>
+            <a:pPr lvl="1"/>
+            <a:r>
+              <a:rPr lang="ru-RU"/>
+              <a:t>Второй уровень</a:t>
+            </a:r>
+          </a:p>
+          <a:p>
+            <a:pPr lvl="2"/>
+            <a:r>
+              <a:rPr lang="ru-RU"/>
+              <a:t>Третий уровень</a:t>
+            </a:r>
+          </a:p>
+          <a:p>
+            <a:pPr lvl="3"/>
+            <a:r>
+              <a:rPr lang="ru-RU"/>
+              <a:t>Четвертый уровень</a:t>
+            </a:r>
+          </a:p>
+          <a:p>
+            <a:pPr lvl="4"/>
+            <a:r>
+              <a:rPr lang="ru-RU"/>
+              <a:t>Пятый уровень</a:t>
+            </a:r>
+          </a:p>
+        </p:txBody>
+      </p:sp>
+      <p:sp>
+        <p:nvSpPr>
+          <p:cNvPr id="4" name="Объект 3">
+            <a:extLst>
+              <a:ext uri="{FF2B5EF4-FFF2-40B4-BE49-F238E27FC236}">
+                <a16:creationId xmlns:a16="http://schemas.microsoft.com/office/drawing/2014/main" id="{BDB36540-9224-F65C-DAFF-3201D2DAE1F9}"/>
+              </a:ext>
+            </a:extLst>
+          </p:cNvPr>
+          <p:cNvSpPr>
+            <a:spLocks noGrp="1"/>
+          </p:cNvSpPr>
+          <p:nvPr>
+            <p:ph sz="half" idx="2"/>
           </p:nvPr>
         </p:nvSpPr>
         <p:spPr>
           <a:xfrm>
-            <a:off x="913775" y="618517"/>
-            <a:ext cx="10364451" cy="1596177"/>
+            <a:off x="6172200" y="1825625"/>
+            <a:ext cx="5181600" cy="4351338"/>
           </a:xfrm>
         </p:spPr>
         <p:txBody>
           <a:bodyPr/>
           <a:lstStyle/>
           <a:p>
-            <a:r>
-              <a:rPr lang="ru-RU" smtClean="0"/>
-              <a:t>Образец заголовка</a:t>
-            </a:r>
-            <a:endParaRPr lang="en-US" dirty="0"/>
-          </a:p>
-        </p:txBody>
-      </p:sp>
-      <p:sp>
-        <p:nvSpPr>
-          <p:cNvPr id="12" name="Content Placeholder 2"/>
-          <p:cNvSpPr>
-            <a:spLocks noGrp="1"/>
-          </p:cNvSpPr>
-          <p:nvPr>
-            <p:ph sz="quarter" idx="13"/>
-          </p:nvPr>
-        </p:nvSpPr>
-        <p:spPr>
-          <a:xfrm>
-            <a:off x="913774" y="2367092"/>
-            <a:ext cx="5106026" cy="3424107"/>
-          </a:xfrm>
-        </p:spPr>
-        <p:txBody>
-          <a:bodyPr/>
-          <a:lstStyle/>
-          <a:p>
             <a:pPr lvl="0"/>
             <a:r>
-              <a:rPr lang="ru-RU" smtClean="0"/>
+              <a:rPr lang="ru-RU"/>
               <a:t>Образец текста</a:t>
             </a:r>
           </a:p>
           <a:p>
             <a:pPr lvl="1"/>
             <a:r>
-              <a:rPr lang="ru-RU" smtClean="0"/>
+              <a:rPr lang="ru-RU"/>
               <a:t>Второй уровень</a:t>
             </a:r>
           </a:p>
           <a:p>
             <a:pPr lvl="2"/>
             <a:r>
-              <a:rPr lang="ru-RU" smtClean="0"/>
+              <a:rPr lang="ru-RU"/>
               <a:t>Третий уровень</a:t>
             </a:r>
           </a:p>
           <a:p>
             <a:pPr lvl="3"/>
             <a:r>
-              <a:rPr lang="ru-RU" smtClean="0"/>
+              <a:rPr lang="ru-RU"/>
               <a:t>Четвертый уровень</a:t>
             </a:r>
           </a:p>
           <a:p>
             <a:pPr lvl="4"/>
             <a:r>
-              <a:rPr lang="ru-RU" smtClean="0"/>
+              <a:rPr lang="ru-RU"/>
               <a:t>Пятый уровень</a:t>
             </a:r>
-            <a:endParaRPr lang="en-US" dirty="0"/>
-          </a:p>
-        </p:txBody>
-      </p:sp>
-      <p:sp>
-        <p:nvSpPr>
-          <p:cNvPr id="13" name="Content Placeholder 3"/>
-          <p:cNvSpPr>
-            <a:spLocks noGrp="1"/>
-          </p:cNvSpPr>
-          <p:nvPr>
-            <p:ph sz="quarter" idx="14"/>
-          </p:nvPr>
-        </p:nvSpPr>
-        <p:spPr>
-          <a:xfrm>
-            <a:off x="6172200" y="2367092"/>
-            <a:ext cx="5105400" cy="3424107"/>
-          </a:xfrm>
-        </p:spPr>
-        <p:txBody>
-          <a:bodyPr/>
-          <a:lstStyle/>
-          <a:p>
-            <a:pPr lvl="0"/>
-            <a:r>
-              <a:rPr lang="ru-RU" smtClean="0"/>
-              <a:t>Образец текста</a:t>
-            </a:r>
-          </a:p>
-          <a:p>
-            <a:pPr lvl="1"/>
-            <a:r>
-              <a:rPr lang="ru-RU" smtClean="0"/>
-              <a:t>Второй уровень</a:t>
-            </a:r>
-          </a:p>
-          <a:p>
-            <a:pPr lvl="2"/>
-            <a:r>
-              <a:rPr lang="ru-RU" smtClean="0"/>
-              <a:t>Третий уровень</a:t>
-            </a:r>
-          </a:p>
-          <a:p>
-            <a:pPr lvl="3"/>
-            <a:r>
-              <a:rPr lang="ru-RU" smtClean="0"/>
-              <a:t>Четвертый уровень</a:t>
-            </a:r>
-          </a:p>
-          <a:p>
-            <a:pPr lvl="4"/>
-            <a:r>
-              <a:rPr lang="ru-RU" smtClean="0"/>
-              <a:t>Пятый уровень</a:t>
-            </a:r>
-            <a:endParaRPr lang="en-US" dirty="0"/>
-          </a:p>
-        </p:txBody>
-      </p:sp>
-      <p:sp>
-        <p:nvSpPr>
-          <p:cNvPr id="5" name="Date Placeholder 4"/>
+          </a:p>
+        </p:txBody>
+      </p:sp>
+      <p:sp>
+        <p:nvSpPr>
+          <p:cNvPr id="5" name="Дата 4">
+            <a:extLst>
+              <a:ext uri="{FF2B5EF4-FFF2-40B4-BE49-F238E27FC236}">
+                <a16:creationId xmlns:a16="http://schemas.microsoft.com/office/drawing/2014/main" id="{84F060B2-7F35-858F-C0A9-D8547EAC97A9}"/>
+              </a:ext>
+            </a:extLst>
+          </p:cNvPr>
           <p:cNvSpPr>
             <a:spLocks noGrp="1"/>
           </p:cNvSpPr>
@@ -4699,7 +1770,7 @@
           <a:p>
             <a:fld id="{DDC647A9-AAA3-4641-ACE7-C285BA9E2E71}" type="datetimeFigureOut">
               <a:rPr lang="ru-RU" smtClean="0"/>
-              <a:t>22.12.2022</a:t>
+              <a:t>21.11.2023</a:t>
             </a:fld>
             <a:endParaRPr lang="ru-RU"/>
           </a:p>
@@ -4707,7 +1778,13 @@
       </p:sp>
       <p:sp>
         <p:nvSpPr>
-          <p:cNvPr id="6" name="Footer Placeholder 5"/>
+          <p:cNvPr id="6" name="Нижний колонтитул 5">
+            <a:extLst>
+              <a:ext uri="{FF2B5EF4-FFF2-40B4-BE49-F238E27FC236}">
+                <a16:creationId xmlns:a16="http://schemas.microsoft.com/office/drawing/2014/main" id="{6EA20F31-8722-E3AA-0700-15FA8BAD812F}"/>
+              </a:ext>
+            </a:extLst>
+          </p:cNvPr>
           <p:cNvSpPr>
             <a:spLocks noGrp="1"/>
           </p:cNvSpPr>
@@ -4726,7 +1803,13 @@
       </p:sp>
       <p:sp>
         <p:nvSpPr>
-          <p:cNvPr id="7" name="Slide Number Placeholder 6"/>
+          <p:cNvPr id="7" name="Номер слайда 6">
+            <a:extLst>
+              <a:ext uri="{FF2B5EF4-FFF2-40B4-BE49-F238E27FC236}">
+                <a16:creationId xmlns:a16="http://schemas.microsoft.com/office/drawing/2014/main" id="{F563B01F-E4FC-8692-5EEF-9F95694D4C44}"/>
+              </a:ext>
+            </a:extLst>
+          </p:cNvPr>
           <p:cNvSpPr>
             <a:spLocks noGrp="1"/>
           </p:cNvSpPr>
@@ -4750,7 +1833,7 @@
     </p:spTree>
     <p:extLst>
       <p:ext uri="{BB962C8B-B14F-4D97-AF65-F5344CB8AC3E}">
-        <p14:creationId xmlns:p14="http://schemas.microsoft.com/office/powerpoint/2010/main" val="3252232520"/>
+        <p14:creationId xmlns:p14="http://schemas.microsoft.com/office/powerpoint/2010/main" val="1322948592"/>
       </p:ext>
     </p:extLst>
   </p:cSld>
@@ -4777,95 +1860,67 @@
           <a:chExt cx="0" cy="0"/>
         </a:xfrm>
       </p:grpSpPr>
-      <p:pic>
-        <p:nvPicPr>
-          <p:cNvPr id="15" name="Picture 14" descr="Droplets-HD-Content-R1d.png"/>
-          <p:cNvPicPr>
-            <a:picLocks noChangeAspect="1"/>
-          </p:cNvPicPr>
-          <p:nvPr/>
-        </p:nvPicPr>
-        <p:blipFill>
-          <a:blip r:embed="rId2">
-            <a:extLst>
-              <a:ext uri="{28A0092B-C50C-407E-A947-70E740481C1C}">
-                <a14:useLocalDpi xmlns:a14="http://schemas.microsoft.com/office/drawing/2010/main" val="0"/>
-              </a:ext>
-            </a:extLst>
-          </a:blip>
-          <a:stretch>
-            <a:fillRect/>
-          </a:stretch>
-        </p:blipFill>
+      <p:sp>
+        <p:nvSpPr>
+          <p:cNvPr id="2" name="Заголовок 1">
+            <a:extLst>
+              <a:ext uri="{FF2B5EF4-FFF2-40B4-BE49-F238E27FC236}">
+                <a16:creationId xmlns:a16="http://schemas.microsoft.com/office/drawing/2014/main" id="{ADF6DF8A-E6B2-34C7-4E5C-895B0E72906B}"/>
+              </a:ext>
+            </a:extLst>
+          </p:cNvPr>
+          <p:cNvSpPr>
+            <a:spLocks noGrp="1"/>
+          </p:cNvSpPr>
+          <p:nvPr>
+            <p:ph type="title"/>
+          </p:nvPr>
+        </p:nvSpPr>
         <p:spPr>
           <a:xfrm>
-            <a:off x="0" y="0"/>
-            <a:ext cx="12192000" cy="6858000"/>
+            <a:off x="839788" y="365125"/>
+            <a:ext cx="10515600" cy="1325563"/>
           </a:xfrm>
-          <a:prstGeom prst="rect">
-            <a:avLst/>
-          </a:prstGeom>
         </p:spPr>
-      </p:pic>
-      <p:sp>
-        <p:nvSpPr>
-          <p:cNvPr id="14" name="Title 1"/>
-          <p:cNvSpPr>
-            <a:spLocks noGrp="1"/>
-          </p:cNvSpPr>
-          <p:nvPr>
-            <p:ph type="title"/>
+        <p:txBody>
+          <a:bodyPr/>
+          <a:lstStyle/>
+          <a:p>
+            <a:r>
+              <a:rPr lang="ru-RU"/>
+              <a:t>Образец заголовка</a:t>
+            </a:r>
+          </a:p>
+        </p:txBody>
+      </p:sp>
+      <p:sp>
+        <p:nvSpPr>
+          <p:cNvPr id="3" name="Текст 2">
+            <a:extLst>
+              <a:ext uri="{FF2B5EF4-FFF2-40B4-BE49-F238E27FC236}">
+                <a16:creationId xmlns:a16="http://schemas.microsoft.com/office/drawing/2014/main" id="{D8D52FFB-2A77-9D98-5262-3DADCEC3797E}"/>
+              </a:ext>
+            </a:extLst>
+          </p:cNvPr>
+          <p:cNvSpPr>
+            <a:spLocks noGrp="1"/>
+          </p:cNvSpPr>
+          <p:nvPr>
+            <p:ph type="body" idx="1"/>
           </p:nvPr>
         </p:nvSpPr>
         <p:spPr>
           <a:xfrm>
-            <a:off x="913775" y="618517"/>
-            <a:ext cx="10364451" cy="1596177"/>
+            <a:off x="839788" y="1681163"/>
+            <a:ext cx="5157787" cy="823912"/>
           </a:xfrm>
         </p:spPr>
         <p:txBody>
-          <a:bodyPr/>
-          <a:lstStyle/>
-          <a:p>
-            <a:r>
-              <a:rPr lang="ru-RU" smtClean="0"/>
-              <a:t>Образец заголовка</a:t>
-            </a:r>
-            <a:endParaRPr lang="en-US" dirty="0"/>
-          </a:p>
-        </p:txBody>
-      </p:sp>
-      <p:sp>
-        <p:nvSpPr>
-          <p:cNvPr id="3" name="Text Placeholder 2"/>
-          <p:cNvSpPr>
-            <a:spLocks noGrp="1"/>
-          </p:cNvSpPr>
-          <p:nvPr>
-            <p:ph type="body" idx="1"/>
-          </p:nvPr>
-        </p:nvSpPr>
-        <p:spPr>
-          <a:xfrm>
-            <a:off x="1146328" y="2371018"/>
-            <a:ext cx="4873474" cy="679994"/>
-          </a:xfrm>
-        </p:spPr>
-        <p:txBody>
-          <a:bodyPr anchor="b">
-            <a:noAutofit/>
-          </a:bodyPr>
+          <a:bodyPr anchor="b"/>
           <a:lstStyle>
             <a:lvl1pPr marL="0" indent="0">
-              <a:lnSpc>
-                <a:spcPct val="85000"/>
-              </a:lnSpc>
               <a:buNone/>
-              <a:defRPr sz="2600" b="0">
-                <a:solidFill>
-                  <a:schemeClr val="tx1"/>
-                </a:solidFill>
-              </a:defRPr>
+              <a:defRPr sz="2400" b="1"/>
             </a:lvl1pPr>
             <a:lvl2pPr marL="457200" indent="0">
               <a:buNone/>
@@ -4903,7 +1958,7 @@
           <a:p>
             <a:pPr lvl="0"/>
             <a:r>
-              <a:rPr lang="ru-RU" smtClean="0"/>
+              <a:rPr lang="ru-RU"/>
               <a:t>Образец текста</a:t>
             </a:r>
           </a:p>
@@ -4911,18 +1966,24 @@
       </p:sp>
       <p:sp>
         <p:nvSpPr>
-          <p:cNvPr id="12" name="Content Placeholder 3"/>
-          <p:cNvSpPr>
-            <a:spLocks noGrp="1"/>
-          </p:cNvSpPr>
-          <p:nvPr>
-            <p:ph sz="quarter" idx="13"/>
+          <p:cNvPr id="4" name="Объект 3">
+            <a:extLst>
+              <a:ext uri="{FF2B5EF4-FFF2-40B4-BE49-F238E27FC236}">
+                <a16:creationId xmlns:a16="http://schemas.microsoft.com/office/drawing/2014/main" id="{9650753C-852B-7A67-B1CD-C2D06B038538}"/>
+              </a:ext>
+            </a:extLst>
+          </p:cNvPr>
+          <p:cNvSpPr>
+            <a:spLocks noGrp="1"/>
+          </p:cNvSpPr>
+          <p:nvPr>
+            <p:ph sz="half" idx="2"/>
           </p:nvPr>
         </p:nvSpPr>
         <p:spPr>
           <a:xfrm>
-            <a:off x="913774" y="3051012"/>
-            <a:ext cx="5106027" cy="2740187"/>
+            <a:off x="839788" y="2505075"/>
+            <a:ext cx="5157787" cy="3684588"/>
           </a:xfrm>
         </p:spPr>
         <p:txBody>
@@ -4931,44 +1992,49 @@
           <a:p>
             <a:pPr lvl="0"/>
             <a:r>
-              <a:rPr lang="ru-RU" smtClean="0"/>
+              <a:rPr lang="ru-RU"/>
               <a:t>Образец текста</a:t>
             </a:r>
           </a:p>
           <a:p>
             <a:pPr lvl="1"/>
             <a:r>
-              <a:rPr lang="ru-RU" smtClean="0"/>
+              <a:rPr lang="ru-RU"/>
               <a:t>Второй уровень</a:t>
             </a:r>
           </a:p>
           <a:p>
             <a:pPr lvl="2"/>
             <a:r>
-              <a:rPr lang="ru-RU" smtClean="0"/>
+              <a:rPr lang="ru-RU"/>
               <a:t>Третий уровень</a:t>
             </a:r>
           </a:p>
           <a:p>
             <a:pPr lvl="3"/>
             <a:r>
-              <a:rPr lang="ru-RU" smtClean="0"/>
+              <a:rPr lang="ru-RU"/>
               <a:t>Четвертый уровень</a:t>
             </a:r>
           </a:p>
           <a:p>
             <a:pPr lvl="4"/>
             <a:r>
-              <a:rPr lang="ru-RU" smtClean="0"/>
+              <a:rPr lang="ru-RU"/>
               <a:t>Пятый уровень</a:t>
             </a:r>
-            <a:endParaRPr lang="en-US" dirty="0"/>
-          </a:p>
-        </p:txBody>
-      </p:sp>
-      <p:sp>
-        <p:nvSpPr>
-          <p:cNvPr id="5" name="Text Placeholder 4"/>
+          </a:p>
+        </p:txBody>
+      </p:sp>
+      <p:sp>
+        <p:nvSpPr>
+          <p:cNvPr id="5" name="Текст 4">
+            <a:extLst>
+              <a:ext uri="{FF2B5EF4-FFF2-40B4-BE49-F238E27FC236}">
+                <a16:creationId xmlns:a16="http://schemas.microsoft.com/office/drawing/2014/main" id="{BDA79511-DED2-7913-EF5E-8F252A57B2CB}"/>
+              </a:ext>
+            </a:extLst>
+          </p:cNvPr>
           <p:cNvSpPr>
             <a:spLocks noGrp="1"/>
           </p:cNvSpPr>
@@ -4978,25 +2044,16 @@
         </p:nvSpPr>
         <p:spPr>
           <a:xfrm>
-            <a:off x="6396423" y="2371018"/>
-            <a:ext cx="4881804" cy="679994"/>
+            <a:off x="6172200" y="1681163"/>
+            <a:ext cx="5183188" cy="823912"/>
           </a:xfrm>
         </p:spPr>
         <p:txBody>
-          <a:bodyPr anchor="b">
-            <a:noAutofit/>
-          </a:bodyPr>
+          <a:bodyPr anchor="b"/>
           <a:lstStyle>
             <a:lvl1pPr marL="0" indent="0">
-              <a:lnSpc>
-                <a:spcPct val="85000"/>
-              </a:lnSpc>
               <a:buNone/>
-              <a:defRPr sz="2600" b="0">
-                <a:solidFill>
-                  <a:schemeClr val="tx1"/>
-                </a:solidFill>
-              </a:defRPr>
+              <a:defRPr sz="2400" b="1"/>
             </a:lvl1pPr>
             <a:lvl2pPr marL="457200" indent="0">
               <a:buNone/>
@@ -5034,7 +2091,7 @@
           <a:p>
             <a:pPr lvl="0"/>
             <a:r>
-              <a:rPr lang="ru-RU" smtClean="0"/>
+              <a:rPr lang="ru-RU"/>
               <a:t>Образец текста</a:t>
             </a:r>
           </a:p>
@@ -5042,18 +2099,24 @@
       </p:sp>
       <p:sp>
         <p:nvSpPr>
-          <p:cNvPr id="13" name="Content Placeholder 5"/>
-          <p:cNvSpPr>
-            <a:spLocks noGrp="1"/>
-          </p:cNvSpPr>
-          <p:nvPr>
-            <p:ph sz="quarter" idx="14"/>
+          <p:cNvPr id="6" name="Объект 5">
+            <a:extLst>
+              <a:ext uri="{FF2B5EF4-FFF2-40B4-BE49-F238E27FC236}">
+                <a16:creationId xmlns:a16="http://schemas.microsoft.com/office/drawing/2014/main" id="{DD73D531-DCCD-3265-C17F-191BAC8A3CB4}"/>
+              </a:ext>
+            </a:extLst>
+          </p:cNvPr>
+          <p:cNvSpPr>
+            <a:spLocks noGrp="1"/>
+          </p:cNvSpPr>
+          <p:nvPr>
+            <p:ph sz="quarter" idx="4"/>
           </p:nvPr>
         </p:nvSpPr>
         <p:spPr>
           <a:xfrm>
-            <a:off x="6172200" y="3051012"/>
-            <a:ext cx="5105401" cy="2740187"/>
+            <a:off x="6172200" y="2505075"/>
+            <a:ext cx="5183188" cy="3684588"/>
           </a:xfrm>
         </p:spPr>
         <p:txBody>
@@ -5062,44 +2125,49 @@
           <a:p>
             <a:pPr lvl="0"/>
             <a:r>
-              <a:rPr lang="ru-RU" smtClean="0"/>
+              <a:rPr lang="ru-RU"/>
               <a:t>Образец текста</a:t>
             </a:r>
           </a:p>
           <a:p>
             <a:pPr lvl="1"/>
             <a:r>
-              <a:rPr lang="ru-RU" smtClean="0"/>
+              <a:rPr lang="ru-RU"/>
               <a:t>Второй уровень</a:t>
             </a:r>
           </a:p>
           <a:p>
             <a:pPr lvl="2"/>
             <a:r>
-              <a:rPr lang="ru-RU" smtClean="0"/>
+              <a:rPr lang="ru-RU"/>
               <a:t>Третий уровень</a:t>
             </a:r>
           </a:p>
           <a:p>
             <a:pPr lvl="3"/>
             <a:r>
-              <a:rPr lang="ru-RU" smtClean="0"/>
+              <a:rPr lang="ru-RU"/>
               <a:t>Четвертый уровень</a:t>
             </a:r>
           </a:p>
           <a:p>
             <a:pPr lvl="4"/>
             <a:r>
-              <a:rPr lang="ru-RU" smtClean="0"/>
+              <a:rPr lang="ru-RU"/>
               <a:t>Пятый уровень</a:t>
             </a:r>
-            <a:endParaRPr lang="en-US" dirty="0"/>
-          </a:p>
-        </p:txBody>
-      </p:sp>
-      <p:sp>
-        <p:nvSpPr>
-          <p:cNvPr id="7" name="Date Placeholder 6"/>
+          </a:p>
+        </p:txBody>
+      </p:sp>
+      <p:sp>
+        <p:nvSpPr>
+          <p:cNvPr id="7" name="Дата 6">
+            <a:extLst>
+              <a:ext uri="{FF2B5EF4-FFF2-40B4-BE49-F238E27FC236}">
+                <a16:creationId xmlns:a16="http://schemas.microsoft.com/office/drawing/2014/main" id="{78E279C2-3294-09AE-703B-86944E86640C}"/>
+              </a:ext>
+            </a:extLst>
+          </p:cNvPr>
           <p:cNvSpPr>
             <a:spLocks noGrp="1"/>
           </p:cNvSpPr>
@@ -5114,7 +2182,7 @@
           <a:p>
             <a:fld id="{DDC647A9-AAA3-4641-ACE7-C285BA9E2E71}" type="datetimeFigureOut">
               <a:rPr lang="ru-RU" smtClean="0"/>
-              <a:t>22.12.2022</a:t>
+              <a:t>21.11.2023</a:t>
             </a:fld>
             <a:endParaRPr lang="ru-RU"/>
           </a:p>
@@ -5122,7 +2190,13 @@
       </p:sp>
       <p:sp>
         <p:nvSpPr>
-          <p:cNvPr id="8" name="Footer Placeholder 7"/>
+          <p:cNvPr id="8" name="Нижний колонтитул 7">
+            <a:extLst>
+              <a:ext uri="{FF2B5EF4-FFF2-40B4-BE49-F238E27FC236}">
+                <a16:creationId xmlns:a16="http://schemas.microsoft.com/office/drawing/2014/main" id="{84EB3FF1-877A-EA55-1FF9-5D2F4109FE75}"/>
+              </a:ext>
+            </a:extLst>
+          </p:cNvPr>
           <p:cNvSpPr>
             <a:spLocks noGrp="1"/>
           </p:cNvSpPr>
@@ -5141,7 +2215,13 @@
       </p:sp>
       <p:sp>
         <p:nvSpPr>
-          <p:cNvPr id="9" name="Slide Number Placeholder 8"/>
+          <p:cNvPr id="9" name="Номер слайда 8">
+            <a:extLst>
+              <a:ext uri="{FF2B5EF4-FFF2-40B4-BE49-F238E27FC236}">
+                <a16:creationId xmlns:a16="http://schemas.microsoft.com/office/drawing/2014/main" id="{F7B8737E-ADF2-5F98-0B1F-8C023735E6BB}"/>
+              </a:ext>
+            </a:extLst>
+          </p:cNvPr>
           <p:cNvSpPr>
             <a:spLocks noGrp="1"/>
           </p:cNvSpPr>
@@ -5165,7 +2245,7 @@
     </p:spTree>
     <p:extLst>
       <p:ext uri="{BB962C8B-B14F-4D97-AF65-F5344CB8AC3E}">
-        <p14:creationId xmlns:p14="http://schemas.microsoft.com/office/powerpoint/2010/main" val="3728716032"/>
+        <p14:creationId xmlns:p14="http://schemas.microsoft.com/office/powerpoint/2010/main" val="1582752380"/>
       </p:ext>
     </p:extLst>
   </p:cSld>
@@ -5192,39 +2272,15 @@
           <a:chExt cx="0" cy="0"/>
         </a:xfrm>
       </p:grpSpPr>
-      <p:pic>
-        <p:nvPicPr>
-          <p:cNvPr id="8" name="Picture 7" descr="Droplets-HD-Content-R1d.png"/>
-          <p:cNvPicPr>
-            <a:picLocks noChangeAspect="1"/>
-          </p:cNvPicPr>
-          <p:nvPr/>
-        </p:nvPicPr>
-        <p:blipFill>
-          <a:blip r:embed="rId2">
-            <a:extLst>
-              <a:ext uri="{28A0092B-C50C-407E-A947-70E740481C1C}">
-                <a14:useLocalDpi xmlns:a14="http://schemas.microsoft.com/office/drawing/2010/main" val="0"/>
-              </a:ext>
-            </a:extLst>
-          </a:blip>
-          <a:stretch>
-            <a:fillRect/>
-          </a:stretch>
-        </p:blipFill>
-        <p:spPr>
-          <a:xfrm>
-            <a:off x="0" y="0"/>
-            <a:ext cx="12192000" cy="6858000"/>
-          </a:xfrm>
-          <a:prstGeom prst="rect">
-            <a:avLst/>
-          </a:prstGeom>
-        </p:spPr>
-      </p:pic>
-      <p:sp>
-        <p:nvSpPr>
-          <p:cNvPr id="2" name="Title 1"/>
+      <p:sp>
+        <p:nvSpPr>
+          <p:cNvPr id="2" name="Заголовок 1">
+            <a:extLst>
+              <a:ext uri="{FF2B5EF4-FFF2-40B4-BE49-F238E27FC236}">
+                <a16:creationId xmlns:a16="http://schemas.microsoft.com/office/drawing/2014/main" id="{EE4E28C9-7B46-EB98-2066-40AFF8157F4E}"/>
+              </a:ext>
+            </a:extLst>
+          </p:cNvPr>
           <p:cNvSpPr>
             <a:spLocks noGrp="1"/>
           </p:cNvSpPr>
@@ -5238,16 +2294,21 @@
           <a:lstStyle/>
           <a:p>
             <a:r>
-              <a:rPr lang="ru-RU" smtClean="0"/>
+              <a:rPr lang="ru-RU"/>
               <a:t>Образец заголовка</a:t>
             </a:r>
-            <a:endParaRPr lang="en-US" dirty="0"/>
-          </a:p>
-        </p:txBody>
-      </p:sp>
-      <p:sp>
-        <p:nvSpPr>
-          <p:cNvPr id="3" name="Date Placeholder 2"/>
+          </a:p>
+        </p:txBody>
+      </p:sp>
+      <p:sp>
+        <p:nvSpPr>
+          <p:cNvPr id="3" name="Дата 2">
+            <a:extLst>
+              <a:ext uri="{FF2B5EF4-FFF2-40B4-BE49-F238E27FC236}">
+                <a16:creationId xmlns:a16="http://schemas.microsoft.com/office/drawing/2014/main" id="{735FC231-654E-073E-FBDF-577BF0FE6DFD}"/>
+              </a:ext>
+            </a:extLst>
+          </p:cNvPr>
           <p:cNvSpPr>
             <a:spLocks noGrp="1"/>
           </p:cNvSpPr>
@@ -5262,7 +2323,7 @@
           <a:p>
             <a:fld id="{DDC647A9-AAA3-4641-ACE7-C285BA9E2E71}" type="datetimeFigureOut">
               <a:rPr lang="ru-RU" smtClean="0"/>
-              <a:t>22.12.2022</a:t>
+              <a:t>21.11.2023</a:t>
             </a:fld>
             <a:endParaRPr lang="ru-RU"/>
           </a:p>
@@ -5270,7 +2331,13 @@
       </p:sp>
       <p:sp>
         <p:nvSpPr>
-          <p:cNvPr id="4" name="Footer Placeholder 3"/>
+          <p:cNvPr id="4" name="Нижний колонтитул 3">
+            <a:extLst>
+              <a:ext uri="{FF2B5EF4-FFF2-40B4-BE49-F238E27FC236}">
+                <a16:creationId xmlns:a16="http://schemas.microsoft.com/office/drawing/2014/main" id="{67DC227D-D7C7-D1BD-A230-7384A57E775E}"/>
+              </a:ext>
+            </a:extLst>
+          </p:cNvPr>
           <p:cNvSpPr>
             <a:spLocks noGrp="1"/>
           </p:cNvSpPr>
@@ -5289,7 +2356,13 @@
       </p:sp>
       <p:sp>
         <p:nvSpPr>
-          <p:cNvPr id="5" name="Slide Number Placeholder 4"/>
+          <p:cNvPr id="5" name="Номер слайда 4">
+            <a:extLst>
+              <a:ext uri="{FF2B5EF4-FFF2-40B4-BE49-F238E27FC236}">
+                <a16:creationId xmlns:a16="http://schemas.microsoft.com/office/drawing/2014/main" id="{377F4237-F417-09BD-E07A-9555AC50E024}"/>
+              </a:ext>
+            </a:extLst>
+          </p:cNvPr>
           <p:cNvSpPr>
             <a:spLocks noGrp="1"/>
           </p:cNvSpPr>
@@ -5313,7 +2386,7 @@
     </p:spTree>
     <p:extLst>
       <p:ext uri="{BB962C8B-B14F-4D97-AF65-F5344CB8AC3E}">
-        <p14:creationId xmlns:p14="http://schemas.microsoft.com/office/powerpoint/2010/main" val="539768699"/>
+        <p14:creationId xmlns:p14="http://schemas.microsoft.com/office/powerpoint/2010/main" val="1769611749"/>
       </p:ext>
     </p:extLst>
   </p:cSld>
@@ -5340,39 +2413,15 @@
           <a:chExt cx="0" cy="0"/>
         </a:xfrm>
       </p:grpSpPr>
-      <p:pic>
-        <p:nvPicPr>
-          <p:cNvPr id="7" name="Picture 6" descr="Droplets-HD-Content-R1d.png"/>
-          <p:cNvPicPr>
-            <a:picLocks noChangeAspect="1"/>
-          </p:cNvPicPr>
-          <p:nvPr/>
-        </p:nvPicPr>
-        <p:blipFill>
-          <a:blip r:embed="rId2">
-            <a:extLst>
-              <a:ext uri="{28A0092B-C50C-407E-A947-70E740481C1C}">
-                <a14:useLocalDpi xmlns:a14="http://schemas.microsoft.com/office/drawing/2010/main" val="0"/>
-              </a:ext>
-            </a:extLst>
-          </a:blip>
-          <a:stretch>
-            <a:fillRect/>
-          </a:stretch>
-        </p:blipFill>
-        <p:spPr>
-          <a:xfrm>
-            <a:off x="0" y="0"/>
-            <a:ext cx="12192000" cy="6858000"/>
-          </a:xfrm>
-          <a:prstGeom prst="rect">
-            <a:avLst/>
-          </a:prstGeom>
-        </p:spPr>
-      </p:pic>
-      <p:sp>
-        <p:nvSpPr>
-          <p:cNvPr id="2" name="Date Placeholder 1"/>
+      <p:sp>
+        <p:nvSpPr>
+          <p:cNvPr id="2" name="Дата 1">
+            <a:extLst>
+              <a:ext uri="{FF2B5EF4-FFF2-40B4-BE49-F238E27FC236}">
+                <a16:creationId xmlns:a16="http://schemas.microsoft.com/office/drawing/2014/main" id="{C2E4FC07-DB95-B93E-F7DC-325D2158C693}"/>
+              </a:ext>
+            </a:extLst>
+          </p:cNvPr>
           <p:cNvSpPr>
             <a:spLocks noGrp="1"/>
           </p:cNvSpPr>
@@ -5387,7 +2436,7 @@
           <a:p>
             <a:fld id="{DDC647A9-AAA3-4641-ACE7-C285BA9E2E71}" type="datetimeFigureOut">
               <a:rPr lang="ru-RU" smtClean="0"/>
-              <a:t>22.12.2022</a:t>
+              <a:t>21.11.2023</a:t>
             </a:fld>
             <a:endParaRPr lang="ru-RU"/>
           </a:p>
@@ -5395,7 +2444,13 @@
       </p:sp>
       <p:sp>
         <p:nvSpPr>
-          <p:cNvPr id="3" name="Footer Placeholder 2"/>
+          <p:cNvPr id="3" name="Нижний колонтитул 2">
+            <a:extLst>
+              <a:ext uri="{FF2B5EF4-FFF2-40B4-BE49-F238E27FC236}">
+                <a16:creationId xmlns:a16="http://schemas.microsoft.com/office/drawing/2014/main" id="{4BA2FF3C-16E7-55B3-CE86-6A3790E803FE}"/>
+              </a:ext>
+            </a:extLst>
+          </p:cNvPr>
           <p:cNvSpPr>
             <a:spLocks noGrp="1"/>
           </p:cNvSpPr>
@@ -5414,7 +2469,13 @@
       </p:sp>
       <p:sp>
         <p:nvSpPr>
-          <p:cNvPr id="4" name="Slide Number Placeholder 3"/>
+          <p:cNvPr id="4" name="Номер слайда 3">
+            <a:extLst>
+              <a:ext uri="{FF2B5EF4-FFF2-40B4-BE49-F238E27FC236}">
+                <a16:creationId xmlns:a16="http://schemas.microsoft.com/office/drawing/2014/main" id="{BD8A8152-81B6-86D9-93AE-C64E138C7DC6}"/>
+              </a:ext>
+            </a:extLst>
+          </p:cNvPr>
           <p:cNvSpPr>
             <a:spLocks noGrp="1"/>
           </p:cNvSpPr>
@@ -5438,7 +2499,7 @@
     </p:spTree>
     <p:extLst>
       <p:ext uri="{BB962C8B-B14F-4D97-AF65-F5344CB8AC3E}">
-        <p14:creationId xmlns:p14="http://schemas.microsoft.com/office/powerpoint/2010/main" val="3275804929"/>
+        <p14:creationId xmlns:p14="http://schemas.microsoft.com/office/powerpoint/2010/main" val="1464566741"/>
       </p:ext>
     </p:extLst>
   </p:cSld>
@@ -5465,128 +2526,142 @@
           <a:chExt cx="0" cy="0"/>
         </a:xfrm>
       </p:grpSpPr>
-      <p:pic>
-        <p:nvPicPr>
-          <p:cNvPr id="11" name="Picture 10" descr="Droplets-HD-Content-R1d.png"/>
-          <p:cNvPicPr>
-            <a:picLocks noChangeAspect="1"/>
-          </p:cNvPicPr>
-          <p:nvPr/>
-        </p:nvPicPr>
-        <p:blipFill>
-          <a:blip r:embed="rId2">
-            <a:extLst>
-              <a:ext uri="{28A0092B-C50C-407E-A947-70E740481C1C}">
-                <a14:useLocalDpi xmlns:a14="http://schemas.microsoft.com/office/drawing/2010/main" val="0"/>
-              </a:ext>
-            </a:extLst>
-          </a:blip>
-          <a:stretch>
-            <a:fillRect/>
-          </a:stretch>
-        </p:blipFill>
+      <p:sp>
+        <p:nvSpPr>
+          <p:cNvPr id="2" name="Заголовок 1">
+            <a:extLst>
+              <a:ext uri="{FF2B5EF4-FFF2-40B4-BE49-F238E27FC236}">
+                <a16:creationId xmlns:a16="http://schemas.microsoft.com/office/drawing/2014/main" id="{7AFE51B5-87EB-FB80-056D-83C5340F0A94}"/>
+              </a:ext>
+            </a:extLst>
+          </p:cNvPr>
+          <p:cNvSpPr>
+            <a:spLocks noGrp="1"/>
+          </p:cNvSpPr>
+          <p:nvPr>
+            <p:ph type="title"/>
+          </p:nvPr>
+        </p:nvSpPr>
         <p:spPr>
           <a:xfrm>
-            <a:off x="0" y="0"/>
-            <a:ext cx="12192000" cy="6858000"/>
-          </a:xfrm>
-          <a:prstGeom prst="rect">
-            <a:avLst/>
-          </a:prstGeom>
-        </p:spPr>
-      </p:pic>
-      <p:sp>
-        <p:nvSpPr>
-          <p:cNvPr id="2" name="Title 1"/>
-          <p:cNvSpPr>
-            <a:spLocks noGrp="1"/>
-          </p:cNvSpPr>
-          <p:nvPr>
-            <p:ph type="title"/>
-          </p:nvPr>
-        </p:nvSpPr>
-        <p:spPr>
-          <a:xfrm>
-            <a:off x="913775" y="609600"/>
-            <a:ext cx="3935688" cy="2023252"/>
+            <a:off x="839788" y="457200"/>
+            <a:ext cx="3932237" cy="1600200"/>
           </a:xfrm>
         </p:spPr>
         <p:txBody>
           <a:bodyPr anchor="b"/>
           <a:lstStyle>
-            <a:lvl1pPr algn="ctr">
+            <a:lvl1pPr>
               <a:defRPr sz="3200"/>
             </a:lvl1pPr>
           </a:lstStyle>
           <a:p>
             <a:r>
-              <a:rPr lang="ru-RU" smtClean="0"/>
+              <a:rPr lang="ru-RU"/>
               <a:t>Образец заголовка</a:t>
             </a:r>
-            <a:endParaRPr lang="en-US" dirty="0"/>
-          </a:p>
-        </p:txBody>
-      </p:sp>
-      <p:sp>
-        <p:nvSpPr>
-          <p:cNvPr id="10" name="Content Placeholder 2"/>
-          <p:cNvSpPr>
-            <a:spLocks noGrp="1"/>
-          </p:cNvSpPr>
-          <p:nvPr>
-            <p:ph sz="quarter" idx="13"/>
+          </a:p>
+        </p:txBody>
+      </p:sp>
+      <p:sp>
+        <p:nvSpPr>
+          <p:cNvPr id="3" name="Объект 2">
+            <a:extLst>
+              <a:ext uri="{FF2B5EF4-FFF2-40B4-BE49-F238E27FC236}">
+                <a16:creationId xmlns:a16="http://schemas.microsoft.com/office/drawing/2014/main" id="{B510BBFA-363E-CF60-A4BB-6F353AB53F28}"/>
+              </a:ext>
+            </a:extLst>
+          </p:cNvPr>
+          <p:cNvSpPr>
+            <a:spLocks noGrp="1"/>
+          </p:cNvSpPr>
+          <p:nvPr>
+            <p:ph idx="1"/>
           </p:nvPr>
         </p:nvSpPr>
         <p:spPr>
           <a:xfrm>
-            <a:off x="5078062" y="609600"/>
-            <a:ext cx="6200163" cy="5181599"/>
+            <a:off x="5183188" y="987425"/>
+            <a:ext cx="6172200" cy="4873625"/>
           </a:xfrm>
         </p:spPr>
         <p:txBody>
           <a:bodyPr/>
-          <a:lstStyle/>
+          <a:lstStyle>
+            <a:lvl1pPr>
+              <a:defRPr sz="3200"/>
+            </a:lvl1pPr>
+            <a:lvl2pPr>
+              <a:defRPr sz="2800"/>
+            </a:lvl2pPr>
+            <a:lvl3pPr>
+              <a:defRPr sz="2400"/>
+            </a:lvl3pPr>
+            <a:lvl4pPr>
+              <a:defRPr sz="2000"/>
+            </a:lvl4pPr>
+            <a:lvl5pPr>
+              <a:defRPr sz="2000"/>
+            </a:lvl5pPr>
+            <a:lvl6pPr>
+              <a:defRPr sz="2000"/>
+            </a:lvl6pPr>
+            <a:lvl7pPr>
+              <a:defRPr sz="2000"/>
+            </a:lvl7pPr>
+            <a:lvl8pPr>
+              <a:defRPr sz="2000"/>
+            </a:lvl8pPr>
+            <a:lvl9pPr>
+              <a:defRPr sz="2000"/>
+            </a:lvl9pPr>
+          </a:lstStyle>
           <a:p>
             <a:pPr lvl="0"/>
             <a:r>
-              <a:rPr lang="ru-RU" smtClean="0"/>
+              <a:rPr lang="ru-RU"/>
               <a:t>Образец текста</a:t>
             </a:r>
           </a:p>
           <a:p>
             <a:pPr lvl="1"/>
             <a:r>
-              <a:rPr lang="ru-RU" smtClean="0"/>
+              <a:rPr lang="ru-RU"/>
               <a:t>Второй уровень</a:t>
             </a:r>
           </a:p>
           <a:p>
             <a:pPr lvl="2"/>
             <a:r>
-              <a:rPr lang="ru-RU" smtClean="0"/>
+              <a:rPr lang="ru-RU"/>
               <a:t>Третий уровень</a:t>
             </a:r>
           </a:p>
           <a:p>
             <a:pPr lvl="3"/>
             <a:r>
-              <a:rPr lang="ru-RU" smtClean="0"/>
+              <a:rPr lang="ru-RU"/>
               <a:t>Четвертый уровень</a:t>
             </a:r>
           </a:p>
           <a:p>
             <a:pPr lvl="4"/>
             <a:r>
-              <a:rPr lang="ru-RU" smtClean="0"/>
+              <a:rPr lang="ru-RU"/>
               <a:t>Пятый уровень</a:t>
             </a:r>
-            <a:endParaRPr lang="en-US" dirty="0"/>
-          </a:p>
-        </p:txBody>
-      </p:sp>
-      <p:sp>
-        <p:nvSpPr>
-          <p:cNvPr id="4" name="Text Placeholder 3"/>
+          </a:p>
+        </p:txBody>
+      </p:sp>
+      <p:sp>
+        <p:nvSpPr>
+          <p:cNvPr id="4" name="Текст 3">
+            <a:extLst>
+              <a:ext uri="{FF2B5EF4-FFF2-40B4-BE49-F238E27FC236}">
+                <a16:creationId xmlns:a16="http://schemas.microsoft.com/office/drawing/2014/main" id="{5CB50880-B832-D135-5C11-9CEDE1D266B3}"/>
+              </a:ext>
+            </a:extLst>
+          </p:cNvPr>
           <p:cNvSpPr>
             <a:spLocks noGrp="1"/>
           </p:cNvSpPr>
@@ -5596,14 +2671,14 @@
         </p:nvSpPr>
         <p:spPr>
           <a:xfrm>
-            <a:off x="913774" y="2632852"/>
-            <a:ext cx="3935689" cy="3158348"/>
+            <a:off x="839788" y="2057400"/>
+            <a:ext cx="3932237" cy="3811588"/>
           </a:xfrm>
         </p:spPr>
         <p:txBody>
           <a:bodyPr/>
           <a:lstStyle>
-            <a:lvl1pPr marL="0" indent="0" algn="ctr">
+            <a:lvl1pPr marL="0" indent="0">
               <a:buNone/>
               <a:defRPr sz="1600"/>
             </a:lvl1pPr>
@@ -5643,7 +2718,7 @@
           <a:p>
             <a:pPr lvl="0"/>
             <a:r>
-              <a:rPr lang="ru-RU" smtClean="0"/>
+              <a:rPr lang="ru-RU"/>
               <a:t>Образец текста</a:t>
             </a:r>
           </a:p>
@@ -5651,7 +2726,13 @@
       </p:sp>
       <p:sp>
         <p:nvSpPr>
-          <p:cNvPr id="5" name="Date Placeholder 4"/>
+          <p:cNvPr id="5" name="Дата 4">
+            <a:extLst>
+              <a:ext uri="{FF2B5EF4-FFF2-40B4-BE49-F238E27FC236}">
+                <a16:creationId xmlns:a16="http://schemas.microsoft.com/office/drawing/2014/main" id="{59CD4F42-9E65-4EBB-F12C-BADE5BBD8BC3}"/>
+              </a:ext>
+            </a:extLst>
+          </p:cNvPr>
           <p:cNvSpPr>
             <a:spLocks noGrp="1"/>
           </p:cNvSpPr>
@@ -5666,7 +2747,7 @@
           <a:p>
             <a:fld id="{DDC647A9-AAA3-4641-ACE7-C285BA9E2E71}" type="datetimeFigureOut">
               <a:rPr lang="ru-RU" smtClean="0"/>
-              <a:t>22.12.2022</a:t>
+              <a:t>21.11.2023</a:t>
             </a:fld>
             <a:endParaRPr lang="ru-RU"/>
           </a:p>
@@ -5674,7 +2755,13 @@
       </p:sp>
       <p:sp>
         <p:nvSpPr>
-          <p:cNvPr id="6" name="Footer Placeholder 5"/>
+          <p:cNvPr id="6" name="Нижний колонтитул 5">
+            <a:extLst>
+              <a:ext uri="{FF2B5EF4-FFF2-40B4-BE49-F238E27FC236}">
+                <a16:creationId xmlns:a16="http://schemas.microsoft.com/office/drawing/2014/main" id="{0D5077BD-A0EE-4103-26DA-9E7384769A10}"/>
+              </a:ext>
+            </a:extLst>
+          </p:cNvPr>
           <p:cNvSpPr>
             <a:spLocks noGrp="1"/>
           </p:cNvSpPr>
@@ -5693,7 +2780,13 @@
       </p:sp>
       <p:sp>
         <p:nvSpPr>
-          <p:cNvPr id="7" name="Slide Number Placeholder 6"/>
+          <p:cNvPr id="7" name="Номер слайда 6">
+            <a:extLst>
+              <a:ext uri="{FF2B5EF4-FFF2-40B4-BE49-F238E27FC236}">
+                <a16:creationId xmlns:a16="http://schemas.microsoft.com/office/drawing/2014/main" id="{E19F853A-EF96-223B-BCA6-1CB3BFBCCAE3}"/>
+              </a:ext>
+            </a:extLst>
+          </p:cNvPr>
           <p:cNvSpPr>
             <a:spLocks noGrp="1"/>
           </p:cNvSpPr>
@@ -5717,7 +2810,7 @@
     </p:spTree>
     <p:extLst>
       <p:ext uri="{BB962C8B-B14F-4D97-AF65-F5344CB8AC3E}">
-        <p14:creationId xmlns:p14="http://schemas.microsoft.com/office/powerpoint/2010/main" val="763441339"/>
+        <p14:creationId xmlns:p14="http://schemas.microsoft.com/office/powerpoint/2010/main" val="1655290842"/>
       </p:ext>
     </p:extLst>
   </p:cSld>
@@ -5744,73 +2837,54 @@
           <a:chExt cx="0" cy="0"/>
         </a:xfrm>
       </p:grpSpPr>
-      <p:pic>
-        <p:nvPicPr>
-          <p:cNvPr id="10" name="Picture 9" descr="Droplets-HD-Content-R1d.png"/>
-          <p:cNvPicPr>
-            <a:picLocks noChangeAspect="1"/>
-          </p:cNvPicPr>
-          <p:nvPr/>
-        </p:nvPicPr>
-        <p:blipFill>
-          <a:blip r:embed="rId2">
-            <a:extLst>
-              <a:ext uri="{28A0092B-C50C-407E-A947-70E740481C1C}">
-                <a14:useLocalDpi xmlns:a14="http://schemas.microsoft.com/office/drawing/2010/main" val="0"/>
-              </a:ext>
-            </a:extLst>
-          </a:blip>
-          <a:stretch>
-            <a:fillRect/>
-          </a:stretch>
-        </p:blipFill>
+      <p:sp>
+        <p:nvSpPr>
+          <p:cNvPr id="2" name="Заголовок 1">
+            <a:extLst>
+              <a:ext uri="{FF2B5EF4-FFF2-40B4-BE49-F238E27FC236}">
+                <a16:creationId xmlns:a16="http://schemas.microsoft.com/office/drawing/2014/main" id="{38707044-6B0C-C283-3E35-67ED0DDD2DAA}"/>
+              </a:ext>
+            </a:extLst>
+          </p:cNvPr>
+          <p:cNvSpPr>
+            <a:spLocks noGrp="1"/>
+          </p:cNvSpPr>
+          <p:nvPr>
+            <p:ph type="title"/>
+          </p:nvPr>
+        </p:nvSpPr>
         <p:spPr>
           <a:xfrm>
-            <a:off x="0" y="0"/>
-            <a:ext cx="12192000" cy="6858000"/>
-          </a:xfrm>
-          <a:prstGeom prst="rect">
-            <a:avLst/>
-          </a:prstGeom>
-        </p:spPr>
-      </p:pic>
-      <p:sp>
-        <p:nvSpPr>
-          <p:cNvPr id="2" name="Title 1"/>
-          <p:cNvSpPr>
-            <a:spLocks noGrp="1"/>
-          </p:cNvSpPr>
-          <p:nvPr>
-            <p:ph type="title"/>
-          </p:nvPr>
-        </p:nvSpPr>
-        <p:spPr>
-          <a:xfrm>
-            <a:off x="913774" y="609600"/>
-            <a:ext cx="5934969" cy="2023254"/>
+            <a:off x="839788" y="457200"/>
+            <a:ext cx="3932237" cy="1600200"/>
           </a:xfrm>
         </p:spPr>
         <p:txBody>
           <a:bodyPr anchor="b"/>
           <a:lstStyle>
-            <a:lvl1pPr algn="ctr">
+            <a:lvl1pPr>
               <a:defRPr sz="3200"/>
             </a:lvl1pPr>
           </a:lstStyle>
           <a:p>
             <a:r>
-              <a:rPr lang="ru-RU" smtClean="0"/>
+              <a:rPr lang="ru-RU"/>
               <a:t>Образец заголовка</a:t>
             </a:r>
-            <a:endParaRPr lang="en-US" dirty="0"/>
-          </a:p>
-        </p:txBody>
-      </p:sp>
-      <p:sp>
-        <p:nvSpPr>
-          <p:cNvPr id="3" name="Picture Placeholder 2"/>
-          <p:cNvSpPr>
-            <a:spLocks noGrp="1" noChangeAspect="1"/>
+          </a:p>
+        </p:txBody>
+      </p:sp>
+      <p:sp>
+        <p:nvSpPr>
+          <p:cNvPr id="3" name="Рисунок 2">
+            <a:extLst>
+              <a:ext uri="{FF2B5EF4-FFF2-40B4-BE49-F238E27FC236}">
+                <a16:creationId xmlns:a16="http://schemas.microsoft.com/office/drawing/2014/main" id="{20381674-8B72-4B36-C9F1-43FADD097B12}"/>
+              </a:ext>
+            </a:extLst>
+          </p:cNvPr>
+          <p:cNvSpPr>
+            <a:spLocks noGrp="1"/>
           </p:cNvSpPr>
           <p:nvPr>
             <p:ph type="pic" idx="1"/>
@@ -5818,37 +2892,12 @@
         </p:nvSpPr>
         <p:spPr>
           <a:xfrm>
-            <a:off x="7424803" y="609601"/>
-            <a:ext cx="3255358" cy="5181600"/>
+            <a:off x="5183188" y="987425"/>
+            <a:ext cx="6172200" cy="4873625"/>
           </a:xfrm>
-          <a:prstGeom prst="roundRect">
-            <a:avLst>
-              <a:gd name="adj" fmla="val 4943"/>
-            </a:avLst>
-          </a:prstGeom>
-          <a:noFill/>
-          <a:ln w="82550" cap="sq">
-            <a:solidFill>
-              <a:srgbClr val="EAEAEA"/>
-            </a:solidFill>
-            <a:miter lim="800000"/>
-          </a:ln>
-          <a:effectLst/>
-          <a:scene3d>
-            <a:camera prst="orthographicFront"/>
-            <a:lightRig rig="threePt" dir="t">
-              <a:rot lat="0" lon="0" rev="2700000"/>
-            </a:lightRig>
-          </a:scene3d>
-          <a:sp3d contourW="6350">
-            <a:bevelT h="38100"/>
-            <a:contourClr>
-              <a:srgbClr val="C0C0C0"/>
-            </a:contourClr>
-          </a:sp3d>
         </p:spPr>
         <p:txBody>
-          <a:bodyPr anchor="t"/>
+          <a:bodyPr/>
           <a:lstStyle>
             <a:lvl1pPr marL="0" indent="0">
               <a:buNone/>
@@ -5888,17 +2937,19 @@
             </a:lvl9pPr>
           </a:lstStyle>
           <a:p>
-            <a:r>
-              <a:rPr lang="ru-RU" smtClean="0"/>
-              <a:t>Вставка рисунка</a:t>
-            </a:r>
-            <a:endParaRPr lang="en-US" dirty="0"/>
-          </a:p>
-        </p:txBody>
-      </p:sp>
-      <p:sp>
-        <p:nvSpPr>
-          <p:cNvPr id="4" name="Text Placeholder 3"/>
+            <a:endParaRPr lang="ru-RU"/>
+          </a:p>
+        </p:txBody>
+      </p:sp>
+      <p:sp>
+        <p:nvSpPr>
+          <p:cNvPr id="4" name="Текст 3">
+            <a:extLst>
+              <a:ext uri="{FF2B5EF4-FFF2-40B4-BE49-F238E27FC236}">
+                <a16:creationId xmlns:a16="http://schemas.microsoft.com/office/drawing/2014/main" id="{74A2312C-5A96-3B09-FA60-78A409B2F700}"/>
+              </a:ext>
+            </a:extLst>
+          </p:cNvPr>
           <p:cNvSpPr>
             <a:spLocks noGrp="1"/>
           </p:cNvSpPr>
@@ -5908,14 +2959,14 @@
         </p:nvSpPr>
         <p:spPr>
           <a:xfrm>
-            <a:off x="913794" y="2632852"/>
-            <a:ext cx="5934949" cy="3158347"/>
+            <a:off x="839788" y="2057400"/>
+            <a:ext cx="3932237" cy="3811588"/>
           </a:xfrm>
         </p:spPr>
         <p:txBody>
           <a:bodyPr/>
           <a:lstStyle>
-            <a:lvl1pPr marL="0" indent="0" algn="ctr">
+            <a:lvl1pPr marL="0" indent="0">
               <a:buNone/>
               <a:defRPr sz="1600"/>
             </a:lvl1pPr>
@@ -5955,7 +3006,7 @@
           <a:p>
             <a:pPr lvl="0"/>
             <a:r>
-              <a:rPr lang="ru-RU" smtClean="0"/>
+              <a:rPr lang="ru-RU"/>
               <a:t>Образец текста</a:t>
             </a:r>
           </a:p>
@@ -5963,7 +3014,13 @@
       </p:sp>
       <p:sp>
         <p:nvSpPr>
-          <p:cNvPr id="5" name="Date Placeholder 4"/>
+          <p:cNvPr id="5" name="Дата 4">
+            <a:extLst>
+              <a:ext uri="{FF2B5EF4-FFF2-40B4-BE49-F238E27FC236}">
+                <a16:creationId xmlns:a16="http://schemas.microsoft.com/office/drawing/2014/main" id="{2B27BEB0-3CA9-2A17-97EA-434FE26A0976}"/>
+              </a:ext>
+            </a:extLst>
+          </p:cNvPr>
           <p:cNvSpPr>
             <a:spLocks noGrp="1"/>
           </p:cNvSpPr>
@@ -5978,7 +3035,7 @@
           <a:p>
             <a:fld id="{DDC647A9-AAA3-4641-ACE7-C285BA9E2E71}" type="datetimeFigureOut">
               <a:rPr lang="ru-RU" smtClean="0"/>
-              <a:t>22.12.2022</a:t>
+              <a:t>21.11.2023</a:t>
             </a:fld>
             <a:endParaRPr lang="ru-RU"/>
           </a:p>
@@ -5986,7 +3043,13 @@
       </p:sp>
       <p:sp>
         <p:nvSpPr>
-          <p:cNvPr id="6" name="Footer Placeholder 5"/>
+          <p:cNvPr id="6" name="Нижний колонтитул 5">
+            <a:extLst>
+              <a:ext uri="{FF2B5EF4-FFF2-40B4-BE49-F238E27FC236}">
+                <a16:creationId xmlns:a16="http://schemas.microsoft.com/office/drawing/2014/main" id="{0E53C8E2-9514-B977-5E04-2B379B06045B}"/>
+              </a:ext>
+            </a:extLst>
+          </p:cNvPr>
           <p:cNvSpPr>
             <a:spLocks noGrp="1"/>
           </p:cNvSpPr>
@@ -6005,7 +3068,13 @@
       </p:sp>
       <p:sp>
         <p:nvSpPr>
-          <p:cNvPr id="7" name="Slide Number Placeholder 6"/>
+          <p:cNvPr id="7" name="Номер слайда 6">
+            <a:extLst>
+              <a:ext uri="{FF2B5EF4-FFF2-40B4-BE49-F238E27FC236}">
+                <a16:creationId xmlns:a16="http://schemas.microsoft.com/office/drawing/2014/main" id="{430C3691-76DB-B573-CE27-33A36D1B2D6B}"/>
+              </a:ext>
+            </a:extLst>
+          </p:cNvPr>
           <p:cNvSpPr>
             <a:spLocks noGrp="1"/>
           </p:cNvSpPr>
@@ -6029,7 +3098,7 @@
     </p:spTree>
     <p:extLst>
       <p:ext uri="{BB962C8B-B14F-4D97-AF65-F5344CB8AC3E}">
-        <p14:creationId xmlns:p14="http://schemas.microsoft.com/office/powerpoint/2010/main" val="3680096215"/>
+        <p14:creationId xmlns:p14="http://schemas.microsoft.com/office/powerpoint/2010/main" val="345884216"/>
       </p:ext>
     </p:extLst>
   </p:cSld>
@@ -6043,7 +3112,7 @@
 <p:sldMaster xmlns:a="http://schemas.openxmlformats.org/drawingml/2006/main" xmlns:r="http://schemas.openxmlformats.org/officeDocument/2006/relationships" xmlns:p="http://schemas.openxmlformats.org/presentationml/2006/main">
   <p:cSld>
     <p:bg>
-      <p:bgRef idx="1002">
+      <p:bgRef idx="1001">
         <a:schemeClr val="bg1"/>
       </p:bgRef>
     </p:bg>
@@ -6061,51 +3130,15 @@
           <a:chExt cx="0" cy="0"/>
         </a:xfrm>
       </p:grpSpPr>
-      <p:pic>
-        <p:nvPicPr>
-          <p:cNvPr id="1026" name="Picture 2" descr="\\DROBO-FS\QuickDrops\JB\PPTX NG\Droplets\LightingOverlay.png"/>
-          <p:cNvPicPr>
-            <a:picLocks noChangeAspect="1" noChangeArrowheads="1"/>
-          </p:cNvPicPr>
-          <p:nvPr/>
-        </p:nvPicPr>
-        <p:blipFill>
-          <a:blip r:embed="rId20">
-            <a:alphaModFix/>
-            <a:extLst>
-              <a:ext uri="{28A0092B-C50C-407E-A947-70E740481C1C}">
-                <a14:useLocalDpi xmlns:a14="http://schemas.microsoft.com/office/drawing/2010/main" val="0"/>
-              </a:ext>
-            </a:extLst>
-          </a:blip>
-          <a:srcRect/>
-          <a:stretch>
-            <a:fillRect/>
-          </a:stretch>
-        </p:blipFill>
-        <p:spPr bwMode="auto">
-          <a:xfrm>
-            <a:off x="0" y="-1"/>
-            <a:ext cx="12192003" cy="6858001"/>
-          </a:xfrm>
-          <a:prstGeom prst="rect">
-            <a:avLst/>
-          </a:prstGeom>
-          <a:noFill/>
-          <a:extLst>
-            <a:ext uri="{909E8E84-426E-40DD-AFC4-6F175D3DCCD1}">
-              <a14:hiddenFill xmlns:a14="http://schemas.microsoft.com/office/drawing/2010/main">
-                <a:solidFill>
-                  <a:srgbClr val="FFFFFF"/>
-                </a:solidFill>
-              </a14:hiddenFill>
-            </a:ext>
-          </a:extLst>
-        </p:spPr>
-      </p:pic>
-      <p:sp>
-        <p:nvSpPr>
-          <p:cNvPr id="2" name="Title Placeholder 1"/>
+      <p:sp>
+        <p:nvSpPr>
+          <p:cNvPr id="2" name="Заголовок 1">
+            <a:extLst>
+              <a:ext uri="{FF2B5EF4-FFF2-40B4-BE49-F238E27FC236}">
+                <a16:creationId xmlns:a16="http://schemas.microsoft.com/office/drawing/2014/main" id="{1FEE22E5-F09F-38CA-78A3-8241C9BAF81D}"/>
+              </a:ext>
+            </a:extLst>
+          </p:cNvPr>
           <p:cNvSpPr>
             <a:spLocks noGrp="1"/>
           </p:cNvSpPr>
@@ -6115,8 +3148,8 @@
         </p:nvSpPr>
         <p:spPr>
           <a:xfrm>
-            <a:off x="913775" y="618517"/>
-            <a:ext cx="10364451" cy="1596177"/>
+            <a:off x="838200" y="365125"/>
+            <a:ext cx="10515600" cy="1325563"/>
           </a:xfrm>
           <a:prstGeom prst="rect">
             <a:avLst/>
@@ -6129,16 +3162,21 @@
           <a:lstStyle/>
           <a:p>
             <a:r>
-              <a:rPr lang="ru-RU" smtClean="0"/>
+              <a:rPr lang="ru-RU"/>
               <a:t>Образец заголовка</a:t>
             </a:r>
-            <a:endParaRPr lang="en-US" dirty="0"/>
-          </a:p>
-        </p:txBody>
-      </p:sp>
-      <p:sp>
-        <p:nvSpPr>
-          <p:cNvPr id="3" name="Text Placeholder 2"/>
+          </a:p>
+        </p:txBody>
+      </p:sp>
+      <p:sp>
+        <p:nvSpPr>
+          <p:cNvPr id="3" name="Текст 2">
+            <a:extLst>
+              <a:ext uri="{FF2B5EF4-FFF2-40B4-BE49-F238E27FC236}">
+                <a16:creationId xmlns:a16="http://schemas.microsoft.com/office/drawing/2014/main" id="{7F08B45D-F27F-E6B6-55FF-C6F08F77EEF5}"/>
+              </a:ext>
+            </a:extLst>
+          </p:cNvPr>
           <p:cNvSpPr>
             <a:spLocks noGrp="1"/>
           </p:cNvSpPr>
@@ -6148,8 +3186,8 @@
         </p:nvSpPr>
         <p:spPr>
           <a:xfrm>
-            <a:off x="913775" y="2367093"/>
-            <a:ext cx="10364452" cy="3424107"/>
+            <a:off x="838200" y="1825625"/>
+            <a:ext cx="10515600" cy="4351338"/>
           </a:xfrm>
           <a:prstGeom prst="rect">
             <a:avLst/>
@@ -6163,44 +3201,49 @@
           <a:p>
             <a:pPr lvl="0"/>
             <a:r>
-              <a:rPr lang="ru-RU" smtClean="0"/>
+              <a:rPr lang="ru-RU"/>
               <a:t>Образец текста</a:t>
             </a:r>
           </a:p>
           <a:p>
             <a:pPr lvl="1"/>
             <a:r>
-              <a:rPr lang="ru-RU" smtClean="0"/>
+              <a:rPr lang="ru-RU"/>
               <a:t>Второй уровень</a:t>
             </a:r>
           </a:p>
           <a:p>
             <a:pPr lvl="2"/>
             <a:r>
-              <a:rPr lang="ru-RU" smtClean="0"/>
+              <a:rPr lang="ru-RU"/>
               <a:t>Третий уровень</a:t>
             </a:r>
           </a:p>
           <a:p>
             <a:pPr lvl="3"/>
             <a:r>
-              <a:rPr lang="ru-RU" smtClean="0"/>
+              <a:rPr lang="ru-RU"/>
               <a:t>Четвертый уровень</a:t>
             </a:r>
           </a:p>
           <a:p>
             <a:pPr lvl="4"/>
             <a:r>
-              <a:rPr lang="ru-RU" smtClean="0"/>
+              <a:rPr lang="ru-RU"/>
               <a:t>Пятый уровень</a:t>
             </a:r>
-            <a:endParaRPr lang="en-US" dirty="0"/>
-          </a:p>
-        </p:txBody>
-      </p:sp>
-      <p:sp>
-        <p:nvSpPr>
-          <p:cNvPr id="4" name="Date Placeholder 3"/>
+          </a:p>
+        </p:txBody>
+      </p:sp>
+      <p:sp>
+        <p:nvSpPr>
+          <p:cNvPr id="4" name="Дата 3">
+            <a:extLst>
+              <a:ext uri="{FF2B5EF4-FFF2-40B4-BE49-F238E27FC236}">
+                <a16:creationId xmlns:a16="http://schemas.microsoft.com/office/drawing/2014/main" id="{96A236B4-E762-F9FD-375F-30FFA2DE5211}"/>
+              </a:ext>
+            </a:extLst>
+          </p:cNvPr>
           <p:cNvSpPr>
             <a:spLocks noGrp="1"/>
           </p:cNvSpPr>
@@ -6210,7 +3253,7 @@
         </p:nvSpPr>
         <p:spPr>
           <a:xfrm>
-            <a:off x="7678737" y="5883275"/>
+            <a:off x="838200" y="6356350"/>
             <a:ext cx="2743200" cy="365125"/>
           </a:xfrm>
           <a:prstGeom prst="rect">
@@ -6220,10 +3263,12 @@
         <p:txBody>
           <a:bodyPr vert="horz" lIns="91440" tIns="45720" rIns="91440" bIns="45720" rtlCol="0" anchor="ctr"/>
           <a:lstStyle>
-            <a:lvl1pPr algn="r">
-              <a:defRPr sz="1000">
+            <a:lvl1pPr algn="l">
+              <a:defRPr sz="1200">
                 <a:solidFill>
-                  <a:schemeClr val="tx1"/>
+                  <a:schemeClr val="tx1">
+                    <a:tint val="75000"/>
+                  </a:schemeClr>
                 </a:solidFill>
               </a:defRPr>
             </a:lvl1pPr>
@@ -6231,7 +3276,7 @@
           <a:p>
             <a:fld id="{DDC647A9-AAA3-4641-ACE7-C285BA9E2E71}" type="datetimeFigureOut">
               <a:rPr lang="ru-RU" smtClean="0"/>
-              <a:t>22.12.2022</a:t>
+              <a:t>21.11.2023</a:t>
             </a:fld>
             <a:endParaRPr lang="ru-RU"/>
           </a:p>
@@ -6239,7 +3284,13 @@
       </p:sp>
       <p:sp>
         <p:nvSpPr>
-          <p:cNvPr id="5" name="Footer Placeholder 4"/>
+          <p:cNvPr id="5" name="Нижний колонтитул 4">
+            <a:extLst>
+              <a:ext uri="{FF2B5EF4-FFF2-40B4-BE49-F238E27FC236}">
+                <a16:creationId xmlns:a16="http://schemas.microsoft.com/office/drawing/2014/main" id="{6FBD32CB-F0D5-A2FC-9ED4-26100889E5ED}"/>
+              </a:ext>
+            </a:extLst>
+          </p:cNvPr>
           <p:cNvSpPr>
             <a:spLocks noGrp="1"/>
           </p:cNvSpPr>
@@ -6249,8 +3300,8 @@
         </p:nvSpPr>
         <p:spPr>
           <a:xfrm>
-            <a:off x="913774" y="5883275"/>
-            <a:ext cx="6672887" cy="365125"/>
+            <a:off x="4038600" y="6356350"/>
+            <a:ext cx="4114800" cy="365125"/>
           </a:xfrm>
           <a:prstGeom prst="rect">
             <a:avLst/>
@@ -6259,10 +3310,12 @@
         <p:txBody>
           <a:bodyPr vert="horz" lIns="91440" tIns="45720" rIns="91440" bIns="45720" rtlCol="0" anchor="ctr"/>
           <a:lstStyle>
-            <a:lvl1pPr algn="l">
-              <a:defRPr sz="1000">
+            <a:lvl1pPr algn="ctr">
+              <a:defRPr sz="1200">
                 <a:solidFill>
-                  <a:schemeClr val="tx1"/>
+                  <a:schemeClr val="tx1">
+                    <a:tint val="75000"/>
+                  </a:schemeClr>
                 </a:solidFill>
               </a:defRPr>
             </a:lvl1pPr>
@@ -6274,7 +3327,13 @@
       </p:sp>
       <p:sp>
         <p:nvSpPr>
-          <p:cNvPr id="6" name="Slide Number Placeholder 5"/>
+          <p:cNvPr id="6" name="Номер слайда 5">
+            <a:extLst>
+              <a:ext uri="{FF2B5EF4-FFF2-40B4-BE49-F238E27FC236}">
+                <a16:creationId xmlns:a16="http://schemas.microsoft.com/office/drawing/2014/main" id="{24497A9B-4C6A-9560-82CC-40EA52647650}"/>
+              </a:ext>
+            </a:extLst>
+          </p:cNvPr>
           <p:cNvSpPr>
             <a:spLocks noGrp="1"/>
           </p:cNvSpPr>
@@ -6284,8 +3343,8 @@
         </p:nvSpPr>
         <p:spPr>
           <a:xfrm>
-            <a:off x="10514011" y="5883275"/>
-            <a:ext cx="764215" cy="365125"/>
+            <a:off x="8610600" y="6356350"/>
+            <a:ext cx="2743200" cy="365125"/>
           </a:xfrm>
           <a:prstGeom prst="rect">
             <a:avLst/>
@@ -6295,9 +3354,11 @@
           <a:bodyPr vert="horz" lIns="91440" tIns="45720" rIns="91440" bIns="45720" rtlCol="0" anchor="ctr"/>
           <a:lstStyle>
             <a:lvl1pPr algn="r">
-              <a:defRPr sz="1000">
+              <a:defRPr sz="1200">
                 <a:solidFill>
-                  <a:schemeClr val="tx1"/>
+                  <a:schemeClr val="tx1">
+                    <a:tint val="75000"/>
+                  </a:schemeClr>
                 </a:solidFill>
               </a:defRPr>
             </a:lvl1pPr>
@@ -6314,34 +3375,27 @@
     </p:spTree>
     <p:extLst>
       <p:ext uri="{BB962C8B-B14F-4D97-AF65-F5344CB8AC3E}">
-        <p14:creationId xmlns:p14="http://schemas.microsoft.com/office/powerpoint/2010/main" val="3464205870"/>
+        <p14:creationId xmlns:p14="http://schemas.microsoft.com/office/powerpoint/2010/main" val="512202240"/>
       </p:ext>
     </p:extLst>
   </p:cSld>
   <p:clrMap bg1="lt1" tx1="dk1" bg2="lt2" tx2="dk2" accent1="accent1" accent2="accent2" accent3="accent3" accent4="accent4" accent5="accent5" accent6="accent6" hlink="hlink" folHlink="folHlink"/>
   <p:sldLayoutIdLst>
-    <p:sldLayoutId id="2147483791" r:id="rId1"/>
-    <p:sldLayoutId id="2147483792" r:id="rId2"/>
-    <p:sldLayoutId id="2147483793" r:id="rId3"/>
-    <p:sldLayoutId id="2147483794" r:id="rId4"/>
-    <p:sldLayoutId id="2147483795" r:id="rId5"/>
-    <p:sldLayoutId id="2147483796" r:id="rId6"/>
-    <p:sldLayoutId id="2147483797" r:id="rId7"/>
-    <p:sldLayoutId id="2147483798" r:id="rId8"/>
-    <p:sldLayoutId id="2147483799" r:id="rId9"/>
-    <p:sldLayoutId id="2147483800" r:id="rId10"/>
-    <p:sldLayoutId id="2147483801" r:id="rId11"/>
-    <p:sldLayoutId id="2147483802" r:id="rId12"/>
-    <p:sldLayoutId id="2147483803" r:id="rId13"/>
-    <p:sldLayoutId id="2147483804" r:id="rId14"/>
-    <p:sldLayoutId id="2147483805" r:id="rId15"/>
-    <p:sldLayoutId id="2147483806" r:id="rId16"/>
-    <p:sldLayoutId id="2147483807" r:id="rId17"/>
-    <p:sldLayoutId id="2147483808" r:id="rId18"/>
+    <p:sldLayoutId id="2147483810" r:id="rId1"/>
+    <p:sldLayoutId id="2147483811" r:id="rId2"/>
+    <p:sldLayoutId id="2147483812" r:id="rId3"/>
+    <p:sldLayoutId id="2147483813" r:id="rId4"/>
+    <p:sldLayoutId id="2147483814" r:id="rId5"/>
+    <p:sldLayoutId id="2147483815" r:id="rId6"/>
+    <p:sldLayoutId id="2147483816" r:id="rId7"/>
+    <p:sldLayoutId id="2147483817" r:id="rId8"/>
+    <p:sldLayoutId id="2147483818" r:id="rId9"/>
+    <p:sldLayoutId id="2147483819" r:id="rId10"/>
+    <p:sldLayoutId id="2147483820" r:id="rId11"/>
   </p:sldLayoutIdLst>
   <p:txStyles>
     <p:titleStyle>
-      <a:lvl1pPr algn="ctr" defTabSz="914400" rtl="0" eaLnBrk="1" latinLnBrk="0" hangingPunct="1">
+      <a:lvl1pPr algn="l" defTabSz="914400" rtl="0" eaLnBrk="1" latinLnBrk="0" hangingPunct="1">
         <a:lnSpc>
           <a:spcPct val="90000"/>
         </a:lnSpc>
@@ -6349,11 +3403,10 @@
           <a:spcPct val="0"/>
         </a:spcBef>
         <a:buNone/>
-        <a:defRPr sz="3600" kern="1200" cap="all" baseline="0">
+        <a:defRPr sz="4400" kern="1200">
           <a:solidFill>
             <a:schemeClr val="tx1"/>
           </a:solidFill>
-          <a:effectLst/>
           <a:latin typeface="+mj-lt"/>
           <a:ea typeface="+mj-ea"/>
           <a:cs typeface="+mj-cs"/>
@@ -6363,21 +3416,17 @@
     <p:bodyStyle>
       <a:lvl1pPr marL="228600" indent="-228600" algn="l" defTabSz="914400" rtl="0" eaLnBrk="1" latinLnBrk="0" hangingPunct="1">
         <a:lnSpc>
-          <a:spcPct val="120000"/>
+          <a:spcPct val="90000"/>
         </a:lnSpc>
         <a:spcBef>
           <a:spcPts val="1000"/>
         </a:spcBef>
-        <a:buClr>
-          <a:schemeClr val="tx1"/>
-        </a:buClr>
         <a:buFont typeface="Arial" panose="020B0604020202020204" pitchFamily="34" charset="0"/>
         <a:buChar char="•"/>
-        <a:defRPr sz="2000" kern="1200" cap="all" baseline="0">
+        <a:defRPr sz="2800" kern="1200">
           <a:solidFill>
             <a:schemeClr val="tx1"/>
           </a:solidFill>
-          <a:effectLst/>
           <a:latin typeface="+mn-lt"/>
           <a:ea typeface="+mn-ea"/>
           <a:cs typeface="+mn-cs"/>
@@ -6385,21 +3434,17 @@
       </a:lvl1pPr>
       <a:lvl2pPr marL="685800" indent="-228600" algn="l" defTabSz="914400" rtl="0" eaLnBrk="1" latinLnBrk="0" hangingPunct="1">
         <a:lnSpc>
-          <a:spcPct val="120000"/>
+          <a:spcPct val="90000"/>
         </a:lnSpc>
         <a:spcBef>
           <a:spcPts val="500"/>
         </a:spcBef>
-        <a:buClr>
-          <a:schemeClr val="tx1"/>
-        </a:buClr>
         <a:buFont typeface="Arial" panose="020B0604020202020204" pitchFamily="34" charset="0"/>
         <a:buChar char="•"/>
-        <a:defRPr sz="1800" kern="1200" cap="all" baseline="0">
+        <a:defRPr sz="2400" kern="1200">
           <a:solidFill>
             <a:schemeClr val="tx1"/>
           </a:solidFill>
-          <a:effectLst/>
           <a:latin typeface="+mn-lt"/>
           <a:ea typeface="+mn-ea"/>
           <a:cs typeface="+mn-cs"/>
@@ -6407,21 +3452,17 @@
       </a:lvl2pPr>
       <a:lvl3pPr marL="1143000" indent="-228600" algn="l" defTabSz="914400" rtl="0" eaLnBrk="1" latinLnBrk="0" hangingPunct="1">
         <a:lnSpc>
-          <a:spcPct val="120000"/>
+          <a:spcPct val="90000"/>
         </a:lnSpc>
         <a:spcBef>
           <a:spcPts val="500"/>
         </a:spcBef>
-        <a:buClr>
-          <a:schemeClr val="tx1"/>
-        </a:buClr>
         <a:buFont typeface="Arial" panose="020B0604020202020204" pitchFamily="34" charset="0"/>
         <a:buChar char="•"/>
-        <a:defRPr sz="1600" kern="1200" cap="all" baseline="0">
+        <a:defRPr sz="2000" kern="1200">
           <a:solidFill>
             <a:schemeClr val="tx1"/>
           </a:solidFill>
-          <a:effectLst/>
           <a:latin typeface="+mn-lt"/>
           <a:ea typeface="+mn-ea"/>
           <a:cs typeface="+mn-cs"/>
@@ -6429,21 +3470,17 @@
       </a:lvl3pPr>
       <a:lvl4pPr marL="1600200" indent="-228600" algn="l" defTabSz="914400" rtl="0" eaLnBrk="1" latinLnBrk="0" hangingPunct="1">
         <a:lnSpc>
-          <a:spcPct val="120000"/>
+          <a:spcPct val="90000"/>
         </a:lnSpc>
         <a:spcBef>
           <a:spcPts val="500"/>
         </a:spcBef>
-        <a:buClr>
-          <a:schemeClr val="tx1"/>
-        </a:buClr>
         <a:buFont typeface="Arial" panose="020B0604020202020204" pitchFamily="34" charset="0"/>
         <a:buChar char="•"/>
-        <a:defRPr sz="1400" kern="1200" cap="all" baseline="0">
+        <a:defRPr sz="1800" kern="1200">
           <a:solidFill>
             <a:schemeClr val="tx1"/>
           </a:solidFill>
-          <a:effectLst/>
           <a:latin typeface="+mn-lt"/>
           <a:ea typeface="+mn-ea"/>
           <a:cs typeface="+mn-cs"/>
@@ -6451,21 +3488,17 @@
       </a:lvl4pPr>
       <a:lvl5pPr marL="2057400" indent="-228600" algn="l" defTabSz="914400" rtl="0" eaLnBrk="1" latinLnBrk="0" hangingPunct="1">
         <a:lnSpc>
-          <a:spcPct val="120000"/>
+          <a:spcPct val="90000"/>
         </a:lnSpc>
         <a:spcBef>
           <a:spcPts val="500"/>
         </a:spcBef>
-        <a:buClr>
-          <a:schemeClr val="tx1"/>
-        </a:buClr>
         <a:buFont typeface="Arial" panose="020B0604020202020204" pitchFamily="34" charset="0"/>
         <a:buChar char="•"/>
-        <a:defRPr sz="1400" kern="1200" cap="all" baseline="0">
+        <a:defRPr sz="1800" kern="1200">
           <a:solidFill>
             <a:schemeClr val="tx1"/>
           </a:solidFill>
-          <a:effectLst/>
           <a:latin typeface="+mn-lt"/>
           <a:ea typeface="+mn-ea"/>
           <a:cs typeface="+mn-cs"/>
@@ -6473,21 +3506,17 @@
       </a:lvl5pPr>
       <a:lvl6pPr marL="2514600" indent="-228600" algn="l" defTabSz="914400" rtl="0" eaLnBrk="1" latinLnBrk="0" hangingPunct="1">
         <a:lnSpc>
-          <a:spcPct val="120000"/>
+          <a:spcPct val="90000"/>
         </a:lnSpc>
         <a:spcBef>
           <a:spcPts val="500"/>
         </a:spcBef>
-        <a:buClr>
-          <a:schemeClr val="tx1"/>
-        </a:buClr>
         <a:buFont typeface="Arial" panose="020B0604020202020204" pitchFamily="34" charset="0"/>
         <a:buChar char="•"/>
-        <a:defRPr sz="1400" kern="1200" cap="all" baseline="0">
+        <a:defRPr sz="1800" kern="1200">
           <a:solidFill>
             <a:schemeClr val="tx1"/>
           </a:solidFill>
-          <a:effectLst/>
           <a:latin typeface="+mn-lt"/>
           <a:ea typeface="+mn-ea"/>
           <a:cs typeface="+mn-cs"/>
@@ -6495,21 +3524,17 @@
       </a:lvl6pPr>
       <a:lvl7pPr marL="2971800" indent="-228600" algn="l" defTabSz="914400" rtl="0" eaLnBrk="1" latinLnBrk="0" hangingPunct="1">
         <a:lnSpc>
-          <a:spcPct val="120000"/>
+          <a:spcPct val="90000"/>
         </a:lnSpc>
         <a:spcBef>
           <a:spcPts val="500"/>
         </a:spcBef>
-        <a:buClr>
-          <a:schemeClr val="tx1"/>
-        </a:buClr>
         <a:buFont typeface="Arial" panose="020B0604020202020204" pitchFamily="34" charset="0"/>
         <a:buChar char="•"/>
-        <a:defRPr sz="1400" kern="1200" cap="all" baseline="0">
+        <a:defRPr sz="1800" kern="1200">
           <a:solidFill>
             <a:schemeClr val="tx1"/>
           </a:solidFill>
-          <a:effectLst/>
           <a:latin typeface="+mn-lt"/>
           <a:ea typeface="+mn-ea"/>
           <a:cs typeface="+mn-cs"/>
@@ -6517,21 +3542,17 @@
       </a:lvl7pPr>
       <a:lvl8pPr marL="3429000" indent="-228600" algn="l" defTabSz="914400" rtl="0" eaLnBrk="1" latinLnBrk="0" hangingPunct="1">
         <a:lnSpc>
-          <a:spcPct val="120000"/>
+          <a:spcPct val="90000"/>
         </a:lnSpc>
         <a:spcBef>
           <a:spcPts val="500"/>
         </a:spcBef>
-        <a:buClr>
-          <a:schemeClr val="tx1"/>
-        </a:buClr>
         <a:buFont typeface="Arial" panose="020B0604020202020204" pitchFamily="34" charset="0"/>
         <a:buChar char="•"/>
-        <a:defRPr sz="1400" kern="1200" cap="all" baseline="0">
+        <a:defRPr sz="1800" kern="1200">
           <a:solidFill>
             <a:schemeClr val="tx1"/>
           </a:solidFill>
-          <a:effectLst/>
           <a:latin typeface="+mn-lt"/>
           <a:ea typeface="+mn-ea"/>
           <a:cs typeface="+mn-cs"/>
@@ -6539,21 +3560,17 @@
       </a:lvl8pPr>
       <a:lvl9pPr marL="3886200" indent="-228600" algn="l" defTabSz="914400" rtl="0" eaLnBrk="1" latinLnBrk="0" hangingPunct="1">
         <a:lnSpc>
-          <a:spcPct val="120000"/>
+          <a:spcPct val="90000"/>
         </a:lnSpc>
         <a:spcBef>
           <a:spcPts val="500"/>
         </a:spcBef>
-        <a:buClr>
-          <a:schemeClr val="tx1"/>
-        </a:buClr>
         <a:buFont typeface="Arial" panose="020B0604020202020204" pitchFamily="34" charset="0"/>
         <a:buChar char="•"/>
-        <a:defRPr sz="1400" kern="1200" cap="all" baseline="0">
+        <a:defRPr sz="1800" kern="1200">
           <a:solidFill>
             <a:schemeClr val="tx1"/>
           </a:solidFill>
-          <a:effectLst/>
           <a:latin typeface="+mn-lt"/>
           <a:ea typeface="+mn-ea"/>
           <a:cs typeface="+mn-cs"/>
@@ -6562,7 +3579,7 @@
     </p:bodyStyle>
     <p:otherStyle>
       <a:defPPr>
-        <a:defRPr lang="en-US"/>
+        <a:defRPr lang="ru-RU"/>
       </a:defPPr>
       <a:lvl1pPr marL="0" algn="l" defTabSz="914400" rtl="0" eaLnBrk="1" latinLnBrk="0" hangingPunct="1">
         <a:defRPr sz="1800" kern="1200">
@@ -6694,58 +3711,69 @@
         <p:spPr/>
         <p:txBody>
           <a:bodyPr>
+            <a:normAutofit fontScale="90000"/>
+          </a:bodyPr>
+          <a:lstStyle/>
+          <a:p>
+            <a:r>
+              <a:rPr lang="ru-RU" dirty="0"/>
+              <a:t>Курсовая работа </a:t>
+            </a:r>
+            <a:br>
+              <a:rPr lang="ru-RU" dirty="0"/>
+            </a:br>
+            <a:r>
+              <a:rPr lang="ru-RU" dirty="0"/>
+              <a:t>Информационная система «Склад</a:t>
+            </a:r>
+            <a:r>
+              <a:rPr lang="en-US" dirty="0"/>
+              <a:t>c</a:t>
+            </a:r>
+            <a:r>
+              <a:rPr lang="ru-RU" dirty="0"/>
+              <a:t>кой комплекс»</a:t>
+            </a:r>
+          </a:p>
+        </p:txBody>
+      </p:sp>
+      <p:sp>
+        <p:nvSpPr>
+          <p:cNvPr id="3" name="Подзаголовок 2"/>
+          <p:cNvSpPr>
+            <a:spLocks noGrp="1"/>
+          </p:cNvSpPr>
+          <p:nvPr>
+            <p:ph type="subTitle" idx="1"/>
+          </p:nvPr>
+        </p:nvSpPr>
+        <p:spPr/>
+        <p:txBody>
+          <a:bodyPr>
             <a:normAutofit/>
           </a:bodyPr>
           <a:lstStyle/>
           <a:p>
             <a:r>
-              <a:rPr lang="ru-RU" dirty="0" smtClean="0"/>
-              <a:t>Курсовая работа </a:t>
+              <a:rPr lang="ru-RU" dirty="0"/>
+              <a:t>Выполнил: Козлов Д.В</a:t>
+            </a:r>
+          </a:p>
+          <a:p>
+            <a:r>
+              <a:rPr lang="ru-RU" dirty="0"/>
+              <a:t>Группа: ИС-20-1</a:t>
             </a:r>
             <a:br>
-              <a:rPr lang="ru-RU" dirty="0" smtClean="0"/>
+              <a:rPr lang="ru-RU" dirty="0"/>
             </a:br>
             <a:r>
-              <a:rPr lang="ru-RU" dirty="0" smtClean="0"/>
-              <a:t>Информационная система «Склад»</a:t>
-            </a:r>
-            <a:endParaRPr lang="ru-RU" dirty="0"/>
-          </a:p>
-        </p:txBody>
-      </p:sp>
-      <p:sp>
-        <p:nvSpPr>
-          <p:cNvPr id="3" name="Подзаголовок 2"/>
-          <p:cNvSpPr>
-            <a:spLocks noGrp="1"/>
-          </p:cNvSpPr>
-          <p:nvPr>
-            <p:ph type="subTitle" idx="1"/>
-          </p:nvPr>
-        </p:nvSpPr>
-        <p:spPr/>
-        <p:txBody>
-          <a:bodyPr>
-            <a:normAutofit lnSpcReduction="10000"/>
-          </a:bodyPr>
-          <a:lstStyle/>
-          <a:p>
-            <a:r>
-              <a:rPr lang="ru-RU" dirty="0" smtClean="0"/>
-              <a:t>Выполнил: Козлов Д.В</a:t>
-            </a:r>
-          </a:p>
-          <a:p>
-            <a:r>
-              <a:rPr lang="ru-RU" dirty="0" smtClean="0"/>
-              <a:t>Группа: ИС-20-1</a:t>
-            </a:r>
-            <a:br>
-              <a:rPr lang="ru-RU" dirty="0" smtClean="0"/>
-            </a:br>
-            <a:r>
-              <a:rPr lang="ru-RU" dirty="0" smtClean="0"/>
-              <a:t>Руководитель: Кудрявцева М.А</a:t>
+              <a:rPr lang="ru-RU" dirty="0"/>
+              <a:t>Руководитель: Морозов </a:t>
+            </a:r>
+            <a:r>
+              <a:rPr lang="ru-RU" dirty="0" err="1"/>
+              <a:t>м.п</a:t>
             </a:r>
             <a:endParaRPr lang="ru-RU" dirty="0"/>
           </a:p>
@@ -6761,13 +3789,6 @@
   <p:clrMapOvr>
     <a:masterClrMapping/>
   </p:clrMapOvr>
-  <p:timing>
-    <p:tnLst>
-      <p:par>
-        <p:cTn id="1" dur="indefinite" restart="never" nodeType="tmRoot"/>
-      </p:par>
-    </p:tnLst>
-  </p:timing>
 </p:sld>
 </file>
 
@@ -6804,10 +3825,9 @@
           <a:lstStyle/>
           <a:p>
             <a:r>
-              <a:rPr lang="ru-RU" dirty="0" smtClean="0"/>
+              <a:rPr lang="ru-RU" dirty="0"/>
               <a:t>Проектирование программного продукта</a:t>
             </a:r>
-            <a:endParaRPr lang="ru-RU" dirty="0"/>
           </a:p>
         </p:txBody>
       </p:sp>
@@ -6868,10 +3888,9 @@
           <a:p>
             <a:pPr algn="ctr"/>
             <a:r>
-              <a:rPr lang="ru-RU" sz="3200" dirty="0" smtClean="0"/>
+              <a:rPr lang="ru-RU" sz="3200" dirty="0"/>
               <a:t>Инфологическая модель базы данных</a:t>
             </a:r>
-            <a:endParaRPr lang="ru-RU" sz="3200" dirty="0"/>
           </a:p>
         </p:txBody>
       </p:sp>
@@ -6928,14 +3947,13 @@
           <a:p>
             <a:pPr algn="ctr"/>
             <a:r>
-              <a:rPr lang="en-US" sz="3200" dirty="0" smtClean="0"/>
+              <a:rPr lang="en-US" sz="3200" dirty="0"/>
               <a:t>ER-</a:t>
             </a:r>
             <a:r>
-              <a:rPr lang="ru-RU" sz="3200" dirty="0" smtClean="0"/>
+              <a:rPr lang="ru-RU" sz="3200" dirty="0"/>
               <a:t>Модель базы данных</a:t>
             </a:r>
-            <a:endParaRPr lang="ru-RU" sz="3200" dirty="0"/>
           </a:p>
         </p:txBody>
       </p:sp>
@@ -6949,13 +3967,6 @@
   <p:clrMapOvr>
     <a:masterClrMapping/>
   </p:clrMapOvr>
-  <p:timing>
-    <p:tnLst>
-      <p:par>
-        <p:cTn id="1" dur="indefinite" restart="never" nodeType="tmRoot"/>
-      </p:par>
-    </p:tnLst>
-  </p:timing>
 </p:sld>
 </file>
 
@@ -6988,21 +3999,22 @@
         </p:nvSpPr>
         <p:spPr/>
         <p:txBody>
-          <a:bodyPr/>
-          <a:lstStyle/>
-          <a:p>
-            <a:r>
-              <a:rPr lang="ru-RU" dirty="0" smtClean="0"/>
+          <a:bodyPr>
+            <a:normAutofit fontScale="90000"/>
+          </a:bodyPr>
+          <a:lstStyle/>
+          <a:p>
+            <a:r>
+              <a:rPr lang="ru-RU" dirty="0"/>
               <a:t>Проектирование пользовательского интерфейса</a:t>
             </a:r>
             <a:br>
-              <a:rPr lang="ru-RU" dirty="0" smtClean="0"/>
+              <a:rPr lang="ru-RU" dirty="0"/>
             </a:br>
             <a:r>
-              <a:rPr lang="ru-RU" b="1" dirty="0" smtClean="0"/>
+              <a:rPr lang="ru-RU" b="1" dirty="0"/>
               <a:t>главная страница</a:t>
             </a:r>
-            <a:endParaRPr lang="ru-RU" b="1" dirty="0"/>
           </a:p>
         </p:txBody>
       </p:sp>
@@ -7024,8 +4036,8 @@
         </p:blipFill>
         <p:spPr>
           <a:xfrm>
-            <a:off x="2773347" y="2366963"/>
-            <a:ext cx="6645306" cy="4012572"/>
+            <a:off x="2389458" y="1825625"/>
+            <a:ext cx="7413083" cy="4351338"/>
           </a:xfrm>
           <a:prstGeom prst="rect">
             <a:avLst/>
@@ -7080,21 +4092,22 @@
         </p:nvSpPr>
         <p:spPr/>
         <p:txBody>
-          <a:bodyPr/>
-          <a:lstStyle/>
-          <a:p>
-            <a:r>
-              <a:rPr lang="ru-RU" dirty="0" smtClean="0"/>
+          <a:bodyPr>
+            <a:normAutofit fontScale="90000"/>
+          </a:bodyPr>
+          <a:lstStyle/>
+          <a:p>
+            <a:r>
+              <a:rPr lang="ru-RU" dirty="0"/>
               <a:t>Проектирование пользовательского интерфейса</a:t>
             </a:r>
             <a:br>
-              <a:rPr lang="ru-RU" dirty="0" smtClean="0"/>
+              <a:rPr lang="ru-RU" dirty="0"/>
             </a:br>
             <a:r>
-              <a:rPr lang="ru-RU" b="1" dirty="0" smtClean="0"/>
+              <a:rPr lang="ru-RU" b="1" dirty="0"/>
               <a:t>авторизация</a:t>
             </a:r>
-            <a:endParaRPr lang="ru-RU" b="1" dirty="0"/>
           </a:p>
         </p:txBody>
       </p:sp>
@@ -7116,8 +4129,8 @@
         </p:blipFill>
         <p:spPr>
           <a:xfrm>
-            <a:off x="3102676" y="2214694"/>
-            <a:ext cx="5986648" cy="4491037"/>
+            <a:off x="3037288" y="1825625"/>
+            <a:ext cx="6117424" cy="4351338"/>
           </a:xfrm>
           <a:prstGeom prst="rect">
             <a:avLst/>
@@ -7176,10 +4189,9 @@
           <a:lstStyle/>
           <a:p>
             <a:r>
-              <a:rPr lang="ru-RU" dirty="0" smtClean="0"/>
+              <a:rPr lang="ru-RU" dirty="0"/>
               <a:t>Архитектура программного продукта</a:t>
             </a:r>
-            <a:endParaRPr lang="ru-RU" dirty="0"/>
           </a:p>
         </p:txBody>
       </p:sp>
@@ -7255,10 +4267,9 @@
           <a:p>
             <a:pPr algn="ctr"/>
             <a:r>
-              <a:rPr lang="ru-RU" sz="2400" b="1" dirty="0" smtClean="0"/>
+              <a:rPr lang="ru-RU" sz="2400" b="1" dirty="0"/>
               <a:t>Клиент-серверная архитектура</a:t>
             </a:r>
-            <a:endParaRPr lang="ru-RU" sz="2400" b="1" dirty="0"/>
           </a:p>
         </p:txBody>
       </p:sp>
@@ -7668,14 +4679,13 @@
           <a:p>
             <a:pPr algn="ctr"/>
             <a:r>
-              <a:rPr lang="en-US" sz="2400" b="1" dirty="0" smtClean="0"/>
+              <a:rPr lang="en-US" sz="2400" b="1" dirty="0"/>
               <a:t>MVT(</a:t>
             </a:r>
             <a:r>
-              <a:rPr lang="ru-RU" sz="2400" b="1" dirty="0" smtClean="0"/>
+              <a:rPr lang="ru-RU" sz="2400" b="1" dirty="0"/>
               <a:t>Модель – представление)</a:t>
             </a:r>
-            <a:endParaRPr lang="ru-RU" sz="2400" b="1" dirty="0"/>
           </a:p>
         </p:txBody>
       </p:sp>
@@ -7725,10 +4735,9 @@
           <a:lstStyle/>
           <a:p>
             <a:r>
-              <a:rPr lang="ru-RU" dirty="0" smtClean="0"/>
+              <a:rPr lang="ru-RU" dirty="0"/>
               <a:t>Разработка программного продукта</a:t>
             </a:r>
-            <a:endParaRPr lang="ru-RU" dirty="0"/>
           </a:p>
         </p:txBody>
       </p:sp>
@@ -7764,31 +4773,60 @@
           </a:ln>
         </p:spPr>
       </p:pic>
+      <p:sp>
+        <p:nvSpPr>
+          <p:cNvPr id="5" name="TextBox 4"/>
+          <p:cNvSpPr txBox="1"/>
+          <p:nvPr/>
+        </p:nvSpPr>
+        <p:spPr>
+          <a:xfrm>
+            <a:off x="6638925" y="1978705"/>
+            <a:ext cx="4267200" cy="584775"/>
+          </a:xfrm>
+          <a:prstGeom prst="rect">
+            <a:avLst/>
+          </a:prstGeom>
+          <a:noFill/>
+        </p:spPr>
+        <p:txBody>
+          <a:bodyPr wrap="square" rtlCol="0">
+            <a:spAutoFit/>
+          </a:bodyPr>
+          <a:lstStyle/>
+          <a:p>
+            <a:pPr algn="ctr"/>
+            <a:r>
+              <a:rPr lang="ru-RU" sz="3200" dirty="0"/>
+              <a:t>Главная страница</a:t>
+            </a:r>
+          </a:p>
+        </p:txBody>
+      </p:sp>
       <p:pic>
         <p:nvPicPr>
-          <p:cNvPr id="2050" name="Picture 2" descr="Без имени"/>
+          <p:cNvPr id="3" name="Рисунок 2">
+            <a:extLst>
+              <a:ext uri="{FF2B5EF4-FFF2-40B4-BE49-F238E27FC236}">
+                <a16:creationId xmlns:a16="http://schemas.microsoft.com/office/drawing/2014/main" id="{DB7C8E34-4B4E-A56D-6A47-B69DFC115802}"/>
+              </a:ext>
+            </a:extLst>
+          </p:cNvPr>
           <p:cNvPicPr>
-            <a:picLocks noChangeAspect="1" noChangeArrowheads="1"/>
+            <a:picLocks noChangeAspect="1"/>
           </p:cNvPicPr>
           <p:nvPr/>
         </p:nvPicPr>
         <p:blipFill>
-          <a:blip r:embed="rId3" cstate="print">
-            <a:extLst>
-              <a:ext uri="{28A0092B-C50C-407E-A947-70E740481C1C}">
-                <a14:useLocalDpi xmlns:a14="http://schemas.microsoft.com/office/drawing/2010/main" val="0"/>
-              </a:ext>
-            </a:extLst>
-          </a:blip>
-          <a:srcRect/>
+          <a:blip r:embed="rId3"/>
           <a:stretch>
             <a:fillRect/>
           </a:stretch>
         </p:blipFill>
-        <p:spPr bwMode="auto">
+        <p:spPr>
           <a:xfrm>
-            <a:off x="6096000" y="2912268"/>
-            <a:ext cx="5353050" cy="2886075"/>
+            <a:off x="5215596" y="3043558"/>
+            <a:ext cx="6928779" cy="1760220"/>
           </a:xfrm>
           <a:prstGeom prst="rect">
             <a:avLst/>
@@ -7799,58 +4837,8 @@
             </a:solidFill>
             <a:prstDash val="solid"/>
           </a:ln>
-          <a:extLst>
-            <a:ext uri="{909E8E84-426E-40DD-AFC4-6F175D3DCCD1}">
-              <a14:hiddenFill xmlns:a14="http://schemas.microsoft.com/office/drawing/2010/main">
-                <a:solidFill>
-                  <a:srgbClr val="FFFFFF"/>
-                </a:solidFill>
-              </a14:hiddenFill>
-            </a:ext>
-            <a:ext uri="{91240B29-F687-4F45-9708-019B960494DF}">
-              <a14:hiddenLine xmlns:a14="http://schemas.microsoft.com/office/drawing/2010/main" w="9525">
-                <a:solidFill>
-                  <a:srgbClr val="000000"/>
-                </a:solidFill>
-                <a:miter lim="800000"/>
-                <a:headEnd/>
-                <a:tailEnd/>
-              </a14:hiddenLine>
-            </a:ext>
-          </a:extLst>
         </p:spPr>
       </p:pic>
-      <p:sp>
-        <p:nvSpPr>
-          <p:cNvPr id="5" name="TextBox 4"/>
-          <p:cNvSpPr txBox="1"/>
-          <p:nvPr/>
-        </p:nvSpPr>
-        <p:spPr>
-          <a:xfrm>
-            <a:off x="6638925" y="1978705"/>
-            <a:ext cx="4267200" cy="584775"/>
-          </a:xfrm>
-          <a:prstGeom prst="rect">
-            <a:avLst/>
-          </a:prstGeom>
-          <a:noFill/>
-        </p:spPr>
-        <p:txBody>
-          <a:bodyPr wrap="square" rtlCol="0">
-            <a:spAutoFit/>
-          </a:bodyPr>
-          <a:lstStyle/>
-          <a:p>
-            <a:pPr algn="ctr"/>
-            <a:r>
-              <a:rPr lang="ru-RU" sz="3200" dirty="0" smtClean="0"/>
-              <a:t>Главная страница</a:t>
-            </a:r>
-            <a:endParaRPr lang="ru-RU" sz="3200" dirty="0"/>
-          </a:p>
-        </p:txBody>
-      </p:sp>
     </p:spTree>
     <p:extLst>
       <p:ext uri="{BB962C8B-B14F-4D97-AF65-F5344CB8AC3E}">
@@ -7897,22 +4885,79 @@
           <a:lstStyle/>
           <a:p>
             <a:r>
-              <a:rPr lang="ru-RU" dirty="0" smtClean="0"/>
+              <a:rPr lang="ru-RU" dirty="0"/>
               <a:t>Разработка программного продукта</a:t>
             </a:r>
-            <a:endParaRPr lang="ru-RU" dirty="0"/>
+          </a:p>
+        </p:txBody>
+      </p:sp>
+      <p:sp>
+        <p:nvSpPr>
+          <p:cNvPr id="8" name="Объект 7">
+            <a:extLst>
+              <a:ext uri="{FF2B5EF4-FFF2-40B4-BE49-F238E27FC236}">
+                <a16:creationId xmlns:a16="http://schemas.microsoft.com/office/drawing/2014/main" id="{F57CEFE3-8D06-EE9F-DB65-4CE52118F249}"/>
+              </a:ext>
+            </a:extLst>
+          </p:cNvPr>
+          <p:cNvSpPr>
+            <a:spLocks noGrp="1"/>
+          </p:cNvSpPr>
+          <p:nvPr>
+            <p:ph idx="1"/>
+          </p:nvPr>
+        </p:nvSpPr>
+        <p:spPr/>
+        <p:txBody>
+          <a:bodyPr/>
+          <a:lstStyle/>
+          <a:p>
+            <a:endParaRPr lang="ru-RU"/>
+          </a:p>
+        </p:txBody>
+      </p:sp>
+      <p:sp>
+        <p:nvSpPr>
+          <p:cNvPr id="5" name="TextBox 4"/>
+          <p:cNvSpPr txBox="1"/>
+          <p:nvPr/>
+        </p:nvSpPr>
+        <p:spPr>
+          <a:xfrm>
+            <a:off x="8134350" y="1801238"/>
+            <a:ext cx="4057650" cy="584775"/>
+          </a:xfrm>
+          <a:prstGeom prst="rect">
+            <a:avLst/>
+          </a:prstGeom>
+          <a:noFill/>
+        </p:spPr>
+        <p:txBody>
+          <a:bodyPr wrap="square" rtlCol="0">
+            <a:spAutoFit/>
+          </a:bodyPr>
+          <a:lstStyle/>
+          <a:p>
+            <a:r>
+              <a:rPr lang="ru-RU" sz="3200" dirty="0"/>
+              <a:t>Авторизация</a:t>
+            </a:r>
           </a:p>
         </p:txBody>
       </p:sp>
       <p:pic>
         <p:nvPicPr>
-          <p:cNvPr id="4" name="Объект 3"/>
+          <p:cNvPr id="3" name="Рисунок 2">
+            <a:extLst>
+              <a:ext uri="{FF2B5EF4-FFF2-40B4-BE49-F238E27FC236}">
+                <a16:creationId xmlns:a16="http://schemas.microsoft.com/office/drawing/2014/main" id="{80C3C843-A0F8-86D8-9B34-2A49EA4A8A38}"/>
+              </a:ext>
+            </a:extLst>
+          </p:cNvPr>
           <p:cNvPicPr>
-            <a:picLocks noGrp="1"/>
+            <a:picLocks noChangeAspect="1"/>
           </p:cNvPicPr>
-          <p:nvPr>
-            <p:ph idx="1"/>
-          </p:nvPr>
+          <p:nvPr/>
         </p:nvPicPr>
         <p:blipFill>
           <a:blip r:embed="rId2"/>
@@ -7922,8 +4967,8 @@
         </p:blipFill>
         <p:spPr>
           <a:xfrm>
-            <a:off x="274797" y="2386013"/>
-            <a:ext cx="5821203" cy="3424237"/>
+            <a:off x="6611778" y="2993866"/>
+            <a:ext cx="5305425" cy="2208530"/>
           </a:xfrm>
           <a:prstGeom prst="rect">
             <a:avLst/>
@@ -7936,40 +4981,18 @@
           </a:ln>
         </p:spPr>
       </p:pic>
-      <p:sp>
-        <p:nvSpPr>
-          <p:cNvPr id="5" name="TextBox 4"/>
-          <p:cNvSpPr txBox="1"/>
-          <p:nvPr/>
-        </p:nvSpPr>
-        <p:spPr>
-          <a:xfrm>
-            <a:off x="8134350" y="1801238"/>
-            <a:ext cx="4057650" cy="584775"/>
-          </a:xfrm>
-          <a:prstGeom prst="rect">
-            <a:avLst/>
-          </a:prstGeom>
-          <a:noFill/>
-        </p:spPr>
-        <p:txBody>
-          <a:bodyPr wrap="square" rtlCol="0">
-            <a:spAutoFit/>
-          </a:bodyPr>
-          <a:lstStyle/>
-          <a:p>
-            <a:r>
-              <a:rPr lang="ru-RU" sz="3200" dirty="0" smtClean="0"/>
-              <a:t>Авторизация</a:t>
-            </a:r>
-            <a:endParaRPr lang="ru-RU" sz="3200" dirty="0"/>
-          </a:p>
-        </p:txBody>
-      </p:sp>
       <p:pic>
         <p:nvPicPr>
-          <p:cNvPr id="6" name="Рисунок 5"/>
-          <p:cNvPicPr/>
+          <p:cNvPr id="9" name="Рисунок 8">
+            <a:extLst>
+              <a:ext uri="{FF2B5EF4-FFF2-40B4-BE49-F238E27FC236}">
+                <a16:creationId xmlns:a16="http://schemas.microsoft.com/office/drawing/2014/main" id="{84F9128D-02D5-9B0A-3F1B-FEA6B16A677F}"/>
+              </a:ext>
+            </a:extLst>
+          </p:cNvPr>
+          <p:cNvPicPr>
+            <a:picLocks noChangeAspect="1"/>
+          </p:cNvPicPr>
           <p:nvPr/>
         </p:nvPicPr>
         <p:blipFill>
@@ -7980,8 +5003,8 @@
         </p:blipFill>
         <p:spPr>
           <a:xfrm>
-            <a:off x="6703163" y="2778283"/>
-            <a:ext cx="5191125" cy="2639695"/>
+            <a:off x="566737" y="2386013"/>
+            <a:ext cx="5248275" cy="3430905"/>
           </a:xfrm>
           <a:prstGeom prst="rect">
             <a:avLst/>
@@ -8040,10 +5063,9 @@
           <a:lstStyle/>
           <a:p>
             <a:r>
-              <a:rPr lang="ru-RU" dirty="0" smtClean="0"/>
+              <a:rPr lang="ru-RU" dirty="0"/>
               <a:t>Выводы</a:t>
             </a:r>
-            <a:endParaRPr lang="ru-RU" dirty="0"/>
           </a:p>
         </p:txBody>
       </p:sp>
@@ -8064,19 +5086,7 @@
           <a:p>
             <a:r>
               <a:rPr lang="ru-RU" dirty="0"/>
-              <a:t>была </a:t>
-            </a:r>
-            <a:r>
-              <a:rPr lang="ru-RU" dirty="0" smtClean="0"/>
-              <a:t>разработана </a:t>
-            </a:r>
-            <a:r>
-              <a:rPr lang="ru-RU" dirty="0"/>
-              <a:t>информационная система «Склад</a:t>
-            </a:r>
-            <a:r>
-              <a:rPr lang="ru-RU" dirty="0" smtClean="0"/>
-              <a:t>»</a:t>
+              <a:t>была разработана информационная система «Складской комплекс»</a:t>
             </a:r>
           </a:p>
           <a:p>
@@ -8091,12 +5101,6 @@
                 <a:latin typeface="Franklin Gothic Demi" panose="020B0703020102020204" pitchFamily="34" charset="0"/>
               </a:rPr>
               <a:t> </a:t>
-            </a:r>
-            <a:r>
-              <a:rPr lang="ru-RU" dirty="0">
-                <a:latin typeface="Franklin Gothic Demi" panose="020B0703020102020204" pitchFamily="34" charset="0"/>
-              </a:rPr>
-              <a:t/>
             </a:r>
             <a:br>
               <a:rPr lang="ru-RU" dirty="0">
@@ -8128,7 +5132,7 @@
               <a:t>PHP</a:t>
             </a:r>
             <a:r>
-              <a:rPr lang="ru-RU" dirty="0" smtClean="0">
+              <a:rPr lang="ru-RU" dirty="0">
                 <a:latin typeface="Franklin Gothic Demi" panose="020B0703020102020204" pitchFamily="34" charset="0"/>
               </a:rPr>
               <a:t>.</a:t>
@@ -8136,28 +5140,33 @@
           </a:p>
           <a:p>
             <a:r>
+              <a:rPr lang="ru-RU" dirty="0">
+                <a:latin typeface="Franklin Gothic Demi" panose="020B0703020102020204" pitchFamily="34" charset="0"/>
+              </a:rPr>
+              <a:t>Информационная система была </a:t>
+            </a:r>
+            <a:r>
               <a:rPr lang="ru-RU">
                 <a:latin typeface="Franklin Gothic Demi" panose="020B0703020102020204" pitchFamily="34" charset="0"/>
               </a:rPr>
-              <a:t>Все поставленные задачи были выполнены.</a:t>
-            </a:r>
+              <a:t>успешно протестирована.</a:t>
+            </a:r>
+            <a:endParaRPr lang="ru-RU" dirty="0">
+              <a:latin typeface="Franklin Gothic Demi" panose="020B0703020102020204" pitchFamily="34" charset="0"/>
+            </a:endParaRPr>
+          </a:p>
+          <a:p>
             <a:r>
               <a:rPr lang="ru-RU" dirty="0">
                 <a:latin typeface="Franklin Gothic Demi" panose="020B0703020102020204" pitchFamily="34" charset="0"/>
               </a:rPr>
-              <a:t/>
+              <a:t>Все поставленные задачи были выполнены.</a:t>
             </a:r>
             <a:br>
               <a:rPr lang="ru-RU" dirty="0">
                 <a:latin typeface="Franklin Gothic Demi" panose="020B0703020102020204" pitchFamily="34" charset="0"/>
               </a:rPr>
             </a:br>
-            <a:r>
-              <a:rPr lang="ru-RU" dirty="0">
-                <a:latin typeface="Franklin Gothic Demi" panose="020B0703020102020204" pitchFamily="34" charset="0"/>
-              </a:rPr>
-              <a:t/>
-            </a:r>
             <a:br>
               <a:rPr lang="ru-RU" dirty="0">
                 <a:latin typeface="Franklin Gothic Demi" panose="020B0703020102020204" pitchFamily="34" charset="0"/>
@@ -8218,10 +5227,9 @@
           <a:lstStyle/>
           <a:p>
             <a:r>
-              <a:rPr lang="ru-RU" dirty="0" smtClean="0"/>
+              <a:rPr lang="ru-RU" dirty="0"/>
               <a:t>Цели и задачи</a:t>
             </a:r>
-            <a:endParaRPr lang="ru-RU" dirty="0"/>
           </a:p>
         </p:txBody>
       </p:sp>
@@ -8248,11 +5256,11 @@
           <a:lstStyle/>
           <a:p>
             <a:r>
-              <a:rPr lang="ru-RU" sz="1600" dirty="0" smtClean="0"/>
+              <a:rPr lang="ru-RU" sz="1600" dirty="0"/>
               <a:t>Цель: </a:t>
             </a:r>
             <a:br>
-              <a:rPr lang="ru-RU" sz="1600" dirty="0" smtClean="0"/>
+              <a:rPr lang="ru-RU" sz="1600" dirty="0"/>
             </a:br>
             <a:r>
               <a:rPr lang="ru-RU" sz="1600" dirty="0"/>
@@ -8262,11 +5270,11 @@
           <a:p>
             <a:pPr lvl="0"/>
             <a:r>
-              <a:rPr lang="ru-RU" sz="1600" dirty="0" smtClean="0"/>
+              <a:rPr lang="ru-RU" sz="1600" dirty="0"/>
               <a:t>Задачи:</a:t>
             </a:r>
             <a:br>
-              <a:rPr lang="ru-RU" sz="1600" dirty="0" smtClean="0"/>
+              <a:rPr lang="ru-RU" sz="1600" dirty="0"/>
             </a:br>
             <a:r>
               <a:rPr lang="ru-RU" sz="1600" dirty="0"/>
@@ -8341,7 +5349,6 @@
               <a:rPr lang="ru-RU" sz="1600" dirty="0"/>
               <a:t>создать руководство пользователя по информационной системе.</a:t>
             </a:r>
-            <a:endParaRPr lang="ru-RU" sz="1600" dirty="0" smtClean="0"/>
           </a:p>
         </p:txBody>
       </p:sp>
@@ -8355,13 +5362,6 @@
   <p:clrMapOvr>
     <a:masterClrMapping/>
   </p:clrMapOvr>
-  <p:timing>
-    <p:tnLst>
-      <p:par>
-        <p:cTn id="1" dur="indefinite" restart="never" nodeType="tmRoot"/>
-      </p:par>
-    </p:tnLst>
-  </p:timing>
 </p:sld>
 </file>
 
@@ -8398,10 +5398,9 @@
           <a:lstStyle/>
           <a:p>
             <a:r>
-              <a:rPr lang="ru-RU" dirty="0" smtClean="0"/>
+              <a:rPr lang="ru-RU" dirty="0"/>
               <a:t>Предметная область </a:t>
             </a:r>
-            <a:endParaRPr lang="ru-RU" dirty="0"/>
           </a:p>
         </p:txBody>
       </p:sp>
@@ -8454,13 +5453,6 @@
   <p:clrMapOvr>
     <a:masterClrMapping/>
   </p:clrMapOvr>
-  <p:timing>
-    <p:tnLst>
-      <p:par>
-        <p:cTn id="1" dur="indefinite" restart="never" nodeType="tmRoot"/>
-      </p:par>
-    </p:tnLst>
-  </p:timing>
 </p:sld>
 </file>
 
@@ -8497,10 +5489,9 @@
           <a:lstStyle/>
           <a:p>
             <a:r>
-              <a:rPr lang="ru-RU" dirty="0" smtClean="0"/>
+              <a:rPr lang="ru-RU" dirty="0"/>
               <a:t>Инструментальные средства разработки</a:t>
             </a:r>
-            <a:endParaRPr lang="ru-RU" dirty="0"/>
           </a:p>
         </p:txBody>
       </p:sp>
@@ -8514,7 +5505,7 @@
             <p:ph idx="1"/>
             <p:extLst>
               <p:ext uri="{D42A27DB-BD31-4B8C-83A1-F6EECF244321}">
-                <p14:modId xmlns:p14="http://schemas.microsoft.com/office/powerpoint/2010/main" val="310089869"/>
+                <p14:modId xmlns:p14="http://schemas.microsoft.com/office/powerpoint/2010/main" val="3529093120"/>
               </p:ext>
             </p:extLst>
           </p:nvPr>
@@ -8560,10 +5551,9 @@
                     <a:p>
                       <a:pPr algn="ctr"/>
                       <a:r>
-                        <a:rPr lang="ru-RU" dirty="0" smtClean="0"/>
+                        <a:rPr lang="ru-RU" dirty="0"/>
                         <a:t>Этап</a:t>
                       </a:r>
-                      <a:endParaRPr lang="ru-RU" dirty="0"/>
                     </a:p>
                   </a:txBody>
                   <a:tcPr/>
@@ -8575,10 +5565,9 @@
                     <a:p>
                       <a:pPr algn="ctr"/>
                       <a:r>
-                        <a:rPr lang="ru-RU" dirty="0" smtClean="0"/>
+                        <a:rPr lang="ru-RU" dirty="0"/>
                         <a:t>Изображение (логотип)</a:t>
                       </a:r>
-                      <a:endParaRPr lang="ru-RU" dirty="0"/>
                     </a:p>
                   </a:txBody>
                   <a:tcPr/>
@@ -8590,10 +5579,9 @@
                     <a:p>
                       <a:pPr algn="ctr"/>
                       <a:r>
-                        <a:rPr lang="ru-RU" dirty="0" smtClean="0"/>
+                        <a:rPr lang="ru-RU" dirty="0"/>
                         <a:t>Название инструмента</a:t>
                       </a:r>
-                      <a:endParaRPr lang="ru-RU" dirty="0"/>
                     </a:p>
                   </a:txBody>
                   <a:tcPr/>
@@ -8612,10 +5600,9 @@
                     <a:p>
                       <a:pPr algn="ctr"/>
                       <a:r>
-                        <a:rPr lang="ru-RU" dirty="0" smtClean="0"/>
+                        <a:rPr lang="ru-RU" dirty="0"/>
                         <a:t>Проектирование ИС</a:t>
                       </a:r>
-                      <a:endParaRPr lang="ru-RU" dirty="0"/>
                     </a:p>
                   </a:txBody>
                   <a:tcPr/>
@@ -8637,7 +5624,7 @@
                     <a:p>
                       <a:pPr algn="ctr"/>
                       <a:r>
-                        <a:rPr lang="en-US" dirty="0" smtClean="0"/>
+                        <a:rPr lang="en-US" dirty="0"/>
                         <a:t>Draw.io</a:t>
                       </a:r>
                       <a:endParaRPr lang="ru-RU" dirty="0"/>
@@ -8659,10 +5646,9 @@
                     <a:p>
                       <a:pPr algn="ctr"/>
                       <a:r>
-                        <a:rPr lang="ru-RU" dirty="0" smtClean="0"/>
+                        <a:rPr lang="ru-RU" dirty="0"/>
                         <a:t>БД</a:t>
                       </a:r>
-                      <a:endParaRPr lang="ru-RU" dirty="0"/>
                     </a:p>
                   </a:txBody>
                   <a:tcPr/>
@@ -8684,8 +5670,8 @@
                     <a:p>
                       <a:pPr algn="ctr"/>
                       <a:r>
-                        <a:rPr lang="en-US" dirty="0" err="1" smtClean="0"/>
-                        <a:t>MariaDB</a:t>
+                        <a:rPr lang="en-US" dirty="0"/>
+                        <a:t>MySQL</a:t>
                       </a:r>
                       <a:endParaRPr lang="ru-RU" dirty="0"/>
                     </a:p>
@@ -8706,10 +5692,9 @@
                     <a:p>
                       <a:pPr algn="ctr"/>
                       <a:r>
-                        <a:rPr lang="ru-RU" dirty="0" smtClean="0"/>
+                        <a:rPr lang="ru-RU" dirty="0"/>
                         <a:t>Проектирование БД</a:t>
                       </a:r>
-                      <a:endParaRPr lang="ru-RU" dirty="0"/>
                     </a:p>
                   </a:txBody>
                   <a:tcPr/>
@@ -8731,11 +5716,11 @@
                     <a:p>
                       <a:pPr algn="ctr"/>
                       <a:r>
-                        <a:rPr lang="en-US" dirty="0" err="1" smtClean="0"/>
+                        <a:rPr lang="en-US" dirty="0" err="1"/>
                         <a:t>MySql</a:t>
                       </a:r>
                       <a:r>
-                        <a:rPr lang="en-US" dirty="0" smtClean="0"/>
+                        <a:rPr lang="en-US" dirty="0"/>
                         <a:t> Workbench</a:t>
                       </a:r>
                       <a:endParaRPr lang="ru-RU" dirty="0"/>
@@ -8757,10 +5742,9 @@
                     <a:p>
                       <a:pPr algn="ctr"/>
                       <a:r>
-                        <a:rPr lang="ru-RU" dirty="0" smtClean="0"/>
+                        <a:rPr lang="ru-RU" dirty="0"/>
                         <a:t>Проектирование интерфейса</a:t>
                       </a:r>
-                      <a:endParaRPr lang="ru-RU" dirty="0"/>
                     </a:p>
                   </a:txBody>
                   <a:tcPr/>
@@ -8782,7 +5766,7 @@
                     <a:p>
                       <a:pPr algn="ctr"/>
                       <a:r>
-                        <a:rPr lang="en-US" dirty="0" err="1" smtClean="0"/>
+                        <a:rPr lang="en-US" dirty="0" err="1"/>
                         <a:t>Figma</a:t>
                       </a:r>
                       <a:endParaRPr lang="ru-RU" dirty="0"/>
@@ -8804,11 +5788,11 @@
                     <a:p>
                       <a:pPr algn="ctr"/>
                       <a:r>
-                        <a:rPr lang="ru-RU" dirty="0" smtClean="0"/>
+                        <a:rPr lang="ru-RU" dirty="0"/>
                         <a:t>Разработка (среда</a:t>
                       </a:r>
                       <a:r>
-                        <a:rPr lang="ru-RU" baseline="0" dirty="0" smtClean="0"/>
+                        <a:rPr lang="ru-RU" baseline="0" dirty="0"/>
                         <a:t> разработки)</a:t>
                       </a:r>
                       <a:endParaRPr lang="ru-RU" dirty="0"/>
@@ -8833,8 +5817,8 @@
                     <a:p>
                       <a:pPr algn="ctr"/>
                       <a:r>
-                        <a:rPr lang="en-US" dirty="0" err="1" smtClean="0"/>
-                        <a:t>PhpStorm</a:t>
+                        <a:rPr lang="en-US" dirty="0"/>
+                        <a:t>Visual Studio Code</a:t>
                       </a:r>
                       <a:endParaRPr lang="ru-RU" dirty="0"/>
                     </a:p>
@@ -8855,11 +5839,11 @@
                     <a:p>
                       <a:pPr algn="ctr"/>
                       <a:r>
-                        <a:rPr lang="ru-RU" dirty="0" smtClean="0"/>
+                        <a:rPr lang="ru-RU" dirty="0"/>
                         <a:t>Разработка (язык</a:t>
                       </a:r>
                       <a:r>
-                        <a:rPr lang="ru-RU" baseline="0" dirty="0" smtClean="0"/>
+                        <a:rPr lang="ru-RU" baseline="0" dirty="0"/>
                         <a:t> программирования)</a:t>
                       </a:r>
                       <a:endParaRPr lang="ru-RU" dirty="0"/>
@@ -8884,12 +5868,8 @@
                     <a:p>
                       <a:pPr algn="ctr"/>
                       <a:r>
-                        <a:rPr lang="en-US" dirty="0" err="1" smtClean="0"/>
+                        <a:rPr lang="en-US" dirty="0" err="1"/>
                         <a:t>Php</a:t>
-                      </a:r>
-                      <a:r>
-                        <a:rPr lang="en-US" dirty="0" smtClean="0"/>
-                        <a:t>, JS</a:t>
                       </a:r>
                       <a:endParaRPr lang="ru-RU" dirty="0"/>
                     </a:p>
@@ -8932,7 +5912,7 @@
       </p:pic>
       <p:pic>
         <p:nvPicPr>
-          <p:cNvPr id="7" name="Рисунок 6"/>
+          <p:cNvPr id="8" name="Рисунок 7"/>
           <p:cNvPicPr>
             <a:picLocks noChangeAspect="1"/>
           </p:cNvPicPr>
@@ -8946,31 +5926,7 @@
         </p:blipFill>
         <p:spPr>
           <a:xfrm>
-            <a:off x="5712970" y="3349341"/>
-            <a:ext cx="766057" cy="766057"/>
-          </a:xfrm>
-          <a:prstGeom prst="rect">
-            <a:avLst/>
-          </a:prstGeom>
-        </p:spPr>
-      </p:pic>
-      <p:pic>
-        <p:nvPicPr>
-          <p:cNvPr id="8" name="Рисунок 7"/>
-          <p:cNvPicPr>
-            <a:picLocks noChangeAspect="1"/>
-          </p:cNvPicPr>
-          <p:nvPr/>
-        </p:nvPicPr>
-        <p:blipFill>
-          <a:blip r:embed="rId4"/>
-          <a:stretch>
-            <a:fillRect/>
-          </a:stretch>
-        </p:blipFill>
-        <p:spPr>
-          <a:xfrm>
-            <a:off x="5798344" y="4099757"/>
+            <a:off x="5798344" y="4015871"/>
             <a:ext cx="595313" cy="595313"/>
           </a:xfrm>
           <a:prstGeom prst="rect">
@@ -8987,39 +5943,15 @@
           <p:nvPr/>
         </p:nvPicPr>
         <p:blipFill>
-          <a:blip r:embed="rId5"/>
+          <a:blip r:embed="rId4"/>
           <a:stretch>
             <a:fillRect/>
           </a:stretch>
         </p:blipFill>
         <p:spPr>
           <a:xfrm>
-            <a:off x="5798344" y="4786310"/>
-            <a:ext cx="560930" cy="560930"/>
-          </a:xfrm>
-          <a:prstGeom prst="rect">
-            <a:avLst/>
-          </a:prstGeom>
-        </p:spPr>
-      </p:pic>
-      <p:pic>
-        <p:nvPicPr>
-          <p:cNvPr id="10" name="Рисунок 9"/>
-          <p:cNvPicPr>
-            <a:picLocks noChangeAspect="1"/>
-          </p:cNvPicPr>
-          <p:nvPr/>
-        </p:nvPicPr>
-        <p:blipFill>
-          <a:blip r:embed="rId6"/>
-          <a:stretch>
-            <a:fillRect/>
-          </a:stretch>
-        </p:blipFill>
-        <p:spPr>
-          <a:xfrm>
-            <a:off x="5779564" y="5377799"/>
-            <a:ext cx="575991" cy="575991"/>
+            <a:off x="5798344" y="4642583"/>
+            <a:ext cx="607462" cy="607462"/>
           </a:xfrm>
           <a:prstGeom prst="rect">
             <a:avLst/>
@@ -9035,14 +5967,14 @@
           <p:nvPr/>
         </p:nvPicPr>
         <p:blipFill>
-          <a:blip r:embed="rId7"/>
+          <a:blip r:embed="rId5"/>
           <a:stretch>
             <a:fillRect/>
           </a:stretch>
         </p:blipFill>
         <p:spPr>
           <a:xfrm>
-            <a:off x="4658417" y="5932338"/>
+            <a:off x="5521949" y="5952380"/>
             <a:ext cx="1139927" cy="607961"/>
           </a:xfrm>
           <a:prstGeom prst="rect">
@@ -9052,26 +5984,96 @@
       </p:pic>
       <p:pic>
         <p:nvPicPr>
-          <p:cNvPr id="12" name="Рисунок 11"/>
+          <p:cNvPr id="1026" name="Picture 2">
+            <a:extLst>
+              <a:ext uri="{FF2B5EF4-FFF2-40B4-BE49-F238E27FC236}">
+                <a16:creationId xmlns:a16="http://schemas.microsoft.com/office/drawing/2014/main" id="{BA6B2C27-E570-09AA-60F3-276A3F84FF1C}"/>
+              </a:ext>
+            </a:extLst>
+          </p:cNvPr>
           <p:cNvPicPr>
-            <a:picLocks noChangeAspect="1"/>
+            <a:picLocks noChangeAspect="1" noChangeArrowheads="1"/>
           </p:cNvPicPr>
           <p:nvPr/>
         </p:nvPicPr>
         <p:blipFill>
-          <a:blip r:embed="rId8"/>
+          <a:blip r:embed="rId6" cstate="print">
+            <a:extLst>
+              <a:ext uri="{28A0092B-C50C-407E-A947-70E740481C1C}">
+                <a14:useLocalDpi xmlns:a14="http://schemas.microsoft.com/office/drawing/2010/main" val="0"/>
+              </a:ext>
+            </a:extLst>
+          </a:blip>
+          <a:srcRect/>
           <a:stretch>
             <a:fillRect/>
           </a:stretch>
         </p:blipFill>
-        <p:spPr>
+        <p:spPr bwMode="auto">
           <a:xfrm>
-            <a:off x="6642095" y="5923150"/>
-            <a:ext cx="562227" cy="637191"/>
+            <a:off x="5794257" y="5332171"/>
+            <a:ext cx="595313" cy="595313"/>
           </a:xfrm>
           <a:prstGeom prst="rect">
             <a:avLst/>
           </a:prstGeom>
+          <a:noFill/>
+          <a:extLst>
+            <a:ext uri="{909E8E84-426E-40DD-AFC4-6F175D3DCCD1}">
+              <a14:hiddenFill xmlns:a14="http://schemas.microsoft.com/office/drawing/2010/main">
+                <a:solidFill>
+                  <a:srgbClr val="FFFFFF"/>
+                </a:solidFill>
+              </a14:hiddenFill>
+            </a:ext>
+          </a:extLst>
+        </p:spPr>
+      </p:pic>
+      <p:pic>
+        <p:nvPicPr>
+          <p:cNvPr id="1034" name="Picture 10">
+            <a:extLst>
+              <a:ext uri="{FF2B5EF4-FFF2-40B4-BE49-F238E27FC236}">
+                <a16:creationId xmlns:a16="http://schemas.microsoft.com/office/drawing/2014/main" id="{82B57BCC-5597-3959-F5D4-AFA2F36BF827}"/>
+              </a:ext>
+            </a:extLst>
+          </p:cNvPr>
+          <p:cNvPicPr>
+            <a:picLocks noChangeAspect="1" noChangeArrowheads="1"/>
+          </p:cNvPicPr>
+          <p:nvPr/>
+        </p:nvPicPr>
+        <p:blipFill>
+          <a:blip r:embed="rId7" cstate="print">
+            <a:extLst>
+              <a:ext uri="{28A0092B-C50C-407E-A947-70E740481C1C}">
+                <a14:useLocalDpi xmlns:a14="http://schemas.microsoft.com/office/drawing/2010/main" val="0"/>
+              </a:ext>
+            </a:extLst>
+          </a:blip>
+          <a:srcRect/>
+          <a:stretch>
+            <a:fillRect/>
+          </a:stretch>
+        </p:blipFill>
+        <p:spPr bwMode="auto">
+          <a:xfrm>
+            <a:off x="5654767" y="3432931"/>
+            <a:ext cx="882466" cy="551541"/>
+          </a:xfrm>
+          <a:prstGeom prst="rect">
+            <a:avLst/>
+          </a:prstGeom>
+          <a:noFill/>
+          <a:extLst>
+            <a:ext uri="{909E8E84-426E-40DD-AFC4-6F175D3DCCD1}">
+              <a14:hiddenFill xmlns:a14="http://schemas.microsoft.com/office/drawing/2010/main">
+                <a:solidFill>
+                  <a:srgbClr val="FFFFFF"/>
+                </a:solidFill>
+              </a14:hiddenFill>
+            </a:ext>
+          </a:extLst>
         </p:spPr>
       </p:pic>
     </p:spTree>
@@ -9084,13 +6086,6 @@
   <p:clrMapOvr>
     <a:masterClrMapping/>
   </p:clrMapOvr>
-  <p:timing>
-    <p:tnLst>
-      <p:par>
-        <p:cTn id="1" dur="indefinite" restart="never" nodeType="tmRoot"/>
-      </p:par>
-    </p:tnLst>
-  </p:timing>
 </p:sld>
 </file>
 
@@ -9127,46 +6122,37 @@
           <a:lstStyle/>
           <a:p>
             <a:r>
-              <a:rPr lang="ru-RU" dirty="0" smtClean="0"/>
+              <a:rPr lang="ru-RU" dirty="0"/>
               <a:t>Проектирование программного продукта</a:t>
             </a:r>
+          </a:p>
+        </p:txBody>
+      </p:sp>
+      <p:sp>
+        <p:nvSpPr>
+          <p:cNvPr id="6" name="Объект 5">
+            <a:extLst>
+              <a:ext uri="{FF2B5EF4-FFF2-40B4-BE49-F238E27FC236}">
+                <a16:creationId xmlns:a16="http://schemas.microsoft.com/office/drawing/2014/main" id="{CE150A12-B524-81DA-D750-F5887D49BBEA}"/>
+              </a:ext>
+            </a:extLst>
+          </p:cNvPr>
+          <p:cNvSpPr>
+            <a:spLocks noGrp="1"/>
+          </p:cNvSpPr>
+          <p:nvPr>
+            <p:ph idx="1"/>
+          </p:nvPr>
+        </p:nvSpPr>
+        <p:spPr/>
+        <p:txBody>
+          <a:bodyPr/>
+          <a:lstStyle/>
+          <a:p>
             <a:endParaRPr lang="ru-RU" dirty="0"/>
           </a:p>
         </p:txBody>
       </p:sp>
-      <p:pic>
-        <p:nvPicPr>
-          <p:cNvPr id="4" name="image1.png"/>
-          <p:cNvPicPr>
-            <a:picLocks noGrp="1"/>
-          </p:cNvPicPr>
-          <p:nvPr>
-            <p:ph idx="1"/>
-          </p:nvPr>
-        </p:nvPicPr>
-        <p:blipFill>
-          <a:blip r:embed="rId2"/>
-          <a:srcRect/>
-          <a:stretch>
-            <a:fillRect/>
-          </a:stretch>
-        </p:blipFill>
-        <p:spPr>
-          <a:xfrm>
-            <a:off x="942981" y="2214694"/>
-            <a:ext cx="4411987" cy="4427406"/>
-          </a:xfrm>
-          <a:prstGeom prst="rect">
-            <a:avLst/>
-          </a:prstGeom>
-          <a:ln w="3175">
-            <a:solidFill>
-              <a:srgbClr val="000000"/>
-            </a:solidFill>
-            <a:prstDash val="solid"/>
-          </a:ln>
-        </p:spPr>
-      </p:pic>
       <p:sp>
         <p:nvSpPr>
           <p:cNvPr id="5" name="TextBox 4"/>
@@ -9190,17 +6176,52 @@
           <a:lstStyle/>
           <a:p>
             <a:r>
-              <a:rPr lang="ru-RU" sz="3600" dirty="0" smtClean="0"/>
+              <a:rPr lang="ru-RU" sz="3600" dirty="0"/>
               <a:t>Диаграмма </a:t>
             </a:r>
             <a:r>
-              <a:rPr lang="ru-RU" sz="3600" dirty="0" err="1" smtClean="0"/>
+              <a:rPr lang="ru-RU" sz="3600" dirty="0" err="1"/>
               <a:t>прецендентов</a:t>
             </a:r>
             <a:endParaRPr lang="ru-RU" sz="3600" dirty="0"/>
           </a:p>
         </p:txBody>
       </p:sp>
+      <p:pic>
+        <p:nvPicPr>
+          <p:cNvPr id="7" name="Рисунок 6">
+            <a:extLst>
+              <a:ext uri="{FF2B5EF4-FFF2-40B4-BE49-F238E27FC236}">
+                <a16:creationId xmlns:a16="http://schemas.microsoft.com/office/drawing/2014/main" id="{1DDB1918-63FC-48F3-66BF-5C1134DEB3E0}"/>
+              </a:ext>
+            </a:extLst>
+          </p:cNvPr>
+          <p:cNvPicPr>
+            <a:picLocks noChangeAspect="1"/>
+          </p:cNvPicPr>
+          <p:nvPr/>
+        </p:nvPicPr>
+        <p:blipFill>
+          <a:blip r:embed="rId2"/>
+          <a:stretch>
+            <a:fillRect/>
+          </a:stretch>
+        </p:blipFill>
+        <p:spPr>
+          <a:xfrm>
+            <a:off x="913773" y="1673341"/>
+            <a:ext cx="4136572" cy="5184659"/>
+          </a:xfrm>
+          <a:prstGeom prst="rect">
+            <a:avLst/>
+          </a:prstGeom>
+          <a:ln>
+            <a:solidFill>
+              <a:schemeClr val="tx1"/>
+            </a:solidFill>
+          </a:ln>
+        </p:spPr>
+      </p:pic>
     </p:spTree>
     <p:extLst>
       <p:ext uri="{BB962C8B-B14F-4D97-AF65-F5344CB8AC3E}">
@@ -9211,13 +6232,6 @@
   <p:clrMapOvr>
     <a:masterClrMapping/>
   </p:clrMapOvr>
-  <p:timing>
-    <p:tnLst>
-      <p:par>
-        <p:cTn id="1" dur="indefinite" restart="never" nodeType="tmRoot"/>
-      </p:par>
-    </p:tnLst>
-  </p:timing>
 </p:sld>
 </file>
 
@@ -9260,39 +6274,31 @@
           </a:p>
         </p:txBody>
       </p:sp>
-      <p:pic>
-        <p:nvPicPr>
-          <p:cNvPr id="4" name="image9.png"/>
-          <p:cNvPicPr>
-            <a:picLocks noGrp="1"/>
-          </p:cNvPicPr>
+      <p:sp>
+        <p:nvSpPr>
+          <p:cNvPr id="6" name="Объект 5">
+            <a:extLst>
+              <a:ext uri="{FF2B5EF4-FFF2-40B4-BE49-F238E27FC236}">
+                <a16:creationId xmlns:a16="http://schemas.microsoft.com/office/drawing/2014/main" id="{A276D851-01AB-7496-C47C-B94EB1A799E5}"/>
+              </a:ext>
+            </a:extLst>
+          </p:cNvPr>
+          <p:cNvSpPr>
+            <a:spLocks noGrp="1"/>
+          </p:cNvSpPr>
           <p:nvPr>
             <p:ph idx="1"/>
           </p:nvPr>
-        </p:nvPicPr>
-        <p:blipFill>
-          <a:blip r:embed="rId2"/>
-          <a:srcRect/>
-          <a:stretch>
-            <a:fillRect/>
-          </a:stretch>
-        </p:blipFill>
-        <p:spPr>
-          <a:xfrm>
-            <a:off x="753548" y="2214694"/>
-            <a:ext cx="6010109" cy="4441287"/>
-          </a:xfrm>
-          <a:prstGeom prst="rect">
-            <a:avLst/>
-          </a:prstGeom>
-          <a:ln w="3175">
-            <a:solidFill>
-              <a:srgbClr val="000000"/>
-            </a:solidFill>
-            <a:prstDash val="solid"/>
-          </a:ln>
-        </p:spPr>
-      </p:pic>
+        </p:nvSpPr>
+        <p:spPr/>
+        <p:txBody>
+          <a:bodyPr/>
+          <a:lstStyle/>
+          <a:p>
+            <a:endParaRPr lang="ru-RU"/>
+          </a:p>
+        </p:txBody>
+      </p:sp>
       <p:sp>
         <p:nvSpPr>
           <p:cNvPr id="5" name="TextBox 4"/>
@@ -9316,13 +6322,52 @@
           <a:lstStyle/>
           <a:p>
             <a:r>
-              <a:rPr lang="ru-RU" sz="3600" dirty="0" smtClean="0"/>
+              <a:rPr lang="ru-RU" sz="3600" dirty="0"/>
               <a:t>Диаграмма деятельности</a:t>
             </a:r>
-            <a:endParaRPr lang="ru-RU" sz="3600" dirty="0"/>
-          </a:p>
-        </p:txBody>
-      </p:sp>
+          </a:p>
+        </p:txBody>
+      </p:sp>
+      <p:pic>
+        <p:nvPicPr>
+          <p:cNvPr id="7" name="Рисунок 6">
+            <a:extLst>
+              <a:ext uri="{FF2B5EF4-FFF2-40B4-BE49-F238E27FC236}">
+                <a16:creationId xmlns:a16="http://schemas.microsoft.com/office/drawing/2014/main" id="{D125D8A2-4414-D75B-D955-4F669D642FCE}"/>
+              </a:ext>
+            </a:extLst>
+          </p:cNvPr>
+          <p:cNvPicPr>
+            <a:picLocks noChangeAspect="1"/>
+          </p:cNvPicPr>
+          <p:nvPr/>
+        </p:nvPicPr>
+        <p:blipFill>
+          <a:blip r:embed="rId2"/>
+          <a:stretch>
+            <a:fillRect/>
+          </a:stretch>
+        </p:blipFill>
+        <p:spPr>
+          <a:xfrm>
+            <a:off x="22336" y="2214694"/>
+            <a:ext cx="6832746" cy="3720920"/>
+          </a:xfrm>
+          <a:prstGeom prst="rect">
+            <a:avLst/>
+          </a:prstGeom>
+          <a:noFill/>
+          <a:ln w="3175" cmpd="sng">
+            <a:solidFill>
+              <a:srgbClr val="000000"/>
+            </a:solidFill>
+            <a:miter lim="800000"/>
+            <a:headEnd/>
+            <a:tailEnd/>
+          </a:ln>
+          <a:effectLst/>
+        </p:spPr>
+      </p:pic>
     </p:spTree>
     <p:extLst>
       <p:ext uri="{BB962C8B-B14F-4D97-AF65-F5344CB8AC3E}">
@@ -9333,13 +6378,6 @@
   <p:clrMapOvr>
     <a:masterClrMapping/>
   </p:clrMapOvr>
-  <p:timing>
-    <p:tnLst>
-      <p:par>
-        <p:cTn id="1" dur="indefinite" restart="never" nodeType="tmRoot"/>
-      </p:par>
-    </p:tnLst>
-  </p:timing>
 </p:sld>
 </file>
 
@@ -9376,74 +6414,34 @@
           <a:lstStyle/>
           <a:p>
             <a:r>
-              <a:rPr lang="ru-RU" dirty="0" smtClean="0"/>
+              <a:rPr lang="ru-RU" dirty="0"/>
               <a:t>Проектирование программного продукта</a:t>
             </a:r>
+          </a:p>
+        </p:txBody>
+      </p:sp>
+      <p:sp>
+        <p:nvSpPr>
+          <p:cNvPr id="6" name="Объект 5">
+            <a:extLst>
+              <a:ext uri="{FF2B5EF4-FFF2-40B4-BE49-F238E27FC236}">
+                <a16:creationId xmlns:a16="http://schemas.microsoft.com/office/drawing/2014/main" id="{40CCE5BD-895F-3385-A586-BF89BD333ECD}"/>
+              </a:ext>
+            </a:extLst>
+          </p:cNvPr>
+          <p:cNvSpPr>
+            <a:spLocks noGrp="1"/>
+          </p:cNvSpPr>
+          <p:nvPr>
+            <p:ph idx="1"/>
+          </p:nvPr>
+        </p:nvSpPr>
+        <p:spPr/>
+        <p:txBody>
+          <a:bodyPr/>
+          <a:lstStyle/>
+          <a:p>
             <a:endParaRPr lang="ru-RU" dirty="0"/>
-          </a:p>
-        </p:txBody>
-      </p:sp>
-      <p:pic>
-        <p:nvPicPr>
-          <p:cNvPr id="4" name="image2.png"/>
-          <p:cNvPicPr>
-            <a:picLocks noGrp="1"/>
-          </p:cNvPicPr>
-          <p:nvPr>
-            <p:ph idx="1"/>
-          </p:nvPr>
-        </p:nvPicPr>
-        <p:blipFill>
-          <a:blip r:embed="rId2"/>
-          <a:srcRect/>
-          <a:stretch>
-            <a:fillRect/>
-          </a:stretch>
-        </p:blipFill>
-        <p:spPr>
-          <a:xfrm>
-            <a:off x="349964" y="3047447"/>
-            <a:ext cx="5746036" cy="3424237"/>
-          </a:xfrm>
-          <a:prstGeom prst="rect">
-            <a:avLst/>
-          </a:prstGeom>
-          <a:ln w="3175">
-            <a:solidFill>
-              <a:srgbClr val="000000"/>
-            </a:solidFill>
-            <a:prstDash val="solid"/>
-          </a:ln>
-        </p:spPr>
-      </p:pic>
-      <p:sp>
-        <p:nvSpPr>
-          <p:cNvPr id="5" name="TextBox 4"/>
-          <p:cNvSpPr txBox="1"/>
-          <p:nvPr/>
-        </p:nvSpPr>
-        <p:spPr>
-          <a:xfrm>
-            <a:off x="979199" y="1847118"/>
-            <a:ext cx="4487565" cy="1200329"/>
-          </a:xfrm>
-          <a:prstGeom prst="rect">
-            <a:avLst/>
-          </a:prstGeom>
-          <a:noFill/>
-        </p:spPr>
-        <p:txBody>
-          <a:bodyPr wrap="square" rtlCol="0">
-            <a:spAutoFit/>
-          </a:bodyPr>
-          <a:lstStyle/>
-          <a:p>
-            <a:pPr algn="ctr"/>
-            <a:r>
-              <a:rPr lang="ru-RU" sz="3600" dirty="0" smtClean="0"/>
-              <a:t>Диаграмма компонентов</a:t>
-            </a:r>
-            <a:endParaRPr lang="ru-RU" sz="3600" dirty="0"/>
           </a:p>
         </p:txBody>
       </p:sp>
@@ -9454,14 +6452,14 @@
           <p:nvPr/>
         </p:nvPicPr>
         <p:blipFill>
-          <a:blip r:embed="rId3"/>
+          <a:blip r:embed="rId2"/>
           <a:stretch>
             <a:fillRect/>
           </a:stretch>
         </p:blipFill>
         <p:spPr>
           <a:xfrm>
-            <a:off x="6552565" y="3047447"/>
+            <a:off x="737691" y="2097537"/>
             <a:ext cx="5639435" cy="3629025"/>
           </a:xfrm>
           <a:prstGeom prst="rect">
@@ -9499,10 +6497,9 @@
           <a:p>
             <a:pPr algn="ctr"/>
             <a:r>
-              <a:rPr lang="ru-RU" sz="3600" dirty="0" smtClean="0"/>
+              <a:rPr lang="ru-RU" sz="3600" dirty="0"/>
               <a:t>Диаграмма развёртывания</a:t>
             </a:r>
-            <a:endParaRPr lang="ru-RU" sz="3600" dirty="0"/>
           </a:p>
         </p:txBody>
       </p:sp>
@@ -9516,13 +6513,6 @@
   <p:clrMapOvr>
     <a:masterClrMapping/>
   </p:clrMapOvr>
-  <p:timing>
-    <p:tnLst>
-      <p:par>
-        <p:cTn id="1" dur="indefinite" restart="never" nodeType="tmRoot"/>
-      </p:par>
-    </p:tnLst>
-  </p:timing>
 </p:sld>
 </file>
 
@@ -9564,10 +6554,9 @@
           <a:lstStyle/>
           <a:p>
             <a:r>
-              <a:rPr lang="ru-RU" dirty="0" smtClean="0"/>
+              <a:rPr lang="ru-RU" dirty="0"/>
               <a:t>Проектирование программного продукта</a:t>
             </a:r>
-            <a:endParaRPr lang="ru-RU" dirty="0"/>
           </a:p>
         </p:txBody>
       </p:sp>
@@ -9624,50 +6613,20 @@
           <a:p>
             <a:pPr algn="ctr"/>
             <a:r>
-              <a:rPr lang="ru-RU" sz="3200" dirty="0" smtClean="0"/>
+              <a:rPr lang="ru-RU" sz="3200" dirty="0"/>
               <a:t>Контекстная диаграмма </a:t>
             </a:r>
             <a:r>
-              <a:rPr lang="en-US" sz="3200" dirty="0" smtClean="0"/>
+              <a:rPr lang="en-US" sz="3200" dirty="0"/>
               <a:t>IDEF0</a:t>
             </a:r>
             <a:r>
-              <a:rPr lang="ru-RU" sz="3200" dirty="0" smtClean="0"/>
+              <a:rPr lang="ru-RU" sz="3200" dirty="0"/>
               <a:t> </a:t>
             </a:r>
-            <a:endParaRPr lang="ru-RU" sz="3200" dirty="0"/>
-          </a:p>
-        </p:txBody>
-      </p:sp>
-      <p:pic>
-        <p:nvPicPr>
-          <p:cNvPr id="6" name="image5.png"/>
-          <p:cNvPicPr/>
-          <p:nvPr/>
-        </p:nvPicPr>
-        <p:blipFill>
-          <a:blip r:embed="rId3"/>
-          <a:srcRect/>
-          <a:stretch>
-            <a:fillRect/>
-          </a:stretch>
-        </p:blipFill>
-        <p:spPr>
-          <a:xfrm>
-            <a:off x="6464595" y="2775133"/>
-            <a:ext cx="5536203" cy="3773151"/>
-          </a:xfrm>
-          <a:prstGeom prst="rect">
-            <a:avLst/>
-          </a:prstGeom>
-          <a:ln w="3175">
-            <a:solidFill>
-              <a:srgbClr val="000000"/>
-            </a:solidFill>
-            <a:prstDash val="solid"/>
-          </a:ln>
-        </p:spPr>
-      </p:pic>
+          </a:p>
+        </p:txBody>
+      </p:sp>
       <p:sp>
         <p:nvSpPr>
           <p:cNvPr id="7" name="TextBox 6"/>
@@ -9692,13 +6651,52 @@
           <a:p>
             <a:pPr algn="ctr"/>
             <a:r>
-              <a:rPr lang="ru-RU" sz="3200" dirty="0" smtClean="0"/>
+              <a:rPr lang="ru-RU" sz="3200" dirty="0"/>
               <a:t>Диаграмма декомпозиций А1</a:t>
             </a:r>
-            <a:endParaRPr lang="ru-RU" sz="3200" dirty="0"/>
-          </a:p>
-        </p:txBody>
-      </p:sp>
+          </a:p>
+        </p:txBody>
+      </p:sp>
+      <p:pic>
+        <p:nvPicPr>
+          <p:cNvPr id="3" name="Рисунок 2">
+            <a:extLst>
+              <a:ext uri="{FF2B5EF4-FFF2-40B4-BE49-F238E27FC236}">
+                <a16:creationId xmlns:a16="http://schemas.microsoft.com/office/drawing/2014/main" id="{EB1D0BB9-A13A-E91C-F86E-E1F89217E14B}"/>
+              </a:ext>
+            </a:extLst>
+          </p:cNvPr>
+          <p:cNvPicPr>
+            <a:picLocks noChangeAspect="1"/>
+          </p:cNvPicPr>
+          <p:nvPr/>
+        </p:nvPicPr>
+        <p:blipFill>
+          <a:blip r:embed="rId3"/>
+          <a:stretch>
+            <a:fillRect/>
+          </a:stretch>
+        </p:blipFill>
+        <p:spPr>
+          <a:xfrm>
+            <a:off x="6386152" y="2775133"/>
+            <a:ext cx="5380141" cy="3829121"/>
+          </a:xfrm>
+          <a:prstGeom prst="rect">
+            <a:avLst/>
+          </a:prstGeom>
+          <a:noFill/>
+          <a:ln w="3175" cmpd="sng">
+            <a:solidFill>
+              <a:srgbClr val="000000"/>
+            </a:solidFill>
+            <a:miter lim="800000"/>
+            <a:headEnd/>
+            <a:tailEnd/>
+          </a:ln>
+          <a:effectLst/>
+        </p:spPr>
+      </p:pic>
     </p:spTree>
     <p:extLst>
       <p:ext uri="{BB962C8B-B14F-4D97-AF65-F5344CB8AC3E}">
@@ -9709,13 +6707,6 @@
   <p:clrMapOvr>
     <a:masterClrMapping/>
   </p:clrMapOvr>
-  <p:timing>
-    <p:tnLst>
-      <p:par>
-        <p:cTn id="1" dur="indefinite" restart="never" nodeType="tmRoot"/>
-      </p:par>
-    </p:tnLst>
-  </p:timing>
 </p:sld>
 </file>
 
@@ -9752,10 +6743,9 @@
           <a:lstStyle/>
           <a:p>
             <a:r>
-              <a:rPr lang="ru-RU" dirty="0" smtClean="0"/>
+              <a:rPr lang="ru-RU" dirty="0"/>
               <a:t>Проектирование программного продукта</a:t>
             </a:r>
-            <a:endParaRPr lang="ru-RU" dirty="0"/>
           </a:p>
         </p:txBody>
       </p:sp>
@@ -9816,10 +6806,9 @@
           <a:p>
             <a:pPr algn="ctr"/>
             <a:r>
-              <a:rPr lang="ru-RU" sz="3200" dirty="0" smtClean="0"/>
+              <a:rPr lang="ru-RU" sz="3200" dirty="0"/>
               <a:t>Диаграмма классов</a:t>
             </a:r>
-            <a:endParaRPr lang="ru-RU" sz="3200" dirty="0"/>
           </a:p>
         </p:txBody>
       </p:sp>
@@ -9876,10 +6865,9 @@
           <a:p>
             <a:pPr algn="ctr"/>
             <a:r>
-              <a:rPr lang="ru-RU" sz="3200" dirty="0" smtClean="0"/>
+              <a:rPr lang="ru-RU" sz="3200" dirty="0"/>
               <a:t>Диаграмма потоков данных</a:t>
             </a:r>
-            <a:endParaRPr lang="ru-RU" sz="3200" dirty="0"/>
           </a:p>
         </p:txBody>
       </p:sp>
@@ -9893,20 +6881,13 @@
   <p:clrMapOvr>
     <a:masterClrMapping/>
   </p:clrMapOvr>
-  <p:timing>
-    <p:tnLst>
-      <p:par>
-        <p:cTn id="1" dur="indefinite" restart="never" nodeType="tmRoot"/>
-      </p:par>
-    </p:tnLst>
-  </p:timing>
 </p:sld>
 </file>
 
 <file path=ppt/theme/theme1.xml><?xml version="1.0" encoding="utf-8"?>
-<a:theme xmlns:a="http://schemas.openxmlformats.org/drawingml/2006/main" name="Капля">
+<a:theme xmlns:a="http://schemas.openxmlformats.org/drawingml/2006/main" name="Тема Office">
   <a:themeElements>
-    <a:clrScheme name="Капля">
+    <a:clrScheme name="Стандартная">
       <a:dk1>
         <a:sysClr val="windowText" lastClr="000000"/>
       </a:dk1>
@@ -9914,44 +6895,44 @@
         <a:sysClr val="window" lastClr="FFFFFF"/>
       </a:lt1>
       <a:dk2>
-        <a:srgbClr val="355071"/>
+        <a:srgbClr val="44546A"/>
       </a:dk2>
       <a:lt2>
-        <a:srgbClr val="AABED7"/>
+        <a:srgbClr val="E7E6E6"/>
       </a:lt2>
       <a:accent1>
-        <a:srgbClr val="2FA3EE"/>
+        <a:srgbClr val="4472C4"/>
       </a:accent1>
       <a:accent2>
-        <a:srgbClr val="4BCAAD"/>
+        <a:srgbClr val="ED7D31"/>
       </a:accent2>
       <a:accent3>
-        <a:srgbClr val="86C157"/>
+        <a:srgbClr val="A5A5A5"/>
       </a:accent3>
       <a:accent4>
-        <a:srgbClr val="D99C3F"/>
+        <a:srgbClr val="FFC000"/>
       </a:accent4>
       <a:accent5>
-        <a:srgbClr val="CE6633"/>
+        <a:srgbClr val="5B9BD5"/>
       </a:accent5>
       <a:accent6>
-        <a:srgbClr val="A35DD1"/>
+        <a:srgbClr val="70AD47"/>
       </a:accent6>
       <a:hlink>
-        <a:srgbClr val="56BCFE"/>
+        <a:srgbClr val="0563C1"/>
       </a:hlink>
       <a:folHlink>
-        <a:srgbClr val="97C5E3"/>
+        <a:srgbClr val="954F72"/>
       </a:folHlink>
     </a:clrScheme>
-    <a:fontScheme name="Капля">
+    <a:fontScheme name="Стандартная">
       <a:majorFont>
-        <a:latin typeface="Tw Cen MT" panose="020B0602020104020603"/>
+        <a:latin typeface="Calibri Light" panose="020F0302020204030204"/>
         <a:ea typeface=""/>
         <a:cs typeface=""/>
-        <a:font script="Jpan" typeface="ＭＳ Ｐゴシック"/>
+        <a:font script="Jpan" typeface="游ゴシック Light"/>
         <a:font script="Hang" typeface="맑은 고딕"/>
-        <a:font script="Hans" typeface="宋体"/>
+        <a:font script="Hans" typeface="等线 Light"/>
         <a:font script="Hant" typeface="新細明體"/>
         <a:font script="Arab" typeface="Times New Roman"/>
         <a:font script="Hebr" typeface="Times New Roman"/>
@@ -9979,14 +6960,31 @@
         <a:font script="Viet" typeface="Times New Roman"/>
         <a:font script="Uigh" typeface="Microsoft Uighur"/>
         <a:font script="Geor" typeface="Sylfaen"/>
+        <a:font script="Armn" typeface="Arial"/>
+        <a:font script="Bugi" typeface="Leelawadee UI"/>
+        <a:font script="Bopo" typeface="Microsoft JhengHei"/>
+        <a:font script="Java" typeface="Javanese Text"/>
+        <a:font script="Lisu" typeface="Segoe UI"/>
+        <a:font script="Mymr" typeface="Myanmar Text"/>
+        <a:font script="Nkoo" typeface="Ebrima"/>
+        <a:font script="Olck" typeface="Nirmala UI"/>
+        <a:font script="Osma" typeface="Ebrima"/>
+        <a:font script="Phag" typeface="Phagspa"/>
+        <a:font script="Syrn" typeface="Estrangelo Edessa"/>
+        <a:font script="Syrj" typeface="Estrangelo Edessa"/>
+        <a:font script="Syre" typeface="Estrangelo Edessa"/>
+        <a:font script="Sora" typeface="Nirmala UI"/>
+        <a:font script="Tale" typeface="Microsoft Tai Le"/>
+        <a:font script="Talu" typeface="Microsoft New Tai Lue"/>
+        <a:font script="Tfng" typeface="Ebrima"/>
       </a:majorFont>
       <a:minorFont>
-        <a:latin typeface="Tw Cen MT" panose="020B0602020104020603"/>
+        <a:latin typeface="Calibri" panose="020F0502020204030204"/>
         <a:ea typeface=""/>
         <a:cs typeface=""/>
-        <a:font script="Jpan" typeface="ＭＳ Ｐゴシック"/>
+        <a:font script="Jpan" typeface="游ゴシック"/>
         <a:font script="Hang" typeface="맑은 고딕"/>
-        <a:font script="Hans" typeface="宋体"/>
+        <a:font script="Hans" typeface="等线"/>
         <a:font script="Hant" typeface="新細明體"/>
         <a:font script="Arab" typeface="Arial"/>
         <a:font script="Hebr" typeface="Arial"/>
@@ -10014,105 +7012,27 @@
         <a:font script="Viet" typeface="Arial"/>
         <a:font script="Uigh" typeface="Microsoft Uighur"/>
         <a:font script="Geor" typeface="Sylfaen"/>
+        <a:font script="Armn" typeface="Arial"/>
+        <a:font script="Bugi" typeface="Leelawadee UI"/>
+        <a:font script="Bopo" typeface="Microsoft JhengHei"/>
+        <a:font script="Java" typeface="Javanese Text"/>
+        <a:font script="Lisu" typeface="Segoe UI"/>
+        <a:font script="Mymr" typeface="Myanmar Text"/>
+        <a:font script="Nkoo" typeface="Ebrima"/>
+        <a:font script="Olck" typeface="Nirmala UI"/>
+        <a:font script="Osma" typeface="Ebrima"/>
+        <a:font script="Phag" typeface="Phagspa"/>
+        <a:font script="Syrn" typeface="Estrangelo Edessa"/>
+        <a:font script="Syrj" typeface="Estrangelo Edessa"/>
+        <a:font script="Syre" typeface="Estrangelo Edessa"/>
+        <a:font script="Sora" typeface="Nirmala UI"/>
+        <a:font script="Tale" typeface="Microsoft Tai Le"/>
+        <a:font script="Talu" typeface="Microsoft New Tai Lue"/>
+        <a:font script="Tfng" typeface="Ebrima"/>
       </a:minorFont>
     </a:fontScheme>
-    <a:fmtScheme name="Капля">
+    <a:fmtScheme name="Стандартная">
       <a:fillStyleLst>
-        <a:solidFill>
-          <a:schemeClr val="phClr"/>
-        </a:solidFill>
-        <a:solidFill>
-          <a:schemeClr val="phClr">
-            <a:tint val="69000"/>
-            <a:satMod val="105000"/>
-            <a:lumMod val="110000"/>
-          </a:schemeClr>
-        </a:solidFill>
-        <a:gradFill rotWithShape="1">
-          <a:gsLst>
-            <a:gs pos="0">
-              <a:schemeClr val="phClr">
-                <a:tint val="94000"/>
-                <a:satMod val="100000"/>
-                <a:lumMod val="108000"/>
-              </a:schemeClr>
-            </a:gs>
-            <a:gs pos="50000">
-              <a:schemeClr val="phClr">
-                <a:tint val="98000"/>
-                <a:shade val="100000"/>
-                <a:satMod val="100000"/>
-                <a:lumMod val="100000"/>
-              </a:schemeClr>
-            </a:gs>
-            <a:gs pos="100000">
-              <a:schemeClr val="phClr">
-                <a:shade val="72000"/>
-                <a:satMod val="120000"/>
-                <a:lumMod val="100000"/>
-              </a:schemeClr>
-            </a:gs>
-          </a:gsLst>
-          <a:lin ang="5400000" scaled="0"/>
-        </a:gradFill>
-      </a:fillStyleLst>
-      <a:lnStyleLst>
-        <a:ln w="9525" cap="flat" cmpd="sng" algn="ctr">
-          <a:solidFill>
-            <a:schemeClr val="phClr">
-              <a:shade val="60000"/>
-            </a:schemeClr>
-          </a:solidFill>
-          <a:prstDash val="solid"/>
-        </a:ln>
-        <a:ln w="15875" cap="flat" cmpd="sng" algn="ctr">
-          <a:solidFill>
-            <a:schemeClr val="phClr"/>
-          </a:solidFill>
-          <a:prstDash val="solid"/>
-        </a:ln>
-        <a:ln w="22225" cap="flat" cmpd="sng" algn="ctr">
-          <a:solidFill>
-            <a:schemeClr val="phClr"/>
-          </a:solidFill>
-          <a:prstDash val="solid"/>
-        </a:ln>
-      </a:lnStyleLst>
-      <a:effectStyleLst>
-        <a:effectStyle>
-          <a:effectLst/>
-        </a:effectStyle>
-        <a:effectStyle>
-          <a:effectLst>
-            <a:outerShdw blurRad="50800" dist="25400" dir="5400000" rotWithShape="0">
-              <a:srgbClr val="000000">
-                <a:alpha val="28000"/>
-              </a:srgbClr>
-            </a:outerShdw>
-          </a:effectLst>
-        </a:effectStyle>
-        <a:effectStyle>
-          <a:effectLst>
-            <a:outerShdw blurRad="63500" dist="25400" dir="5400000" algn="ctr" rotWithShape="0">
-              <a:srgbClr val="000000">
-                <a:alpha val="69000"/>
-              </a:srgbClr>
-            </a:outerShdw>
-          </a:effectLst>
-          <a:scene3d>
-            <a:camera prst="orthographicFront">
-              <a:rot lat="0" lon="0" rev="0"/>
-            </a:camera>
-            <a:lightRig rig="balanced" dir="t">
-              <a:rot lat="0" lon="0" rev="1200000"/>
-            </a:lightRig>
-          </a:scene3d>
-          <a:sp3d prstMaterial="plastic">
-            <a:bevelT w="25400" h="25400"/>
-          </a:sp3d>
-        </a:effectStyle>
-      </a:effectStyleLst>
-      <a:bgFillStyleLst>
         <a:solidFill>
           <a:schemeClr val="phClr"/>
         </a:solidFill>
@@ -10120,14 +7040,23 @@
           <a:gsLst>
             <a:gs pos="0">
               <a:schemeClr val="phClr">
-                <a:tint val="90000"/>
                 <a:lumMod val="110000"/>
+                <a:satMod val="105000"/>
+                <a:tint val="67000"/>
+              </a:schemeClr>
+            </a:gs>
+            <a:gs pos="50000">
+              <a:schemeClr val="phClr">
+                <a:lumMod val="105000"/>
+                <a:satMod val="103000"/>
+                <a:tint val="73000"/>
               </a:schemeClr>
             </a:gs>
             <a:gs pos="100000">
               <a:schemeClr val="phClr">
-                <a:shade val="64000"/>
-                <a:lumMod val="88000"/>
+                <a:lumMod val="105000"/>
+                <a:satMod val="109000"/>
+                <a:tint val="81000"/>
               </a:schemeClr>
             </a:gs>
           </a:gsLst>
@@ -10137,18 +7066,101 @@
           <a:gsLst>
             <a:gs pos="0">
               <a:schemeClr val="phClr">
-                <a:tint val="84000"/>
+                <a:satMod val="103000"/>
+                <a:lumMod val="102000"/>
+                <a:tint val="94000"/>
+              </a:schemeClr>
+            </a:gs>
+            <a:gs pos="50000">
+              <a:schemeClr val="phClr">
+                <a:satMod val="110000"/>
+                <a:lumMod val="100000"/>
                 <a:shade val="100000"/>
-                <a:hueMod val="130000"/>
-                <a:satMod val="150000"/>
-                <a:lumMod val="112000"/>
               </a:schemeClr>
             </a:gs>
             <a:gs pos="100000">
               <a:schemeClr val="phClr">
-                <a:shade val="92000"/>
-                <a:satMod val="140000"/>
-                <a:lumMod val="110000"/>
+                <a:lumMod val="99000"/>
+                <a:satMod val="120000"/>
+                <a:shade val="78000"/>
+              </a:schemeClr>
+            </a:gs>
+          </a:gsLst>
+          <a:lin ang="5400000" scaled="0"/>
+        </a:gradFill>
+      </a:fillStyleLst>
+      <a:lnStyleLst>
+        <a:ln w="6350" cap="flat" cmpd="sng" algn="ctr">
+          <a:solidFill>
+            <a:schemeClr val="phClr"/>
+          </a:solidFill>
+          <a:prstDash val="solid"/>
+          <a:miter lim="800000"/>
+        </a:ln>
+        <a:ln w="12700" cap="flat" cmpd="sng" algn="ctr">
+          <a:solidFill>
+            <a:schemeClr val="phClr"/>
+          </a:solidFill>
+          <a:prstDash val="solid"/>
+          <a:miter lim="800000"/>
+        </a:ln>
+        <a:ln w="19050" cap="flat" cmpd="sng" algn="ctr">
+          <a:solidFill>
+            <a:schemeClr val="phClr"/>
+          </a:solidFill>
+          <a:prstDash val="solid"/>
+          <a:miter lim="800000"/>
+        </a:ln>
+      </a:lnStyleLst>
+      <a:effectStyleLst>
+        <a:effectStyle>
+          <a:effectLst/>
+        </a:effectStyle>
+        <a:effectStyle>
+          <a:effectLst/>
+        </a:effectStyle>
+        <a:effectStyle>
+          <a:effectLst>
+            <a:outerShdw blurRad="57150" dist="19050" dir="5400000" algn="ctr" rotWithShape="0">
+              <a:srgbClr val="000000">
+                <a:alpha val="63000"/>
+              </a:srgbClr>
+            </a:outerShdw>
+          </a:effectLst>
+        </a:effectStyle>
+      </a:effectStyleLst>
+      <a:bgFillStyleLst>
+        <a:solidFill>
+          <a:schemeClr val="phClr"/>
+        </a:solidFill>
+        <a:solidFill>
+          <a:schemeClr val="phClr">
+            <a:tint val="95000"/>
+            <a:satMod val="170000"/>
+          </a:schemeClr>
+        </a:solidFill>
+        <a:gradFill rotWithShape="1">
+          <a:gsLst>
+            <a:gs pos="0">
+              <a:schemeClr val="phClr">
+                <a:tint val="93000"/>
+                <a:satMod val="150000"/>
+                <a:shade val="98000"/>
+                <a:lumMod val="102000"/>
+              </a:schemeClr>
+            </a:gs>
+            <a:gs pos="50000">
+              <a:schemeClr val="phClr">
+                <a:tint val="98000"/>
+                <a:satMod val="130000"/>
+                <a:shade val="90000"/>
+                <a:lumMod val="103000"/>
+              </a:schemeClr>
+            </a:gs>
+            <a:gs pos="100000">
+              <a:schemeClr val="phClr">
+                <a:shade val="63000"/>
+                <a:satMod val="120000"/>
               </a:schemeClr>
             </a:gs>
           </a:gsLst>
@@ -10161,7 +7173,7 @@
   <a:extraClrSchemeLst/>
   <a:extLst>
     <a:ext uri="{05A4C25C-085E-4340-85A3-A5531E510DB2}">
-      <thm15:themeFamily xmlns:thm15="http://schemas.microsoft.com/office/thememl/2012/main" name="Droplet" id="{8984A317-299A-4E50-B45D-BFC9EDE2337A}" vid="{A633B6A3-9E7F-4C10-9C98-2517A3134361}"/>
+      <thm15:themeFamily xmlns:thm15="http://schemas.microsoft.com/office/thememl/2012/main" name="Office Theme" id="{62F939B6-93AF-4DB8-9C6B-D6C7DFDC589F}" vid="{4A3C46E8-61CC-4603-A589-7422A47A8E4A}"/>
     </a:ext>
   </a:extLst>
 </a:theme>

--- a/Курсовая работа.pptx
+++ b/Курсовая работа.pptx
@@ -212,7 +212,7 @@
           <a:p>
             <a:fld id="{7FB564F2-E882-43E8-B38A-618070AC5FB3}" type="datetimeFigureOut">
               <a:rPr lang="ru-RU" smtClean="0"/>
-              <a:t>21.11.2023</a:t>
+              <a:t>22.11.2023</a:t>
             </a:fld>
             <a:endParaRPr lang="ru-RU"/>
           </a:p>
@@ -626,7 +626,7 @@
           <a:p>
             <a:fld id="{DDC647A9-AAA3-4641-ACE7-C285BA9E2E71}" type="datetimeFigureOut">
               <a:rPr lang="ru-RU" smtClean="0"/>
-              <a:t>21.11.2023</a:t>
+              <a:t>22.11.2023</a:t>
             </a:fld>
             <a:endParaRPr lang="ru-RU"/>
           </a:p>
@@ -824,7 +824,7 @@
           <a:p>
             <a:fld id="{DDC647A9-AAA3-4641-ACE7-C285BA9E2E71}" type="datetimeFigureOut">
               <a:rPr lang="ru-RU" smtClean="0"/>
-              <a:t>21.11.2023</a:t>
+              <a:t>22.11.2023</a:t>
             </a:fld>
             <a:endParaRPr lang="ru-RU"/>
           </a:p>
@@ -1032,7 +1032,7 @@
           <a:p>
             <a:fld id="{DDC647A9-AAA3-4641-ACE7-C285BA9E2E71}" type="datetimeFigureOut">
               <a:rPr lang="ru-RU" smtClean="0"/>
-              <a:t>21.11.2023</a:t>
+              <a:t>22.11.2023</a:t>
             </a:fld>
             <a:endParaRPr lang="ru-RU"/>
           </a:p>
@@ -1230,7 +1230,7 @@
           <a:p>
             <a:fld id="{DDC647A9-AAA3-4641-ACE7-C285BA9E2E71}" type="datetimeFigureOut">
               <a:rPr lang="ru-RU" smtClean="0"/>
-              <a:t>21.11.2023</a:t>
+              <a:t>22.11.2023</a:t>
             </a:fld>
             <a:endParaRPr lang="ru-RU"/>
           </a:p>
@@ -1505,7 +1505,7 @@
           <a:p>
             <a:fld id="{DDC647A9-AAA3-4641-ACE7-C285BA9E2E71}" type="datetimeFigureOut">
               <a:rPr lang="ru-RU" smtClean="0"/>
-              <a:t>21.11.2023</a:t>
+              <a:t>22.11.2023</a:t>
             </a:fld>
             <a:endParaRPr lang="ru-RU"/>
           </a:p>
@@ -1770,7 +1770,7 @@
           <a:p>
             <a:fld id="{DDC647A9-AAA3-4641-ACE7-C285BA9E2E71}" type="datetimeFigureOut">
               <a:rPr lang="ru-RU" smtClean="0"/>
-              <a:t>21.11.2023</a:t>
+              <a:t>22.11.2023</a:t>
             </a:fld>
             <a:endParaRPr lang="ru-RU"/>
           </a:p>
@@ -2182,7 +2182,7 @@
           <a:p>
             <a:fld id="{DDC647A9-AAA3-4641-ACE7-C285BA9E2E71}" type="datetimeFigureOut">
               <a:rPr lang="ru-RU" smtClean="0"/>
-              <a:t>21.11.2023</a:t>
+              <a:t>22.11.2023</a:t>
             </a:fld>
             <a:endParaRPr lang="ru-RU"/>
           </a:p>
@@ -2323,7 +2323,7 @@
           <a:p>
             <a:fld id="{DDC647A9-AAA3-4641-ACE7-C285BA9E2E71}" type="datetimeFigureOut">
               <a:rPr lang="ru-RU" smtClean="0"/>
-              <a:t>21.11.2023</a:t>
+              <a:t>22.11.2023</a:t>
             </a:fld>
             <a:endParaRPr lang="ru-RU"/>
           </a:p>
@@ -2436,7 +2436,7 @@
           <a:p>
             <a:fld id="{DDC647A9-AAA3-4641-ACE7-C285BA9E2E71}" type="datetimeFigureOut">
               <a:rPr lang="ru-RU" smtClean="0"/>
-              <a:t>21.11.2023</a:t>
+              <a:t>22.11.2023</a:t>
             </a:fld>
             <a:endParaRPr lang="ru-RU"/>
           </a:p>
@@ -2747,7 +2747,7 @@
           <a:p>
             <a:fld id="{DDC647A9-AAA3-4641-ACE7-C285BA9E2E71}" type="datetimeFigureOut">
               <a:rPr lang="ru-RU" smtClean="0"/>
-              <a:t>21.11.2023</a:t>
+              <a:t>22.11.2023</a:t>
             </a:fld>
             <a:endParaRPr lang="ru-RU"/>
           </a:p>
@@ -3035,7 +3035,7 @@
           <a:p>
             <a:fld id="{DDC647A9-AAA3-4641-ACE7-C285BA9E2E71}" type="datetimeFigureOut">
               <a:rPr lang="ru-RU" smtClean="0"/>
-              <a:t>21.11.2023</a:t>
+              <a:t>22.11.2023</a:t>
             </a:fld>
             <a:endParaRPr lang="ru-RU"/>
           </a:p>
@@ -3276,7 +3276,7 @@
           <a:p>
             <a:fld id="{DDC647A9-AAA3-4641-ACE7-C285BA9E2E71}" type="datetimeFigureOut">
               <a:rPr lang="ru-RU" smtClean="0"/>
-              <a:t>21.11.2023</a:t>
+              <a:t>22.11.2023</a:t>
             </a:fld>
             <a:endParaRPr lang="ru-RU"/>
           </a:p>
@@ -3769,13 +3769,8 @@
             </a:br>
             <a:r>
               <a:rPr lang="ru-RU" dirty="0"/>
-              <a:t>Руководитель: Морозов </a:t>
-            </a:r>
-            <a:r>
-              <a:rPr lang="ru-RU" dirty="0" err="1"/>
-              <a:t>м.п</a:t>
-            </a:r>
-            <a:endParaRPr lang="ru-RU" dirty="0"/>
+              <a:t>Руководитель: Морозов М.П</a:t>
+            </a:r>
           </a:p>
         </p:txBody>
       </p:sp>
@@ -5420,25 +5415,26 @@
           <a:lstStyle/>
           <a:p>
             <a:r>
-              <a:rPr lang="ru-RU" dirty="0"/>
-              <a:t>Склад – это сложное техническое сооружение, предназначенное для приемки, размещения, накопления, хранения, переработки, отпуска и доставки продукции потребителям.</a:t>
-            </a:r>
-          </a:p>
-          <a:p>
-            <a:r>
-              <a:rPr lang="ru-RU" dirty="0"/>
-              <a:t>Большая часть складов проектируется для хранения сырья до выполнения операций и готовой продукции до её </a:t>
-            </a:r>
-            <a:r>
-              <a:rPr lang="ru-RU" dirty="0" err="1"/>
-              <a:t>дистрибьюции</a:t>
-            </a:r>
-            <a:r>
-              <a:rPr lang="ru-RU" dirty="0"/>
-              <a:t>. В меньшей степени здесь хранят незавершенное производство, расходуемые материалы и запасные части.</a:t>
-            </a:r>
-          </a:p>
-          <a:p>
+              <a:rPr lang="ru-RU" b="0" i="0" dirty="0">
+                <a:effectLst/>
+                <a:latin typeface="YS Text"/>
+              </a:rPr>
+              <a:t>Складской комплекс – </a:t>
+            </a:r>
+            <a:r>
+              <a:rPr lang="ru-RU" i="0" dirty="0">
+                <a:effectLst/>
+                <a:latin typeface="YS Text"/>
+              </a:rPr>
+              <a:t>совокупность складских помещений, на доступной площади которых производится хранение товаров и грузов</a:t>
+            </a:r>
+            <a:r>
+              <a:rPr lang="ru-RU" b="0" i="0" dirty="0">
+                <a:effectLst/>
+                <a:latin typeface="YS Text"/>
+              </a:rPr>
+              <a:t>. Помещения могут быть расположены отдельно или иметь общее покрытие с разными системами охраны. Непосредственно на территории складского комплекса производятся складские логистические услуги (размещение, учет, обновление, перемещение).</a:t>
+            </a:r>
             <a:endParaRPr lang="ru-RU" dirty="0"/>
           </a:p>
         </p:txBody>
@@ -5505,7 +5501,7 @@
             <p:ph idx="1"/>
             <p:extLst>
               <p:ext uri="{D42A27DB-BD31-4B8C-83A1-F6EECF244321}">
-                <p14:modId xmlns:p14="http://schemas.microsoft.com/office/powerpoint/2010/main" val="3529093120"/>
+                <p14:modId xmlns:p14="http://schemas.microsoft.com/office/powerpoint/2010/main" val="1316027171"/>
               </p:ext>
             </p:extLst>
           </p:nvPr>
@@ -5671,7 +5667,7 @@
                       <a:pPr algn="ctr"/>
                       <a:r>
                         <a:rPr lang="en-US" dirty="0"/>
-                        <a:t>MySQL</a:t>
+                        <a:t>MariaDB</a:t>
                       </a:r>
                       <a:endParaRPr lang="ru-RU" dirty="0"/>
                     </a:p>
@@ -6031,10 +6027,10 @@
       </p:pic>
       <p:pic>
         <p:nvPicPr>
-          <p:cNvPr id="1034" name="Picture 10">
-            <a:extLst>
-              <a:ext uri="{FF2B5EF4-FFF2-40B4-BE49-F238E27FC236}">
-                <a16:creationId xmlns:a16="http://schemas.microsoft.com/office/drawing/2014/main" id="{82B57BCC-5597-3959-F5D4-AFA2F36BF827}"/>
+          <p:cNvPr id="3" name="Picture 2">
+            <a:extLst>
+              <a:ext uri="{FF2B5EF4-FFF2-40B4-BE49-F238E27FC236}">
+                <a16:creationId xmlns:a16="http://schemas.microsoft.com/office/drawing/2014/main" id="{22D921F0-F189-A2F3-D18C-8E9A40EB5DBD}"/>
               </a:ext>
             </a:extLst>
           </p:cNvPr>
@@ -6058,8 +6054,8 @@
         </p:blipFill>
         <p:spPr bwMode="auto">
           <a:xfrm>
-            <a:off x="5654767" y="3432931"/>
-            <a:ext cx="882466" cy="551541"/>
+            <a:off x="5806014" y="3376358"/>
+            <a:ext cx="579972" cy="579972"/>
           </a:xfrm>
           <a:prstGeom prst="rect">
             <a:avLst/>
@@ -6560,35 +6556,6 @@
           </a:p>
         </p:txBody>
       </p:sp>
-      <p:pic>
-        <p:nvPicPr>
-          <p:cNvPr id="4" name="image3.png"/>
-          <p:cNvPicPr/>
-          <p:nvPr/>
-        </p:nvPicPr>
-        <p:blipFill>
-          <a:blip r:embed="rId2"/>
-          <a:srcRect/>
-          <a:stretch>
-            <a:fillRect/>
-          </a:stretch>
-        </p:blipFill>
-        <p:spPr>
-          <a:xfrm>
-            <a:off x="362052" y="2775133"/>
-            <a:ext cx="5478309" cy="3773151"/>
-          </a:xfrm>
-          <a:prstGeom prst="rect">
-            <a:avLst/>
-          </a:prstGeom>
-          <a:ln w="3175">
-            <a:solidFill>
-              <a:srgbClr val="000000"/>
-            </a:solidFill>
-            <a:prstDash val="solid"/>
-          </a:ln>
-        </p:spPr>
-      </p:pic>
       <p:sp>
         <p:nvSpPr>
           <p:cNvPr id="5" name="TextBox 4"/>
@@ -6663,6 +6630,46 @@
             <a:extLst>
               <a:ext uri="{FF2B5EF4-FFF2-40B4-BE49-F238E27FC236}">
                 <a16:creationId xmlns:a16="http://schemas.microsoft.com/office/drawing/2014/main" id="{EB1D0BB9-A13A-E91C-F86E-E1F89217E14B}"/>
+              </a:ext>
+            </a:extLst>
+          </p:cNvPr>
+          <p:cNvPicPr>
+            <a:picLocks noChangeAspect="1"/>
+          </p:cNvPicPr>
+          <p:nvPr/>
+        </p:nvPicPr>
+        <p:blipFill>
+          <a:blip r:embed="rId2"/>
+          <a:stretch>
+            <a:fillRect/>
+          </a:stretch>
+        </p:blipFill>
+        <p:spPr>
+          <a:xfrm>
+            <a:off x="6386152" y="2775133"/>
+            <a:ext cx="5380141" cy="3829121"/>
+          </a:xfrm>
+          <a:prstGeom prst="rect">
+            <a:avLst/>
+          </a:prstGeom>
+          <a:noFill/>
+          <a:ln w="3175" cmpd="sng">
+            <a:solidFill>
+              <a:srgbClr val="000000"/>
+            </a:solidFill>
+            <a:miter lim="800000"/>
+            <a:headEnd/>
+            <a:tailEnd/>
+          </a:ln>
+          <a:effectLst/>
+        </p:spPr>
+      </p:pic>
+      <p:pic>
+        <p:nvPicPr>
+          <p:cNvPr id="6" name="Рисунок 5">
+            <a:extLst>
+              <a:ext uri="{FF2B5EF4-FFF2-40B4-BE49-F238E27FC236}">
+                <a16:creationId xmlns:a16="http://schemas.microsoft.com/office/drawing/2014/main" id="{87E800A5-2AEE-932A-E582-A48ED5531148}"/>
               </a:ext>
             </a:extLst>
           </p:cNvPr>
@@ -6679,8 +6686,8 @@
         </p:blipFill>
         <p:spPr>
           <a:xfrm>
-            <a:off x="6386152" y="2775133"/>
-            <a:ext cx="5380141" cy="3829121"/>
+            <a:off x="333491" y="2775133"/>
+            <a:ext cx="5535428" cy="3826300"/>
           </a:xfrm>
           <a:prstGeom prst="rect">
             <a:avLst/>
